--- a/Code/Andres_Mejia/Visualizations_AM.pptx
+++ b/Code/Andres_Mejia/Visualizations_AM.pptx
@@ -110,6 +110,11 @@
       </a:defRPr>
     </a:lvl9pPr>
   </p:defaultTextStyle>
+  <p:extLst>
+    <p:ext uri="{EFAFB233-063F-42B5-8137-9DF3F51BA10A}">
+      <p15:sldGuideLst xmlns:p15="http://schemas.microsoft.com/office/powerpoint/2012/main"/>
+    </p:ext>
+  </p:extLst>
 </p:presentation>
 </file>
 
@@ -6454,41 +6459,6 @@
       </p:pic>
       <p:pic>
         <p:nvPicPr>
-          <p:cNvPr id="9" name="Picture 8">
-            <a:extLst>
-              <a:ext uri="{FF2B5EF4-FFF2-40B4-BE49-F238E27FC236}">
-                <a16:creationId xmlns:a16="http://schemas.microsoft.com/office/drawing/2014/main" id="{797ED6D2-EF8B-9341-B008-3FB3B4777A45}"/>
-              </a:ext>
-            </a:extLst>
-          </p:cNvPr>
-          <p:cNvPicPr>
-            <a:picLocks noChangeAspect="1"/>
-          </p:cNvPicPr>
-          <p:nvPr/>
-        </p:nvPicPr>
-        <p:blipFill>
-          <a:blip r:embed="rId4"/>
-          <a:stretch>
-            <a:fillRect/>
-          </a:stretch>
-        </p:blipFill>
-        <p:spPr>
-          <a:xfrm>
-            <a:off x="6590889" y="1939693"/>
-            <a:ext cx="4687339" cy="2052444"/>
-          </a:xfrm>
-          <a:prstGeom prst="rect">
-            <a:avLst/>
-          </a:prstGeom>
-          <a:ln>
-            <a:solidFill>
-              <a:srgbClr val="FF0000"/>
-            </a:solidFill>
-          </a:ln>
-        </p:spPr>
-      </p:pic>
-      <p:pic>
-        <p:nvPicPr>
           <p:cNvPr id="10" name="Picture 9">
             <a:extLst>
               <a:ext uri="{FF2B5EF4-FFF2-40B4-BE49-F238E27FC236}">
@@ -6502,7 +6472,7 @@
           <p:nvPr/>
         </p:nvPicPr>
         <p:blipFill>
-          <a:blip r:embed="rId5"/>
+          <a:blip r:embed="rId4"/>
           <a:stretch>
             <a:fillRect/>
           </a:stretch>
@@ -6729,6 +6699,41 @@
           </a:graphicData>
         </a:graphic>
       </p:graphicFrame>
+      <p:pic>
+        <p:nvPicPr>
+          <p:cNvPr id="5" name="Picture 4">
+            <a:extLst>
+              <a:ext uri="{FF2B5EF4-FFF2-40B4-BE49-F238E27FC236}">
+                <a16:creationId xmlns:a16="http://schemas.microsoft.com/office/drawing/2014/main" id="{9FA835C4-CB44-DD41-BCEE-0711DD3A69B3}"/>
+              </a:ext>
+            </a:extLst>
+          </p:cNvPr>
+          <p:cNvPicPr>
+            <a:picLocks noChangeAspect="1"/>
+          </p:cNvPicPr>
+          <p:nvPr/>
+        </p:nvPicPr>
+        <p:blipFill>
+          <a:blip r:embed="rId5"/>
+          <a:stretch>
+            <a:fillRect/>
+          </a:stretch>
+        </p:blipFill>
+        <p:spPr>
+          <a:xfrm>
+            <a:off x="6590886" y="1939693"/>
+            <a:ext cx="4687340" cy="2052444"/>
+          </a:xfrm>
+          <a:prstGeom prst="rect">
+            <a:avLst/>
+          </a:prstGeom>
+          <a:ln>
+            <a:solidFill>
+              <a:srgbClr val="FF0000"/>
+            </a:solidFill>
+          </a:ln>
+        </p:spPr>
+      </p:pic>
     </p:spTree>
     <p:extLst>
       <p:ext uri="{BB962C8B-B14F-4D97-AF65-F5344CB8AC3E}">

--- a/Code/Andres_Mejia/Visualizations_AM.pptx
+++ b/Code/Andres_Mejia/Visualizations_AM.pptx
@@ -12,6 +12,9 @@
     <p:sldId id="260" r:id="rId6"/>
     <p:sldId id="261" r:id="rId7"/>
     <p:sldId id="262" r:id="rId8"/>
+    <p:sldId id="263" r:id="rId9"/>
+    <p:sldId id="264" r:id="rId10"/>
+    <p:sldId id="265" r:id="rId11"/>
   </p:sldIdLst>
   <p:sldSz cx="12192000" cy="6858000"/>
   <p:notesSz cx="6858000" cy="9144000"/>
@@ -289,7 +292,7 @@
           <a:p>
             <a:fld id="{48A87A34-81AB-432B-8DAE-1953F412C126}" type="datetimeFigureOut">
               <a:rPr lang="en-US" dirty="0"/>
-              <a:t>2/8/20</a:t>
+              <a:t>2/9/20</a:t>
             </a:fld>
             <a:endParaRPr lang="en-US" dirty="0"/>
           </a:p>
@@ -596,7 +599,7 @@
           <a:p>
             <a:fld id="{48A87A34-81AB-432B-8DAE-1953F412C126}" type="datetimeFigureOut">
               <a:rPr lang="en-US" dirty="0"/>
-              <a:t>2/8/20</a:t>
+              <a:t>2/9/20</a:t>
             </a:fld>
             <a:endParaRPr lang="en-US" dirty="0"/>
           </a:p>
@@ -813,7 +816,7 @@
           <a:p>
             <a:fld id="{48A87A34-81AB-432B-8DAE-1953F412C126}" type="datetimeFigureOut">
               <a:rPr lang="en-US" dirty="0"/>
-              <a:t>2/8/20</a:t>
+              <a:t>2/9/20</a:t>
             </a:fld>
             <a:endParaRPr lang="en-US" dirty="0"/>
           </a:p>
@@ -1099,7 +1102,7 @@
           <a:p>
             <a:fld id="{48A87A34-81AB-432B-8DAE-1953F412C126}" type="datetimeFigureOut">
               <a:rPr lang="en-US" dirty="0"/>
-              <a:t>2/8/20</a:t>
+              <a:t>2/9/20</a:t>
             </a:fld>
             <a:endParaRPr lang="en-US" dirty="0"/>
           </a:p>
@@ -1548,7 +1551,7 @@
           <a:p>
             <a:fld id="{48A87A34-81AB-432B-8DAE-1953F412C126}" type="datetimeFigureOut">
               <a:rPr lang="en-US" dirty="0"/>
-              <a:t>2/8/20</a:t>
+              <a:t>2/9/20</a:t>
             </a:fld>
             <a:endParaRPr lang="en-US" dirty="0"/>
           </a:p>
@@ -2119,7 +2122,7 @@
           <a:p>
             <a:fld id="{48A87A34-81AB-432B-8DAE-1953F412C126}" type="datetimeFigureOut">
               <a:rPr lang="en-US" dirty="0"/>
-              <a:t>2/8/20</a:t>
+              <a:t>2/9/20</a:t>
             </a:fld>
             <a:endParaRPr lang="en-US" dirty="0"/>
           </a:p>
@@ -2966,7 +2969,7 @@
           <a:p>
             <a:fld id="{48A87A34-81AB-432B-8DAE-1953F412C126}" type="datetimeFigureOut">
               <a:rPr lang="en-US" dirty="0"/>
-              <a:t>2/8/20</a:t>
+              <a:t>2/9/20</a:t>
             </a:fld>
             <a:endParaRPr lang="en-US" dirty="0"/>
           </a:p>
@@ -3166,7 +3169,7 @@
           <a:p>
             <a:fld id="{48A87A34-81AB-432B-8DAE-1953F412C126}" type="datetimeFigureOut">
               <a:rPr lang="en-US" dirty="0"/>
-              <a:t>2/8/20</a:t>
+              <a:t>2/9/20</a:t>
             </a:fld>
             <a:endParaRPr lang="en-US" dirty="0"/>
           </a:p>
@@ -3375,7 +3378,7 @@
           <a:p>
             <a:fld id="{48A87A34-81AB-432B-8DAE-1953F412C126}" type="datetimeFigureOut">
               <a:rPr lang="en-US" dirty="0"/>
-              <a:t>2/8/20</a:t>
+              <a:t>2/9/20</a:t>
             </a:fld>
             <a:endParaRPr lang="en-US" dirty="0"/>
           </a:p>
@@ -3575,7 +3578,7 @@
           <a:p>
             <a:fld id="{48A87A34-81AB-432B-8DAE-1953F412C126}" type="datetimeFigureOut">
               <a:rPr lang="en-US" dirty="0"/>
-              <a:t>2/8/20</a:t>
+              <a:t>2/9/20</a:t>
             </a:fld>
             <a:endParaRPr lang="en-US" dirty="0"/>
           </a:p>
@@ -3850,7 +3853,7 @@
           <a:p>
             <a:fld id="{48A87A34-81AB-432B-8DAE-1953F412C126}" type="datetimeFigureOut">
               <a:rPr lang="en-US" dirty="0"/>
-              <a:t>2/8/20</a:t>
+              <a:t>2/9/20</a:t>
             </a:fld>
             <a:endParaRPr lang="en-US" dirty="0"/>
           </a:p>
@@ -4112,7 +4115,7 @@
           <a:p>
             <a:fld id="{48A87A34-81AB-432B-8DAE-1953F412C126}" type="datetimeFigureOut">
               <a:rPr lang="en-US" dirty="0"/>
-              <a:t>2/8/20</a:t>
+              <a:t>2/9/20</a:t>
             </a:fld>
             <a:endParaRPr lang="en-US" dirty="0"/>
           </a:p>
@@ -4522,7 +4525,7 @@
           <a:p>
             <a:fld id="{48A87A34-81AB-432B-8DAE-1953F412C126}" type="datetimeFigureOut">
               <a:rPr lang="en-US" dirty="0"/>
-              <a:t>2/8/20</a:t>
+              <a:t>2/9/20</a:t>
             </a:fld>
             <a:endParaRPr lang="en-US" dirty="0"/>
           </a:p>
@@ -4665,7 +4668,7 @@
           <a:p>
             <a:fld id="{48A87A34-81AB-432B-8DAE-1953F412C126}" type="datetimeFigureOut">
               <a:rPr lang="en-US" dirty="0"/>
-              <a:t>2/8/20</a:t>
+              <a:t>2/9/20</a:t>
             </a:fld>
             <a:endParaRPr lang="en-US" dirty="0"/>
           </a:p>
@@ -4785,7 +4788,7 @@
           <a:p>
             <a:fld id="{48A87A34-81AB-432B-8DAE-1953F412C126}" type="datetimeFigureOut">
               <a:rPr lang="en-US" dirty="0"/>
-              <a:t>2/8/20</a:t>
+              <a:t>2/9/20</a:t>
             </a:fld>
             <a:endParaRPr lang="en-US" dirty="0"/>
           </a:p>
@@ -5059,7 +5062,7 @@
           <a:p>
             <a:fld id="{48A87A34-81AB-432B-8DAE-1953F412C126}" type="datetimeFigureOut">
               <a:rPr lang="en-US" dirty="0"/>
-              <a:t>2/8/20</a:t>
+              <a:t>2/9/20</a:t>
             </a:fld>
             <a:endParaRPr lang="en-US" dirty="0"/>
           </a:p>
@@ -5366,7 +5369,7 @@
           <a:p>
             <a:fld id="{48A87A34-81AB-432B-8DAE-1953F412C126}" type="datetimeFigureOut">
               <a:rPr lang="en-US" dirty="0"/>
-              <a:t>2/8/20</a:t>
+              <a:t>2/9/20</a:t>
             </a:fld>
             <a:endParaRPr lang="en-US" dirty="0"/>
           </a:p>
@@ -5615,7 +5618,7 @@
             <a:fld id="{48A87A34-81AB-432B-8DAE-1953F412C126}" type="datetimeFigureOut">
               <a:rPr lang="en-US" dirty="0"/>
               <a:pPr/>
-              <a:t>2/8/20</a:t>
+              <a:t>2/9/20</a:t>
             </a:fld>
             <a:endParaRPr lang="en-US" dirty="0"/>
           </a:p>
@@ -6124,6 +6127,211 @@
 </p:sld>
 </file>
 
+<file path=ppt/slides/slide10.xml><?xml version="1.0" encoding="utf-8"?>
+<p:sld xmlns:a="http://schemas.openxmlformats.org/drawingml/2006/main" xmlns:r="http://schemas.openxmlformats.org/officeDocument/2006/relationships" xmlns:p="http://schemas.openxmlformats.org/presentationml/2006/main">
+  <p:cSld>
+    <p:spTree>
+      <p:nvGrpSpPr>
+        <p:cNvPr id="1" name=""/>
+        <p:cNvGrpSpPr/>
+        <p:nvPr/>
+      </p:nvGrpSpPr>
+      <p:grpSpPr>
+        <a:xfrm>
+          <a:off x="0" y="0"/>
+          <a:ext cx="0" cy="0"/>
+          <a:chOff x="0" y="0"/>
+          <a:chExt cx="0" cy="0"/>
+        </a:xfrm>
+      </p:grpSpPr>
+      <p:sp>
+        <p:nvSpPr>
+          <p:cNvPr id="2" name="Title 1">
+            <a:extLst>
+              <a:ext uri="{FF2B5EF4-FFF2-40B4-BE49-F238E27FC236}">
+                <a16:creationId xmlns:a16="http://schemas.microsoft.com/office/drawing/2014/main" id="{CB42E2D6-819E-C24C-B2F2-A46C55ACF6E4}"/>
+              </a:ext>
+            </a:extLst>
+          </p:cNvPr>
+          <p:cNvSpPr>
+            <a:spLocks noGrp="1"/>
+          </p:cNvSpPr>
+          <p:nvPr>
+            <p:ph type="title"/>
+          </p:nvPr>
+        </p:nvSpPr>
+        <p:spPr/>
+        <p:txBody>
+          <a:bodyPr/>
+          <a:lstStyle/>
+          <a:p>
+            <a:r>
+              <a:rPr lang="en-US" dirty="0"/>
+              <a:t>Volatility Index</a:t>
+            </a:r>
+            <a:br>
+              <a:rPr lang="en-US" dirty="0"/>
+            </a:br>
+            <a:r>
+              <a:rPr lang="en-US" dirty="0"/>
+              <a:t>(Tailor Made – S&amp;P500 Visualization)</a:t>
+            </a:r>
+          </a:p>
+        </p:txBody>
+      </p:sp>
+      <p:pic>
+        <p:nvPicPr>
+          <p:cNvPr id="7" name="Picture 6">
+            <a:extLst>
+              <a:ext uri="{FF2B5EF4-FFF2-40B4-BE49-F238E27FC236}">
+                <a16:creationId xmlns:a16="http://schemas.microsoft.com/office/drawing/2014/main" id="{22C88FBD-DC8B-7C4A-A80E-ED89FDF57CE2}"/>
+              </a:ext>
+            </a:extLst>
+          </p:cNvPr>
+          <p:cNvPicPr>
+            <a:picLocks noChangeAspect="1"/>
+          </p:cNvPicPr>
+          <p:nvPr/>
+        </p:nvPicPr>
+        <p:blipFill>
+          <a:blip r:embed="rId2"/>
+          <a:stretch>
+            <a:fillRect/>
+          </a:stretch>
+        </p:blipFill>
+        <p:spPr>
+          <a:xfrm>
+            <a:off x="913775" y="1919899"/>
+            <a:ext cx="4687338" cy="2077107"/>
+          </a:xfrm>
+          <a:prstGeom prst="rect">
+            <a:avLst/>
+          </a:prstGeom>
+          <a:ln>
+            <a:solidFill>
+              <a:srgbClr val="FF0000"/>
+            </a:solidFill>
+          </a:ln>
+        </p:spPr>
+      </p:pic>
+      <p:pic>
+        <p:nvPicPr>
+          <p:cNvPr id="8" name="Picture 7">
+            <a:extLst>
+              <a:ext uri="{FF2B5EF4-FFF2-40B4-BE49-F238E27FC236}">
+                <a16:creationId xmlns:a16="http://schemas.microsoft.com/office/drawing/2014/main" id="{BB6DECE4-FCCD-1343-B373-16318E81BC8A}"/>
+              </a:ext>
+            </a:extLst>
+          </p:cNvPr>
+          <p:cNvPicPr>
+            <a:picLocks noChangeAspect="1"/>
+          </p:cNvPicPr>
+          <p:nvPr/>
+        </p:nvPicPr>
+        <p:blipFill>
+          <a:blip r:embed="rId3"/>
+          <a:stretch>
+            <a:fillRect/>
+          </a:stretch>
+        </p:blipFill>
+        <p:spPr>
+          <a:xfrm>
+            <a:off x="6584044" y="1919899"/>
+            <a:ext cx="4701026" cy="2083173"/>
+          </a:xfrm>
+          <a:prstGeom prst="rect">
+            <a:avLst/>
+          </a:prstGeom>
+          <a:ln>
+            <a:solidFill>
+              <a:srgbClr val="FF0000"/>
+            </a:solidFill>
+          </a:ln>
+        </p:spPr>
+      </p:pic>
+      <p:pic>
+        <p:nvPicPr>
+          <p:cNvPr id="9" name="Picture 8">
+            <a:extLst>
+              <a:ext uri="{FF2B5EF4-FFF2-40B4-BE49-F238E27FC236}">
+                <a16:creationId xmlns:a16="http://schemas.microsoft.com/office/drawing/2014/main" id="{CB8B88FE-8DF0-8644-B8D3-AB9AF1902C97}"/>
+              </a:ext>
+            </a:extLst>
+          </p:cNvPr>
+          <p:cNvPicPr>
+            <a:picLocks noChangeAspect="1"/>
+          </p:cNvPicPr>
+          <p:nvPr/>
+        </p:nvPicPr>
+        <p:blipFill>
+          <a:blip r:embed="rId4"/>
+          <a:stretch>
+            <a:fillRect/>
+          </a:stretch>
+        </p:blipFill>
+        <p:spPr>
+          <a:xfrm>
+            <a:off x="918002" y="4333160"/>
+            <a:ext cx="4683111" cy="2075234"/>
+          </a:xfrm>
+          <a:prstGeom prst="rect">
+            <a:avLst/>
+          </a:prstGeom>
+          <a:ln>
+            <a:solidFill>
+              <a:srgbClr val="FF0000"/>
+            </a:solidFill>
+          </a:ln>
+        </p:spPr>
+      </p:pic>
+      <p:pic>
+        <p:nvPicPr>
+          <p:cNvPr id="10" name="Picture 9">
+            <a:extLst>
+              <a:ext uri="{FF2B5EF4-FFF2-40B4-BE49-F238E27FC236}">
+                <a16:creationId xmlns:a16="http://schemas.microsoft.com/office/drawing/2014/main" id="{0DA00CD9-6296-5942-8706-BDCBFA2AC19C}"/>
+              </a:ext>
+            </a:extLst>
+          </p:cNvPr>
+          <p:cNvPicPr>
+            <a:picLocks noChangeAspect="1"/>
+          </p:cNvPicPr>
+          <p:nvPr/>
+        </p:nvPicPr>
+        <p:blipFill>
+          <a:blip r:embed="rId5"/>
+          <a:stretch>
+            <a:fillRect/>
+          </a:stretch>
+        </p:blipFill>
+        <p:spPr>
+          <a:xfrm>
+            <a:off x="6584044" y="4333161"/>
+            <a:ext cx="4683111" cy="2075234"/>
+          </a:xfrm>
+          <a:prstGeom prst="rect">
+            <a:avLst/>
+          </a:prstGeom>
+          <a:ln>
+            <a:solidFill>
+              <a:srgbClr val="FF0000"/>
+            </a:solidFill>
+          </a:ln>
+        </p:spPr>
+      </p:pic>
+    </p:spTree>
+    <p:extLst>
+      <p:ext uri="{BB962C8B-B14F-4D97-AF65-F5344CB8AC3E}">
+        <p14:creationId xmlns:p14="http://schemas.microsoft.com/office/powerpoint/2010/main" val="3294145054"/>
+      </p:ext>
+    </p:extLst>
+  </p:cSld>
+  <p:clrMapOvr>
+    <a:masterClrMapping/>
+  </p:clrMapOvr>
+</p:sld>
+</file>
+
 <file path=ppt/slides/slide2.xml><?xml version="1.0" encoding="utf-8"?>
 <p:sld xmlns:a="http://schemas.openxmlformats.org/drawingml/2006/main" xmlns:r="http://schemas.openxmlformats.org/officeDocument/2006/relationships" xmlns:p="http://schemas.openxmlformats.org/presentationml/2006/main">
   <p:cSld>
@@ -7550,12 +7758,132 @@
           </a:p>
         </p:txBody>
       </p:sp>
+      <p:sp>
+        <p:nvSpPr>
+          <p:cNvPr id="6" name="TextBox 5">
+            <a:extLst>
+              <a:ext uri="{FF2B5EF4-FFF2-40B4-BE49-F238E27FC236}">
+                <a16:creationId xmlns:a16="http://schemas.microsoft.com/office/drawing/2014/main" id="{762E8DCE-9B6B-7242-B40D-C002DF5E6BAA}"/>
+              </a:ext>
+            </a:extLst>
+          </p:cNvPr>
+          <p:cNvSpPr txBox="1"/>
+          <p:nvPr/>
+        </p:nvSpPr>
+        <p:spPr>
+          <a:xfrm>
+            <a:off x="1070452" y="2947720"/>
+            <a:ext cx="1645579" cy="369332"/>
+          </a:xfrm>
+          <a:prstGeom prst="rect">
+            <a:avLst/>
+          </a:prstGeom>
+          <a:noFill/>
+          <a:ln>
+            <a:solidFill>
+              <a:srgbClr val="FF0000"/>
+            </a:solidFill>
+          </a:ln>
+        </p:spPr>
+        <p:txBody>
+          <a:bodyPr wrap="none" rtlCol="0">
+            <a:spAutoFit/>
+          </a:bodyPr>
+          <a:lstStyle/>
+          <a:p>
+            <a:r>
+              <a:rPr lang="en-US" dirty="0"/>
+              <a:t>GOLD Volatility</a:t>
+            </a:r>
+          </a:p>
+        </p:txBody>
+      </p:sp>
+      <p:sp>
+        <p:nvSpPr>
+          <p:cNvPr id="7" name="TextBox 6">
+            <a:extLst>
+              <a:ext uri="{FF2B5EF4-FFF2-40B4-BE49-F238E27FC236}">
+                <a16:creationId xmlns:a16="http://schemas.microsoft.com/office/drawing/2014/main" id="{6BA2E551-8784-5D48-8CA0-6800F5D43AE8}"/>
+              </a:ext>
+            </a:extLst>
+          </p:cNvPr>
+          <p:cNvSpPr txBox="1"/>
+          <p:nvPr/>
+        </p:nvSpPr>
+        <p:spPr>
+          <a:xfrm>
+            <a:off x="4845554" y="2947720"/>
+            <a:ext cx="1345368" cy="369332"/>
+          </a:xfrm>
+          <a:prstGeom prst="rect">
+            <a:avLst/>
+          </a:prstGeom>
+          <a:noFill/>
+          <a:ln>
+            <a:solidFill>
+              <a:srgbClr val="FF0000"/>
+            </a:solidFill>
+          </a:ln>
+        </p:spPr>
+        <p:txBody>
+          <a:bodyPr wrap="none" rtlCol="0">
+            <a:spAutoFit/>
+          </a:bodyPr>
+          <a:lstStyle/>
+          <a:p>
+            <a:r>
+              <a:rPr lang="en-US" dirty="0"/>
+              <a:t>TLT Volatility</a:t>
+            </a:r>
+          </a:p>
+        </p:txBody>
+      </p:sp>
+      <p:sp>
+        <p:nvSpPr>
+          <p:cNvPr id="9" name="TextBox 8">
+            <a:extLst>
+              <a:ext uri="{FF2B5EF4-FFF2-40B4-BE49-F238E27FC236}">
+                <a16:creationId xmlns:a16="http://schemas.microsoft.com/office/drawing/2014/main" id="{A2265E11-847A-6A45-81C3-DF9435A9021D}"/>
+              </a:ext>
+            </a:extLst>
+          </p:cNvPr>
+          <p:cNvSpPr txBox="1"/>
+          <p:nvPr/>
+        </p:nvSpPr>
+        <p:spPr>
+          <a:xfrm>
+            <a:off x="8466361" y="2877272"/>
+            <a:ext cx="2185791" cy="369332"/>
+          </a:xfrm>
+          <a:prstGeom prst="rect">
+            <a:avLst/>
+          </a:prstGeom>
+          <a:noFill/>
+          <a:ln>
+            <a:solidFill>
+              <a:srgbClr val="FF0000"/>
+            </a:solidFill>
+          </a:ln>
+        </p:spPr>
+        <p:txBody>
+          <a:bodyPr wrap="none" rtlCol="0">
+            <a:spAutoFit/>
+          </a:bodyPr>
+          <a:lstStyle/>
+          <a:p>
+            <a:r>
+              <a:rPr lang="en-US" dirty="0"/>
+              <a:t>SPY/Sectors Volatility</a:t>
+            </a:r>
+          </a:p>
+        </p:txBody>
+      </p:sp>
       <p:pic>
         <p:nvPicPr>
-          <p:cNvPr id="3" name="Picture 2">
+          <p:cNvPr id="4" name="Picture 3">
             <a:extLst>
               <a:ext uri="{FF2B5EF4-FFF2-40B4-BE49-F238E27FC236}">
-                <a16:creationId xmlns:a16="http://schemas.microsoft.com/office/drawing/2014/main" id="{3EB06352-49B7-8047-8345-F482D3894BE0}"/>
+                <a16:creationId xmlns:a16="http://schemas.microsoft.com/office/drawing/2014/main" id="{2F18F3AE-4FC6-D548-BAE0-DB2F1325B134}"/>
               </a:ext>
             </a:extLst>
           </p:cNvPr>
@@ -7572,8 +7900,8 @@
         </p:blipFill>
         <p:spPr>
           <a:xfrm>
-            <a:off x="921340" y="3317052"/>
-            <a:ext cx="1943802" cy="2392372"/>
+            <a:off x="222405" y="3317052"/>
+            <a:ext cx="3343494" cy="2441722"/>
           </a:xfrm>
           <a:prstGeom prst="rect">
             <a:avLst/>
@@ -7585,52 +7913,12 @@
           </a:ln>
         </p:spPr>
       </p:pic>
-      <p:sp>
-        <p:nvSpPr>
-          <p:cNvPr id="6" name="TextBox 5">
+      <p:pic>
+        <p:nvPicPr>
+          <p:cNvPr id="5" name="Picture 4">
             <a:extLst>
               <a:ext uri="{FF2B5EF4-FFF2-40B4-BE49-F238E27FC236}">
-                <a16:creationId xmlns:a16="http://schemas.microsoft.com/office/drawing/2014/main" id="{762E8DCE-9B6B-7242-B40D-C002DF5E6BAA}"/>
-              </a:ext>
-            </a:extLst>
-          </p:cNvPr>
-          <p:cNvSpPr txBox="1"/>
-          <p:nvPr/>
-        </p:nvSpPr>
-        <p:spPr>
-          <a:xfrm>
-            <a:off x="1070452" y="2947720"/>
-            <a:ext cx="1645579" cy="369332"/>
-          </a:xfrm>
-          <a:prstGeom prst="rect">
-            <a:avLst/>
-          </a:prstGeom>
-          <a:noFill/>
-          <a:ln>
-            <a:solidFill>
-              <a:srgbClr val="FF0000"/>
-            </a:solidFill>
-          </a:ln>
-        </p:spPr>
-        <p:txBody>
-          <a:bodyPr wrap="none" rtlCol="0">
-            <a:spAutoFit/>
-          </a:bodyPr>
-          <a:lstStyle/>
-          <a:p>
-            <a:r>
-              <a:rPr lang="en-US" dirty="0"/>
-              <a:t>GOLD Volatility</a:t>
-            </a:r>
-          </a:p>
-        </p:txBody>
-      </p:sp>
-      <p:pic>
-        <p:nvPicPr>
-          <p:cNvPr id="10" name="Picture 9">
-            <a:extLst>
-              <a:ext uri="{FF2B5EF4-FFF2-40B4-BE49-F238E27FC236}">
-                <a16:creationId xmlns:a16="http://schemas.microsoft.com/office/drawing/2014/main" id="{817E5D6C-A3C3-3240-A0B4-E7E67077CCD1}"/>
+                <a16:creationId xmlns:a16="http://schemas.microsoft.com/office/drawing/2014/main" id="{7E9E8A1B-E0A2-1B4D-A346-8DCDD4EB18AC}"/>
               </a:ext>
             </a:extLst>
           </p:cNvPr>
@@ -7647,8 +7935,8 @@
         </p:blipFill>
         <p:spPr>
           <a:xfrm>
-            <a:off x="3027149" y="3119285"/>
-            <a:ext cx="2112519" cy="2600023"/>
+            <a:off x="3846491" y="3317052"/>
+            <a:ext cx="3343494" cy="2441722"/>
           </a:xfrm>
           <a:prstGeom prst="rect">
             <a:avLst/>
@@ -7660,52 +7948,12 @@
           </a:ln>
         </p:spPr>
       </p:pic>
-      <p:sp>
-        <p:nvSpPr>
-          <p:cNvPr id="7" name="TextBox 6">
+      <p:pic>
+        <p:nvPicPr>
+          <p:cNvPr id="8" name="Picture 7">
             <a:extLst>
               <a:ext uri="{FF2B5EF4-FFF2-40B4-BE49-F238E27FC236}">
-                <a16:creationId xmlns:a16="http://schemas.microsoft.com/office/drawing/2014/main" id="{6BA2E551-8784-5D48-8CA0-6800F5D43AE8}"/>
-              </a:ext>
-            </a:extLst>
-          </p:cNvPr>
-          <p:cNvSpPr txBox="1"/>
-          <p:nvPr/>
-        </p:nvSpPr>
-        <p:spPr>
-          <a:xfrm>
-            <a:off x="3406979" y="2749953"/>
-            <a:ext cx="1345368" cy="369332"/>
-          </a:xfrm>
-          <a:prstGeom prst="rect">
-            <a:avLst/>
-          </a:prstGeom>
-          <a:noFill/>
-          <a:ln>
-            <a:solidFill>
-              <a:srgbClr val="FF0000"/>
-            </a:solidFill>
-          </a:ln>
-        </p:spPr>
-        <p:txBody>
-          <a:bodyPr wrap="none" rtlCol="0">
-            <a:spAutoFit/>
-          </a:bodyPr>
-          <a:lstStyle/>
-          <a:p>
-            <a:r>
-              <a:rPr lang="en-US" dirty="0"/>
-              <a:t>TLT Volatility</a:t>
-            </a:r>
-          </a:p>
-        </p:txBody>
-      </p:sp>
-      <p:pic>
-        <p:nvPicPr>
-          <p:cNvPr id="11" name="Picture 10">
-            <a:extLst>
-              <a:ext uri="{FF2B5EF4-FFF2-40B4-BE49-F238E27FC236}">
-                <a16:creationId xmlns:a16="http://schemas.microsoft.com/office/drawing/2014/main" id="{3561C86E-3959-6143-96F7-0F97A49AE6D1}"/>
+                <a16:creationId xmlns:a16="http://schemas.microsoft.com/office/drawing/2014/main" id="{66063ADD-20FC-6549-959C-9140104A1AAC}"/>
               </a:ext>
             </a:extLst>
           </p:cNvPr>
@@ -7722,8 +7970,8 @@
         </p:blipFill>
         <p:spPr>
           <a:xfrm>
-            <a:off x="5481823" y="3246604"/>
-            <a:ext cx="6501160" cy="2434568"/>
+            <a:off x="7503844" y="3246604"/>
+            <a:ext cx="4110823" cy="2512170"/>
           </a:xfrm>
           <a:prstGeom prst="rect">
             <a:avLst/>
@@ -7737,10 +7985,424 @@
       </p:pic>
       <p:sp>
         <p:nvSpPr>
-          <p:cNvPr id="9" name="TextBox 8">
+          <p:cNvPr id="12" name="Striped Right Arrow 11">
             <a:extLst>
               <a:ext uri="{FF2B5EF4-FFF2-40B4-BE49-F238E27FC236}">
-                <a16:creationId xmlns:a16="http://schemas.microsoft.com/office/drawing/2014/main" id="{A2265E11-847A-6A45-81C3-DF9435A9021D}"/>
+                <a16:creationId xmlns:a16="http://schemas.microsoft.com/office/drawing/2014/main" id="{70494ABA-CC4A-234C-B882-0C290D78FB64}"/>
+              </a:ext>
+            </a:extLst>
+          </p:cNvPr>
+          <p:cNvSpPr/>
+          <p:nvPr/>
+        </p:nvSpPr>
+        <p:spPr>
+          <a:xfrm rot="16200000">
+            <a:off x="3074185" y="5909552"/>
+            <a:ext cx="466927" cy="165370"/>
+          </a:xfrm>
+          <a:prstGeom prst="stripedRightArrow">
+            <a:avLst/>
+          </a:prstGeom>
+        </p:spPr>
+        <p:style>
+          <a:lnRef idx="2">
+            <a:schemeClr val="accent1">
+              <a:shade val="50000"/>
+            </a:schemeClr>
+          </a:lnRef>
+          <a:fillRef idx="1">
+            <a:schemeClr val="accent1"/>
+          </a:fillRef>
+          <a:effectRef idx="0">
+            <a:schemeClr val="accent1"/>
+          </a:effectRef>
+          <a:fontRef idx="minor">
+            <a:schemeClr val="lt1"/>
+          </a:fontRef>
+        </p:style>
+        <p:txBody>
+          <a:bodyPr rtlCol="0" anchor="ctr"/>
+          <a:lstStyle/>
+          <a:p>
+            <a:pPr algn="ctr"/>
+            <a:endParaRPr lang="en-US"/>
+          </a:p>
+        </p:txBody>
+      </p:sp>
+      <p:sp>
+        <p:nvSpPr>
+          <p:cNvPr id="13" name="Striped Right Arrow 12">
+            <a:extLst>
+              <a:ext uri="{FF2B5EF4-FFF2-40B4-BE49-F238E27FC236}">
+                <a16:creationId xmlns:a16="http://schemas.microsoft.com/office/drawing/2014/main" id="{5A6DDA39-0271-4840-B511-ABD53A37D89D}"/>
+              </a:ext>
+            </a:extLst>
+          </p:cNvPr>
+          <p:cNvSpPr/>
+          <p:nvPr/>
+        </p:nvSpPr>
+        <p:spPr>
+          <a:xfrm rot="16200000">
+            <a:off x="2615454" y="5909553"/>
+            <a:ext cx="466927" cy="165370"/>
+          </a:xfrm>
+          <a:prstGeom prst="stripedRightArrow">
+            <a:avLst/>
+          </a:prstGeom>
+        </p:spPr>
+        <p:style>
+          <a:lnRef idx="2">
+            <a:schemeClr val="accent1">
+              <a:shade val="50000"/>
+            </a:schemeClr>
+          </a:lnRef>
+          <a:fillRef idx="1">
+            <a:schemeClr val="accent1"/>
+          </a:fillRef>
+          <a:effectRef idx="0">
+            <a:schemeClr val="accent1"/>
+          </a:effectRef>
+          <a:fontRef idx="minor">
+            <a:schemeClr val="lt1"/>
+          </a:fontRef>
+        </p:style>
+        <p:txBody>
+          <a:bodyPr rtlCol="0" anchor="ctr"/>
+          <a:lstStyle/>
+          <a:p>
+            <a:pPr algn="ctr"/>
+            <a:endParaRPr lang="en-US"/>
+          </a:p>
+        </p:txBody>
+      </p:sp>
+      <p:sp>
+        <p:nvSpPr>
+          <p:cNvPr id="14" name="Striped Right Arrow 13">
+            <a:extLst>
+              <a:ext uri="{FF2B5EF4-FFF2-40B4-BE49-F238E27FC236}">
+                <a16:creationId xmlns:a16="http://schemas.microsoft.com/office/drawing/2014/main" id="{8D5DFECA-7083-594F-9ED6-15E33D111F5B}"/>
+              </a:ext>
+            </a:extLst>
+          </p:cNvPr>
+          <p:cNvSpPr/>
+          <p:nvPr/>
+        </p:nvSpPr>
+        <p:spPr>
+          <a:xfrm rot="16200000">
+            <a:off x="2273944" y="5909552"/>
+            <a:ext cx="466927" cy="165370"/>
+          </a:xfrm>
+          <a:prstGeom prst="stripedRightArrow">
+            <a:avLst/>
+          </a:prstGeom>
+        </p:spPr>
+        <p:style>
+          <a:lnRef idx="2">
+            <a:schemeClr val="accent1">
+              <a:shade val="50000"/>
+            </a:schemeClr>
+          </a:lnRef>
+          <a:fillRef idx="1">
+            <a:schemeClr val="accent1"/>
+          </a:fillRef>
+          <a:effectRef idx="0">
+            <a:schemeClr val="accent1"/>
+          </a:effectRef>
+          <a:fontRef idx="minor">
+            <a:schemeClr val="lt1"/>
+          </a:fontRef>
+        </p:style>
+        <p:txBody>
+          <a:bodyPr rtlCol="0" anchor="ctr"/>
+          <a:lstStyle/>
+          <a:p>
+            <a:pPr algn="ctr"/>
+            <a:endParaRPr lang="en-US"/>
+          </a:p>
+        </p:txBody>
+      </p:sp>
+      <p:sp>
+        <p:nvSpPr>
+          <p:cNvPr id="15" name="Striped Right Arrow 14">
+            <a:extLst>
+              <a:ext uri="{FF2B5EF4-FFF2-40B4-BE49-F238E27FC236}">
+                <a16:creationId xmlns:a16="http://schemas.microsoft.com/office/drawing/2014/main" id="{CC692F90-A551-974A-9CB5-B4783CFEACB9}"/>
+              </a:ext>
+            </a:extLst>
+          </p:cNvPr>
+          <p:cNvSpPr/>
+          <p:nvPr/>
+        </p:nvSpPr>
+        <p:spPr>
+          <a:xfrm rot="16200000">
+            <a:off x="6713331" y="5909552"/>
+            <a:ext cx="466927" cy="165370"/>
+          </a:xfrm>
+          <a:prstGeom prst="stripedRightArrow">
+            <a:avLst/>
+          </a:prstGeom>
+        </p:spPr>
+        <p:style>
+          <a:lnRef idx="2">
+            <a:schemeClr val="accent1">
+              <a:shade val="50000"/>
+            </a:schemeClr>
+          </a:lnRef>
+          <a:fillRef idx="1">
+            <a:schemeClr val="accent1"/>
+          </a:fillRef>
+          <a:effectRef idx="0">
+            <a:schemeClr val="accent1"/>
+          </a:effectRef>
+          <a:fontRef idx="minor">
+            <a:schemeClr val="lt1"/>
+          </a:fontRef>
+        </p:style>
+        <p:txBody>
+          <a:bodyPr rtlCol="0" anchor="ctr"/>
+          <a:lstStyle/>
+          <a:p>
+            <a:pPr algn="ctr"/>
+            <a:endParaRPr lang="en-US"/>
+          </a:p>
+        </p:txBody>
+      </p:sp>
+      <p:sp>
+        <p:nvSpPr>
+          <p:cNvPr id="16" name="Striped Right Arrow 15">
+            <a:extLst>
+              <a:ext uri="{FF2B5EF4-FFF2-40B4-BE49-F238E27FC236}">
+                <a16:creationId xmlns:a16="http://schemas.microsoft.com/office/drawing/2014/main" id="{C3AF5E52-B1B1-4544-BDEC-7B86EBF2C0B1}"/>
+              </a:ext>
+            </a:extLst>
+          </p:cNvPr>
+          <p:cNvSpPr/>
+          <p:nvPr/>
+        </p:nvSpPr>
+        <p:spPr>
+          <a:xfrm rot="16200000">
+            <a:off x="6254600" y="5909553"/>
+            <a:ext cx="466927" cy="165370"/>
+          </a:xfrm>
+          <a:prstGeom prst="stripedRightArrow">
+            <a:avLst/>
+          </a:prstGeom>
+        </p:spPr>
+        <p:style>
+          <a:lnRef idx="2">
+            <a:schemeClr val="accent1">
+              <a:shade val="50000"/>
+            </a:schemeClr>
+          </a:lnRef>
+          <a:fillRef idx="1">
+            <a:schemeClr val="accent1"/>
+          </a:fillRef>
+          <a:effectRef idx="0">
+            <a:schemeClr val="accent1"/>
+          </a:effectRef>
+          <a:fontRef idx="minor">
+            <a:schemeClr val="lt1"/>
+          </a:fontRef>
+        </p:style>
+        <p:txBody>
+          <a:bodyPr rtlCol="0" anchor="ctr"/>
+          <a:lstStyle/>
+          <a:p>
+            <a:pPr algn="ctr"/>
+            <a:endParaRPr lang="en-US"/>
+          </a:p>
+        </p:txBody>
+      </p:sp>
+      <p:sp>
+        <p:nvSpPr>
+          <p:cNvPr id="17" name="Striped Right Arrow 16">
+            <a:extLst>
+              <a:ext uri="{FF2B5EF4-FFF2-40B4-BE49-F238E27FC236}">
+                <a16:creationId xmlns:a16="http://schemas.microsoft.com/office/drawing/2014/main" id="{0B77D941-C081-6044-8F67-2EA66CE0F6C7}"/>
+              </a:ext>
+            </a:extLst>
+          </p:cNvPr>
+          <p:cNvSpPr/>
+          <p:nvPr/>
+        </p:nvSpPr>
+        <p:spPr>
+          <a:xfrm rot="16200000">
+            <a:off x="5913090" y="5909552"/>
+            <a:ext cx="466927" cy="165370"/>
+          </a:xfrm>
+          <a:prstGeom prst="stripedRightArrow">
+            <a:avLst/>
+          </a:prstGeom>
+        </p:spPr>
+        <p:style>
+          <a:lnRef idx="2">
+            <a:schemeClr val="accent1">
+              <a:shade val="50000"/>
+            </a:schemeClr>
+          </a:lnRef>
+          <a:fillRef idx="1">
+            <a:schemeClr val="accent1"/>
+          </a:fillRef>
+          <a:effectRef idx="0">
+            <a:schemeClr val="accent1"/>
+          </a:effectRef>
+          <a:fontRef idx="minor">
+            <a:schemeClr val="lt1"/>
+          </a:fontRef>
+        </p:style>
+        <p:txBody>
+          <a:bodyPr rtlCol="0" anchor="ctr"/>
+          <a:lstStyle/>
+          <a:p>
+            <a:pPr algn="ctr"/>
+            <a:endParaRPr lang="en-US"/>
+          </a:p>
+        </p:txBody>
+      </p:sp>
+      <p:sp>
+        <p:nvSpPr>
+          <p:cNvPr id="18" name="Striped Right Arrow 17">
+            <a:extLst>
+              <a:ext uri="{FF2B5EF4-FFF2-40B4-BE49-F238E27FC236}">
+                <a16:creationId xmlns:a16="http://schemas.microsoft.com/office/drawing/2014/main" id="{BEFE0A7E-13EA-7743-8130-6B8CCDFA2AFF}"/>
+              </a:ext>
+            </a:extLst>
+          </p:cNvPr>
+          <p:cNvSpPr/>
+          <p:nvPr/>
+        </p:nvSpPr>
+        <p:spPr>
+          <a:xfrm rot="16200000">
+            <a:off x="11127448" y="5909552"/>
+            <a:ext cx="466927" cy="165370"/>
+          </a:xfrm>
+          <a:prstGeom prst="stripedRightArrow">
+            <a:avLst/>
+          </a:prstGeom>
+        </p:spPr>
+        <p:style>
+          <a:lnRef idx="2">
+            <a:schemeClr val="accent1">
+              <a:shade val="50000"/>
+            </a:schemeClr>
+          </a:lnRef>
+          <a:fillRef idx="1">
+            <a:schemeClr val="accent1"/>
+          </a:fillRef>
+          <a:effectRef idx="0">
+            <a:schemeClr val="accent1"/>
+          </a:effectRef>
+          <a:fontRef idx="minor">
+            <a:schemeClr val="lt1"/>
+          </a:fontRef>
+        </p:style>
+        <p:txBody>
+          <a:bodyPr rtlCol="0" anchor="ctr"/>
+          <a:lstStyle/>
+          <a:p>
+            <a:pPr algn="ctr"/>
+            <a:endParaRPr lang="en-US"/>
+          </a:p>
+        </p:txBody>
+      </p:sp>
+      <p:sp>
+        <p:nvSpPr>
+          <p:cNvPr id="19" name="Striped Right Arrow 18">
+            <a:extLst>
+              <a:ext uri="{FF2B5EF4-FFF2-40B4-BE49-F238E27FC236}">
+                <a16:creationId xmlns:a16="http://schemas.microsoft.com/office/drawing/2014/main" id="{C598FD2A-7668-A14D-83C9-221AA65698D0}"/>
+              </a:ext>
+            </a:extLst>
+          </p:cNvPr>
+          <p:cNvSpPr/>
+          <p:nvPr/>
+        </p:nvSpPr>
+        <p:spPr>
+          <a:xfrm rot="16200000">
+            <a:off x="10487714" y="5909551"/>
+            <a:ext cx="466927" cy="165370"/>
+          </a:xfrm>
+          <a:prstGeom prst="stripedRightArrow">
+            <a:avLst/>
+          </a:prstGeom>
+        </p:spPr>
+        <p:style>
+          <a:lnRef idx="2">
+            <a:schemeClr val="accent1">
+              <a:shade val="50000"/>
+            </a:schemeClr>
+          </a:lnRef>
+          <a:fillRef idx="1">
+            <a:schemeClr val="accent1"/>
+          </a:fillRef>
+          <a:effectRef idx="0">
+            <a:schemeClr val="accent1"/>
+          </a:effectRef>
+          <a:fontRef idx="minor">
+            <a:schemeClr val="lt1"/>
+          </a:fontRef>
+        </p:style>
+        <p:txBody>
+          <a:bodyPr rtlCol="0" anchor="ctr"/>
+          <a:lstStyle/>
+          <a:p>
+            <a:pPr algn="ctr"/>
+            <a:endParaRPr lang="en-US"/>
+          </a:p>
+        </p:txBody>
+      </p:sp>
+      <p:sp>
+        <p:nvSpPr>
+          <p:cNvPr id="20" name="Striped Right Arrow 19">
+            <a:extLst>
+              <a:ext uri="{FF2B5EF4-FFF2-40B4-BE49-F238E27FC236}">
+                <a16:creationId xmlns:a16="http://schemas.microsoft.com/office/drawing/2014/main" id="{0237771D-12D3-A947-BC6B-3EA68AD961BB}"/>
+              </a:ext>
+            </a:extLst>
+          </p:cNvPr>
+          <p:cNvSpPr/>
+          <p:nvPr/>
+        </p:nvSpPr>
+        <p:spPr>
+          <a:xfrm rot="16200000">
+            <a:off x="10146204" y="5909550"/>
+            <a:ext cx="466927" cy="165370"/>
+          </a:xfrm>
+          <a:prstGeom prst="stripedRightArrow">
+            <a:avLst/>
+          </a:prstGeom>
+        </p:spPr>
+        <p:style>
+          <a:lnRef idx="2">
+            <a:schemeClr val="accent1">
+              <a:shade val="50000"/>
+            </a:schemeClr>
+          </a:lnRef>
+          <a:fillRef idx="1">
+            <a:schemeClr val="accent1"/>
+          </a:fillRef>
+          <a:effectRef idx="0">
+            <a:schemeClr val="accent1"/>
+          </a:effectRef>
+          <a:fontRef idx="minor">
+            <a:schemeClr val="lt1"/>
+          </a:fontRef>
+        </p:style>
+        <p:txBody>
+          <a:bodyPr rtlCol="0" anchor="ctr"/>
+          <a:lstStyle/>
+          <a:p>
+            <a:pPr algn="ctr"/>
+            <a:endParaRPr lang="en-US"/>
+          </a:p>
+        </p:txBody>
+      </p:sp>
+      <p:sp>
+        <p:nvSpPr>
+          <p:cNvPr id="21" name="TextBox 20">
+            <a:extLst>
+              <a:ext uri="{FF2B5EF4-FFF2-40B4-BE49-F238E27FC236}">
+                <a16:creationId xmlns:a16="http://schemas.microsoft.com/office/drawing/2014/main" id="{0D8C270B-51D8-8245-A44B-19F14C8D887A}"/>
               </a:ext>
             </a:extLst>
           </p:cNvPr>
@@ -7749,36 +8411,414 @@
         </p:nvSpPr>
         <p:spPr>
           <a:xfrm>
-            <a:off x="7639508" y="2877272"/>
-            <a:ext cx="2185791" cy="369332"/>
+            <a:off x="2305455" y="6225699"/>
+            <a:ext cx="9309211" cy="369332"/>
           </a:xfrm>
           <a:prstGeom prst="rect">
             <a:avLst/>
           </a:prstGeom>
-          <a:noFill/>
+          <a:solidFill>
+            <a:srgbClr val="FFC000"/>
+          </a:solidFill>
+          <a:ln>
+            <a:solidFill>
+              <a:schemeClr val="tx1"/>
+            </a:solidFill>
+          </a:ln>
+        </p:spPr>
+        <p:txBody>
+          <a:bodyPr wrap="square" rtlCol="0">
+            <a:spAutoFit/>
+          </a:bodyPr>
+          <a:lstStyle/>
+          <a:p>
+            <a:pPr algn="ctr"/>
+            <a:r>
+              <a:rPr lang="en-US" dirty="0"/>
+              <a:t>Indexes to identify Bu/Be Trends, based on %Change, Close Prices &amp; Volumes</a:t>
+            </a:r>
+          </a:p>
+        </p:txBody>
+      </p:sp>
+    </p:spTree>
+    <p:extLst>
+      <p:ext uri="{BB962C8B-B14F-4D97-AF65-F5344CB8AC3E}">
+        <p14:creationId xmlns:p14="http://schemas.microsoft.com/office/powerpoint/2010/main" val="794411141"/>
+      </p:ext>
+    </p:extLst>
+  </p:cSld>
+  <p:clrMapOvr>
+    <a:masterClrMapping/>
+  </p:clrMapOvr>
+</p:sld>
+</file>
+
+<file path=ppt/slides/slide8.xml><?xml version="1.0" encoding="utf-8"?>
+<p:sld xmlns:a="http://schemas.openxmlformats.org/drawingml/2006/main" xmlns:r="http://schemas.openxmlformats.org/officeDocument/2006/relationships" xmlns:p="http://schemas.openxmlformats.org/presentationml/2006/main">
+  <p:cSld>
+    <p:spTree>
+      <p:nvGrpSpPr>
+        <p:cNvPr id="1" name=""/>
+        <p:cNvGrpSpPr/>
+        <p:nvPr/>
+      </p:nvGrpSpPr>
+      <p:grpSpPr>
+        <a:xfrm>
+          <a:off x="0" y="0"/>
+          <a:ext cx="0" cy="0"/>
+          <a:chOff x="0" y="0"/>
+          <a:chExt cx="0" cy="0"/>
+        </a:xfrm>
+      </p:grpSpPr>
+      <p:sp>
+        <p:nvSpPr>
+          <p:cNvPr id="2" name="Title 1">
+            <a:extLst>
+              <a:ext uri="{FF2B5EF4-FFF2-40B4-BE49-F238E27FC236}">
+                <a16:creationId xmlns:a16="http://schemas.microsoft.com/office/drawing/2014/main" id="{CB42E2D6-819E-C24C-B2F2-A46C55ACF6E4}"/>
+              </a:ext>
+            </a:extLst>
+          </p:cNvPr>
+          <p:cNvSpPr>
+            <a:spLocks noGrp="1"/>
+          </p:cNvSpPr>
+          <p:nvPr>
+            <p:ph type="title"/>
+          </p:nvPr>
+        </p:nvSpPr>
+        <p:spPr/>
+        <p:txBody>
+          <a:bodyPr/>
+          <a:lstStyle/>
+          <a:p>
+            <a:r>
+              <a:rPr lang="en-US" dirty="0"/>
+              <a:t>Volatility Index</a:t>
+            </a:r>
+            <a:br>
+              <a:rPr lang="en-US" dirty="0"/>
+            </a:br>
+            <a:r>
+              <a:rPr lang="en-US" dirty="0"/>
+              <a:t>(Tailor Made – GOLD Visualization)</a:t>
+            </a:r>
+          </a:p>
+        </p:txBody>
+      </p:sp>
+      <p:pic>
+        <p:nvPicPr>
+          <p:cNvPr id="10" name="Picture 9">
+            <a:extLst>
+              <a:ext uri="{FF2B5EF4-FFF2-40B4-BE49-F238E27FC236}">
+                <a16:creationId xmlns:a16="http://schemas.microsoft.com/office/drawing/2014/main" id="{48BF2314-B9A7-8542-8A4D-AB6FCC5B73C4}"/>
+              </a:ext>
+            </a:extLst>
+          </p:cNvPr>
+          <p:cNvPicPr>
+            <a:picLocks noChangeAspect="1"/>
+          </p:cNvPicPr>
+          <p:nvPr/>
+        </p:nvPicPr>
+        <p:blipFill>
+          <a:blip r:embed="rId2"/>
+          <a:stretch>
+            <a:fillRect/>
+          </a:stretch>
+        </p:blipFill>
+        <p:spPr>
+          <a:xfrm>
+            <a:off x="913775" y="1917454"/>
+            <a:ext cx="4687338" cy="2077107"/>
+          </a:xfrm>
+          <a:prstGeom prst="rect">
+            <a:avLst/>
+          </a:prstGeom>
           <a:ln>
             <a:solidFill>
               <a:srgbClr val="FF0000"/>
             </a:solidFill>
           </a:ln>
         </p:spPr>
-        <p:txBody>
-          <a:bodyPr wrap="none" rtlCol="0">
-            <a:spAutoFit/>
-          </a:bodyPr>
-          <a:lstStyle/>
-          <a:p>
-            <a:r>
-              <a:rPr lang="en-US" dirty="0"/>
-              <a:t>SPY/Sectors Volatility</a:t>
-            </a:r>
-          </a:p>
-        </p:txBody>
-      </p:sp>
+      </p:pic>
+      <p:pic>
+        <p:nvPicPr>
+          <p:cNvPr id="11" name="Picture 10">
+            <a:extLst>
+              <a:ext uri="{FF2B5EF4-FFF2-40B4-BE49-F238E27FC236}">
+                <a16:creationId xmlns:a16="http://schemas.microsoft.com/office/drawing/2014/main" id="{E2567EB0-6B5D-2D41-A165-D38A699FD3DE}"/>
+              </a:ext>
+            </a:extLst>
+          </p:cNvPr>
+          <p:cNvPicPr>
+            <a:picLocks noChangeAspect="1"/>
+          </p:cNvPicPr>
+          <p:nvPr/>
+        </p:nvPicPr>
+        <p:blipFill>
+          <a:blip r:embed="rId3"/>
+          <a:stretch>
+            <a:fillRect/>
+          </a:stretch>
+        </p:blipFill>
+        <p:spPr>
+          <a:xfrm>
+            <a:off x="6585368" y="1917454"/>
+            <a:ext cx="4692858" cy="2079553"/>
+          </a:xfrm>
+          <a:prstGeom prst="rect">
+            <a:avLst/>
+          </a:prstGeom>
+          <a:ln>
+            <a:solidFill>
+              <a:srgbClr val="FF0000"/>
+            </a:solidFill>
+          </a:ln>
+        </p:spPr>
+      </p:pic>
+      <p:pic>
+        <p:nvPicPr>
+          <p:cNvPr id="26" name="Picture 25">
+            <a:extLst>
+              <a:ext uri="{FF2B5EF4-FFF2-40B4-BE49-F238E27FC236}">
+                <a16:creationId xmlns:a16="http://schemas.microsoft.com/office/drawing/2014/main" id="{68A1DA4B-8C69-B645-84FD-DAF0F7AACB31}"/>
+              </a:ext>
+            </a:extLst>
+          </p:cNvPr>
+          <p:cNvPicPr>
+            <a:picLocks noChangeAspect="1"/>
+          </p:cNvPicPr>
+          <p:nvPr/>
+        </p:nvPicPr>
+        <p:blipFill>
+          <a:blip r:embed="rId2"/>
+          <a:stretch>
+            <a:fillRect/>
+          </a:stretch>
+        </p:blipFill>
+        <p:spPr>
+          <a:xfrm>
+            <a:off x="3760078" y="4258377"/>
+            <a:ext cx="4671844" cy="2070241"/>
+          </a:xfrm>
+          <a:prstGeom prst="rect">
+            <a:avLst/>
+          </a:prstGeom>
+          <a:ln>
+            <a:solidFill>
+              <a:srgbClr val="FF0000"/>
+            </a:solidFill>
+          </a:ln>
+        </p:spPr>
+      </p:pic>
     </p:spTree>
     <p:extLst>
       <p:ext uri="{BB962C8B-B14F-4D97-AF65-F5344CB8AC3E}">
-        <p14:creationId xmlns:p14="http://schemas.microsoft.com/office/powerpoint/2010/main" val="794411141"/>
+        <p14:creationId xmlns:p14="http://schemas.microsoft.com/office/powerpoint/2010/main" val="4181571373"/>
+      </p:ext>
+    </p:extLst>
+  </p:cSld>
+  <p:clrMapOvr>
+    <a:masterClrMapping/>
+  </p:clrMapOvr>
+</p:sld>
+</file>
+
+<file path=ppt/slides/slide9.xml><?xml version="1.0" encoding="utf-8"?>
+<p:sld xmlns:a="http://schemas.openxmlformats.org/drawingml/2006/main" xmlns:r="http://schemas.openxmlformats.org/officeDocument/2006/relationships" xmlns:p="http://schemas.openxmlformats.org/presentationml/2006/main">
+  <p:cSld>
+    <p:spTree>
+      <p:nvGrpSpPr>
+        <p:cNvPr id="1" name=""/>
+        <p:cNvGrpSpPr/>
+        <p:nvPr/>
+      </p:nvGrpSpPr>
+      <p:grpSpPr>
+        <a:xfrm>
+          <a:off x="0" y="0"/>
+          <a:ext cx="0" cy="0"/>
+          <a:chOff x="0" y="0"/>
+          <a:chExt cx="0" cy="0"/>
+        </a:xfrm>
+      </p:grpSpPr>
+      <p:sp>
+        <p:nvSpPr>
+          <p:cNvPr id="2" name="Title 1">
+            <a:extLst>
+              <a:ext uri="{FF2B5EF4-FFF2-40B4-BE49-F238E27FC236}">
+                <a16:creationId xmlns:a16="http://schemas.microsoft.com/office/drawing/2014/main" id="{CB42E2D6-819E-C24C-B2F2-A46C55ACF6E4}"/>
+              </a:ext>
+            </a:extLst>
+          </p:cNvPr>
+          <p:cNvSpPr>
+            <a:spLocks noGrp="1"/>
+          </p:cNvSpPr>
+          <p:nvPr>
+            <p:ph type="title"/>
+          </p:nvPr>
+        </p:nvSpPr>
+        <p:spPr/>
+        <p:txBody>
+          <a:bodyPr/>
+          <a:lstStyle/>
+          <a:p>
+            <a:r>
+              <a:rPr lang="en-US" dirty="0"/>
+              <a:t>Volatility Index</a:t>
+            </a:r>
+            <a:br>
+              <a:rPr lang="en-US" dirty="0"/>
+            </a:br>
+            <a:r>
+              <a:rPr lang="en-US" dirty="0"/>
+              <a:t>(Tailor Made – TLT Visualization)</a:t>
+            </a:r>
+          </a:p>
+        </p:txBody>
+      </p:sp>
+      <p:pic>
+        <p:nvPicPr>
+          <p:cNvPr id="3" name="Picture 2">
+            <a:extLst>
+              <a:ext uri="{FF2B5EF4-FFF2-40B4-BE49-F238E27FC236}">
+                <a16:creationId xmlns:a16="http://schemas.microsoft.com/office/drawing/2014/main" id="{1D00C499-C746-8C4F-99C1-2A66903AB05A}"/>
+              </a:ext>
+            </a:extLst>
+          </p:cNvPr>
+          <p:cNvPicPr>
+            <a:picLocks noChangeAspect="1"/>
+          </p:cNvPicPr>
+          <p:nvPr/>
+        </p:nvPicPr>
+        <p:blipFill>
+          <a:blip r:embed="rId2"/>
+          <a:stretch>
+            <a:fillRect/>
+          </a:stretch>
+        </p:blipFill>
+        <p:spPr>
+          <a:xfrm>
+            <a:off x="913775" y="1919900"/>
+            <a:ext cx="4687338" cy="2077107"/>
+          </a:xfrm>
+          <a:prstGeom prst="rect">
+            <a:avLst/>
+          </a:prstGeom>
+          <a:ln>
+            <a:solidFill>
+              <a:srgbClr val="FF0000"/>
+            </a:solidFill>
+          </a:ln>
+        </p:spPr>
+      </p:pic>
+      <p:pic>
+        <p:nvPicPr>
+          <p:cNvPr id="4" name="Picture 3">
+            <a:extLst>
+              <a:ext uri="{FF2B5EF4-FFF2-40B4-BE49-F238E27FC236}">
+                <a16:creationId xmlns:a16="http://schemas.microsoft.com/office/drawing/2014/main" id="{98AA1147-8ECF-EC44-BAEA-79A8248496E8}"/>
+              </a:ext>
+            </a:extLst>
+          </p:cNvPr>
+          <p:cNvPicPr>
+            <a:picLocks noChangeAspect="1"/>
+          </p:cNvPicPr>
+          <p:nvPr/>
+        </p:nvPicPr>
+        <p:blipFill>
+          <a:blip r:embed="rId3"/>
+          <a:stretch>
+            <a:fillRect/>
+          </a:stretch>
+        </p:blipFill>
+        <p:spPr>
+          <a:xfrm>
+            <a:off x="6590888" y="1919900"/>
+            <a:ext cx="4687338" cy="2077107"/>
+          </a:xfrm>
+          <a:prstGeom prst="rect">
+            <a:avLst/>
+          </a:prstGeom>
+          <a:ln>
+            <a:solidFill>
+              <a:srgbClr val="FF0000"/>
+            </a:solidFill>
+          </a:ln>
+        </p:spPr>
+      </p:pic>
+      <p:pic>
+        <p:nvPicPr>
+          <p:cNvPr id="5" name="Picture 4">
+            <a:extLst>
+              <a:ext uri="{FF2B5EF4-FFF2-40B4-BE49-F238E27FC236}">
+                <a16:creationId xmlns:a16="http://schemas.microsoft.com/office/drawing/2014/main" id="{BF2F70C9-1364-3340-B57B-9961C190C6F1}"/>
+              </a:ext>
+            </a:extLst>
+          </p:cNvPr>
+          <p:cNvPicPr>
+            <a:picLocks noChangeAspect="1"/>
+          </p:cNvPicPr>
+          <p:nvPr/>
+        </p:nvPicPr>
+        <p:blipFill>
+          <a:blip r:embed="rId4"/>
+          <a:stretch>
+            <a:fillRect/>
+          </a:stretch>
+        </p:blipFill>
+        <p:spPr>
+          <a:xfrm>
+            <a:off x="913775" y="4333160"/>
+            <a:ext cx="4687338" cy="2077107"/>
+          </a:xfrm>
+          <a:prstGeom prst="rect">
+            <a:avLst/>
+          </a:prstGeom>
+          <a:ln>
+            <a:solidFill>
+              <a:srgbClr val="FF0000"/>
+            </a:solidFill>
+          </a:ln>
+        </p:spPr>
+      </p:pic>
+      <p:pic>
+        <p:nvPicPr>
+          <p:cNvPr id="6" name="Picture 5">
+            <a:extLst>
+              <a:ext uri="{FF2B5EF4-FFF2-40B4-BE49-F238E27FC236}">
+                <a16:creationId xmlns:a16="http://schemas.microsoft.com/office/drawing/2014/main" id="{16C5B4B4-E96F-EA48-A0E5-4ABB930E5A4C}"/>
+              </a:ext>
+            </a:extLst>
+          </p:cNvPr>
+          <p:cNvPicPr>
+            <a:picLocks noChangeAspect="1"/>
+          </p:cNvPicPr>
+          <p:nvPr/>
+        </p:nvPicPr>
+        <p:blipFill>
+          <a:blip r:embed="rId5"/>
+          <a:stretch>
+            <a:fillRect/>
+          </a:stretch>
+        </p:blipFill>
+        <p:spPr>
+          <a:xfrm>
+            <a:off x="6590888" y="4333160"/>
+            <a:ext cx="4687338" cy="2077107"/>
+          </a:xfrm>
+          <a:prstGeom prst="rect">
+            <a:avLst/>
+          </a:prstGeom>
+          <a:ln>
+            <a:solidFill>
+              <a:srgbClr val="FF0000"/>
+            </a:solidFill>
+          </a:ln>
+        </p:spPr>
+      </p:pic>
+    </p:spTree>
+    <p:extLst>
+      <p:ext uri="{BB962C8B-B14F-4D97-AF65-F5344CB8AC3E}">
+        <p14:creationId xmlns:p14="http://schemas.microsoft.com/office/powerpoint/2010/main" val="3151688011"/>
       </p:ext>
     </p:extLst>
   </p:cSld>

--- a/Code/Andres_Mejia/Visualizations_AM.pptx
+++ b/Code/Andres_Mejia/Visualizations_AM.pptx
@@ -15,6 +15,15 @@
     <p:sldId id="263" r:id="rId9"/>
     <p:sldId id="264" r:id="rId10"/>
     <p:sldId id="265" r:id="rId11"/>
+    <p:sldId id="266" r:id="rId12"/>
+    <p:sldId id="267" r:id="rId13"/>
+    <p:sldId id="269" r:id="rId14"/>
+    <p:sldId id="270" r:id="rId15"/>
+    <p:sldId id="273" r:id="rId16"/>
+    <p:sldId id="268" r:id="rId17"/>
+    <p:sldId id="274" r:id="rId18"/>
+    <p:sldId id="275" r:id="rId19"/>
+    <p:sldId id="276" r:id="rId20"/>
   </p:sldIdLst>
   <p:sldSz cx="12192000" cy="6858000"/>
   <p:notesSz cx="6858000" cy="9144000"/>
@@ -121,6 +130,4642 @@
 </p:presentation>
 </file>
 
+<file path=ppt/diagrams/colors1.xml><?xml version="1.0" encoding="utf-8"?>
+<dgm:colorsDef xmlns:dgm="http://schemas.openxmlformats.org/drawingml/2006/diagram" xmlns:a="http://schemas.openxmlformats.org/drawingml/2006/main" uniqueId="urn:microsoft.com/office/officeart/2005/8/colors/accent1_2">
+  <dgm:title val=""/>
+  <dgm:desc val=""/>
+  <dgm:catLst>
+    <dgm:cat type="accent1" pri="11200"/>
+  </dgm:catLst>
+  <dgm:styleLbl name="node0">
+    <dgm:fillClrLst meth="repeat">
+      <a:schemeClr val="accent1"/>
+    </dgm:fillClrLst>
+    <dgm:linClrLst meth="repeat">
+      <a:schemeClr val="lt1"/>
+    </dgm:linClrLst>
+    <dgm:effectClrLst/>
+    <dgm:txLinClrLst/>
+    <dgm:txFillClrLst/>
+    <dgm:txEffectClrLst/>
+  </dgm:styleLbl>
+  <dgm:styleLbl name="alignNode1">
+    <dgm:fillClrLst meth="repeat">
+      <a:schemeClr val="accent1"/>
+    </dgm:fillClrLst>
+    <dgm:linClrLst meth="repeat">
+      <a:schemeClr val="accent1"/>
+    </dgm:linClrLst>
+    <dgm:effectClrLst/>
+    <dgm:txLinClrLst/>
+    <dgm:txFillClrLst/>
+    <dgm:txEffectClrLst/>
+  </dgm:styleLbl>
+  <dgm:styleLbl name="node1">
+    <dgm:fillClrLst meth="repeat">
+      <a:schemeClr val="accent1"/>
+    </dgm:fillClrLst>
+    <dgm:linClrLst meth="repeat">
+      <a:schemeClr val="lt1"/>
+    </dgm:linClrLst>
+    <dgm:effectClrLst/>
+    <dgm:txLinClrLst/>
+    <dgm:txFillClrLst/>
+    <dgm:txEffectClrLst/>
+  </dgm:styleLbl>
+  <dgm:styleLbl name="lnNode1">
+    <dgm:fillClrLst meth="repeat">
+      <a:schemeClr val="accent1"/>
+    </dgm:fillClrLst>
+    <dgm:linClrLst meth="repeat">
+      <a:schemeClr val="lt1"/>
+    </dgm:linClrLst>
+    <dgm:effectClrLst/>
+    <dgm:txLinClrLst/>
+    <dgm:txFillClrLst/>
+    <dgm:txEffectClrLst/>
+  </dgm:styleLbl>
+  <dgm:styleLbl name="vennNode1">
+    <dgm:fillClrLst meth="repeat">
+      <a:schemeClr val="accent1">
+        <a:alpha val="50000"/>
+      </a:schemeClr>
+    </dgm:fillClrLst>
+    <dgm:linClrLst meth="repeat">
+      <a:schemeClr val="lt1"/>
+    </dgm:linClrLst>
+    <dgm:effectClrLst/>
+    <dgm:txLinClrLst/>
+    <dgm:txFillClrLst/>
+    <dgm:txEffectClrLst/>
+  </dgm:styleLbl>
+  <dgm:styleLbl name="node2">
+    <dgm:fillClrLst meth="repeat">
+      <a:schemeClr val="accent1"/>
+    </dgm:fillClrLst>
+    <dgm:linClrLst meth="repeat">
+      <a:schemeClr val="lt1"/>
+    </dgm:linClrLst>
+    <dgm:effectClrLst/>
+    <dgm:txLinClrLst/>
+    <dgm:txFillClrLst/>
+    <dgm:txEffectClrLst/>
+  </dgm:styleLbl>
+  <dgm:styleLbl name="node3">
+    <dgm:fillClrLst meth="repeat">
+      <a:schemeClr val="accent1"/>
+    </dgm:fillClrLst>
+    <dgm:linClrLst meth="repeat">
+      <a:schemeClr val="lt1"/>
+    </dgm:linClrLst>
+    <dgm:effectClrLst/>
+    <dgm:txLinClrLst/>
+    <dgm:txFillClrLst/>
+    <dgm:txEffectClrLst/>
+  </dgm:styleLbl>
+  <dgm:styleLbl name="node4">
+    <dgm:fillClrLst meth="repeat">
+      <a:schemeClr val="accent1"/>
+    </dgm:fillClrLst>
+    <dgm:linClrLst meth="repeat">
+      <a:schemeClr val="lt1"/>
+    </dgm:linClrLst>
+    <dgm:effectClrLst/>
+    <dgm:txLinClrLst/>
+    <dgm:txFillClrLst/>
+    <dgm:txEffectClrLst/>
+  </dgm:styleLbl>
+  <dgm:styleLbl name="fgImgPlace1">
+    <dgm:fillClrLst meth="repeat">
+      <a:schemeClr val="accent1">
+        <a:tint val="50000"/>
+      </a:schemeClr>
+    </dgm:fillClrLst>
+    <dgm:linClrLst meth="repeat">
+      <a:schemeClr val="lt1"/>
+    </dgm:linClrLst>
+    <dgm:effectClrLst/>
+    <dgm:txLinClrLst/>
+    <dgm:txFillClrLst meth="repeat">
+      <a:schemeClr val="lt1"/>
+    </dgm:txFillClrLst>
+    <dgm:txEffectClrLst/>
+  </dgm:styleLbl>
+  <dgm:styleLbl name="alignImgPlace1">
+    <dgm:fillClrLst meth="repeat">
+      <a:schemeClr val="accent1">
+        <a:tint val="50000"/>
+      </a:schemeClr>
+    </dgm:fillClrLst>
+    <dgm:linClrLst meth="repeat">
+      <a:schemeClr val="lt1"/>
+    </dgm:linClrLst>
+    <dgm:effectClrLst/>
+    <dgm:txLinClrLst/>
+    <dgm:txFillClrLst meth="repeat">
+      <a:schemeClr val="lt1"/>
+    </dgm:txFillClrLst>
+    <dgm:txEffectClrLst/>
+  </dgm:styleLbl>
+  <dgm:styleLbl name="bgImgPlace1">
+    <dgm:fillClrLst meth="repeat">
+      <a:schemeClr val="accent1">
+        <a:tint val="50000"/>
+      </a:schemeClr>
+    </dgm:fillClrLst>
+    <dgm:linClrLst meth="repeat">
+      <a:schemeClr val="lt1"/>
+    </dgm:linClrLst>
+    <dgm:effectClrLst/>
+    <dgm:txLinClrLst/>
+    <dgm:txFillClrLst meth="repeat">
+      <a:schemeClr val="lt1"/>
+    </dgm:txFillClrLst>
+    <dgm:txEffectClrLst/>
+  </dgm:styleLbl>
+  <dgm:styleLbl name="sibTrans2D1">
+    <dgm:fillClrLst meth="repeat">
+      <a:schemeClr val="accent1">
+        <a:tint val="60000"/>
+      </a:schemeClr>
+    </dgm:fillClrLst>
+    <dgm:linClrLst meth="repeat">
+      <a:schemeClr val="accent1">
+        <a:tint val="60000"/>
+      </a:schemeClr>
+    </dgm:linClrLst>
+    <dgm:effectClrLst/>
+    <dgm:txLinClrLst/>
+    <dgm:txFillClrLst/>
+    <dgm:txEffectClrLst/>
+  </dgm:styleLbl>
+  <dgm:styleLbl name="fgSibTrans2D1">
+    <dgm:fillClrLst meth="repeat">
+      <a:schemeClr val="accent1">
+        <a:tint val="60000"/>
+      </a:schemeClr>
+    </dgm:fillClrLst>
+    <dgm:linClrLst meth="repeat">
+      <a:schemeClr val="accent1">
+        <a:tint val="60000"/>
+      </a:schemeClr>
+    </dgm:linClrLst>
+    <dgm:effectClrLst/>
+    <dgm:txLinClrLst/>
+    <dgm:txFillClrLst/>
+    <dgm:txEffectClrLst/>
+  </dgm:styleLbl>
+  <dgm:styleLbl name="bgSibTrans2D1">
+    <dgm:fillClrLst meth="repeat">
+      <a:schemeClr val="accent1">
+        <a:tint val="60000"/>
+      </a:schemeClr>
+    </dgm:fillClrLst>
+    <dgm:linClrLst meth="repeat">
+      <a:schemeClr val="accent1">
+        <a:tint val="60000"/>
+      </a:schemeClr>
+    </dgm:linClrLst>
+    <dgm:effectClrLst/>
+    <dgm:txLinClrLst/>
+    <dgm:txFillClrLst/>
+    <dgm:txEffectClrLst/>
+  </dgm:styleLbl>
+  <dgm:styleLbl name="sibTrans1D1">
+    <dgm:fillClrLst meth="repeat">
+      <a:schemeClr val="accent1"/>
+    </dgm:fillClrLst>
+    <dgm:linClrLst meth="repeat">
+      <a:schemeClr val="accent1"/>
+    </dgm:linClrLst>
+    <dgm:effectClrLst/>
+    <dgm:txLinClrLst/>
+    <dgm:txFillClrLst meth="repeat">
+      <a:schemeClr val="tx1"/>
+    </dgm:txFillClrLst>
+    <dgm:txEffectClrLst/>
+  </dgm:styleLbl>
+  <dgm:styleLbl name="callout">
+    <dgm:fillClrLst meth="repeat">
+      <a:schemeClr val="accent1"/>
+    </dgm:fillClrLst>
+    <dgm:linClrLst meth="repeat">
+      <a:schemeClr val="accent1">
+        <a:tint val="50000"/>
+      </a:schemeClr>
+    </dgm:linClrLst>
+    <dgm:effectClrLst/>
+    <dgm:txLinClrLst/>
+    <dgm:txFillClrLst meth="repeat">
+      <a:schemeClr val="tx1"/>
+    </dgm:txFillClrLst>
+    <dgm:txEffectClrLst/>
+  </dgm:styleLbl>
+  <dgm:styleLbl name="asst0">
+    <dgm:fillClrLst meth="repeat">
+      <a:schemeClr val="accent1"/>
+    </dgm:fillClrLst>
+    <dgm:linClrLst meth="repeat">
+      <a:schemeClr val="lt1"/>
+    </dgm:linClrLst>
+    <dgm:effectClrLst/>
+    <dgm:txLinClrLst/>
+    <dgm:txFillClrLst/>
+    <dgm:txEffectClrLst/>
+  </dgm:styleLbl>
+  <dgm:styleLbl name="asst1">
+    <dgm:fillClrLst meth="repeat">
+      <a:schemeClr val="accent1"/>
+    </dgm:fillClrLst>
+    <dgm:linClrLst meth="repeat">
+      <a:schemeClr val="lt1"/>
+    </dgm:linClrLst>
+    <dgm:effectClrLst/>
+    <dgm:txLinClrLst/>
+    <dgm:txFillClrLst/>
+    <dgm:txEffectClrLst/>
+  </dgm:styleLbl>
+  <dgm:styleLbl name="asst2">
+    <dgm:fillClrLst meth="repeat">
+      <a:schemeClr val="accent1"/>
+    </dgm:fillClrLst>
+    <dgm:linClrLst meth="repeat">
+      <a:schemeClr val="lt1"/>
+    </dgm:linClrLst>
+    <dgm:effectClrLst/>
+    <dgm:txLinClrLst/>
+    <dgm:txFillClrLst/>
+    <dgm:txEffectClrLst/>
+  </dgm:styleLbl>
+  <dgm:styleLbl name="asst3">
+    <dgm:fillClrLst meth="repeat">
+      <a:schemeClr val="accent1"/>
+    </dgm:fillClrLst>
+    <dgm:linClrLst meth="repeat">
+      <a:schemeClr val="lt1"/>
+    </dgm:linClrLst>
+    <dgm:effectClrLst/>
+    <dgm:txLinClrLst/>
+    <dgm:txFillClrLst/>
+    <dgm:txEffectClrLst/>
+  </dgm:styleLbl>
+  <dgm:styleLbl name="asst4">
+    <dgm:fillClrLst meth="repeat">
+      <a:schemeClr val="accent1"/>
+    </dgm:fillClrLst>
+    <dgm:linClrLst meth="repeat">
+      <a:schemeClr val="lt1"/>
+    </dgm:linClrLst>
+    <dgm:effectClrLst/>
+    <dgm:txLinClrLst/>
+    <dgm:txFillClrLst/>
+    <dgm:txEffectClrLst/>
+  </dgm:styleLbl>
+  <dgm:styleLbl name="parChTrans2D1">
+    <dgm:fillClrLst meth="repeat">
+      <a:schemeClr val="accent1">
+        <a:tint val="60000"/>
+      </a:schemeClr>
+    </dgm:fillClrLst>
+    <dgm:linClrLst meth="repeat">
+      <a:schemeClr val="accent1">
+        <a:tint val="60000"/>
+      </a:schemeClr>
+    </dgm:linClrLst>
+    <dgm:effectClrLst/>
+    <dgm:txLinClrLst/>
+    <dgm:txFillClrLst meth="repeat">
+      <a:schemeClr val="lt1"/>
+    </dgm:txFillClrLst>
+    <dgm:txEffectClrLst/>
+  </dgm:styleLbl>
+  <dgm:styleLbl name="parChTrans2D2">
+    <dgm:fillClrLst meth="repeat">
+      <a:schemeClr val="accent1"/>
+    </dgm:fillClrLst>
+    <dgm:linClrLst meth="repeat">
+      <a:schemeClr val="accent1"/>
+    </dgm:linClrLst>
+    <dgm:effectClrLst/>
+    <dgm:txLinClrLst/>
+    <dgm:txFillClrLst meth="repeat">
+      <a:schemeClr val="lt1"/>
+    </dgm:txFillClrLst>
+    <dgm:txEffectClrLst/>
+  </dgm:styleLbl>
+  <dgm:styleLbl name="parChTrans2D3">
+    <dgm:fillClrLst meth="repeat">
+      <a:schemeClr val="accent1"/>
+    </dgm:fillClrLst>
+    <dgm:linClrLst meth="repeat">
+      <a:schemeClr val="accent1"/>
+    </dgm:linClrLst>
+    <dgm:effectClrLst/>
+    <dgm:txLinClrLst/>
+    <dgm:txFillClrLst meth="repeat">
+      <a:schemeClr val="lt1"/>
+    </dgm:txFillClrLst>
+    <dgm:txEffectClrLst/>
+  </dgm:styleLbl>
+  <dgm:styleLbl name="parChTrans2D4">
+    <dgm:fillClrLst meth="repeat">
+      <a:schemeClr val="accent1"/>
+    </dgm:fillClrLst>
+    <dgm:linClrLst meth="repeat">
+      <a:schemeClr val="accent1"/>
+    </dgm:linClrLst>
+    <dgm:effectClrLst/>
+    <dgm:txLinClrLst/>
+    <dgm:txFillClrLst meth="repeat">
+      <a:schemeClr val="lt1"/>
+    </dgm:txFillClrLst>
+    <dgm:txEffectClrLst/>
+  </dgm:styleLbl>
+  <dgm:styleLbl name="parChTrans1D1">
+    <dgm:fillClrLst meth="repeat">
+      <a:schemeClr val="accent1"/>
+    </dgm:fillClrLst>
+    <dgm:linClrLst meth="repeat">
+      <a:schemeClr val="accent1">
+        <a:shade val="60000"/>
+      </a:schemeClr>
+    </dgm:linClrLst>
+    <dgm:effectClrLst/>
+    <dgm:txLinClrLst/>
+    <dgm:txFillClrLst meth="repeat">
+      <a:schemeClr val="tx1"/>
+    </dgm:txFillClrLst>
+    <dgm:txEffectClrLst/>
+  </dgm:styleLbl>
+  <dgm:styleLbl name="parChTrans1D2">
+    <dgm:fillClrLst meth="repeat">
+      <a:schemeClr val="accent1"/>
+    </dgm:fillClrLst>
+    <dgm:linClrLst meth="repeat">
+      <a:schemeClr val="accent1">
+        <a:shade val="60000"/>
+      </a:schemeClr>
+    </dgm:linClrLst>
+    <dgm:effectClrLst/>
+    <dgm:txLinClrLst/>
+    <dgm:txFillClrLst meth="repeat">
+      <a:schemeClr val="tx1"/>
+    </dgm:txFillClrLst>
+    <dgm:txEffectClrLst/>
+  </dgm:styleLbl>
+  <dgm:styleLbl name="parChTrans1D3">
+    <dgm:fillClrLst meth="repeat">
+      <a:schemeClr val="accent1"/>
+    </dgm:fillClrLst>
+    <dgm:linClrLst meth="repeat">
+      <a:schemeClr val="accent1">
+        <a:shade val="80000"/>
+      </a:schemeClr>
+    </dgm:linClrLst>
+    <dgm:effectClrLst/>
+    <dgm:txLinClrLst/>
+    <dgm:txFillClrLst meth="repeat">
+      <a:schemeClr val="tx1"/>
+    </dgm:txFillClrLst>
+    <dgm:txEffectClrLst/>
+  </dgm:styleLbl>
+  <dgm:styleLbl name="parChTrans1D4">
+    <dgm:fillClrLst meth="repeat">
+      <a:schemeClr val="accent1"/>
+    </dgm:fillClrLst>
+    <dgm:linClrLst meth="repeat">
+      <a:schemeClr val="accent1">
+        <a:shade val="80000"/>
+      </a:schemeClr>
+    </dgm:linClrLst>
+    <dgm:effectClrLst/>
+    <dgm:txLinClrLst/>
+    <dgm:txFillClrLst meth="repeat">
+      <a:schemeClr val="tx1"/>
+    </dgm:txFillClrLst>
+    <dgm:txEffectClrLst/>
+  </dgm:styleLbl>
+  <dgm:styleLbl name="fgAcc1">
+    <dgm:fillClrLst meth="repeat">
+      <a:schemeClr val="lt1">
+        <a:alpha val="90000"/>
+      </a:schemeClr>
+    </dgm:fillClrLst>
+    <dgm:linClrLst meth="repeat">
+      <a:schemeClr val="accent1"/>
+    </dgm:linClrLst>
+    <dgm:effectClrLst/>
+    <dgm:txLinClrLst/>
+    <dgm:txFillClrLst meth="repeat">
+      <a:schemeClr val="dk1"/>
+    </dgm:txFillClrLst>
+    <dgm:txEffectClrLst/>
+  </dgm:styleLbl>
+  <dgm:styleLbl name="conFgAcc1">
+    <dgm:fillClrLst meth="repeat">
+      <a:schemeClr val="lt1">
+        <a:alpha val="90000"/>
+      </a:schemeClr>
+    </dgm:fillClrLst>
+    <dgm:linClrLst meth="repeat">
+      <a:schemeClr val="accent1"/>
+    </dgm:linClrLst>
+    <dgm:effectClrLst/>
+    <dgm:txLinClrLst/>
+    <dgm:txFillClrLst meth="repeat">
+      <a:schemeClr val="dk1"/>
+    </dgm:txFillClrLst>
+    <dgm:txEffectClrLst/>
+  </dgm:styleLbl>
+  <dgm:styleLbl name="alignAcc1">
+    <dgm:fillClrLst meth="repeat">
+      <a:schemeClr val="lt1">
+        <a:alpha val="90000"/>
+      </a:schemeClr>
+    </dgm:fillClrLst>
+    <dgm:linClrLst meth="repeat">
+      <a:schemeClr val="accent1"/>
+    </dgm:linClrLst>
+    <dgm:effectClrLst/>
+    <dgm:txLinClrLst/>
+    <dgm:txFillClrLst meth="repeat">
+      <a:schemeClr val="dk1"/>
+    </dgm:txFillClrLst>
+    <dgm:txEffectClrLst/>
+  </dgm:styleLbl>
+  <dgm:styleLbl name="trAlignAcc1">
+    <dgm:fillClrLst meth="repeat">
+      <a:schemeClr val="lt1">
+        <a:alpha val="40000"/>
+      </a:schemeClr>
+    </dgm:fillClrLst>
+    <dgm:linClrLst meth="repeat">
+      <a:schemeClr val="accent1"/>
+    </dgm:linClrLst>
+    <dgm:effectClrLst/>
+    <dgm:txLinClrLst/>
+    <dgm:txFillClrLst meth="repeat">
+      <a:schemeClr val="dk1"/>
+    </dgm:txFillClrLst>
+    <dgm:txEffectClrLst/>
+  </dgm:styleLbl>
+  <dgm:styleLbl name="bgAcc1">
+    <dgm:fillClrLst meth="repeat">
+      <a:schemeClr val="lt1">
+        <a:alpha val="90000"/>
+      </a:schemeClr>
+    </dgm:fillClrLst>
+    <dgm:linClrLst meth="repeat">
+      <a:schemeClr val="accent1"/>
+    </dgm:linClrLst>
+    <dgm:effectClrLst/>
+    <dgm:txLinClrLst/>
+    <dgm:txFillClrLst meth="repeat">
+      <a:schemeClr val="dk1"/>
+    </dgm:txFillClrLst>
+    <dgm:txEffectClrLst/>
+  </dgm:styleLbl>
+  <dgm:styleLbl name="solidFgAcc1">
+    <dgm:fillClrLst meth="repeat">
+      <a:schemeClr val="lt1"/>
+    </dgm:fillClrLst>
+    <dgm:linClrLst meth="repeat">
+      <a:schemeClr val="accent1"/>
+    </dgm:linClrLst>
+    <dgm:effectClrLst/>
+    <dgm:txLinClrLst/>
+    <dgm:txFillClrLst meth="repeat">
+      <a:schemeClr val="dk1"/>
+    </dgm:txFillClrLst>
+    <dgm:txEffectClrLst/>
+  </dgm:styleLbl>
+  <dgm:styleLbl name="solidAlignAcc1">
+    <dgm:fillClrLst meth="repeat">
+      <a:schemeClr val="lt1"/>
+    </dgm:fillClrLst>
+    <dgm:linClrLst meth="repeat">
+      <a:schemeClr val="accent1"/>
+    </dgm:linClrLst>
+    <dgm:effectClrLst/>
+    <dgm:txLinClrLst/>
+    <dgm:txFillClrLst meth="repeat">
+      <a:schemeClr val="dk1"/>
+    </dgm:txFillClrLst>
+    <dgm:txEffectClrLst/>
+  </dgm:styleLbl>
+  <dgm:styleLbl name="solidBgAcc1">
+    <dgm:fillClrLst meth="repeat">
+      <a:schemeClr val="lt1"/>
+    </dgm:fillClrLst>
+    <dgm:linClrLst meth="repeat">
+      <a:schemeClr val="accent1"/>
+    </dgm:linClrLst>
+    <dgm:effectClrLst/>
+    <dgm:txLinClrLst/>
+    <dgm:txFillClrLst meth="repeat">
+      <a:schemeClr val="dk1"/>
+    </dgm:txFillClrLst>
+    <dgm:txEffectClrLst/>
+  </dgm:styleLbl>
+  <dgm:styleLbl name="fgAccFollowNode1">
+    <dgm:fillClrLst meth="repeat">
+      <a:schemeClr val="accent1">
+        <a:alpha val="90000"/>
+        <a:tint val="40000"/>
+      </a:schemeClr>
+    </dgm:fillClrLst>
+    <dgm:linClrLst meth="repeat">
+      <a:schemeClr val="accent1">
+        <a:alpha val="90000"/>
+        <a:tint val="40000"/>
+      </a:schemeClr>
+    </dgm:linClrLst>
+    <dgm:effectClrLst/>
+    <dgm:txLinClrLst/>
+    <dgm:txFillClrLst meth="repeat">
+      <a:schemeClr val="dk1"/>
+    </dgm:txFillClrLst>
+    <dgm:txEffectClrLst/>
+  </dgm:styleLbl>
+  <dgm:styleLbl name="alignAccFollowNode1">
+    <dgm:fillClrLst meth="repeat">
+      <a:schemeClr val="accent1">
+        <a:alpha val="90000"/>
+        <a:tint val="40000"/>
+      </a:schemeClr>
+    </dgm:fillClrLst>
+    <dgm:linClrLst meth="repeat">
+      <a:schemeClr val="accent1">
+        <a:alpha val="90000"/>
+        <a:tint val="40000"/>
+      </a:schemeClr>
+    </dgm:linClrLst>
+    <dgm:effectClrLst/>
+    <dgm:txLinClrLst/>
+    <dgm:txFillClrLst meth="repeat">
+      <a:schemeClr val="dk1"/>
+    </dgm:txFillClrLst>
+    <dgm:txEffectClrLst/>
+  </dgm:styleLbl>
+  <dgm:styleLbl name="bgAccFollowNode1">
+    <dgm:fillClrLst meth="repeat">
+      <a:schemeClr val="accent1">
+        <a:alpha val="90000"/>
+        <a:tint val="40000"/>
+      </a:schemeClr>
+    </dgm:fillClrLst>
+    <dgm:linClrLst meth="repeat">
+      <a:schemeClr val="accent1">
+        <a:alpha val="90000"/>
+        <a:tint val="40000"/>
+      </a:schemeClr>
+    </dgm:linClrLst>
+    <dgm:effectClrLst/>
+    <dgm:txLinClrLst/>
+    <dgm:txFillClrLst meth="repeat">
+      <a:schemeClr val="dk1"/>
+    </dgm:txFillClrLst>
+    <dgm:txEffectClrLst/>
+  </dgm:styleLbl>
+  <dgm:styleLbl name="fgAcc0">
+    <dgm:fillClrLst meth="repeat">
+      <a:schemeClr val="lt1">
+        <a:alpha val="90000"/>
+      </a:schemeClr>
+    </dgm:fillClrLst>
+    <dgm:linClrLst meth="repeat">
+      <a:schemeClr val="accent1"/>
+    </dgm:linClrLst>
+    <dgm:effectClrLst/>
+    <dgm:txLinClrLst/>
+    <dgm:txFillClrLst meth="repeat">
+      <a:schemeClr val="dk1"/>
+    </dgm:txFillClrLst>
+    <dgm:txEffectClrLst/>
+  </dgm:styleLbl>
+  <dgm:styleLbl name="fgAcc2">
+    <dgm:fillClrLst meth="repeat">
+      <a:schemeClr val="lt1">
+        <a:alpha val="90000"/>
+      </a:schemeClr>
+    </dgm:fillClrLst>
+    <dgm:linClrLst meth="repeat">
+      <a:schemeClr val="accent1"/>
+    </dgm:linClrLst>
+    <dgm:effectClrLst/>
+    <dgm:txLinClrLst/>
+    <dgm:txFillClrLst meth="repeat">
+      <a:schemeClr val="dk1"/>
+    </dgm:txFillClrLst>
+    <dgm:txEffectClrLst/>
+  </dgm:styleLbl>
+  <dgm:styleLbl name="fgAcc3">
+    <dgm:fillClrLst meth="repeat">
+      <a:schemeClr val="lt1">
+        <a:alpha val="90000"/>
+      </a:schemeClr>
+    </dgm:fillClrLst>
+    <dgm:linClrLst meth="repeat">
+      <a:schemeClr val="accent1"/>
+    </dgm:linClrLst>
+    <dgm:effectClrLst/>
+    <dgm:txLinClrLst/>
+    <dgm:txFillClrLst meth="repeat">
+      <a:schemeClr val="dk1"/>
+    </dgm:txFillClrLst>
+    <dgm:txEffectClrLst/>
+  </dgm:styleLbl>
+  <dgm:styleLbl name="fgAcc4">
+    <dgm:fillClrLst meth="repeat">
+      <a:schemeClr val="lt1">
+        <a:alpha val="90000"/>
+      </a:schemeClr>
+    </dgm:fillClrLst>
+    <dgm:linClrLst meth="repeat">
+      <a:schemeClr val="accent1"/>
+    </dgm:linClrLst>
+    <dgm:effectClrLst/>
+    <dgm:txLinClrLst/>
+    <dgm:txFillClrLst meth="repeat">
+      <a:schemeClr val="dk1"/>
+    </dgm:txFillClrLst>
+    <dgm:txEffectClrLst/>
+  </dgm:styleLbl>
+  <dgm:styleLbl name="bgShp">
+    <dgm:fillClrLst meth="repeat">
+      <a:schemeClr val="accent1">
+        <a:tint val="40000"/>
+      </a:schemeClr>
+    </dgm:fillClrLst>
+    <dgm:linClrLst meth="repeat">
+      <a:schemeClr val="accent1"/>
+    </dgm:linClrLst>
+    <dgm:effectClrLst/>
+    <dgm:txLinClrLst/>
+    <dgm:txFillClrLst meth="repeat">
+      <a:schemeClr val="dk1"/>
+    </dgm:txFillClrLst>
+    <dgm:txEffectClrLst/>
+  </dgm:styleLbl>
+  <dgm:styleLbl name="dkBgShp">
+    <dgm:fillClrLst meth="repeat">
+      <a:schemeClr val="accent1">
+        <a:shade val="80000"/>
+      </a:schemeClr>
+    </dgm:fillClrLst>
+    <dgm:linClrLst meth="repeat">
+      <a:schemeClr val="accent1"/>
+    </dgm:linClrLst>
+    <dgm:effectClrLst/>
+    <dgm:txLinClrLst/>
+    <dgm:txFillClrLst meth="repeat">
+      <a:schemeClr val="lt1"/>
+    </dgm:txFillClrLst>
+    <dgm:txEffectClrLst/>
+  </dgm:styleLbl>
+  <dgm:styleLbl name="trBgShp">
+    <dgm:fillClrLst meth="repeat">
+      <a:schemeClr val="accent1">
+        <a:tint val="50000"/>
+        <a:alpha val="40000"/>
+      </a:schemeClr>
+    </dgm:fillClrLst>
+    <dgm:linClrLst meth="repeat">
+      <a:schemeClr val="accent1"/>
+    </dgm:linClrLst>
+    <dgm:effectClrLst/>
+    <dgm:txLinClrLst/>
+    <dgm:txFillClrLst meth="repeat">
+      <a:schemeClr val="lt1"/>
+    </dgm:txFillClrLst>
+    <dgm:txEffectClrLst/>
+  </dgm:styleLbl>
+  <dgm:styleLbl name="fgShp">
+    <dgm:fillClrLst meth="repeat">
+      <a:schemeClr val="accent1">
+        <a:tint val="60000"/>
+      </a:schemeClr>
+    </dgm:fillClrLst>
+    <dgm:linClrLst meth="repeat">
+      <a:schemeClr val="lt1"/>
+    </dgm:linClrLst>
+    <dgm:effectClrLst/>
+    <dgm:txLinClrLst/>
+    <dgm:txFillClrLst meth="repeat">
+      <a:schemeClr val="dk1"/>
+    </dgm:txFillClrLst>
+    <dgm:txEffectClrLst/>
+  </dgm:styleLbl>
+  <dgm:styleLbl name="revTx">
+    <dgm:fillClrLst meth="repeat">
+      <a:schemeClr val="lt1">
+        <a:alpha val="0"/>
+      </a:schemeClr>
+    </dgm:fillClrLst>
+    <dgm:linClrLst meth="repeat">
+      <a:schemeClr val="dk1">
+        <a:alpha val="0"/>
+      </a:schemeClr>
+    </dgm:linClrLst>
+    <dgm:effectClrLst/>
+    <dgm:txLinClrLst/>
+    <dgm:txFillClrLst meth="repeat">
+      <a:schemeClr val="tx1"/>
+    </dgm:txFillClrLst>
+    <dgm:txEffectClrLst/>
+  </dgm:styleLbl>
+</dgm:colorsDef>
+</file>
+
+<file path=ppt/diagrams/data1.xml><?xml version="1.0" encoding="utf-8"?>
+<dgm:dataModel xmlns:dgm="http://schemas.openxmlformats.org/drawingml/2006/diagram" xmlns:a="http://schemas.openxmlformats.org/drawingml/2006/main">
+  <dgm:ptLst>
+    <dgm:pt modelId="{54E502D5-AEC3-436A-8132-A3F5534AF0BF}" type="doc">
+      <dgm:prSet loTypeId="urn:microsoft.com/office/officeart/2009/layout/CircleArrowProcess" loCatId="process" qsTypeId="urn:microsoft.com/office/officeart/2005/8/quickstyle/simple1" qsCatId="simple" csTypeId="urn:microsoft.com/office/officeart/2005/8/colors/accent1_2" csCatId="accent1" phldr="1"/>
+      <dgm:spPr/>
+      <dgm:t>
+        <a:bodyPr/>
+        <a:lstStyle/>
+        <a:p>
+          <a:endParaRPr lang="en-US"/>
+        </a:p>
+      </dgm:t>
+    </dgm:pt>
+    <dgm:pt modelId="{0BAE82FD-C970-493B-838F-C290C165B267}">
+      <dgm:prSet phldrT="[Text]"/>
+      <dgm:spPr/>
+      <dgm:t>
+        <a:bodyPr/>
+        <a:lstStyle/>
+        <a:p>
+          <a:r>
+            <a:rPr lang="en-US" dirty="0"/>
+            <a:t> </a:t>
+          </a:r>
+        </a:p>
+      </dgm:t>
+    </dgm:pt>
+    <dgm:pt modelId="{D8F8EE7F-1250-4AB1-8B6F-32DE0721D468}" type="parTrans" cxnId="{A4EDA5F0-CD50-418F-88A7-DD4BBF88CF2B}">
+      <dgm:prSet/>
+      <dgm:spPr/>
+      <dgm:t>
+        <a:bodyPr/>
+        <a:lstStyle/>
+        <a:p>
+          <a:endParaRPr lang="en-US"/>
+        </a:p>
+      </dgm:t>
+    </dgm:pt>
+    <dgm:pt modelId="{5D3F1FE1-6442-4ED0-B77A-008457A19D21}" type="sibTrans" cxnId="{A4EDA5F0-CD50-418F-88A7-DD4BBF88CF2B}">
+      <dgm:prSet/>
+      <dgm:spPr/>
+      <dgm:t>
+        <a:bodyPr/>
+        <a:lstStyle/>
+        <a:p>
+          <a:endParaRPr lang="en-US"/>
+        </a:p>
+      </dgm:t>
+    </dgm:pt>
+    <dgm:pt modelId="{A7412EE0-2E23-4096-95C0-4FB742086050}">
+      <dgm:prSet phldrT="[Text]"/>
+      <dgm:spPr/>
+      <dgm:t>
+        <a:bodyPr/>
+        <a:lstStyle/>
+        <a:p>
+          <a:r>
+            <a:rPr lang="en-US" dirty="0"/>
+            <a:t> </a:t>
+          </a:r>
+        </a:p>
+      </dgm:t>
+    </dgm:pt>
+    <dgm:pt modelId="{04FC6CCC-D9C1-42E0-ABB4-CADC8310B314}" type="parTrans" cxnId="{907FD829-190D-418E-8ED5-30F23306D8B7}">
+      <dgm:prSet/>
+      <dgm:spPr/>
+      <dgm:t>
+        <a:bodyPr/>
+        <a:lstStyle/>
+        <a:p>
+          <a:endParaRPr lang="en-US"/>
+        </a:p>
+      </dgm:t>
+    </dgm:pt>
+    <dgm:pt modelId="{4BC61970-2290-4A37-8978-F887E2AA57CE}" type="sibTrans" cxnId="{907FD829-190D-418E-8ED5-30F23306D8B7}">
+      <dgm:prSet/>
+      <dgm:spPr/>
+      <dgm:t>
+        <a:bodyPr/>
+        <a:lstStyle/>
+        <a:p>
+          <a:endParaRPr lang="en-US"/>
+        </a:p>
+      </dgm:t>
+    </dgm:pt>
+    <dgm:pt modelId="{CE5F27E7-EA67-4982-BCF5-59E03D41A1BD}">
+      <dgm:prSet phldrT="[Text]"/>
+      <dgm:spPr/>
+      <dgm:t>
+        <a:bodyPr/>
+        <a:lstStyle/>
+        <a:p>
+          <a:endParaRPr lang="en-US" dirty="0"/>
+        </a:p>
+      </dgm:t>
+    </dgm:pt>
+    <dgm:pt modelId="{9A961A57-9AAD-435D-BF8C-F5063E49F877}" type="parTrans" cxnId="{0CB880A2-F4D3-4095-81B9-AF61372705CF}">
+      <dgm:prSet/>
+      <dgm:spPr/>
+      <dgm:t>
+        <a:bodyPr/>
+        <a:lstStyle/>
+        <a:p>
+          <a:endParaRPr lang="en-US"/>
+        </a:p>
+      </dgm:t>
+    </dgm:pt>
+    <dgm:pt modelId="{690C082D-462C-42B8-93BA-7EF6595E8C95}" type="sibTrans" cxnId="{0CB880A2-F4D3-4095-81B9-AF61372705CF}">
+      <dgm:prSet/>
+      <dgm:spPr/>
+      <dgm:t>
+        <a:bodyPr/>
+        <a:lstStyle/>
+        <a:p>
+          <a:endParaRPr lang="en-US"/>
+        </a:p>
+      </dgm:t>
+    </dgm:pt>
+    <dgm:pt modelId="{FB2F5008-1E2A-4F4D-9280-D9086DFAC407}">
+      <dgm:prSet phldrT="[Text]"/>
+      <dgm:spPr/>
+      <dgm:t>
+        <a:bodyPr/>
+        <a:lstStyle/>
+        <a:p>
+          <a:r>
+            <a:rPr lang="en-US" dirty="0"/>
+            <a:t> </a:t>
+          </a:r>
+        </a:p>
+      </dgm:t>
+    </dgm:pt>
+    <dgm:pt modelId="{73852349-F078-4923-9800-1CBEF162AE21}" type="sibTrans" cxnId="{F8572AF0-3A40-48F8-B029-D64183CB557B}">
+      <dgm:prSet/>
+      <dgm:spPr/>
+      <dgm:t>
+        <a:bodyPr/>
+        <a:lstStyle/>
+        <a:p>
+          <a:endParaRPr lang="en-US"/>
+        </a:p>
+      </dgm:t>
+    </dgm:pt>
+    <dgm:pt modelId="{305A4B52-A7B2-4EFD-9620-DCE057E96FED}" type="parTrans" cxnId="{F8572AF0-3A40-48F8-B029-D64183CB557B}">
+      <dgm:prSet/>
+      <dgm:spPr/>
+      <dgm:t>
+        <a:bodyPr/>
+        <a:lstStyle/>
+        <a:p>
+          <a:endParaRPr lang="en-US"/>
+        </a:p>
+      </dgm:t>
+    </dgm:pt>
+    <dgm:pt modelId="{A7569AAA-B160-41F1-933A-B37A030D4259}" type="pres">
+      <dgm:prSet presAssocID="{54E502D5-AEC3-436A-8132-A3F5534AF0BF}" presName="Name0" presStyleCnt="0">
+        <dgm:presLayoutVars>
+          <dgm:chMax val="7"/>
+          <dgm:chPref val="7"/>
+          <dgm:dir/>
+          <dgm:animLvl val="lvl"/>
+        </dgm:presLayoutVars>
+      </dgm:prSet>
+      <dgm:spPr/>
+    </dgm:pt>
+    <dgm:pt modelId="{D44483AF-E0A1-4F8A-A021-19465C57BEC4}" type="pres">
+      <dgm:prSet presAssocID="{FB2F5008-1E2A-4F4D-9280-D9086DFAC407}" presName="Accent1" presStyleCnt="0"/>
+      <dgm:spPr/>
+    </dgm:pt>
+    <dgm:pt modelId="{9495849D-1ECB-43B1-8E6A-CB2D9CE888A8}" type="pres">
+      <dgm:prSet presAssocID="{FB2F5008-1E2A-4F4D-9280-D9086DFAC407}" presName="Accent" presStyleLbl="node1" presStyleIdx="0" presStyleCnt="4"/>
+      <dgm:spPr>
+        <a:solidFill>
+          <a:schemeClr val="tx2"/>
+        </a:solidFill>
+        <a:ln>
+          <a:noFill/>
+        </a:ln>
+        <a:effectLst>
+          <a:outerShdw blurRad="50800" dist="38100" dir="2700000" algn="tl" rotWithShape="0">
+            <a:prstClr val="black">
+              <a:alpha val="40000"/>
+            </a:prstClr>
+          </a:outerShdw>
+        </a:effectLst>
+      </dgm:spPr>
+    </dgm:pt>
+    <dgm:pt modelId="{903A819C-0559-4A87-8629-E0AB20EA4568}" type="pres">
+      <dgm:prSet presAssocID="{FB2F5008-1E2A-4F4D-9280-D9086DFAC407}" presName="Parent1" presStyleLbl="revTx" presStyleIdx="0" presStyleCnt="4">
+        <dgm:presLayoutVars>
+          <dgm:chMax val="1"/>
+          <dgm:chPref val="1"/>
+          <dgm:bulletEnabled val="1"/>
+        </dgm:presLayoutVars>
+      </dgm:prSet>
+      <dgm:spPr/>
+    </dgm:pt>
+    <dgm:pt modelId="{ED6B6569-058C-41A7-96AE-B8E07A4A80A4}" type="pres">
+      <dgm:prSet presAssocID="{0BAE82FD-C970-493B-838F-C290C165B267}" presName="Accent2" presStyleCnt="0"/>
+      <dgm:spPr/>
+    </dgm:pt>
+    <dgm:pt modelId="{2A42095B-62C3-4AD9-8A35-B8832DACDA79}" type="pres">
+      <dgm:prSet presAssocID="{0BAE82FD-C970-493B-838F-C290C165B267}" presName="Accent" presStyleLbl="node1" presStyleIdx="1" presStyleCnt="4"/>
+      <dgm:spPr>
+        <a:solidFill>
+          <a:schemeClr val="accent1"/>
+        </a:solidFill>
+        <a:ln>
+          <a:noFill/>
+        </a:ln>
+        <a:effectLst>
+          <a:outerShdw blurRad="50800" dist="38100" dir="2700000" algn="tl" rotWithShape="0">
+            <a:prstClr val="black">
+              <a:alpha val="40000"/>
+            </a:prstClr>
+          </a:outerShdw>
+        </a:effectLst>
+      </dgm:spPr>
+    </dgm:pt>
+    <dgm:pt modelId="{86578BA1-F723-4E0B-92D3-EDE69D4DF865}" type="pres">
+      <dgm:prSet presAssocID="{0BAE82FD-C970-493B-838F-C290C165B267}" presName="Parent2" presStyleLbl="revTx" presStyleIdx="1" presStyleCnt="4">
+        <dgm:presLayoutVars>
+          <dgm:chMax val="1"/>
+          <dgm:chPref val="1"/>
+          <dgm:bulletEnabled val="1"/>
+        </dgm:presLayoutVars>
+      </dgm:prSet>
+      <dgm:spPr/>
+    </dgm:pt>
+    <dgm:pt modelId="{3B4EA603-30E8-4D66-AA86-3196366020DC}" type="pres">
+      <dgm:prSet presAssocID="{CE5F27E7-EA67-4982-BCF5-59E03D41A1BD}" presName="Accent3" presStyleCnt="0"/>
+      <dgm:spPr/>
+    </dgm:pt>
+    <dgm:pt modelId="{66CBF1BC-CA03-484A-95FE-09EC1D8C19CD}" type="pres">
+      <dgm:prSet presAssocID="{CE5F27E7-EA67-4982-BCF5-59E03D41A1BD}" presName="Accent" presStyleLbl="node1" presStyleIdx="2" presStyleCnt="4"/>
+      <dgm:spPr>
+        <a:solidFill>
+          <a:schemeClr val="accent2"/>
+        </a:solidFill>
+        <a:ln>
+          <a:noFill/>
+        </a:ln>
+        <a:effectLst>
+          <a:outerShdw blurRad="50800" dist="38100" dir="2700000" algn="tl" rotWithShape="0">
+            <a:prstClr val="black">
+              <a:alpha val="40000"/>
+            </a:prstClr>
+          </a:outerShdw>
+        </a:effectLst>
+      </dgm:spPr>
+    </dgm:pt>
+    <dgm:pt modelId="{8A34EC51-74CE-4EE3-9D43-5EA50B9EA4AE}" type="pres">
+      <dgm:prSet presAssocID="{CE5F27E7-EA67-4982-BCF5-59E03D41A1BD}" presName="Parent3" presStyleLbl="revTx" presStyleIdx="2" presStyleCnt="4">
+        <dgm:presLayoutVars>
+          <dgm:chMax val="1"/>
+          <dgm:chPref val="1"/>
+          <dgm:bulletEnabled val="1"/>
+        </dgm:presLayoutVars>
+      </dgm:prSet>
+      <dgm:spPr/>
+    </dgm:pt>
+    <dgm:pt modelId="{B3048F03-9113-44A3-AA76-BAB65685904E}" type="pres">
+      <dgm:prSet presAssocID="{A7412EE0-2E23-4096-95C0-4FB742086050}" presName="Accent4" presStyleCnt="0"/>
+      <dgm:spPr/>
+    </dgm:pt>
+    <dgm:pt modelId="{A8E91E4E-51C2-4BC3-84DE-9FC4A0FD1D65}" type="pres">
+      <dgm:prSet presAssocID="{A7412EE0-2E23-4096-95C0-4FB742086050}" presName="Accent" presStyleLbl="node1" presStyleIdx="3" presStyleCnt="4"/>
+      <dgm:spPr>
+        <a:solidFill>
+          <a:schemeClr val="accent3"/>
+        </a:solidFill>
+        <a:ln>
+          <a:noFill/>
+        </a:ln>
+        <a:effectLst>
+          <a:outerShdw blurRad="50800" dist="38100" dir="2700000" algn="tl" rotWithShape="0">
+            <a:prstClr val="black">
+              <a:alpha val="40000"/>
+            </a:prstClr>
+          </a:outerShdw>
+        </a:effectLst>
+      </dgm:spPr>
+    </dgm:pt>
+    <dgm:pt modelId="{D39E0714-9414-47AD-A495-B848286EA792}" type="pres">
+      <dgm:prSet presAssocID="{A7412EE0-2E23-4096-95C0-4FB742086050}" presName="Parent4" presStyleLbl="revTx" presStyleIdx="3" presStyleCnt="4">
+        <dgm:presLayoutVars>
+          <dgm:chMax val="1"/>
+          <dgm:chPref val="1"/>
+          <dgm:bulletEnabled val="1"/>
+        </dgm:presLayoutVars>
+      </dgm:prSet>
+      <dgm:spPr/>
+    </dgm:pt>
+  </dgm:ptLst>
+  <dgm:cxnLst>
+    <dgm:cxn modelId="{907FD829-190D-418E-8ED5-30F23306D8B7}" srcId="{54E502D5-AEC3-436A-8132-A3F5534AF0BF}" destId="{A7412EE0-2E23-4096-95C0-4FB742086050}" srcOrd="3" destOrd="0" parTransId="{04FC6CCC-D9C1-42E0-ABB4-CADC8310B314}" sibTransId="{4BC61970-2290-4A37-8978-F887E2AA57CE}"/>
+    <dgm:cxn modelId="{6BBE3A84-B9B5-4308-B573-634B7E4E272C}" type="presOf" srcId="{CE5F27E7-EA67-4982-BCF5-59E03D41A1BD}" destId="{8A34EC51-74CE-4EE3-9D43-5EA50B9EA4AE}" srcOrd="0" destOrd="0" presId="urn:microsoft.com/office/officeart/2009/layout/CircleArrowProcess"/>
+    <dgm:cxn modelId="{0CB880A2-F4D3-4095-81B9-AF61372705CF}" srcId="{54E502D5-AEC3-436A-8132-A3F5534AF0BF}" destId="{CE5F27E7-EA67-4982-BCF5-59E03D41A1BD}" srcOrd="2" destOrd="0" parTransId="{9A961A57-9AAD-435D-BF8C-F5063E49F877}" sibTransId="{690C082D-462C-42B8-93BA-7EF6595E8C95}"/>
+    <dgm:cxn modelId="{875631BF-1BF6-4579-A41D-C1AB5EF7F568}" type="presOf" srcId="{A7412EE0-2E23-4096-95C0-4FB742086050}" destId="{D39E0714-9414-47AD-A495-B848286EA792}" srcOrd="0" destOrd="0" presId="urn:microsoft.com/office/officeart/2009/layout/CircleArrowProcess"/>
+    <dgm:cxn modelId="{161494E0-F4FD-451D-A0A6-5D5FEF18CA6F}" type="presOf" srcId="{54E502D5-AEC3-436A-8132-A3F5534AF0BF}" destId="{A7569AAA-B160-41F1-933A-B37A030D4259}" srcOrd="0" destOrd="0" presId="urn:microsoft.com/office/officeart/2009/layout/CircleArrowProcess"/>
+    <dgm:cxn modelId="{F8572AF0-3A40-48F8-B029-D64183CB557B}" srcId="{54E502D5-AEC3-436A-8132-A3F5534AF0BF}" destId="{FB2F5008-1E2A-4F4D-9280-D9086DFAC407}" srcOrd="0" destOrd="0" parTransId="{305A4B52-A7B2-4EFD-9620-DCE057E96FED}" sibTransId="{73852349-F078-4923-9800-1CBEF162AE21}"/>
+    <dgm:cxn modelId="{A4EDA5F0-CD50-418F-88A7-DD4BBF88CF2B}" srcId="{54E502D5-AEC3-436A-8132-A3F5534AF0BF}" destId="{0BAE82FD-C970-493B-838F-C290C165B267}" srcOrd="1" destOrd="0" parTransId="{D8F8EE7F-1250-4AB1-8B6F-32DE0721D468}" sibTransId="{5D3F1FE1-6442-4ED0-B77A-008457A19D21}"/>
+    <dgm:cxn modelId="{76E7BCF7-BDDA-40BF-881E-BC0504F7F4EA}" type="presOf" srcId="{FB2F5008-1E2A-4F4D-9280-D9086DFAC407}" destId="{903A819C-0559-4A87-8629-E0AB20EA4568}" srcOrd="0" destOrd="0" presId="urn:microsoft.com/office/officeart/2009/layout/CircleArrowProcess"/>
+    <dgm:cxn modelId="{94D785F8-4D6F-4BC6-8A39-7B4067D85E40}" type="presOf" srcId="{0BAE82FD-C970-493B-838F-C290C165B267}" destId="{86578BA1-F723-4E0B-92D3-EDE69D4DF865}" srcOrd="0" destOrd="0" presId="urn:microsoft.com/office/officeart/2009/layout/CircleArrowProcess"/>
+    <dgm:cxn modelId="{C247511B-6DA4-4099-9370-58260E887695}" type="presParOf" srcId="{A7569AAA-B160-41F1-933A-B37A030D4259}" destId="{D44483AF-E0A1-4F8A-A021-19465C57BEC4}" srcOrd="0" destOrd="0" presId="urn:microsoft.com/office/officeart/2009/layout/CircleArrowProcess"/>
+    <dgm:cxn modelId="{CA3E256E-E9DD-4918-AD9D-72003893AD88}" type="presParOf" srcId="{D44483AF-E0A1-4F8A-A021-19465C57BEC4}" destId="{9495849D-1ECB-43B1-8E6A-CB2D9CE888A8}" srcOrd="0" destOrd="0" presId="urn:microsoft.com/office/officeart/2009/layout/CircleArrowProcess"/>
+    <dgm:cxn modelId="{D66730E1-DA45-4915-AA62-DBB3E5064AFF}" type="presParOf" srcId="{A7569AAA-B160-41F1-933A-B37A030D4259}" destId="{903A819C-0559-4A87-8629-E0AB20EA4568}" srcOrd="1" destOrd="0" presId="urn:microsoft.com/office/officeart/2009/layout/CircleArrowProcess"/>
+    <dgm:cxn modelId="{65CC6B9A-AE20-4298-988C-C6D346C04D51}" type="presParOf" srcId="{A7569AAA-B160-41F1-933A-B37A030D4259}" destId="{ED6B6569-058C-41A7-96AE-B8E07A4A80A4}" srcOrd="2" destOrd="0" presId="urn:microsoft.com/office/officeart/2009/layout/CircleArrowProcess"/>
+    <dgm:cxn modelId="{5FD0C54C-5F5F-4BED-9E82-14F139E1A0CD}" type="presParOf" srcId="{ED6B6569-058C-41A7-96AE-B8E07A4A80A4}" destId="{2A42095B-62C3-4AD9-8A35-B8832DACDA79}" srcOrd="0" destOrd="0" presId="urn:microsoft.com/office/officeart/2009/layout/CircleArrowProcess"/>
+    <dgm:cxn modelId="{B463CDCF-BC07-4675-8911-0BB972186BCC}" type="presParOf" srcId="{A7569AAA-B160-41F1-933A-B37A030D4259}" destId="{86578BA1-F723-4E0B-92D3-EDE69D4DF865}" srcOrd="3" destOrd="0" presId="urn:microsoft.com/office/officeart/2009/layout/CircleArrowProcess"/>
+    <dgm:cxn modelId="{7184B0A5-5670-482D-BA26-197818CE20B3}" type="presParOf" srcId="{A7569AAA-B160-41F1-933A-B37A030D4259}" destId="{3B4EA603-30E8-4D66-AA86-3196366020DC}" srcOrd="4" destOrd="0" presId="urn:microsoft.com/office/officeart/2009/layout/CircleArrowProcess"/>
+    <dgm:cxn modelId="{C6E480AC-F67D-49C0-B2EB-99C3C8604D21}" type="presParOf" srcId="{3B4EA603-30E8-4D66-AA86-3196366020DC}" destId="{66CBF1BC-CA03-484A-95FE-09EC1D8C19CD}" srcOrd="0" destOrd="0" presId="urn:microsoft.com/office/officeart/2009/layout/CircleArrowProcess"/>
+    <dgm:cxn modelId="{FCDA51BA-6CD6-464B-B539-7E2DA2BE14B7}" type="presParOf" srcId="{A7569AAA-B160-41F1-933A-B37A030D4259}" destId="{8A34EC51-74CE-4EE3-9D43-5EA50B9EA4AE}" srcOrd="5" destOrd="0" presId="urn:microsoft.com/office/officeart/2009/layout/CircleArrowProcess"/>
+    <dgm:cxn modelId="{615C5C5F-266D-4997-8B54-9EFEAEA44EF6}" type="presParOf" srcId="{A7569AAA-B160-41F1-933A-B37A030D4259}" destId="{B3048F03-9113-44A3-AA76-BAB65685904E}" srcOrd="6" destOrd="0" presId="urn:microsoft.com/office/officeart/2009/layout/CircleArrowProcess"/>
+    <dgm:cxn modelId="{E4671CEE-5CEA-49B3-B63D-71FE0A1E7483}" type="presParOf" srcId="{B3048F03-9113-44A3-AA76-BAB65685904E}" destId="{A8E91E4E-51C2-4BC3-84DE-9FC4A0FD1D65}" srcOrd="0" destOrd="0" presId="urn:microsoft.com/office/officeart/2009/layout/CircleArrowProcess"/>
+    <dgm:cxn modelId="{328F989B-B408-40D0-A556-0BE4DA0FBA22}" type="presParOf" srcId="{A7569AAA-B160-41F1-933A-B37A030D4259}" destId="{D39E0714-9414-47AD-A495-B848286EA792}" srcOrd="7" destOrd="0" presId="urn:microsoft.com/office/officeart/2009/layout/CircleArrowProcess"/>
+  </dgm:cxnLst>
+  <dgm:bg>
+    <a:effectLst>
+      <a:outerShdw blurRad="50800" dist="38100" dir="2700000" algn="tl" rotWithShape="0">
+        <a:prstClr val="black">
+          <a:alpha val="40000"/>
+        </a:prstClr>
+      </a:outerShdw>
+    </a:effectLst>
+  </dgm:bg>
+  <dgm:whole/>
+  <dgm:extLst>
+    <a:ext uri="http://schemas.microsoft.com/office/drawing/2008/diagram">
+      <dsp:dataModelExt xmlns:dsp="http://schemas.microsoft.com/office/drawing/2008/diagram" relId="rId6" minVer="http://schemas.openxmlformats.org/drawingml/2006/diagram"/>
+    </a:ext>
+  </dgm:extLst>
+</dgm:dataModel>
+</file>
+
+<file path=ppt/diagrams/drawing1.xml><?xml version="1.0" encoding="utf-8"?>
+<dsp:drawing xmlns:dgm="http://schemas.openxmlformats.org/drawingml/2006/diagram" xmlns:dsp="http://schemas.microsoft.com/office/drawing/2008/diagram" xmlns:a="http://schemas.openxmlformats.org/drawingml/2006/main">
+  <dsp:spTree>
+    <dsp:nvGrpSpPr>
+      <dsp:cNvPr id="0" name=""/>
+      <dsp:cNvGrpSpPr/>
+    </dsp:nvGrpSpPr>
+    <dsp:grpSpPr/>
+    <dsp:sp modelId="{9495849D-1ECB-43B1-8E6A-CB2D9CE888A8}">
+      <dsp:nvSpPr>
+        <dsp:cNvPr id="0" name=""/>
+        <dsp:cNvSpPr/>
+      </dsp:nvSpPr>
+      <dsp:spPr>
+        <a:xfrm>
+          <a:off x="1340809" y="51330"/>
+          <a:ext cx="2324505" cy="2324741"/>
+        </a:xfrm>
+        <a:prstGeom prst="circularArrow">
+          <a:avLst>
+            <a:gd name="adj1" fmla="val 10980"/>
+            <a:gd name="adj2" fmla="val 1142322"/>
+            <a:gd name="adj3" fmla="val 4500000"/>
+            <a:gd name="adj4" fmla="val 10800000"/>
+            <a:gd name="adj5" fmla="val 12500"/>
+          </a:avLst>
+        </a:prstGeom>
+        <a:solidFill>
+          <a:schemeClr val="tx2"/>
+        </a:solidFill>
+        <a:ln w="15875" cap="flat" cmpd="sng" algn="ctr">
+          <a:noFill/>
+          <a:prstDash val="solid"/>
+        </a:ln>
+        <a:effectLst>
+          <a:outerShdw blurRad="50800" dist="38100" dir="2700000" algn="tl" rotWithShape="0">
+            <a:prstClr val="black">
+              <a:alpha val="40000"/>
+            </a:prstClr>
+          </a:outerShdw>
+        </a:effectLst>
+      </dsp:spPr>
+      <dsp:style>
+        <a:lnRef idx="2">
+          <a:scrgbClr r="0" g="0" b="0"/>
+        </a:lnRef>
+        <a:fillRef idx="1">
+          <a:scrgbClr r="0" g="0" b="0"/>
+        </a:fillRef>
+        <a:effectRef idx="0">
+          <a:scrgbClr r="0" g="0" b="0"/>
+        </a:effectRef>
+        <a:fontRef idx="minor">
+          <a:schemeClr val="lt1"/>
+        </a:fontRef>
+      </dsp:style>
+    </dsp:sp>
+    <dsp:sp modelId="{903A819C-0559-4A87-8629-E0AB20EA4568}">
+      <dsp:nvSpPr>
+        <dsp:cNvPr id="0" name=""/>
+        <dsp:cNvSpPr/>
+      </dsp:nvSpPr>
+      <dsp:spPr>
+        <a:xfrm>
+          <a:off x="1854022" y="892824"/>
+          <a:ext cx="1297205" cy="648535"/>
+        </a:xfrm>
+        <a:prstGeom prst="rect">
+          <a:avLst/>
+        </a:prstGeom>
+        <a:noFill/>
+        <a:ln>
+          <a:noFill/>
+        </a:ln>
+        <a:effectLst/>
+      </dsp:spPr>
+      <dsp:style>
+        <a:lnRef idx="0">
+          <a:scrgbClr r="0" g="0" b="0"/>
+        </a:lnRef>
+        <a:fillRef idx="0">
+          <a:scrgbClr r="0" g="0" b="0"/>
+        </a:fillRef>
+        <a:effectRef idx="0">
+          <a:scrgbClr r="0" g="0" b="0"/>
+        </a:effectRef>
+        <a:fontRef idx="minor"/>
+      </dsp:style>
+      <dsp:txBody>
+        <a:bodyPr spcFirstLastPara="0" vert="horz" wrap="square" lIns="29845" tIns="29845" rIns="29845" bIns="29845" numCol="1" spcCol="1270" anchor="ctr" anchorCtr="0">
+          <a:noAutofit/>
+        </a:bodyPr>
+        <a:lstStyle/>
+        <a:p>
+          <a:pPr marL="0" lvl="0" indent="0" algn="ctr" defTabSz="2089150">
+            <a:lnSpc>
+              <a:spcPct val="90000"/>
+            </a:lnSpc>
+            <a:spcBef>
+              <a:spcPct val="0"/>
+            </a:spcBef>
+            <a:spcAft>
+              <a:spcPct val="35000"/>
+            </a:spcAft>
+            <a:buNone/>
+          </a:pPr>
+          <a:r>
+            <a:rPr lang="en-US" sz="4700" kern="1200" dirty="0"/>
+            <a:t> </a:t>
+          </a:r>
+        </a:p>
+      </dsp:txBody>
+      <dsp:txXfrm>
+        <a:off x="1854022" y="892824"/>
+        <a:ext cx="1297205" cy="648535"/>
+      </dsp:txXfrm>
+    </dsp:sp>
+    <dsp:sp modelId="{2A42095B-62C3-4AD9-8A35-B8832DACDA79}">
+      <dsp:nvSpPr>
+        <dsp:cNvPr id="0" name=""/>
+        <dsp:cNvSpPr/>
+      </dsp:nvSpPr>
+      <dsp:spPr>
+        <a:xfrm>
+          <a:off x="695040" y="1387240"/>
+          <a:ext cx="2324505" cy="2324741"/>
+        </a:xfrm>
+        <a:prstGeom prst="leftCircularArrow">
+          <a:avLst>
+            <a:gd name="adj1" fmla="val 10980"/>
+            <a:gd name="adj2" fmla="val 1142322"/>
+            <a:gd name="adj3" fmla="val 6300000"/>
+            <a:gd name="adj4" fmla="val 18900000"/>
+            <a:gd name="adj5" fmla="val 12500"/>
+          </a:avLst>
+        </a:prstGeom>
+        <a:solidFill>
+          <a:schemeClr val="accent1"/>
+        </a:solidFill>
+        <a:ln w="15875" cap="flat" cmpd="sng" algn="ctr">
+          <a:noFill/>
+          <a:prstDash val="solid"/>
+        </a:ln>
+        <a:effectLst>
+          <a:outerShdw blurRad="50800" dist="38100" dir="2700000" algn="tl" rotWithShape="0">
+            <a:prstClr val="black">
+              <a:alpha val="40000"/>
+            </a:prstClr>
+          </a:outerShdw>
+        </a:effectLst>
+      </dsp:spPr>
+      <dsp:style>
+        <a:lnRef idx="2">
+          <a:scrgbClr r="0" g="0" b="0"/>
+        </a:lnRef>
+        <a:fillRef idx="1">
+          <a:scrgbClr r="0" g="0" b="0"/>
+        </a:fillRef>
+        <a:effectRef idx="0">
+          <a:scrgbClr r="0" g="0" b="0"/>
+        </a:effectRef>
+        <a:fontRef idx="minor">
+          <a:schemeClr val="lt1"/>
+        </a:fontRef>
+      </dsp:style>
+    </dsp:sp>
+    <dsp:sp modelId="{86578BA1-F723-4E0B-92D3-EDE69D4DF865}">
+      <dsp:nvSpPr>
+        <dsp:cNvPr id="0" name=""/>
+        <dsp:cNvSpPr/>
+      </dsp:nvSpPr>
+      <dsp:spPr>
+        <a:xfrm>
+          <a:off x="1205638" y="2231199"/>
+          <a:ext cx="1297205" cy="648535"/>
+        </a:xfrm>
+        <a:prstGeom prst="rect">
+          <a:avLst/>
+        </a:prstGeom>
+        <a:noFill/>
+        <a:ln>
+          <a:noFill/>
+        </a:ln>
+        <a:effectLst/>
+      </dsp:spPr>
+      <dsp:style>
+        <a:lnRef idx="0">
+          <a:scrgbClr r="0" g="0" b="0"/>
+        </a:lnRef>
+        <a:fillRef idx="0">
+          <a:scrgbClr r="0" g="0" b="0"/>
+        </a:fillRef>
+        <a:effectRef idx="0">
+          <a:scrgbClr r="0" g="0" b="0"/>
+        </a:effectRef>
+        <a:fontRef idx="minor"/>
+      </dsp:style>
+      <dsp:txBody>
+        <a:bodyPr spcFirstLastPara="0" vert="horz" wrap="square" lIns="29845" tIns="29845" rIns="29845" bIns="29845" numCol="1" spcCol="1270" anchor="ctr" anchorCtr="0">
+          <a:noAutofit/>
+        </a:bodyPr>
+        <a:lstStyle/>
+        <a:p>
+          <a:pPr marL="0" lvl="0" indent="0" algn="ctr" defTabSz="2089150">
+            <a:lnSpc>
+              <a:spcPct val="90000"/>
+            </a:lnSpc>
+            <a:spcBef>
+              <a:spcPct val="0"/>
+            </a:spcBef>
+            <a:spcAft>
+              <a:spcPct val="35000"/>
+            </a:spcAft>
+            <a:buNone/>
+          </a:pPr>
+          <a:r>
+            <a:rPr lang="en-US" sz="4700" kern="1200" dirty="0"/>
+            <a:t> </a:t>
+          </a:r>
+        </a:p>
+      </dsp:txBody>
+      <dsp:txXfrm>
+        <a:off x="1205638" y="2231199"/>
+        <a:ext cx="1297205" cy="648535"/>
+      </dsp:txXfrm>
+    </dsp:sp>
+    <dsp:sp modelId="{66CBF1BC-CA03-484A-95FE-09EC1D8C19CD}">
+      <dsp:nvSpPr>
+        <dsp:cNvPr id="0" name=""/>
+        <dsp:cNvSpPr/>
+      </dsp:nvSpPr>
+      <dsp:spPr>
+        <a:xfrm>
+          <a:off x="1340809" y="2728081"/>
+          <a:ext cx="2324505" cy="2324741"/>
+        </a:xfrm>
+        <a:prstGeom prst="circularArrow">
+          <a:avLst>
+            <a:gd name="adj1" fmla="val 10980"/>
+            <a:gd name="adj2" fmla="val 1142322"/>
+            <a:gd name="adj3" fmla="val 4500000"/>
+            <a:gd name="adj4" fmla="val 13500000"/>
+            <a:gd name="adj5" fmla="val 12500"/>
+          </a:avLst>
+        </a:prstGeom>
+        <a:solidFill>
+          <a:schemeClr val="accent2"/>
+        </a:solidFill>
+        <a:ln w="15875" cap="flat" cmpd="sng" algn="ctr">
+          <a:noFill/>
+          <a:prstDash val="solid"/>
+        </a:ln>
+        <a:effectLst>
+          <a:outerShdw blurRad="50800" dist="38100" dir="2700000" algn="tl" rotWithShape="0">
+            <a:prstClr val="black">
+              <a:alpha val="40000"/>
+            </a:prstClr>
+          </a:outerShdw>
+        </a:effectLst>
+      </dsp:spPr>
+      <dsp:style>
+        <a:lnRef idx="2">
+          <a:scrgbClr r="0" g="0" b="0"/>
+        </a:lnRef>
+        <a:fillRef idx="1">
+          <a:scrgbClr r="0" g="0" b="0"/>
+        </a:fillRef>
+        <a:effectRef idx="0">
+          <a:scrgbClr r="0" g="0" b="0"/>
+        </a:effectRef>
+        <a:fontRef idx="minor">
+          <a:schemeClr val="lt1"/>
+        </a:fontRef>
+      </dsp:style>
+    </dsp:sp>
+    <dsp:sp modelId="{8A34EC51-74CE-4EE3-9D43-5EA50B9EA4AE}">
+      <dsp:nvSpPr>
+        <dsp:cNvPr id="0" name=""/>
+        <dsp:cNvSpPr/>
+      </dsp:nvSpPr>
+      <dsp:spPr>
+        <a:xfrm>
+          <a:off x="1854022" y="3569575"/>
+          <a:ext cx="1297205" cy="648535"/>
+        </a:xfrm>
+        <a:prstGeom prst="rect">
+          <a:avLst/>
+        </a:prstGeom>
+        <a:noFill/>
+        <a:ln>
+          <a:noFill/>
+        </a:ln>
+        <a:effectLst/>
+      </dsp:spPr>
+      <dsp:style>
+        <a:lnRef idx="0">
+          <a:scrgbClr r="0" g="0" b="0"/>
+        </a:lnRef>
+        <a:fillRef idx="0">
+          <a:scrgbClr r="0" g="0" b="0"/>
+        </a:fillRef>
+        <a:effectRef idx="0">
+          <a:scrgbClr r="0" g="0" b="0"/>
+        </a:effectRef>
+        <a:fontRef idx="minor"/>
+      </dsp:style>
+      <dsp:txBody>
+        <a:bodyPr spcFirstLastPara="0" vert="horz" wrap="square" lIns="29845" tIns="29845" rIns="29845" bIns="29845" numCol="1" spcCol="1270" anchor="ctr" anchorCtr="0">
+          <a:noAutofit/>
+        </a:bodyPr>
+        <a:lstStyle/>
+        <a:p>
+          <a:pPr marL="0" lvl="0" indent="0" algn="ctr" defTabSz="2089150">
+            <a:lnSpc>
+              <a:spcPct val="90000"/>
+            </a:lnSpc>
+            <a:spcBef>
+              <a:spcPct val="0"/>
+            </a:spcBef>
+            <a:spcAft>
+              <a:spcPct val="35000"/>
+            </a:spcAft>
+            <a:buNone/>
+          </a:pPr>
+          <a:endParaRPr lang="en-US" sz="4700" kern="1200" dirty="0"/>
+        </a:p>
+      </dsp:txBody>
+      <dsp:txXfrm>
+        <a:off x="1854022" y="3569575"/>
+        <a:ext cx="1297205" cy="648535"/>
+      </dsp:txXfrm>
+    </dsp:sp>
+    <dsp:sp modelId="{A8E91E4E-51C2-4BC3-84DE-9FC4A0FD1D65}">
+      <dsp:nvSpPr>
+        <dsp:cNvPr id="0" name=""/>
+        <dsp:cNvSpPr/>
+      </dsp:nvSpPr>
+      <dsp:spPr>
+        <a:xfrm>
+          <a:off x="860734" y="4218111"/>
+          <a:ext cx="1997042" cy="1998007"/>
+        </a:xfrm>
+        <a:prstGeom prst="blockArc">
+          <a:avLst>
+            <a:gd name="adj1" fmla="val 0"/>
+            <a:gd name="adj2" fmla="val 18900000"/>
+            <a:gd name="adj3" fmla="val 12740"/>
+          </a:avLst>
+        </a:prstGeom>
+        <a:solidFill>
+          <a:schemeClr val="accent3"/>
+        </a:solidFill>
+        <a:ln w="15875" cap="flat" cmpd="sng" algn="ctr">
+          <a:noFill/>
+          <a:prstDash val="solid"/>
+        </a:ln>
+        <a:effectLst>
+          <a:outerShdw blurRad="50800" dist="38100" dir="2700000" algn="tl" rotWithShape="0">
+            <a:prstClr val="black">
+              <a:alpha val="40000"/>
+            </a:prstClr>
+          </a:outerShdw>
+        </a:effectLst>
+      </dsp:spPr>
+      <dsp:style>
+        <a:lnRef idx="2">
+          <a:scrgbClr r="0" g="0" b="0"/>
+        </a:lnRef>
+        <a:fillRef idx="1">
+          <a:scrgbClr r="0" g="0" b="0"/>
+        </a:fillRef>
+        <a:effectRef idx="0">
+          <a:scrgbClr r="0" g="0" b="0"/>
+        </a:effectRef>
+        <a:fontRef idx="minor">
+          <a:schemeClr val="lt1"/>
+        </a:fontRef>
+      </dsp:style>
+    </dsp:sp>
+    <dsp:sp modelId="{D39E0714-9414-47AD-A495-B848286EA792}">
+      <dsp:nvSpPr>
+        <dsp:cNvPr id="0" name=""/>
+        <dsp:cNvSpPr/>
+      </dsp:nvSpPr>
+      <dsp:spPr>
+        <a:xfrm>
+          <a:off x="1205638" y="4907951"/>
+          <a:ext cx="1297205" cy="648535"/>
+        </a:xfrm>
+        <a:prstGeom prst="rect">
+          <a:avLst/>
+        </a:prstGeom>
+        <a:noFill/>
+        <a:ln>
+          <a:noFill/>
+        </a:ln>
+        <a:effectLst/>
+      </dsp:spPr>
+      <dsp:style>
+        <a:lnRef idx="0">
+          <a:scrgbClr r="0" g="0" b="0"/>
+        </a:lnRef>
+        <a:fillRef idx="0">
+          <a:scrgbClr r="0" g="0" b="0"/>
+        </a:fillRef>
+        <a:effectRef idx="0">
+          <a:scrgbClr r="0" g="0" b="0"/>
+        </a:effectRef>
+        <a:fontRef idx="minor"/>
+      </dsp:style>
+      <dsp:txBody>
+        <a:bodyPr spcFirstLastPara="0" vert="horz" wrap="square" lIns="29845" tIns="29845" rIns="29845" bIns="29845" numCol="1" spcCol="1270" anchor="ctr" anchorCtr="0">
+          <a:noAutofit/>
+        </a:bodyPr>
+        <a:lstStyle/>
+        <a:p>
+          <a:pPr marL="0" lvl="0" indent="0" algn="ctr" defTabSz="2089150">
+            <a:lnSpc>
+              <a:spcPct val="90000"/>
+            </a:lnSpc>
+            <a:spcBef>
+              <a:spcPct val="0"/>
+            </a:spcBef>
+            <a:spcAft>
+              <a:spcPct val="35000"/>
+            </a:spcAft>
+            <a:buNone/>
+          </a:pPr>
+          <a:r>
+            <a:rPr lang="en-US" sz="4700" kern="1200" dirty="0"/>
+            <a:t> </a:t>
+          </a:r>
+        </a:p>
+      </dsp:txBody>
+      <dsp:txXfrm>
+        <a:off x="1205638" y="4907951"/>
+        <a:ext cx="1297205" cy="648535"/>
+      </dsp:txXfrm>
+    </dsp:sp>
+  </dsp:spTree>
+</dsp:drawing>
+</file>
+
+<file path=ppt/diagrams/layout1.xml><?xml version="1.0" encoding="utf-8"?>
+<dgm:layoutDef xmlns:dgm="http://schemas.openxmlformats.org/drawingml/2006/diagram" xmlns:a="http://schemas.openxmlformats.org/drawingml/2006/main" uniqueId="urn:microsoft.com/office/officeart/2009/layout/CircleArrowProcess">
+  <dgm:title val=""/>
+  <dgm:desc val=""/>
+  <dgm:catLst>
+    <dgm:cat type="process" pri="16500"/>
+    <dgm:cat type="cycle" pri="16000"/>
+  </dgm:catLst>
+  <dgm:sampData>
+    <dgm:dataModel>
+      <dgm:ptLst>
+        <dgm:pt modelId="0" type="doc"/>
+        <dgm:pt modelId="10">
+          <dgm:prSet phldr="1"/>
+        </dgm:pt>
+        <dgm:pt modelId="20">
+          <dgm:prSet phldr="1"/>
+        </dgm:pt>
+        <dgm:pt modelId="30">
+          <dgm:prSet phldr="1"/>
+        </dgm:pt>
+      </dgm:ptLst>
+      <dgm:cxnLst>
+        <dgm:cxn modelId="40" srcId="0" destId="10" srcOrd="0" destOrd="0"/>
+        <dgm:cxn modelId="50" srcId="0" destId="20" srcOrd="1" destOrd="0"/>
+        <dgm:cxn modelId="60" srcId="0" destId="30" srcOrd="2" destOrd="0"/>
+      </dgm:cxnLst>
+      <dgm:bg/>
+      <dgm:whole/>
+    </dgm:dataModel>
+  </dgm:sampData>
+  <dgm:styleData>
+    <dgm:dataModel>
+      <dgm:ptLst>
+        <dgm:pt modelId="0" type="doc"/>
+        <dgm:pt modelId="10">
+          <dgm:prSet phldr="1"/>
+        </dgm:pt>
+        <dgm:pt modelId="20">
+          <dgm:prSet phldr="1"/>
+        </dgm:pt>
+      </dgm:ptLst>
+      <dgm:cxnLst>
+        <dgm:cxn modelId="30" srcId="0" destId="10" srcOrd="0" destOrd="0"/>
+        <dgm:cxn modelId="40" srcId="0" destId="20" srcOrd="1" destOrd="0"/>
+      </dgm:cxnLst>
+      <dgm:bg/>
+      <dgm:whole/>
+    </dgm:dataModel>
+  </dgm:styleData>
+  <dgm:clrData>
+    <dgm:dataModel>
+      <dgm:ptLst>
+        <dgm:pt modelId="0" type="doc"/>
+        <dgm:pt modelId="10">
+          <dgm:prSet phldr="1"/>
+        </dgm:pt>
+        <dgm:pt modelId="20">
+          <dgm:prSet phldr="1"/>
+        </dgm:pt>
+        <dgm:pt modelId="30">
+          <dgm:prSet phldr="1"/>
+        </dgm:pt>
+        <dgm:pt modelId="40">
+          <dgm:prSet phldr="1"/>
+        </dgm:pt>
+      </dgm:ptLst>
+      <dgm:cxnLst>
+        <dgm:cxn modelId="50" srcId="0" destId="10" srcOrd="0" destOrd="0"/>
+        <dgm:cxn modelId="60" srcId="0" destId="20" srcOrd="1" destOrd="0"/>
+        <dgm:cxn modelId="70" srcId="0" destId="30" srcOrd="2" destOrd="0"/>
+        <dgm:cxn modelId="80" srcId="0" destId="40" srcOrd="3" destOrd="0"/>
+      </dgm:cxnLst>
+      <dgm:bg/>
+      <dgm:whole/>
+    </dgm:dataModel>
+  </dgm:clrData>
+  <dgm:layoutNode name="Name0">
+    <dgm:varLst>
+      <dgm:chMax val="7"/>
+      <dgm:chPref val="7"/>
+      <dgm:dir/>
+      <dgm:animLvl val="lvl"/>
+    </dgm:varLst>
+    <dgm:shape xmlns:r="http://schemas.openxmlformats.org/officeDocument/2006/relationships" r:blip="">
+      <dgm:adjLst/>
+    </dgm:shape>
+    <dgm:choose name="Name1">
+      <dgm:if name="Name2" func="var" arg="dir" op="equ" val="norm">
+        <dgm:choose name="Name3">
+          <dgm:if name="Name4" axis="ch" ptType="node" func="cnt" op="equ" val="1">
+            <dgm:alg type="composite">
+              <dgm:param type="ar" val="1.5999"/>
+            </dgm:alg>
+            <dgm:constrLst>
+              <dgm:constr type="primFontSz" for="des" forName="Child1" val="65"/>
+              <dgm:constr type="primFontSz" for="des" forName="Parent1" val="65"/>
+              <dgm:constr type="primFontSz" for="des" forName="Child1" refType="primFontSz" refFor="des" refForName="Parent1" op="lte"/>
+              <dgm:constr type="l" for="ch" forName="Child1" refType="w" fact="0.625"/>
+              <dgm:constr type="t" for="ch" forName="Child1" refType="h" fact="0.2981"/>
+              <dgm:constr type="w" for="ch" forName="Child1" refType="w" fact="0.375"/>
+              <dgm:constr type="h" for="ch" forName="Child1" refType="h" fact="0.4001"/>
+              <dgm:constr type="l" for="ch" forName="Accent1" refType="w" fact="0"/>
+              <dgm:constr type="t" for="ch" forName="Accent1" refType="h" fact="0"/>
+              <dgm:constr type="w" for="ch" forName="Accent1" refType="w" fact="0.6249"/>
+              <dgm:constr type="h" for="ch" forName="Accent1" refType="h"/>
+              <dgm:constr type="l" for="ch" forName="Parent1" refType="w" fact="0.138"/>
+              <dgm:constr type="t" for="ch" forName="Parent1" refType="h" fact="0.362"/>
+              <dgm:constr type="w" for="ch" forName="Parent1" refType="w" fact="0.3487"/>
+              <dgm:constr type="h" for="ch" forName="Parent1" refType="h" fact="0.2789"/>
+            </dgm:constrLst>
+          </dgm:if>
+          <dgm:if name="Name5" axis="ch" ptType="node" func="cnt" op="equ" val="2">
+            <dgm:alg type="composite">
+              <dgm:param type="ar" val="1.2026"/>
+            </dgm:alg>
+            <dgm:constrLst>
+              <dgm:constr type="primFontSz" for="des" forName="Child1" val="65"/>
+              <dgm:constr type="primFontSz" for="des" forName="Parent1" val="65"/>
+              <dgm:constr type="primFontSz" for="des" forName="Child1" refType="primFontSz" refFor="des" refForName="Parent1" op="lte"/>
+              <dgm:constr type="primFontSz" for="des" forName="Child2" refType="primFontSz" refFor="des" refForName="Parent1" op="lte"/>
+              <dgm:constr type="primFontSz" for="des" forName="Child1" refType="primFontSz" refFor="des" refForName="Parent2" op="lte"/>
+              <dgm:constr type="primFontSz" for="des" forName="Child2" refType="primFontSz" refFor="des" refForName="Parent2" op="lte"/>
+              <dgm:constr type="primFontSz" for="des" forName="Parent2" refType="primFontSz" refFor="des" refForName="Parent1" op="equ"/>
+              <dgm:constr type="primFontSz" for="des" forName="Child2" refType="primFontSz" refFor="des" refForName="Child1" op="equ"/>
+              <dgm:constr type="l" for="ch" forName="Accent1" refType="w" fact="0.1144"/>
+              <dgm:constr type="t" for="ch" forName="Accent1" refType="h" fact="0"/>
+              <dgm:constr type="w" for="ch" forName="Accent1" refType="w" fact="0.5542"/>
+              <dgm:constr type="h" for="ch" forName="Accent1" refType="h" fact="0.6665"/>
+              <dgm:constr type="l" for="ch" forName="Parent1" refType="w" fact="0.2368"/>
+              <dgm:constr type="t" for="ch" forName="Parent1" refType="h" fact="0.2413"/>
+              <dgm:constr type="w" for="ch" forName="Parent1" refType="w" fact="0.3092"/>
+              <dgm:constr type="h" for="ch" forName="Parent1" refType="h" fact="0.1859"/>
+              <dgm:constr type="l" for="ch" forName="Parent2" refType="w" fact="0.0822"/>
+              <dgm:constr type="t" for="ch" forName="Parent2" refType="h" fact="0.625"/>
+              <dgm:constr type="w" for="ch" forName="Parent2" refType="w" fact="0.3092"/>
+              <dgm:constr type="h" for="ch" forName="Parent2" refType="h" fact="0.1859"/>
+              <dgm:constr type="l" for="ch" forName="Child1" refType="w" fact="0.6678"/>
+              <dgm:constr type="t" for="ch" forName="Child1" refType="h" fact="0.1978"/>
+              <dgm:constr type="w" for="ch" forName="Child1" refType="w" fact="0.3322"/>
+              <dgm:constr type="h" for="ch" forName="Child1" refType="h" fact="0.265"/>
+              <dgm:constr type="l" for="ch" forName="Child2" refType="w" fact="0.5164"/>
+              <dgm:constr type="t" for="ch" forName="Child2" refType="h" fact="0.5855"/>
+              <dgm:constr type="w" for="ch" forName="Child2" refType="w" fact="0.3322"/>
+              <dgm:constr type="h" for="ch" forName="Child2" refType="h" fact="0.265"/>
+              <dgm:constr type="l" for="ch" forName="Accent2" refType="w" fact="0"/>
+              <dgm:constr type="t" for="ch" forName="Accent2" refType="h" fact="0.4272"/>
+              <dgm:constr type="w" for="ch" forName="Accent2" refType="w" fact="0.4761"/>
+              <dgm:constr type="h" for="ch" forName="Accent2" refType="h" fact="0.5728"/>
+            </dgm:constrLst>
+          </dgm:if>
+          <dgm:if name="Name6" axis="ch" ptType="node" func="cnt" op="equ" val="3">
+            <dgm:alg type="composite">
+              <dgm:param type="ar" val="0.9039"/>
+            </dgm:alg>
+            <dgm:shape xmlns:r="http://schemas.openxmlformats.org/officeDocument/2006/relationships" r:blip="">
+              <dgm:adjLst/>
+            </dgm:shape>
+            <dgm:constrLst>
+              <dgm:constr type="primFontSz" for="des" forName="Child1" val="65"/>
+              <dgm:constr type="primFontSz" for="des" forName="Parent1" val="65"/>
+              <dgm:constr type="primFontSz" for="des" forName="Child1" refType="primFontSz" refFor="des" refForName="Parent1" op="lte"/>
+              <dgm:constr type="primFontSz" for="des" forName="Child2" refType="primFontSz" refFor="des" refForName="Parent1" op="lte"/>
+              <dgm:constr type="primFontSz" for="des" forName="Child3" refType="primFontSz" refFor="des" refForName="Parent1" op="lte"/>
+              <dgm:constr type="primFontSz" for="des" forName="Child1" refType="primFontSz" refFor="des" refForName="Parent2" op="lte"/>
+              <dgm:constr type="primFontSz" for="des" forName="Child2" refType="primFontSz" refFor="des" refForName="Parent2" op="lte"/>
+              <dgm:constr type="primFontSz" for="des" forName="Child3" refType="primFontSz" refFor="des" refForName="Parent2" op="lte"/>
+              <dgm:constr type="primFontSz" for="des" forName="Child1" refType="primFontSz" refFor="des" refForName="Parent3" op="lte"/>
+              <dgm:constr type="primFontSz" for="des" forName="Child2" refType="primFontSz" refFor="des" refForName="Parent3" op="lte"/>
+              <dgm:constr type="primFontSz" for="des" forName="Child3" refType="primFontSz" refFor="des" refForName="Parent3" op="lte"/>
+              <dgm:constr type="primFontSz" for="des" forName="Parent2" refType="primFontSz" refFor="des" refForName="Parent1" op="equ"/>
+              <dgm:constr type="primFontSz" for="des" forName="Parent3" refType="primFontSz" refFor="des" refForName="Parent1" op="equ"/>
+              <dgm:constr type="primFontSz" for="des" forName="Child2" refType="primFontSz" refFor="des" refForName="Child1" op="equ"/>
+              <dgm:constr type="primFontSz" for="des" forName="Child3" refType="primFontSz" refFor="des" refForName="Child1" op="equ"/>
+              <dgm:constr type="l" for="ch" forName="Accent1" refType="w" fact="0.1479"/>
+              <dgm:constr type="t" for="ch" forName="Accent1" refType="h" fact="0"/>
+              <dgm:constr type="w" for="ch" forName="Accent1" refType="w" fact="0.5325"/>
+              <dgm:constr type="h" for="ch" forName="Accent1" refType="h" fact="0.4814"/>
+              <dgm:constr type="l" for="ch" forName="Accent2" refType="w" fact="0"/>
+              <dgm:constr type="t" for="ch" forName="Accent2" refType="h" fact="0.2766"/>
+              <dgm:constr type="w" for="ch" forName="Accent2" refType="w" fact="0.5325"/>
+              <dgm:constr type="h" for="ch" forName="Accent2" refType="h" fact="0.4814"/>
+              <dgm:constr type="l" for="ch" forName="Parent1" refType="w" fact="0.2656"/>
+              <dgm:constr type="t" for="ch" forName="Parent1" refType="h" fact="0.1738"/>
+              <dgm:constr type="w" for="ch" forName="Parent1" refType="w" fact="0.2959"/>
+              <dgm:constr type="h" for="ch" forName="Parent1" refType="h" fact="0.1337"/>
+              <dgm:constr type="l" for="ch" forName="Accent3" refType="w" fact="0.1858"/>
+              <dgm:constr type="t" for="ch" forName="Accent3" refType="h" fact="0.5863"/>
+              <dgm:constr type="w" for="ch" forName="Accent3" refType="w" fact="0.4575"/>
+              <dgm:constr type="h" for="ch" forName="Accent3" refType="h" fact="0.4137"/>
+              <dgm:constr type="l" for="ch" forName="Parent2" refType="w" fact="0.1183"/>
+              <dgm:constr type="t" for="ch" forName="Parent2" refType="h" fact="0.452"/>
+              <dgm:constr type="w" for="ch" forName="Parent2" refType="w" fact="0.2959"/>
+              <dgm:constr type="h" for="ch" forName="Parent2" refType="h" fact="0.1337"/>
+              <dgm:constr type="l" for="ch" forName="Parent3" refType="w" fact="0.2663"/>
+              <dgm:constr type="t" for="ch" forName="Parent3" refType="h" fact="0.7306"/>
+              <dgm:constr type="w" for="ch" forName="Parent3" refType="w" fact="0.2959"/>
+              <dgm:constr type="h" for="ch" forName="Parent3" refType="h" fact="0.1337"/>
+              <dgm:constr type="l" for="ch" forName="Child2" refType="w" fact="0.5325"/>
+              <dgm:constr type="t" for="ch" forName="Child2" refType="h" fact="0.4217"/>
+              <dgm:constr type="w" for="ch" forName="Child2" refType="w" fact="0.3195"/>
+              <dgm:constr type="h" for="ch" forName="Child2" refType="h" fact="0.1926"/>
+              <dgm:constr type="l" for="ch" forName="Child1" refType="w" fact="0.6805"/>
+              <dgm:constr type="t" for="ch" forName="Child1" refType="h" fact="0.1435"/>
+              <dgm:constr type="w" for="ch" forName="Child1" refType="w" fact="0.3195"/>
+              <dgm:constr type="h" for="ch" forName="Child1" refType="h" fact="0.1926"/>
+              <dgm:constr type="l" for="ch" forName="Child3" refType="w" fact="0.6805"/>
+              <dgm:constr type="t" for="ch" forName="Child3" refType="h" fact="0.6998"/>
+              <dgm:constr type="w" for="ch" forName="Child3" refType="w" fact="0.3195"/>
+              <dgm:constr type="h" for="ch" forName="Child3" refType="h" fact="0.1926"/>
+            </dgm:constrLst>
+          </dgm:if>
+          <dgm:if name="Name7" axis="ch" ptType="node" func="cnt" op="equ" val="4">
+            <dgm:alg type="composite">
+              <dgm:param type="ar" val="0.7073"/>
+            </dgm:alg>
+            <dgm:constrLst>
+              <dgm:constr type="primFontSz" for="des" forName="Child1" val="65"/>
+              <dgm:constr type="primFontSz" for="des" forName="Parent1" val="65"/>
+              <dgm:constr type="primFontSz" for="des" forName="Child1" refType="primFontSz" refFor="des" refForName="Parent1" op="lte"/>
+              <dgm:constr type="primFontSz" for="des" forName="Child2" refType="primFontSz" refFor="des" refForName="Parent1" op="lte"/>
+              <dgm:constr type="primFontSz" for="des" forName="Child3" refType="primFontSz" refFor="des" refForName="Parent1" op="lte"/>
+              <dgm:constr type="primFontSz" for="des" forName="Child4" refType="primFontSz" refFor="des" refForName="Parent1" op="lte"/>
+              <dgm:constr type="primFontSz" for="des" forName="Child1" refType="primFontSz" refFor="des" refForName="Parent2" op="lte"/>
+              <dgm:constr type="primFontSz" for="des" forName="Child2" refType="primFontSz" refFor="des" refForName="Parent2" op="lte"/>
+              <dgm:constr type="primFontSz" for="des" forName="Child3" refType="primFontSz" refFor="des" refForName="Parent2" op="lte"/>
+              <dgm:constr type="primFontSz" for="des" forName="Child4" refType="primFontSz" refFor="des" refForName="Parent2" op="lte"/>
+              <dgm:constr type="primFontSz" for="des" forName="Child1" refType="primFontSz" refFor="des" refForName="Parent3" op="lte"/>
+              <dgm:constr type="primFontSz" for="des" forName="Child2" refType="primFontSz" refFor="des" refForName="Parent3" op="lte"/>
+              <dgm:constr type="primFontSz" for="des" forName="Child3" refType="primFontSz" refFor="des" refForName="Parent3" op="lte"/>
+              <dgm:constr type="primFontSz" for="des" forName="Child4" refType="primFontSz" refFor="des" refForName="Parent3" op="lte"/>
+              <dgm:constr type="primFontSz" for="des" forName="Child1" refType="primFontSz" refFor="des" refForName="Parent4" op="lte"/>
+              <dgm:constr type="primFontSz" for="des" forName="Child2" refType="primFontSz" refFor="des" refForName="Parent4" op="lte"/>
+              <dgm:constr type="primFontSz" for="des" forName="Child3" refType="primFontSz" refFor="des" refForName="Parent4" op="lte"/>
+              <dgm:constr type="primFontSz" for="des" forName="Child4" refType="primFontSz" refFor="des" refForName="Parent4" op="lte"/>
+              <dgm:constr type="primFontSz" for="des" forName="Parent2" refType="primFontSz" refFor="des" refForName="Parent1" op="equ"/>
+              <dgm:constr type="primFontSz" for="des" forName="Parent3" refType="primFontSz" refFor="des" refForName="Parent1" op="equ"/>
+              <dgm:constr type="primFontSz" for="des" forName="Parent4" refType="primFontSz" refFor="des" refForName="Parent1" op="equ"/>
+              <dgm:constr type="primFontSz" for="des" forName="Child2" refType="primFontSz" refFor="des" refForName="Child1" op="equ"/>
+              <dgm:constr type="primFontSz" for="des" forName="Child3" refType="primFontSz" refFor="des" refForName="Child1" op="equ"/>
+              <dgm:constr type="primFontSz" for="des" forName="Child4" refType="primFontSz" refFor="des" refForName="Child1" op="equ"/>
+              <dgm:constr type="l" for="ch" forName="Accent1" refType="w" fact="0.1481"/>
+              <dgm:constr type="t" for="ch" forName="Accent1" refType="h" fact="0"/>
+              <dgm:constr type="w" for="ch" forName="Accent1" refType="w" fact="0.5331"/>
+              <dgm:constr type="h" for="ch" forName="Accent1" refType="h" fact="0.3771"/>
+              <dgm:constr type="l" for="ch" forName="Accent2" refType="w" fact="0"/>
+              <dgm:constr type="t" for="ch" forName="Accent2" refType="h" fact="0.2167"/>
+              <dgm:constr type="w" for="ch" forName="Accent2" refType="w" fact="0.5331"/>
+              <dgm:constr type="h" for="ch" forName="Accent2" refType="h" fact="0.3771"/>
+              <dgm:constr type="l" for="ch" forName="Accent3" refType="w" fact="0.1481"/>
+              <dgm:constr type="t" for="ch" forName="Accent3" refType="h" fact="0.4342"/>
+              <dgm:constr type="w" for="ch" forName="Accent3" refType="w" fact="0.5331"/>
+              <dgm:constr type="h" for="ch" forName="Accent3" refType="h" fact="0.3771"/>
+              <dgm:constr type="l" for="ch" forName="Parent1" refType="w" fact="0.2658"/>
+              <dgm:constr type="t" for="ch" forName="Parent1" refType="h" fact="0.1365"/>
+              <dgm:constr type="w" for="ch" forName="Parent1" refType="w" fact="0.2975"/>
+              <dgm:constr type="h" for="ch" forName="Parent1" refType="h" fact="0.1052"/>
+              <dgm:constr type="l" for="ch" forName="Parent2" refType="w" fact="0.1171"/>
+              <dgm:constr type="t" for="ch" forName="Parent2" refType="h" fact="0.3536"/>
+              <dgm:constr type="w" for="ch" forName="Parent2" refType="w" fact="0.2975"/>
+              <dgm:constr type="h" for="ch" forName="Parent2" refType="h" fact="0.1052"/>
+              <dgm:constr type="l" for="ch" forName="Parent3" refType="w" fact="0.2658"/>
+              <dgm:constr type="t" for="ch" forName="Parent3" refType="h" fact="0.5707"/>
+              <dgm:constr type="w" for="ch" forName="Parent3" refType="w" fact="0.2975"/>
+              <dgm:constr type="h" for="ch" forName="Parent3" refType="h" fact="0.1052"/>
+              <dgm:constr type="l" for="ch" forName="Parent4" refType="w" fact="0.1171"/>
+              <dgm:constr type="t" for="ch" forName="Parent4" refType="h" fact="0.7878"/>
+              <dgm:constr type="w" for="ch" forName="Parent4" refType="w" fact="0.2975"/>
+              <dgm:constr type="h" for="ch" forName="Parent4" refType="h" fact="0.1052"/>
+              <dgm:constr type="l" for="ch" forName="Child1" refType="w" fact="0.6804"/>
+              <dgm:constr type="t" for="ch" forName="Child1" refType="h" fact="0.1119"/>
+              <dgm:constr type="w" for="ch" forName="Child1" refType="w" fact="0.3196"/>
+              <dgm:constr type="h" for="ch" forName="Child1" refType="h" fact="0.15"/>
+              <dgm:constr type="l" for="ch" forName="Child2" refType="w" fact="0.5348"/>
+              <dgm:constr type="t" for="ch" forName="Child2" refType="h" fact="0.3312"/>
+              <dgm:constr type="w" for="ch" forName="Child2" refType="w" fact="0.3196"/>
+              <dgm:constr type="h" for="ch" forName="Child2" refType="h" fact="0.15"/>
+              <dgm:constr type="l" for="ch" forName="Child3" refType="w" fact="0.6804"/>
+              <dgm:constr type="t" for="ch" forName="Child3" refType="h" fact="0.5461"/>
+              <dgm:constr type="w" for="ch" forName="Child3" refType="w" fact="0.3196"/>
+              <dgm:constr type="h" for="ch" forName="Child3" refType="h" fact="0.15"/>
+              <dgm:constr type="l" for="ch" forName="Child4" refType="w" fact="0.5348"/>
+              <dgm:constr type="t" for="ch" forName="Child4" refType="h" fact="0.7632"/>
+              <dgm:constr type="w" for="ch" forName="Child4" refType="w" fact="0.3196"/>
+              <dgm:constr type="h" for="ch" forName="Child4" refType="h" fact="0.15"/>
+              <dgm:constr type="l" for="ch" forName="Accent4" refType="w" fact="0.038"/>
+              <dgm:constr type="t" for="ch" forName="Accent4" refType="h" fact="0.6759"/>
+              <dgm:constr type="w" for="ch" forName="Accent4" refType="w" fact="0.458"/>
+              <dgm:constr type="h" for="ch" forName="Accent4" refType="h" fact="0.3241"/>
+            </dgm:constrLst>
+          </dgm:if>
+          <dgm:if name="Name8" axis="ch" ptType="node" func="cnt" op="equ" val="5">
+            <dgm:alg type="composite">
+              <dgm:param type="ar" val="0.5811"/>
+            </dgm:alg>
+            <dgm:constrLst>
+              <dgm:constr type="primFontSz" for="des" forName="Child1" val="65"/>
+              <dgm:constr type="primFontSz" for="des" forName="Parent1" val="65"/>
+              <dgm:constr type="primFontSz" for="des" forName="Child1" refType="primFontSz" refFor="des" refForName="Parent1" op="lte"/>
+              <dgm:constr type="primFontSz" for="des" forName="Child2" refType="primFontSz" refFor="des" refForName="Parent1" op="lte"/>
+              <dgm:constr type="primFontSz" for="des" forName="Child3" refType="primFontSz" refFor="des" refForName="Parent1" op="lte"/>
+              <dgm:constr type="primFontSz" for="des" forName="Child4" refType="primFontSz" refFor="des" refForName="Parent1" op="lte"/>
+              <dgm:constr type="primFontSz" for="des" forName="Child5" refType="primFontSz" refFor="des" refForName="Parent1" op="lte"/>
+              <dgm:constr type="primFontSz" for="des" forName="Child1" refType="primFontSz" refFor="des" refForName="Parent2" op="lte"/>
+              <dgm:constr type="primFontSz" for="des" forName="Child2" refType="primFontSz" refFor="des" refForName="Parent2" op="lte"/>
+              <dgm:constr type="primFontSz" for="des" forName="Child3" refType="primFontSz" refFor="des" refForName="Parent2" op="lte"/>
+              <dgm:constr type="primFontSz" for="des" forName="Child4" refType="primFontSz" refFor="des" refForName="Parent2" op="lte"/>
+              <dgm:constr type="primFontSz" for="des" forName="Child5" refType="primFontSz" refFor="des" refForName="Parent2" op="lte"/>
+              <dgm:constr type="primFontSz" for="des" forName="Child1" refType="primFontSz" refFor="des" refForName="Parent3" op="lte"/>
+              <dgm:constr type="primFontSz" for="des" forName="Child2" refType="primFontSz" refFor="des" refForName="Parent3" op="lte"/>
+              <dgm:constr type="primFontSz" for="des" forName="Child3" refType="primFontSz" refFor="des" refForName="Parent3" op="lte"/>
+              <dgm:constr type="primFontSz" for="des" forName="Child4" refType="primFontSz" refFor="des" refForName="Parent3" op="lte"/>
+              <dgm:constr type="primFontSz" for="des" forName="Child5" refType="primFontSz" refFor="des" refForName="Parent3" op="lte"/>
+              <dgm:constr type="primFontSz" for="des" forName="Child1" refType="primFontSz" refFor="des" refForName="Parent4" op="lte"/>
+              <dgm:constr type="primFontSz" for="des" forName="Child2" refType="primFontSz" refFor="des" refForName="Parent4" op="lte"/>
+              <dgm:constr type="primFontSz" for="des" forName="Child3" refType="primFontSz" refFor="des" refForName="Parent4" op="lte"/>
+              <dgm:constr type="primFontSz" for="des" forName="Child4" refType="primFontSz" refFor="des" refForName="Parent4" op="lte"/>
+              <dgm:constr type="primFontSz" for="des" forName="Child5" refType="primFontSz" refFor="des" refForName="Parent4" op="lte"/>
+              <dgm:constr type="primFontSz" for="des" forName="Child1" refType="primFontSz" refFor="des" refForName="Parent5" op="lte"/>
+              <dgm:constr type="primFontSz" for="des" forName="Child2" refType="primFontSz" refFor="des" refForName="Parent5" op="lte"/>
+              <dgm:constr type="primFontSz" for="des" forName="Child3" refType="primFontSz" refFor="des" refForName="Parent5" op="lte"/>
+              <dgm:constr type="primFontSz" for="des" forName="Child4" refType="primFontSz" refFor="des" refForName="Parent5" op="lte"/>
+              <dgm:constr type="primFontSz" for="des" forName="Child5" refType="primFontSz" refFor="des" refForName="Parent5" op="lte"/>
+              <dgm:constr type="primFontSz" for="des" forName="Parent2" refType="primFontSz" refFor="des" refForName="Parent1" op="equ"/>
+              <dgm:constr type="primFontSz" for="des" forName="Parent3" refType="primFontSz" refFor="des" refForName="Parent1" op="equ"/>
+              <dgm:constr type="primFontSz" for="des" forName="Parent4" refType="primFontSz" refFor="des" refForName="Parent1" op="equ"/>
+              <dgm:constr type="primFontSz" for="des" forName="Parent5" refType="primFontSz" refFor="des" refForName="Parent1" op="equ"/>
+              <dgm:constr type="primFontSz" for="des" forName="Child2" refType="primFontSz" refFor="des" refForName="Child1" op="equ"/>
+              <dgm:constr type="primFontSz" for="des" forName="Child3" refType="primFontSz" refFor="des" refForName="Child1" op="equ"/>
+              <dgm:constr type="primFontSz" for="des" forName="Child4" refType="primFontSz" refFor="des" refForName="Child1" op="equ"/>
+              <dgm:constr type="primFontSz" for="des" forName="Child5" refType="primFontSz" refFor="des" refForName="Child1" op="equ"/>
+              <dgm:constr type="l" for="ch" forName="Accent1" refType="w" fact="0.1481"/>
+              <dgm:constr type="t" for="ch" forName="Accent1" refType="h" fact="0"/>
+              <dgm:constr type="w" for="ch" forName="Accent1" refType="w" fact="0.5331"/>
+              <dgm:constr type="h" for="ch" forName="Accent1" refType="h" fact="0.3098"/>
+              <dgm:constr type="l" for="ch" forName="Accent2" refType="w" fact="0"/>
+              <dgm:constr type="t" for="ch" forName="Accent2" refType="h" fact="0.178"/>
+              <dgm:constr type="w" for="ch" forName="Accent2" refType="w" fact="0.5331"/>
+              <dgm:constr type="h" for="ch" forName="Accent2" refType="h" fact="0.3098"/>
+              <dgm:constr type="l" for="ch" forName="Accent3" refType="w" fact="0.1481"/>
+              <dgm:constr type="t" for="ch" forName="Accent3" refType="h" fact="0.3568"/>
+              <dgm:constr type="w" for="ch" forName="Accent3" refType="w" fact="0.5331"/>
+              <dgm:constr type="h" for="ch" forName="Accent3" refType="h" fact="0.3098"/>
+              <dgm:constr type="l" for="ch" forName="Accent4" refType="w" fact="0"/>
+              <dgm:constr type="t" for="ch" forName="Accent4" refType="h" fact="0.5351"/>
+              <dgm:constr type="w" for="ch" forName="Accent4" refType="w" fact="0.5331"/>
+              <dgm:constr type="h" for="ch" forName="Accent4" refType="h" fact="0.3098"/>
+              <dgm:constr type="l" for="ch" forName="Accent5" refType="w" fact="0.186"/>
+              <dgm:constr type="t" for="ch" forName="Accent5" refType="h" fact="0.7337"/>
+              <dgm:constr type="w" for="ch" forName="Accent5" refType="w" fact="0.458"/>
+              <dgm:constr type="h" for="ch" forName="Accent5" refType="h" fact="0.2663"/>
+              <dgm:constr type="l" for="ch" forName="Parent1" refType="w" fact="0.2658"/>
+              <dgm:constr type="t" for="ch" forName="Parent1" refType="h" fact="0.1122"/>
+              <dgm:constr type="w" for="ch" forName="Parent1" refType="w" fact="0.2975"/>
+              <dgm:constr type="h" for="ch" forName="Parent1" refType="h" fact="0.0864"/>
+              <dgm:constr type="l" for="ch" forName="Parent2" refType="w" fact="0.1171"/>
+              <dgm:constr type="t" for="ch" forName="Parent2" refType="h" fact="0.2906"/>
+              <dgm:constr type="w" for="ch" forName="Parent2" refType="w" fact="0.2975"/>
+              <dgm:constr type="h" for="ch" forName="Parent2" refType="h" fact="0.0864"/>
+              <dgm:constr type="l" for="ch" forName="Parent3" refType="w" fact="0.2658"/>
+              <dgm:constr type="t" for="ch" forName="Parent3" refType="h" fact="0.4689"/>
+              <dgm:constr type="w" for="ch" forName="Parent3" refType="w" fact="0.2975"/>
+              <dgm:constr type="h" for="ch" forName="Parent3" refType="h" fact="0.0864"/>
+              <dgm:constr type="l" for="ch" forName="Parent4" refType="w" fact="0.1171"/>
+              <dgm:constr type="t" for="ch" forName="Parent4" refType="h" fact="0.6473"/>
+              <dgm:constr type="w" for="ch" forName="Parent4" refType="w" fact="0.2975"/>
+              <dgm:constr type="h" for="ch" forName="Parent4" refType="h" fact="0.0864"/>
+              <dgm:constr type="l" for="ch" forName="Parent5" refType="w" fact="0.2658"/>
+              <dgm:constr type="t" for="ch" forName="Parent5" refType="h" fact="0.8257"/>
+              <dgm:constr type="w" for="ch" forName="Parent5" refType="w" fact="0.2975"/>
+              <dgm:constr type="h" for="ch" forName="Parent5" refType="h" fact="0.0864"/>
+              <dgm:constr type="l" for="ch" forName="Child1" refType="w" fact="0.6804"/>
+              <dgm:constr type="t" for="ch" forName="Child1" refType="h" fact="0.0919"/>
+              <dgm:constr type="w" for="ch" forName="Child1" refType="w" fact="0.3196"/>
+              <dgm:constr type="h" for="ch" forName="Child1" refType="h" fact="0.1232"/>
+              <dgm:constr type="l" for="ch" forName="Child2" refType="w" fact="0.5348"/>
+              <dgm:constr type="t" for="ch" forName="Child2" refType="h" fact="0.2722"/>
+              <dgm:constr type="w" for="ch" forName="Child2" refType="w" fact="0.3196"/>
+              <dgm:constr type="h" for="ch" forName="Child2" refType="h" fact="0.1232"/>
+              <dgm:constr type="l" for="ch" forName="Child3" refType="w" fact="0.6804"/>
+              <dgm:constr type="t" for="ch" forName="Child3" refType="h" fact="0.4487"/>
+              <dgm:constr type="w" for="ch" forName="Child3" refType="w" fact="0.3196"/>
+              <dgm:constr type="h" for="ch" forName="Child3" refType="h" fact="0.1232"/>
+              <dgm:constr type="l" for="ch" forName="Child4" refType="w" fact="0.5348"/>
+              <dgm:constr type="t" for="ch" forName="Child4" refType="h" fact="0.6271"/>
+              <dgm:constr type="w" for="ch" forName="Child4" refType="w" fact="0.3196"/>
+              <dgm:constr type="h" for="ch" forName="Child4" refType="h" fact="0.1232"/>
+              <dgm:constr type="l" for="ch" forName="Child5" refType="w" fact="0.6804"/>
+              <dgm:constr type="t" for="ch" forName="Child5" refType="h" fact="0.8073"/>
+              <dgm:constr type="w" for="ch" forName="Child5" refType="w" fact="0.3196"/>
+              <dgm:constr type="h" for="ch" forName="Child5" refType="h" fact="0.1232"/>
+            </dgm:constrLst>
+          </dgm:if>
+          <dgm:if name="Name9" axis="ch" ptType="node" func="cnt" op="equ" val="6">
+            <dgm:alg type="composite">
+              <dgm:param type="ar" val="0.4931"/>
+            </dgm:alg>
+            <dgm:constrLst>
+              <dgm:constr type="primFontSz" for="des" forName="Child1" val="65"/>
+              <dgm:constr type="primFontSz" for="des" forName="Parent1" val="65"/>
+              <dgm:constr type="primFontSz" for="des" forName="Child1" refType="primFontSz" refFor="des" refForName="Parent1" op="lte"/>
+              <dgm:constr type="primFontSz" for="des" forName="Child2" refType="primFontSz" refFor="des" refForName="Parent1" op="lte"/>
+              <dgm:constr type="primFontSz" for="des" forName="Child3" refType="primFontSz" refFor="des" refForName="Parent1" op="lte"/>
+              <dgm:constr type="primFontSz" for="des" forName="Child4" refType="primFontSz" refFor="des" refForName="Parent1" op="lte"/>
+              <dgm:constr type="primFontSz" for="des" forName="Child5" refType="primFontSz" refFor="des" refForName="Parent1" op="lte"/>
+              <dgm:constr type="primFontSz" for="des" forName="Child6" refType="primFontSz" refFor="des" refForName="Parent1" op="lte"/>
+              <dgm:constr type="primFontSz" for="des" forName="Child1" refType="primFontSz" refFor="des" refForName="Parent2" op="lte"/>
+              <dgm:constr type="primFontSz" for="des" forName="Child2" refType="primFontSz" refFor="des" refForName="Parent2" op="lte"/>
+              <dgm:constr type="primFontSz" for="des" forName="Child3" refType="primFontSz" refFor="des" refForName="Parent2" op="lte"/>
+              <dgm:constr type="primFontSz" for="des" forName="Child4" refType="primFontSz" refFor="des" refForName="Parent2" op="lte"/>
+              <dgm:constr type="primFontSz" for="des" forName="Child5" refType="primFontSz" refFor="des" refForName="Parent2" op="lte"/>
+              <dgm:constr type="primFontSz" for="des" forName="Child6" refType="primFontSz" refFor="des" refForName="Parent2" op="lte"/>
+              <dgm:constr type="primFontSz" for="des" forName="Child1" refType="primFontSz" refFor="des" refForName="Parent3" op="lte"/>
+              <dgm:constr type="primFontSz" for="des" forName="Child2" refType="primFontSz" refFor="des" refForName="Parent3" op="lte"/>
+              <dgm:constr type="primFontSz" for="des" forName="Child3" refType="primFontSz" refFor="des" refForName="Parent3" op="lte"/>
+              <dgm:constr type="primFontSz" for="des" forName="Child4" refType="primFontSz" refFor="des" refForName="Parent3" op="lte"/>
+              <dgm:constr type="primFontSz" for="des" forName="Child5" refType="primFontSz" refFor="des" refForName="Parent3" op="lte"/>
+              <dgm:constr type="primFontSz" for="des" forName="Child6" refType="primFontSz" refFor="des" refForName="Parent3" op="lte"/>
+              <dgm:constr type="primFontSz" for="des" forName="Child1" refType="primFontSz" refFor="des" refForName="Parent4" op="lte"/>
+              <dgm:constr type="primFontSz" for="des" forName="Child2" refType="primFontSz" refFor="des" refForName="Parent4" op="lte"/>
+              <dgm:constr type="primFontSz" for="des" forName="Child3" refType="primFontSz" refFor="des" refForName="Parent4" op="lte"/>
+              <dgm:constr type="primFontSz" for="des" forName="Child4" refType="primFontSz" refFor="des" refForName="Parent4" op="lte"/>
+              <dgm:constr type="primFontSz" for="des" forName="Child5" refType="primFontSz" refFor="des" refForName="Parent4" op="lte"/>
+              <dgm:constr type="primFontSz" for="des" forName="Child6" refType="primFontSz" refFor="des" refForName="Parent4" op="lte"/>
+              <dgm:constr type="primFontSz" for="des" forName="Child1" refType="primFontSz" refFor="des" refForName="Parent5" op="lte"/>
+              <dgm:constr type="primFontSz" for="des" forName="Child2" refType="primFontSz" refFor="des" refForName="Parent5" op="lte"/>
+              <dgm:constr type="primFontSz" for="des" forName="Child3" refType="primFontSz" refFor="des" refForName="Parent5" op="lte"/>
+              <dgm:constr type="primFontSz" for="des" forName="Child4" refType="primFontSz" refFor="des" refForName="Parent5" op="lte"/>
+              <dgm:constr type="primFontSz" for="des" forName="Child5" refType="primFontSz" refFor="des" refForName="Parent5" op="lte"/>
+              <dgm:constr type="primFontSz" for="des" forName="Child6" refType="primFontSz" refFor="des" refForName="Parent5" op="lte"/>
+              <dgm:constr type="primFontSz" for="des" forName="Child1" refType="primFontSz" refFor="des" refForName="Parent6" op="lte"/>
+              <dgm:constr type="primFontSz" for="des" forName="Child2" refType="primFontSz" refFor="des" refForName="Parent6" op="lte"/>
+              <dgm:constr type="primFontSz" for="des" forName="Child3" refType="primFontSz" refFor="des" refForName="Parent6" op="lte"/>
+              <dgm:constr type="primFontSz" for="des" forName="Child4" refType="primFontSz" refFor="des" refForName="Parent6" op="lte"/>
+              <dgm:constr type="primFontSz" for="des" forName="Child5" refType="primFontSz" refFor="des" refForName="Parent6" op="lte"/>
+              <dgm:constr type="primFontSz" for="des" forName="Child6" refType="primFontSz" refFor="des" refForName="Parent6" op="lte"/>
+              <dgm:constr type="primFontSz" for="des" forName="Parent2" refType="primFontSz" refFor="des" refForName="Parent1" op="equ"/>
+              <dgm:constr type="primFontSz" for="des" forName="Parent3" refType="primFontSz" refFor="des" refForName="Parent1" op="equ"/>
+              <dgm:constr type="primFontSz" for="des" forName="Parent4" refType="primFontSz" refFor="des" refForName="Parent1" op="equ"/>
+              <dgm:constr type="primFontSz" for="des" forName="Parent5" refType="primFontSz" refFor="des" refForName="Parent1" op="equ"/>
+              <dgm:constr type="primFontSz" for="des" forName="Parent6" refType="primFontSz" refFor="des" refForName="Parent1" op="equ"/>
+              <dgm:constr type="primFontSz" for="des" forName="Child2" refType="primFontSz" refFor="des" refForName="Child1" op="equ"/>
+              <dgm:constr type="primFontSz" for="des" forName="Child3" refType="primFontSz" refFor="des" refForName="Child1" op="equ"/>
+              <dgm:constr type="primFontSz" for="des" forName="Child4" refType="primFontSz" refFor="des" refForName="Child1" op="equ"/>
+              <dgm:constr type="primFontSz" for="des" forName="Child5" refType="primFontSz" refFor="des" refForName="Child1" op="equ"/>
+              <dgm:constr type="primFontSz" for="des" forName="Child6" refType="primFontSz" refFor="des" refForName="Child1" op="equ"/>
+              <dgm:constr type="l" for="ch" forName="Accent1" refType="w" fact="0.1481"/>
+              <dgm:constr type="t" for="ch" forName="Accent1" refType="h" fact="0"/>
+              <dgm:constr type="w" for="ch" forName="Accent1" refType="w" fact="0.5331"/>
+              <dgm:constr type="h" for="ch" forName="Accent1" refType="h" fact="0.2629"/>
+              <dgm:constr type="l" for="ch" forName="Accent2" refType="w" fact="0"/>
+              <dgm:constr type="t" for="ch" forName="Accent2" refType="h" fact="0.1511"/>
+              <dgm:constr type="w" for="ch" forName="Accent2" refType="w" fact="0.5331"/>
+              <dgm:constr type="h" for="ch" forName="Accent2" refType="h" fact="0.2629"/>
+              <dgm:constr type="l" for="ch" forName="Accent3" refType="w" fact="0.1481"/>
+              <dgm:constr type="t" for="ch" forName="Accent3" refType="h" fact="0.3027"/>
+              <dgm:constr type="w" for="ch" forName="Accent3" refType="w" fact="0.5331"/>
+              <dgm:constr type="h" for="ch" forName="Accent3" refType="h" fact="0.2629"/>
+              <dgm:constr type="l" for="ch" forName="Accent4" refType="w" fact="0"/>
+              <dgm:constr type="t" for="ch" forName="Accent4" refType="h" fact="0.4541"/>
+              <dgm:constr type="w" for="ch" forName="Accent4" refType="w" fact="0.5331"/>
+              <dgm:constr type="h" for="ch" forName="Accent4" refType="h" fact="0.2629"/>
+              <dgm:constr type="l" for="ch" forName="Parent1" refType="w" fact="0.2658"/>
+              <dgm:constr type="t" for="ch" forName="Parent1" refType="h" fact="0.0952"/>
+              <dgm:constr type="w" for="ch" forName="Parent1" refType="w" fact="0.2975"/>
+              <dgm:constr type="h" for="ch" forName="Parent1" refType="h" fact="0.0733"/>
+              <dgm:constr type="l" for="ch" forName="Parent2" refType="w" fact="0.1171"/>
+              <dgm:constr type="t" for="ch" forName="Parent2" refType="h" fact="0.2466"/>
+              <dgm:constr type="w" for="ch" forName="Parent2" refType="w" fact="0.2975"/>
+              <dgm:constr type="h" for="ch" forName="Parent2" refType="h" fact="0.0733"/>
+              <dgm:constr type="l" for="ch" forName="Parent3" refType="w" fact="0.2658"/>
+              <dgm:constr type="t" for="ch" forName="Parent3" refType="h" fact="0.3979"/>
+              <dgm:constr type="w" for="ch" forName="Parent3" refType="w" fact="0.2975"/>
+              <dgm:constr type="h" for="ch" forName="Parent3" refType="h" fact="0.0733"/>
+              <dgm:constr type="l" for="ch" forName="Parent4" refType="w" fact="0.1171"/>
+              <dgm:constr type="t" for="ch" forName="Parent4" refType="h" fact="0.5493"/>
+              <dgm:constr type="w" for="ch" forName="Parent4" refType="w" fact="0.2975"/>
+              <dgm:constr type="h" for="ch" forName="Parent4" refType="h" fact="0.0733"/>
+              <dgm:constr type="l" for="ch" forName="Child1" refType="w" fact="0.6804"/>
+              <dgm:constr type="t" for="ch" forName="Child1" refType="h" fact="0.078"/>
+              <dgm:constr type="w" for="ch" forName="Child1" refType="w" fact="0.3196"/>
+              <dgm:constr type="h" for="ch" forName="Child1" refType="h" fact="0.1046"/>
+              <dgm:constr type="l" for="ch" forName="Child2" refType="w" fact="0.5348"/>
+              <dgm:constr type="t" for="ch" forName="Child2" refType="h" fact="0.231"/>
+              <dgm:constr type="w" for="ch" forName="Child2" refType="w" fact="0.3196"/>
+              <dgm:constr type="h" for="ch" forName="Child2" refType="h" fact="0.1046"/>
+              <dgm:constr type="l" for="ch" forName="Child3" refType="w" fact="0.6804"/>
+              <dgm:constr type="t" for="ch" forName="Child3" refType="h" fact="0.3808"/>
+              <dgm:constr type="w" for="ch" forName="Child3" refType="w" fact="0.3196"/>
+              <dgm:constr type="h" for="ch" forName="Child3" refType="h" fact="0.1046"/>
+              <dgm:constr type="l" for="ch" forName="Child4" refType="w" fact="0.5348"/>
+              <dgm:constr type="t" for="ch" forName="Child4" refType="h" fact="0.5322"/>
+              <dgm:constr type="w" for="ch" forName="Child4" refType="w" fact="0.3196"/>
+              <dgm:constr type="h" for="ch" forName="Child4" refType="h" fact="0.1046"/>
+              <dgm:constr type="l" for="ch" forName="Accent5" refType="w" fact="0.1481"/>
+              <dgm:constr type="t" for="ch" forName="Accent5" refType="h" fact="0.6053"/>
+              <dgm:constr type="w" for="ch" forName="Accent5" refType="w" fact="0.5331"/>
+              <dgm:constr type="h" for="ch" forName="Accent5" refType="h" fact="0.2629"/>
+              <dgm:constr type="l" for="ch" forName="Accent6" refType="w" fact="0.038"/>
+              <dgm:constr type="t" for="ch" forName="Accent6" refType="h" fact="0.774"/>
+              <dgm:constr type="w" for="ch" forName="Accent6" refType="w" fact="0.458"/>
+              <dgm:constr type="h" for="ch" forName="Accent6" refType="h" fact="0.226"/>
+              <dgm:constr type="l" for="ch" forName="Parent5" refType="w" fact="0.2658"/>
+              <dgm:constr type="t" for="ch" forName="Parent5" refType="h" fact="0.7005"/>
+              <dgm:constr type="w" for="ch" forName="Parent5" refType="w" fact="0.2975"/>
+              <dgm:constr type="h" for="ch" forName="Parent5" refType="h" fact="0.0733"/>
+              <dgm:constr type="l" for="ch" forName="Parent6" refType="w" fact="0.1171"/>
+              <dgm:constr type="t" for="ch" forName="Parent6" refType="h" fact="0.8519"/>
+              <dgm:constr type="w" for="ch" forName="Parent6" refType="w" fact="0.2975"/>
+              <dgm:constr type="h" for="ch" forName="Parent6" refType="h" fact="0.0733"/>
+              <dgm:constr type="l" for="ch" forName="Child5" refType="w" fact="0.6804"/>
+              <dgm:constr type="t" for="ch" forName="Child5" refType="h" fact="0.6833"/>
+              <dgm:constr type="w" for="ch" forName="Child5" refType="w" fact="0.3196"/>
+              <dgm:constr type="h" for="ch" forName="Child5" refType="h" fact="0.1046"/>
+              <dgm:constr type="l" for="ch" forName="Child6" refType="w" fact="0.5348"/>
+              <dgm:constr type="t" for="ch" forName="Child6" refType="h" fact="0.8347"/>
+              <dgm:constr type="w" for="ch" forName="Child6" refType="w" fact="0.3196"/>
+              <dgm:constr type="h" for="ch" forName="Child6" refType="h" fact="0.1046"/>
+            </dgm:constrLst>
+          </dgm:if>
+          <dgm:else name="Name10">
+            <dgm:alg type="composite">
+              <dgm:param type="ar" val="0.4284"/>
+            </dgm:alg>
+            <dgm:constrLst>
+              <dgm:constr type="primFontSz" for="des" forName="Child1" val="65"/>
+              <dgm:constr type="primFontSz" for="des" forName="Parent1" val="65"/>
+              <dgm:constr type="primFontSz" for="des" forName="Child1" refType="primFontSz" refFor="des" refForName="Parent1" op="lte"/>
+              <dgm:constr type="primFontSz" for="des" forName="Child2" refType="primFontSz" refFor="des" refForName="Parent1" op="lte"/>
+              <dgm:constr type="primFontSz" for="des" forName="Child3" refType="primFontSz" refFor="des" refForName="Parent1" op="lte"/>
+              <dgm:constr type="primFontSz" for="des" forName="Child4" refType="primFontSz" refFor="des" refForName="Parent1" op="lte"/>
+              <dgm:constr type="primFontSz" for="des" forName="Child5" refType="primFontSz" refFor="des" refForName="Parent1" op="lte"/>
+              <dgm:constr type="primFontSz" for="des" forName="Child6" refType="primFontSz" refFor="des" refForName="Parent1" op="lte"/>
+              <dgm:constr type="primFontSz" for="des" forName="Child7" refType="primFontSz" refFor="des" refForName="Parent1" op="lte"/>
+              <dgm:constr type="primFontSz" for="des" forName="Child1" refType="primFontSz" refFor="des" refForName="Parent2" op="lte"/>
+              <dgm:constr type="primFontSz" for="des" forName="Child2" refType="primFontSz" refFor="des" refForName="Parent2" op="lte"/>
+              <dgm:constr type="primFontSz" for="des" forName="Child3" refType="primFontSz" refFor="des" refForName="Parent2" op="lte"/>
+              <dgm:constr type="primFontSz" for="des" forName="Child4" refType="primFontSz" refFor="des" refForName="Parent2" op="lte"/>
+              <dgm:constr type="primFontSz" for="des" forName="Child5" refType="primFontSz" refFor="des" refForName="Parent2" op="lte"/>
+              <dgm:constr type="primFontSz" for="des" forName="Child6" refType="primFontSz" refFor="des" refForName="Parent2" op="lte"/>
+              <dgm:constr type="primFontSz" for="des" forName="Child7" refType="primFontSz" refFor="des" refForName="Parent2" op="lte"/>
+              <dgm:constr type="primFontSz" for="des" forName="Child1" refType="primFontSz" refFor="des" refForName="Parent3" op="lte"/>
+              <dgm:constr type="primFontSz" for="des" forName="Child2" refType="primFontSz" refFor="des" refForName="Parent3" op="lte"/>
+              <dgm:constr type="primFontSz" for="des" forName="Child3" refType="primFontSz" refFor="des" refForName="Parent3" op="lte"/>
+              <dgm:constr type="primFontSz" for="des" forName="Child4" refType="primFontSz" refFor="des" refForName="Parent3" op="lte"/>
+              <dgm:constr type="primFontSz" for="des" forName="Child5" refType="primFontSz" refFor="des" refForName="Parent3" op="lte"/>
+              <dgm:constr type="primFontSz" for="des" forName="Child6" refType="primFontSz" refFor="des" refForName="Parent3" op="lte"/>
+              <dgm:constr type="primFontSz" for="des" forName="Child7" refType="primFontSz" refFor="des" refForName="Parent3" op="lte"/>
+              <dgm:constr type="primFontSz" for="des" forName="Child1" refType="primFontSz" refFor="des" refForName="Parent4" op="lte"/>
+              <dgm:constr type="primFontSz" for="des" forName="Child2" refType="primFontSz" refFor="des" refForName="Parent4" op="lte"/>
+              <dgm:constr type="primFontSz" for="des" forName="Child3" refType="primFontSz" refFor="des" refForName="Parent4" op="lte"/>
+              <dgm:constr type="primFontSz" for="des" forName="Child4" refType="primFontSz" refFor="des" refForName="Parent4" op="lte"/>
+              <dgm:constr type="primFontSz" for="des" forName="Child5" refType="primFontSz" refFor="des" refForName="Parent4" op="lte"/>
+              <dgm:constr type="primFontSz" for="des" forName="Child6" refType="primFontSz" refFor="des" refForName="Parent4" op="lte"/>
+              <dgm:constr type="primFontSz" for="des" forName="Child7" refType="primFontSz" refFor="des" refForName="Parent4" op="lte"/>
+              <dgm:constr type="primFontSz" for="des" forName="Child1" refType="primFontSz" refFor="des" refForName="Parent5" op="lte"/>
+              <dgm:constr type="primFontSz" for="des" forName="Child2" refType="primFontSz" refFor="des" refForName="Parent5" op="lte"/>
+              <dgm:constr type="primFontSz" for="des" forName="Child3" refType="primFontSz" refFor="des" refForName="Parent5" op="lte"/>
+              <dgm:constr type="primFontSz" for="des" forName="Child4" refType="primFontSz" refFor="des" refForName="Parent5" op="lte"/>
+              <dgm:constr type="primFontSz" for="des" forName="Child5" refType="primFontSz" refFor="des" refForName="Parent5" op="lte"/>
+              <dgm:constr type="primFontSz" for="des" forName="Child6" refType="primFontSz" refFor="des" refForName="Parent5" op="lte"/>
+              <dgm:constr type="primFontSz" for="des" forName="Child7" refType="primFontSz" refFor="des" refForName="Parent5" op="lte"/>
+              <dgm:constr type="primFontSz" for="des" forName="Child1" refType="primFontSz" refFor="des" refForName="Parent6" op="lte"/>
+              <dgm:constr type="primFontSz" for="des" forName="Child2" refType="primFontSz" refFor="des" refForName="Parent6" op="lte"/>
+              <dgm:constr type="primFontSz" for="des" forName="Child3" refType="primFontSz" refFor="des" refForName="Parent6" op="lte"/>
+              <dgm:constr type="primFontSz" for="des" forName="Child4" refType="primFontSz" refFor="des" refForName="Parent6" op="lte"/>
+              <dgm:constr type="primFontSz" for="des" forName="Child5" refType="primFontSz" refFor="des" refForName="Parent6" op="lte"/>
+              <dgm:constr type="primFontSz" for="des" forName="Child6" refType="primFontSz" refFor="des" refForName="Parent6" op="lte"/>
+              <dgm:constr type="primFontSz" for="des" forName="Child7" refType="primFontSz" refFor="des" refForName="Parent6" op="lte"/>
+              <dgm:constr type="primFontSz" for="des" forName="Child1" refType="primFontSz" refFor="des" refForName="Parent7" op="lte"/>
+              <dgm:constr type="primFontSz" for="des" forName="Child2" refType="primFontSz" refFor="des" refForName="Parent7" op="lte"/>
+              <dgm:constr type="primFontSz" for="des" forName="Child3" refType="primFontSz" refFor="des" refForName="Parent7" op="lte"/>
+              <dgm:constr type="primFontSz" for="des" forName="Child4" refType="primFontSz" refFor="des" refForName="Parent7" op="lte"/>
+              <dgm:constr type="primFontSz" for="des" forName="Child5" refType="primFontSz" refFor="des" refForName="Parent7" op="lte"/>
+              <dgm:constr type="primFontSz" for="des" forName="Child6" refType="primFontSz" refFor="des" refForName="Parent7" op="lte"/>
+              <dgm:constr type="primFontSz" for="des" forName="Child7" refType="primFontSz" refFor="des" refForName="Parent7" op="lte"/>
+              <dgm:constr type="primFontSz" for="des" forName="Parent2" refType="primFontSz" refFor="des" refForName="Parent1" op="equ"/>
+              <dgm:constr type="primFontSz" for="des" forName="Parent3" refType="primFontSz" refFor="des" refForName="Parent1" op="equ"/>
+              <dgm:constr type="primFontSz" for="des" forName="Parent4" refType="primFontSz" refFor="des" refForName="Parent1" op="equ"/>
+              <dgm:constr type="primFontSz" for="des" forName="Parent5" refType="primFontSz" refFor="des" refForName="Parent1" op="equ"/>
+              <dgm:constr type="primFontSz" for="des" forName="Parent6" refType="primFontSz" refFor="des" refForName="Parent1" op="equ"/>
+              <dgm:constr type="primFontSz" for="des" forName="Parent7" refType="primFontSz" refFor="des" refForName="Parent1" op="equ"/>
+              <dgm:constr type="primFontSz" for="des" forName="Child2" refType="primFontSz" refFor="des" refForName="Child1" op="equ"/>
+              <dgm:constr type="primFontSz" for="des" forName="Child3" refType="primFontSz" refFor="des" refForName="Child1" op="equ"/>
+              <dgm:constr type="primFontSz" for="des" forName="Child4" refType="primFontSz" refFor="des" refForName="Child1" op="equ"/>
+              <dgm:constr type="primFontSz" for="des" forName="Child5" refType="primFontSz" refFor="des" refForName="Child1" op="equ"/>
+              <dgm:constr type="primFontSz" for="des" forName="Child6" refType="primFontSz" refFor="des" refForName="Child1" op="equ"/>
+              <dgm:constr type="primFontSz" for="des" forName="Child7" refType="primFontSz" refFor="des" refForName="Child1" op="equ"/>
+              <dgm:constr type="l" for="ch" forName="Accent1" refType="w" fact="0.1481"/>
+              <dgm:constr type="t" for="ch" forName="Accent1" refType="h" fact="0"/>
+              <dgm:constr type="w" for="ch" forName="Accent1" refType="w" fact="0.5331"/>
+              <dgm:constr type="h" for="ch" forName="Accent1" refType="h" fact="0.2284"/>
+              <dgm:constr type="l" for="ch" forName="Accent2" refType="w" fact="0"/>
+              <dgm:constr type="t" for="ch" forName="Accent2" refType="h" fact="0.1312"/>
+              <dgm:constr type="w" for="ch" forName="Accent2" refType="w" fact="0.5331"/>
+              <dgm:constr type="h" for="ch" forName="Accent2" refType="h" fact="0.2284"/>
+              <dgm:constr type="l" for="ch" forName="Accent3" refType="w" fact="0.1481"/>
+              <dgm:constr type="t" for="ch" forName="Accent3" refType="h" fact="0.263"/>
+              <dgm:constr type="w" for="ch" forName="Accent3" refType="w" fact="0.5331"/>
+              <dgm:constr type="h" for="ch" forName="Accent3" refType="h" fact="0.2284"/>
+              <dgm:constr type="l" for="ch" forName="Accent4" refType="w" fact="0"/>
+              <dgm:constr type="t" for="ch" forName="Accent4" refType="h" fact="0.3945"/>
+              <dgm:constr type="w" for="ch" forName="Accent4" refType="w" fact="0.5331"/>
+              <dgm:constr type="h" for="ch" forName="Accent4" refType="h" fact="0.2284"/>
+              <dgm:constr type="l" for="ch" forName="Parent1" refType="w" fact="0.2658"/>
+              <dgm:constr type="t" for="ch" forName="Parent1" refType="h" fact="0.0827"/>
+              <dgm:constr type="w" for="ch" forName="Parent1" refType="w" fact="0.2975"/>
+              <dgm:constr type="h" for="ch" forName="Parent1" refType="h" fact="0.0637"/>
+              <dgm:constr type="l" for="ch" forName="Parent2" refType="w" fact="0.1171"/>
+              <dgm:constr type="t" for="ch" forName="Parent2" refType="h" fact="0.2142"/>
+              <dgm:constr type="w" for="ch" forName="Parent2" refType="w" fact="0.2975"/>
+              <dgm:constr type="h" for="ch" forName="Parent2" refType="h" fact="0.0637"/>
+              <dgm:constr type="l" for="ch" forName="Parent3" refType="w" fact="0.2658"/>
+              <dgm:constr type="t" for="ch" forName="Parent3" refType="h" fact="0.3457"/>
+              <dgm:constr type="w" for="ch" forName="Parent3" refType="w" fact="0.2975"/>
+              <dgm:constr type="h" for="ch" forName="Parent3" refType="h" fact="0.0637"/>
+              <dgm:constr type="l" for="ch" forName="Parent4" refType="w" fact="0.1171"/>
+              <dgm:constr type="t" for="ch" forName="Parent4" refType="h" fact="0.4772"/>
+              <dgm:constr type="w" for="ch" forName="Parent4" refType="w" fact="0.2975"/>
+              <dgm:constr type="h" for="ch" forName="Parent4" refType="h" fact="0.0637"/>
+              <dgm:constr type="l" for="ch" forName="Child1" refType="w" fact="0.6804"/>
+              <dgm:constr type="t" for="ch" forName="Child1" refType="h" fact="0.0678"/>
+              <dgm:constr type="w" for="ch" forName="Child1" refType="w" fact="0.3196"/>
+              <dgm:constr type="h" for="ch" forName="Child1" refType="h" fact="0.0908"/>
+              <dgm:constr type="l" for="ch" forName="Child2" refType="w" fact="0.5348"/>
+              <dgm:constr type="t" for="ch" forName="Child2" refType="h" fact="0.2006"/>
+              <dgm:constr type="w" for="ch" forName="Child2" refType="w" fact="0.3196"/>
+              <dgm:constr type="h" for="ch" forName="Child2" refType="h" fact="0.0908"/>
+              <dgm:constr type="l" for="ch" forName="Child3" refType="w" fact="0.6804"/>
+              <dgm:constr type="t" for="ch" forName="Child3" refType="h" fact="0.3308"/>
+              <dgm:constr type="w" for="ch" forName="Child3" refType="w" fact="0.3196"/>
+              <dgm:constr type="h" for="ch" forName="Child3" refType="h" fact="0.0908"/>
+              <dgm:constr type="l" for="ch" forName="Child4" refType="w" fact="0.5348"/>
+              <dgm:constr type="t" for="ch" forName="Child4" refType="h" fact="0.4623"/>
+              <dgm:constr type="w" for="ch" forName="Child4" refType="w" fact="0.3196"/>
+              <dgm:constr type="h" for="ch" forName="Child4" refType="h" fact="0.0908"/>
+              <dgm:constr type="l" for="ch" forName="Accent5" refType="w" fact="0.1481"/>
+              <dgm:constr type="t" for="ch" forName="Accent5" refType="h" fact="0.5258"/>
+              <dgm:constr type="w" for="ch" forName="Accent5" refType="w" fact="0.5331"/>
+              <dgm:constr type="h" for="ch" forName="Accent5" refType="h" fact="0.2284"/>
+              <dgm:constr type="l" for="ch" forName="Accent6" refType="w" fact="0"/>
+              <dgm:constr type="t" for="ch" forName="Accent6" refType="h" fact="0.6573"/>
+              <dgm:constr type="w" for="ch" forName="Accent6" refType="w" fact="0.5331"/>
+              <dgm:constr type="h" for="ch" forName="Accent6" refType="h" fact="0.2284"/>
+              <dgm:constr type="l" for="ch" forName="Accent7" refType="w" fact="0.186"/>
+              <dgm:constr type="t" for="ch" forName="Accent7" refType="h" fact="0.8037"/>
+              <dgm:constr type="w" for="ch" forName="Accent7" refType="w" fact="0.458"/>
+              <dgm:constr type="h" for="ch" forName="Accent7" refType="h" fact="0.1963"/>
+              <dgm:constr type="l" for="ch" forName="Parent5" refType="w" fact="0.2658"/>
+              <dgm:constr type="t" for="ch" forName="Parent5" refType="h" fact="0.6085"/>
+              <dgm:constr type="w" for="ch" forName="Parent5" refType="w" fact="0.2975"/>
+              <dgm:constr type="h" for="ch" forName="Parent5" refType="h" fact="0.0637"/>
+              <dgm:constr type="l" for="ch" forName="Parent6" refType="w" fact="0.1171"/>
+              <dgm:constr type="t" for="ch" forName="Parent6" refType="h" fact="0.74"/>
+              <dgm:constr type="w" for="ch" forName="Parent6" refType="w" fact="0.2975"/>
+              <dgm:constr type="h" for="ch" forName="Parent6" refType="h" fact="0.0637"/>
+              <dgm:constr type="l" for="ch" forName="Parent7" refType="w" fact="0.2658"/>
+              <dgm:constr type="t" for="ch" forName="Parent7" refType="h" fact="0.8715"/>
+              <dgm:constr type="w" for="ch" forName="Parent7" refType="w" fact="0.2975"/>
+              <dgm:constr type="h" for="ch" forName="Parent7" refType="h" fact="0.0637"/>
+              <dgm:constr type="l" for="ch" forName="Child5" refType="w" fact="0.6804"/>
+              <dgm:constr type="t" for="ch" forName="Child5" refType="h" fact="0.5936"/>
+              <dgm:constr type="w" for="ch" forName="Child5" refType="w" fact="0.3196"/>
+              <dgm:constr type="h" for="ch" forName="Child5" refType="h" fact="0.0908"/>
+              <dgm:constr type="l" for="ch" forName="Child6" refType="w" fact="0.5348"/>
+              <dgm:constr type="t" for="ch" forName="Child6" refType="h" fact="0.7251"/>
+              <dgm:constr type="w" for="ch" forName="Child6" refType="w" fact="0.3196"/>
+              <dgm:constr type="h" for="ch" forName="Child6" refType="h" fact="0.0908"/>
+              <dgm:constr type="l" for="ch" forName="Child7" refType="w" fact="0.6804"/>
+              <dgm:constr type="t" for="ch" forName="Child7" refType="h" fact="0.8579"/>
+              <dgm:constr type="w" for="ch" forName="Child7" refType="w" fact="0.3196"/>
+              <dgm:constr type="h" for="ch" forName="Child7" refType="h" fact="0.0908"/>
+            </dgm:constrLst>
+          </dgm:else>
+        </dgm:choose>
+      </dgm:if>
+      <dgm:else name="Name11">
+        <dgm:choose name="Name12">
+          <dgm:if name="Name13" axis="ch" ptType="node" func="cnt" op="equ" val="1">
+            <dgm:alg type="composite">
+              <dgm:param type="ar" val="1.5999"/>
+            </dgm:alg>
+            <dgm:constrLst>
+              <dgm:constr type="primFontSz" for="des" forName="Child1" val="65"/>
+              <dgm:constr type="primFontSz" for="des" forName="Parent1" val="65"/>
+              <dgm:constr type="primFontSz" for="des" forName="Child1" refType="primFontSz" refFor="des" refForName="Parent1" op="lte"/>
+              <dgm:constr type="l" for="ch" forName="Child1" refType="w" fact="0.625"/>
+              <dgm:constr type="t" for="ch" forName="Child1" refType="h" fact="0.2981"/>
+              <dgm:constr type="w" for="ch" forName="Child1" refType="w" fact="0.375"/>
+              <dgm:constr type="h" for="ch" forName="Child1" refType="h" fact="0.4001"/>
+              <dgm:constr type="l" for="ch" forName="Accent1" refType="w" fact="0"/>
+              <dgm:constr type="t" for="ch" forName="Accent1" refType="h" fact="0"/>
+              <dgm:constr type="w" for="ch" forName="Accent1" refType="w" fact="0.6249"/>
+              <dgm:constr type="h" for="ch" forName="Accent1" refType="h"/>
+              <dgm:constr type="l" for="ch" forName="Parent1" refType="w" fact="0.138"/>
+              <dgm:constr type="t" for="ch" forName="Parent1" refType="h" fact="0.362"/>
+              <dgm:constr type="w" for="ch" forName="Parent1" refType="w" fact="0.3487"/>
+              <dgm:constr type="h" for="ch" forName="Parent1" refType="h" fact="0.2789"/>
+            </dgm:constrLst>
+          </dgm:if>
+          <dgm:if name="Name14" axis="ch" ptType="node" func="cnt" op="equ" val="2">
+            <dgm:alg type="composite">
+              <dgm:param type="ar" val="1.2026"/>
+            </dgm:alg>
+            <dgm:constrLst>
+              <dgm:constr type="primFontSz" for="des" forName="Child1" val="65"/>
+              <dgm:constr type="primFontSz" for="des" forName="Parent1" val="65"/>
+              <dgm:constr type="primFontSz" for="des" forName="Child1" refType="primFontSz" refFor="des" refForName="Parent1" op="lte"/>
+              <dgm:constr type="primFontSz" for="des" forName="Child2" refType="primFontSz" refFor="des" refForName="Parent1" op="lte"/>
+              <dgm:constr type="primFontSz" for="des" forName="Child1" refType="primFontSz" refFor="des" refForName="Parent2" op="lte"/>
+              <dgm:constr type="primFontSz" for="des" forName="Child2" refType="primFontSz" refFor="des" refForName="Parent2" op="lte"/>
+              <dgm:constr type="primFontSz" for="des" forName="Parent2" refType="primFontSz" refFor="des" refForName="Parent1" op="equ"/>
+              <dgm:constr type="primFontSz" for="des" forName="Child2" refType="primFontSz" refFor="des" refForName="Child1" op="equ"/>
+              <dgm:constr type="l" for="ch" forName="Accent1" refType="w" fact="-0.0407"/>
+              <dgm:constr type="t" for="ch" forName="Accent1" refType="h" fact="0"/>
+              <dgm:constr type="w" for="ch" forName="Accent1" refType="w" fact="0.5542"/>
+              <dgm:constr type="h" for="ch" forName="Accent1" refType="h" fact="0.6665"/>
+              <dgm:constr type="l" for="ch" forName="Accent2" refType="w" fact="0.1533"/>
+              <dgm:constr type="t" for="ch" forName="Accent2" refType="h" fact="0.4272"/>
+              <dgm:constr type="w" for="ch" forName="Accent2" refType="w" fact="0.4761"/>
+              <dgm:constr type="h" for="ch" forName="Accent2" refType="h" fact="0.5728"/>
+              <dgm:constr type="l" for="ch" forName="Parent1" refType="w" fact="0.0822"/>
+              <dgm:constr type="t" for="ch" forName="Parent1" refType="h" fact="0.2413"/>
+              <dgm:constr type="w" for="ch" forName="Parent1" refType="w" fact="0.3092"/>
+              <dgm:constr type="h" for="ch" forName="Parent1" refType="h" fact="0.1859"/>
+              <dgm:constr type="l" for="ch" forName="Parent2" refType="w" fact="0.2368"/>
+              <dgm:constr type="t" for="ch" forName="Parent2" refType="h" fact="0.625"/>
+              <dgm:constr type="w" for="ch" forName="Parent2" refType="w" fact="0.3092"/>
+              <dgm:constr type="h" for="ch" forName="Parent2" refType="h" fact="0.1859"/>
+              <dgm:constr type="l" for="ch" forName="Child1" refType="w" fact="0.5164"/>
+              <dgm:constr type="t" for="ch" forName="Child1" refType="h" fact="0.1978"/>
+              <dgm:constr type="w" for="ch" forName="Child1" refType="w" fact="0.3322"/>
+              <dgm:constr type="h" for="ch" forName="Child1" refType="h" fact="0.265"/>
+              <dgm:constr type="l" for="ch" forName="Child2" refType="w" fact="0.6678"/>
+              <dgm:constr type="t" for="ch" forName="Child2" refType="h" fact="0.5855"/>
+              <dgm:constr type="w" for="ch" forName="Child2" refType="w" fact="0.3322"/>
+              <dgm:constr type="h" for="ch" forName="Child2" refType="h" fact="0.265"/>
+            </dgm:constrLst>
+          </dgm:if>
+          <dgm:if name="Name15" axis="ch" ptType="node" func="cnt" op="equ" val="3">
+            <dgm:alg type="composite">
+              <dgm:param type="ar" val="0.9039"/>
+            </dgm:alg>
+            <dgm:shape xmlns:r="http://schemas.openxmlformats.org/officeDocument/2006/relationships" r:blip="">
+              <dgm:adjLst/>
+            </dgm:shape>
+            <dgm:constrLst>
+              <dgm:constr type="primFontSz" for="des" forName="Child1" val="65"/>
+              <dgm:constr type="primFontSz" for="des" forName="Parent1" val="65"/>
+              <dgm:constr type="primFontSz" for="des" forName="Child1" refType="primFontSz" refFor="des" refForName="Parent1" op="lte"/>
+              <dgm:constr type="primFontSz" for="des" forName="Child2" refType="primFontSz" refFor="des" refForName="Parent1" op="lte"/>
+              <dgm:constr type="primFontSz" for="des" forName="Child3" refType="primFontSz" refFor="des" refForName="Parent1" op="lte"/>
+              <dgm:constr type="primFontSz" for="des" forName="Child1" refType="primFontSz" refFor="des" refForName="Parent2" op="lte"/>
+              <dgm:constr type="primFontSz" for="des" forName="Child2" refType="primFontSz" refFor="des" refForName="Parent2" op="lte"/>
+              <dgm:constr type="primFontSz" for="des" forName="Child3" refType="primFontSz" refFor="des" refForName="Parent2" op="lte"/>
+              <dgm:constr type="primFontSz" for="des" forName="Child1" refType="primFontSz" refFor="des" refForName="Parent3" op="lte"/>
+              <dgm:constr type="primFontSz" for="des" forName="Child2" refType="primFontSz" refFor="des" refForName="Parent3" op="lte"/>
+              <dgm:constr type="primFontSz" for="des" forName="Child3" refType="primFontSz" refFor="des" refForName="Parent3" op="lte"/>
+              <dgm:constr type="primFontSz" for="des" forName="Parent2" refType="primFontSz" refFor="des" refForName="Parent1" op="equ"/>
+              <dgm:constr type="primFontSz" for="des" forName="Parent3" refType="primFontSz" refFor="des" refForName="Parent1" op="equ"/>
+              <dgm:constr type="primFontSz" for="des" forName="Child2" refType="primFontSz" refFor="des" refForName="Child1" op="equ"/>
+              <dgm:constr type="primFontSz" for="des" forName="Child3" refType="primFontSz" refFor="des" refForName="Child1" op="equ"/>
+              <dgm:constr type="l" for="ch" forName="Accent1" refType="w" fact="0"/>
+              <dgm:constr type="t" for="ch" forName="Accent1" refType="h" fact="0"/>
+              <dgm:constr type="w" for="ch" forName="Accent1" refType="w" fact="0.5325"/>
+              <dgm:constr type="h" for="ch" forName="Accent1" refType="h" fact="0.4814"/>
+              <dgm:constr type="l" for="ch" forName="Accent2" refType="w" fact="0.1479"/>
+              <dgm:constr type="t" for="ch" forName="Accent2" refType="h" fact="0.2766"/>
+              <dgm:constr type="w" for="ch" forName="Accent2" refType="w" fact="0.5325"/>
+              <dgm:constr type="h" for="ch" forName="Accent2" refType="h" fact="0.4814"/>
+              <dgm:constr type="l" for="ch" forName="Accent3" refType="w" fact="0.0378"/>
+              <dgm:constr type="t" for="ch" forName="Accent3" refType="h" fact="0.5863"/>
+              <dgm:constr type="w" for="ch" forName="Accent3" refType="w" fact="0.4575"/>
+              <dgm:constr type="h" for="ch" forName="Accent3" refType="h" fact="0.4137"/>
+              <dgm:constr type="l" for="ch" forName="Parent1" refType="w" fact="0.1183"/>
+              <dgm:constr type="t" for="ch" forName="Parent1" refType="h" fact="0.1738"/>
+              <dgm:constr type="w" for="ch" forName="Parent1" refType="w" fact="0.2959"/>
+              <dgm:constr type="h" for="ch" forName="Parent1" refType="h" fact="0.1337"/>
+              <dgm:constr type="l" for="ch" forName="Parent2" refType="w" fact="0.2656"/>
+              <dgm:constr type="t" for="ch" forName="Parent2" refType="h" fact="0.452"/>
+              <dgm:constr type="w" for="ch" forName="Parent2" refType="w" fact="0.2959"/>
+              <dgm:constr type="h" for="ch" forName="Parent2" refType="h" fact="0.1337"/>
+              <dgm:constr type="l" for="ch" forName="Parent3" refType="w" fact="0.1183"/>
+              <dgm:constr type="t" for="ch" forName="Parent3" refType="h" fact="0.7306"/>
+              <dgm:constr type="w" for="ch" forName="Parent3" refType="w" fact="0.2959"/>
+              <dgm:constr type="h" for="ch" forName="Parent3" refType="h" fact="0.1337"/>
+              <dgm:constr type="l" for="ch" forName="Child1" refType="w" fact="0.5325"/>
+              <dgm:constr type="t" for="ch" forName="Child1" refType="h" fact="0.1435"/>
+              <dgm:constr type="w" for="ch" forName="Child1" refType="w" fact="0.3195"/>
+              <dgm:constr type="h" for="ch" forName="Child1" refType="h" fact="0.1926"/>
+              <dgm:constr type="l" for="ch" forName="Child2" refType="w" fact="0.6805"/>
+              <dgm:constr type="t" for="ch" forName="Child2" refType="h" fact="0.4217"/>
+              <dgm:constr type="w" for="ch" forName="Child2" refType="w" fact="0.3195"/>
+              <dgm:constr type="h" for="ch" forName="Child2" refType="h" fact="0.1926"/>
+              <dgm:constr type="l" for="ch" forName="Child3" refType="w" fact="0.5325"/>
+              <dgm:constr type="t" for="ch" forName="Child3" refType="h" fact="0.6998"/>
+              <dgm:constr type="w" for="ch" forName="Child3" refType="w" fact="0.3195"/>
+              <dgm:constr type="h" for="ch" forName="Child3" refType="h" fact="0.1926"/>
+            </dgm:constrLst>
+          </dgm:if>
+          <dgm:if name="Name16" axis="ch" ptType="node" func="cnt" op="equ" val="4">
+            <dgm:alg type="composite">
+              <dgm:param type="ar" val="0.7073"/>
+            </dgm:alg>
+            <dgm:constrLst>
+              <dgm:constr type="primFontSz" for="des" forName="Child1" val="65"/>
+              <dgm:constr type="primFontSz" for="des" forName="Parent1" val="65"/>
+              <dgm:constr type="primFontSz" for="des" forName="Child1" refType="primFontSz" refFor="des" refForName="Parent1" op="lte"/>
+              <dgm:constr type="primFontSz" for="des" forName="Child2" refType="primFontSz" refFor="des" refForName="Parent1" op="lte"/>
+              <dgm:constr type="primFontSz" for="des" forName="Child3" refType="primFontSz" refFor="des" refForName="Parent1" op="lte"/>
+              <dgm:constr type="primFontSz" for="des" forName="Child4" refType="primFontSz" refFor="des" refForName="Parent1" op="lte"/>
+              <dgm:constr type="primFontSz" for="des" forName="Child1" refType="primFontSz" refFor="des" refForName="Parent2" op="lte"/>
+              <dgm:constr type="primFontSz" for="des" forName="Child2" refType="primFontSz" refFor="des" refForName="Parent2" op="lte"/>
+              <dgm:constr type="primFontSz" for="des" forName="Child3" refType="primFontSz" refFor="des" refForName="Parent2" op="lte"/>
+              <dgm:constr type="primFontSz" for="des" forName="Child4" refType="primFontSz" refFor="des" refForName="Parent2" op="lte"/>
+              <dgm:constr type="primFontSz" for="des" forName="Child1" refType="primFontSz" refFor="des" refForName="Parent3" op="lte"/>
+              <dgm:constr type="primFontSz" for="des" forName="Child2" refType="primFontSz" refFor="des" refForName="Parent3" op="lte"/>
+              <dgm:constr type="primFontSz" for="des" forName="Child3" refType="primFontSz" refFor="des" refForName="Parent3" op="lte"/>
+              <dgm:constr type="primFontSz" for="des" forName="Child4" refType="primFontSz" refFor="des" refForName="Parent3" op="lte"/>
+              <dgm:constr type="primFontSz" for="des" forName="Child1" refType="primFontSz" refFor="des" refForName="Parent4" op="lte"/>
+              <dgm:constr type="primFontSz" for="des" forName="Child2" refType="primFontSz" refFor="des" refForName="Parent4" op="lte"/>
+              <dgm:constr type="primFontSz" for="des" forName="Child3" refType="primFontSz" refFor="des" refForName="Parent4" op="lte"/>
+              <dgm:constr type="primFontSz" for="des" forName="Child4" refType="primFontSz" refFor="des" refForName="Parent4" op="lte"/>
+              <dgm:constr type="primFontSz" for="des" forName="Parent2" refType="primFontSz" refFor="des" refForName="Parent1" op="equ"/>
+              <dgm:constr type="primFontSz" for="des" forName="Parent3" refType="primFontSz" refFor="des" refForName="Parent1" op="equ"/>
+              <dgm:constr type="primFontSz" for="des" forName="Parent4" refType="primFontSz" refFor="des" refForName="Parent1" op="equ"/>
+              <dgm:constr type="primFontSz" for="des" forName="Child2" refType="primFontSz" refFor="des" refForName="Child1" op="equ"/>
+              <dgm:constr type="primFontSz" for="des" forName="Child3" refType="primFontSz" refFor="des" refForName="Child1" op="equ"/>
+              <dgm:constr type="primFontSz" for="des" forName="Child4" refType="primFontSz" refFor="des" refForName="Child1" op="equ"/>
+              <dgm:constr type="l" for="ch" forName="Accent1" refType="w" fact="0"/>
+              <dgm:constr type="t" for="ch" forName="Accent1" refType="h" fact="0"/>
+              <dgm:constr type="w" for="ch" forName="Accent1" refType="w" fact="0.5331"/>
+              <dgm:constr type="h" for="ch" forName="Accent1" refType="h" fact="0.3771"/>
+              <dgm:constr type="l" for="ch" forName="Accent2" refType="w" fact="0.1481"/>
+              <dgm:constr type="t" for="ch" forName="Accent2" refType="h" fact="0.2167"/>
+              <dgm:constr type="w" for="ch" forName="Accent2" refType="w" fact="0.5331"/>
+              <dgm:constr type="h" for="ch" forName="Accent2" refType="h" fact="0.3771"/>
+              <dgm:constr type="l" for="ch" forName="Accent3" refType="w" fact="0"/>
+              <dgm:constr type="t" for="ch" forName="Accent3" refType="h" fact="0.4342"/>
+              <dgm:constr type="w" for="ch" forName="Accent3" refType="w" fact="0.5331"/>
+              <dgm:constr type="h" for="ch" forName="Accent3" refType="h" fact="0.3771"/>
+              <dgm:constr type="l" for="ch" forName="Accent4" refType="w" fact="0.186"/>
+              <dgm:constr type="t" for="ch" forName="Accent4" refType="h" fact="0.6759"/>
+              <dgm:constr type="w" for="ch" forName="Accent4" refType="w" fact="0.458"/>
+              <dgm:constr type="h" for="ch" forName="Accent4" refType="h" fact="0.3241"/>
+              <dgm:constr type="l" for="ch" forName="Parent1" refType="w" fact="0.1171"/>
+              <dgm:constr type="t" for="ch" forName="Parent1" refType="h" fact="0.1365"/>
+              <dgm:constr type="w" for="ch" forName="Parent1" refType="w" fact="0.2975"/>
+              <dgm:constr type="h" for="ch" forName="Parent1" refType="h" fact="0.1052"/>
+              <dgm:constr type="l" for="ch" forName="Parent2" refType="w" fact="0.2658"/>
+              <dgm:constr type="t" for="ch" forName="Parent2" refType="h" fact="0.3536"/>
+              <dgm:constr type="w" for="ch" forName="Parent2" refType="w" fact="0.2975"/>
+              <dgm:constr type="h" for="ch" forName="Parent2" refType="h" fact="0.1052"/>
+              <dgm:constr type="l" for="ch" forName="Parent3" refType="w" fact="0.1171"/>
+              <dgm:constr type="t" for="ch" forName="Parent3" refType="h" fact="0.5707"/>
+              <dgm:constr type="w" for="ch" forName="Parent3" refType="w" fact="0.2975"/>
+              <dgm:constr type="h" for="ch" forName="Parent3" refType="h" fact="0.1052"/>
+              <dgm:constr type="l" for="ch" forName="Parent4" refType="w" fact="0.2658"/>
+              <dgm:constr type="t" for="ch" forName="Parent4" refType="h" fact="0.7878"/>
+              <dgm:constr type="w" for="ch" forName="Parent4" refType="w" fact="0.2975"/>
+              <dgm:constr type="h" for="ch" forName="Parent4" refType="h" fact="0.1052"/>
+              <dgm:constr type="l" for="ch" forName="Child1" refType="w" fact="0.5348"/>
+              <dgm:constr type="t" for="ch" forName="Child1" refType="h" fact="0.1119"/>
+              <dgm:constr type="w" for="ch" forName="Child1" refType="w" fact="0.3196"/>
+              <dgm:constr type="h" for="ch" forName="Child1" refType="h" fact="0.15"/>
+              <dgm:constr type="l" for="ch" forName="Child2" refType="w" fact="0.6804"/>
+              <dgm:constr type="t" for="ch" forName="Child2" refType="h" fact="0.3312"/>
+              <dgm:constr type="w" for="ch" forName="Child2" refType="w" fact="0.3196"/>
+              <dgm:constr type="h" for="ch" forName="Child2" refType="h" fact="0.15"/>
+              <dgm:constr type="l" for="ch" forName="Child3" refType="w" fact="0.5348"/>
+              <dgm:constr type="t" for="ch" forName="Child3" refType="h" fact="0.5461"/>
+              <dgm:constr type="w" for="ch" forName="Child3" refType="w" fact="0.3196"/>
+              <dgm:constr type="h" for="ch" forName="Child3" refType="h" fact="0.15"/>
+              <dgm:constr type="l" for="ch" forName="Child4" refType="w" fact="0.6804"/>
+              <dgm:constr type="t" for="ch" forName="Child4" refType="h" fact="0.7632"/>
+              <dgm:constr type="w" for="ch" forName="Child4" refType="w" fact="0.3196"/>
+              <dgm:constr type="h" for="ch" forName="Child4" refType="h" fact="0.15"/>
+            </dgm:constrLst>
+          </dgm:if>
+          <dgm:if name="Name17" axis="ch" ptType="node" func="cnt" op="equ" val="5">
+            <dgm:alg type="composite">
+              <dgm:param type="ar" val="0.5811"/>
+            </dgm:alg>
+            <dgm:constrLst>
+              <dgm:constr type="primFontSz" for="des" forName="Child1" val="65"/>
+              <dgm:constr type="primFontSz" for="des" forName="Parent1" val="65"/>
+              <dgm:constr type="primFontSz" for="des" forName="Child1" refType="primFontSz" refFor="des" refForName="Parent1" op="lte"/>
+              <dgm:constr type="primFontSz" for="des" forName="Child2" refType="primFontSz" refFor="des" refForName="Parent1" op="lte"/>
+              <dgm:constr type="primFontSz" for="des" forName="Child3" refType="primFontSz" refFor="des" refForName="Parent1" op="lte"/>
+              <dgm:constr type="primFontSz" for="des" forName="Child4" refType="primFontSz" refFor="des" refForName="Parent1" op="lte"/>
+              <dgm:constr type="primFontSz" for="des" forName="Child5" refType="primFontSz" refFor="des" refForName="Parent1" op="lte"/>
+              <dgm:constr type="primFontSz" for="des" forName="Child1" refType="primFontSz" refFor="des" refForName="Parent2" op="lte"/>
+              <dgm:constr type="primFontSz" for="des" forName="Child2" refType="primFontSz" refFor="des" refForName="Parent2" op="lte"/>
+              <dgm:constr type="primFontSz" for="des" forName="Child3" refType="primFontSz" refFor="des" refForName="Parent2" op="lte"/>
+              <dgm:constr type="primFontSz" for="des" forName="Child4" refType="primFontSz" refFor="des" refForName="Parent2" op="lte"/>
+              <dgm:constr type="primFontSz" for="des" forName="Child5" refType="primFontSz" refFor="des" refForName="Parent2" op="lte"/>
+              <dgm:constr type="primFontSz" for="des" forName="Child1" refType="primFontSz" refFor="des" refForName="Parent3" op="lte"/>
+              <dgm:constr type="primFontSz" for="des" forName="Child2" refType="primFontSz" refFor="des" refForName="Parent3" op="lte"/>
+              <dgm:constr type="primFontSz" for="des" forName="Child3" refType="primFontSz" refFor="des" refForName="Parent3" op="lte"/>
+              <dgm:constr type="primFontSz" for="des" forName="Child4" refType="primFontSz" refFor="des" refForName="Parent3" op="lte"/>
+              <dgm:constr type="primFontSz" for="des" forName="Child5" refType="primFontSz" refFor="des" refForName="Parent3" op="lte"/>
+              <dgm:constr type="primFontSz" for="des" forName="Child1" refType="primFontSz" refFor="des" refForName="Parent4" op="lte"/>
+              <dgm:constr type="primFontSz" for="des" forName="Child2" refType="primFontSz" refFor="des" refForName="Parent4" op="lte"/>
+              <dgm:constr type="primFontSz" for="des" forName="Child3" refType="primFontSz" refFor="des" refForName="Parent4" op="lte"/>
+              <dgm:constr type="primFontSz" for="des" forName="Child4" refType="primFontSz" refFor="des" refForName="Parent4" op="lte"/>
+              <dgm:constr type="primFontSz" for="des" forName="Child5" refType="primFontSz" refFor="des" refForName="Parent4" op="lte"/>
+              <dgm:constr type="primFontSz" for="des" forName="Child1" refType="primFontSz" refFor="des" refForName="Parent5" op="lte"/>
+              <dgm:constr type="primFontSz" for="des" forName="Child2" refType="primFontSz" refFor="des" refForName="Parent5" op="lte"/>
+              <dgm:constr type="primFontSz" for="des" forName="Child3" refType="primFontSz" refFor="des" refForName="Parent5" op="lte"/>
+              <dgm:constr type="primFontSz" for="des" forName="Child4" refType="primFontSz" refFor="des" refForName="Parent5" op="lte"/>
+              <dgm:constr type="primFontSz" for="des" forName="Child5" refType="primFontSz" refFor="des" refForName="Parent5" op="lte"/>
+              <dgm:constr type="primFontSz" for="des" forName="Parent2" refType="primFontSz" refFor="des" refForName="Parent1" op="equ"/>
+              <dgm:constr type="primFontSz" for="des" forName="Parent3" refType="primFontSz" refFor="des" refForName="Parent1" op="equ"/>
+              <dgm:constr type="primFontSz" for="des" forName="Parent4" refType="primFontSz" refFor="des" refForName="Parent1" op="equ"/>
+              <dgm:constr type="primFontSz" for="des" forName="Parent5" refType="primFontSz" refFor="des" refForName="Parent1" op="equ"/>
+              <dgm:constr type="primFontSz" for="des" forName="Child2" refType="primFontSz" refFor="des" refForName="Child1" op="equ"/>
+              <dgm:constr type="primFontSz" for="des" forName="Child3" refType="primFontSz" refFor="des" refForName="Child1" op="equ"/>
+              <dgm:constr type="primFontSz" for="des" forName="Child4" refType="primFontSz" refFor="des" refForName="Child1" op="equ"/>
+              <dgm:constr type="primFontSz" for="des" forName="Child5" refType="primFontSz" refFor="des" refForName="Child1" op="equ"/>
+              <dgm:constr type="l" for="ch" forName="Accent1" refType="w" fact="0"/>
+              <dgm:constr type="t" for="ch" forName="Accent1" refType="h" fact="0"/>
+              <dgm:constr type="w" for="ch" forName="Accent1" refType="w" fact="0.5331"/>
+              <dgm:constr type="h" for="ch" forName="Accent1" refType="h" fact="0.3098"/>
+              <dgm:constr type="l" for="ch" forName="Accent2" refType="w" fact="0.1481"/>
+              <dgm:constr type="t" for="ch" forName="Accent2" refType="h" fact="0.178"/>
+              <dgm:constr type="w" for="ch" forName="Accent2" refType="w" fact="0.5331"/>
+              <dgm:constr type="h" for="ch" forName="Accent2" refType="h" fact="0.3098"/>
+              <dgm:constr type="l" for="ch" forName="Accent3" refType="w" fact="0"/>
+              <dgm:constr type="t" for="ch" forName="Accent3" refType="h" fact="0.3568"/>
+              <dgm:constr type="w" for="ch" forName="Accent3" refType="w" fact="0.5331"/>
+              <dgm:constr type="h" for="ch" forName="Accent3" refType="h" fact="0.3098"/>
+              <dgm:constr type="l" for="ch" forName="Accent4" refType="w" fact="0.1481"/>
+              <dgm:constr type="t" for="ch" forName="Accent4" refType="h" fact="0.5351"/>
+              <dgm:constr type="w" for="ch" forName="Accent4" refType="w" fact="0.5331"/>
+              <dgm:constr type="h" for="ch" forName="Accent4" refType="h" fact="0.3098"/>
+              <dgm:constr type="l" for="ch" forName="Accent5" refType="w" fact="0.0378"/>
+              <dgm:constr type="t" for="ch" forName="Accent5" refType="h" fact="0.7337"/>
+              <dgm:constr type="w" for="ch" forName="Accent5" refType="w" fact="0.458"/>
+              <dgm:constr type="h" for="ch" forName="Accent5" refType="h" fact="0.2663"/>
+              <dgm:constr type="l" for="ch" forName="Parent1" refType="w" fact="0.1171"/>
+              <dgm:constr type="t" for="ch" forName="Parent1" refType="h" fact="0.1122"/>
+              <dgm:constr type="w" for="ch" forName="Parent1" refType="w" fact="0.2975"/>
+              <dgm:constr type="h" for="ch" forName="Parent1" refType="h" fact="0.0864"/>
+              <dgm:constr type="l" for="ch" forName="Parent2" refType="w" fact="0.2658"/>
+              <dgm:constr type="t" for="ch" forName="Parent2" refType="h" fact="0.2906"/>
+              <dgm:constr type="w" for="ch" forName="Parent2" refType="w" fact="0.2975"/>
+              <dgm:constr type="h" for="ch" forName="Parent2" refType="h" fact="0.0864"/>
+              <dgm:constr type="l" for="ch" forName="Parent3" refType="w" fact="0.1171"/>
+              <dgm:constr type="t" for="ch" forName="Parent3" refType="h" fact="0.4689"/>
+              <dgm:constr type="w" for="ch" forName="Parent3" refType="w" fact="0.2975"/>
+              <dgm:constr type="h" for="ch" forName="Parent3" refType="h" fact="0.0864"/>
+              <dgm:constr type="l" for="ch" forName="Parent4" refType="w" fact="0.2658"/>
+              <dgm:constr type="t" for="ch" forName="Parent4" refType="h" fact="0.6473"/>
+              <dgm:constr type="w" for="ch" forName="Parent4" refType="w" fact="0.2975"/>
+              <dgm:constr type="h" for="ch" forName="Parent4" refType="h" fact="0.0864"/>
+              <dgm:constr type="l" for="ch" forName="Parent5" refType="w" fact="0.1171"/>
+              <dgm:constr type="t" for="ch" forName="Parent5" refType="h" fact="0.8257"/>
+              <dgm:constr type="w" for="ch" forName="Parent5" refType="w" fact="0.2975"/>
+              <dgm:constr type="h" for="ch" forName="Parent5" refType="h" fact="0.0864"/>
+              <dgm:constr type="l" for="ch" forName="Child1" refType="w" fact="0.5348"/>
+              <dgm:constr type="t" for="ch" forName="Child1" refType="h" fact="0.0919"/>
+              <dgm:constr type="w" for="ch" forName="Child1" refType="w" fact="0.3196"/>
+              <dgm:constr type="h" for="ch" forName="Child1" refType="h" fact="0.1232"/>
+              <dgm:constr type="l" for="ch" forName="Child2" refType="w" fact="0.6804"/>
+              <dgm:constr type="t" for="ch" forName="Child2" refType="h" fact="0.2722"/>
+              <dgm:constr type="w" for="ch" forName="Child2" refType="w" fact="0.3196"/>
+              <dgm:constr type="h" for="ch" forName="Child2" refType="h" fact="0.1232"/>
+              <dgm:constr type="l" for="ch" forName="Child3" refType="w" fact="0.5348"/>
+              <dgm:constr type="t" for="ch" forName="Child3" refType="h" fact="0.4487"/>
+              <dgm:constr type="w" for="ch" forName="Child3" refType="w" fact="0.3196"/>
+              <dgm:constr type="h" for="ch" forName="Child3" refType="h" fact="0.1232"/>
+              <dgm:constr type="l" for="ch" forName="Child4" refType="w" fact="0.6804"/>
+              <dgm:constr type="t" for="ch" forName="Child4" refType="h" fact="0.6271"/>
+              <dgm:constr type="w" for="ch" forName="Child4" refType="w" fact="0.3196"/>
+              <dgm:constr type="h" for="ch" forName="Child4" refType="h" fact="0.1232"/>
+              <dgm:constr type="l" for="ch" forName="Child5" refType="w" fact="0.5348"/>
+              <dgm:constr type="t" for="ch" forName="Child5" refType="h" fact="0.8073"/>
+              <dgm:constr type="w" for="ch" forName="Child5" refType="w" fact="0.3196"/>
+              <dgm:constr type="h" for="ch" forName="Child5" refType="h" fact="0.1232"/>
+            </dgm:constrLst>
+          </dgm:if>
+          <dgm:if name="Name18" axis="ch" ptType="node" func="cnt" op="equ" val="6">
+            <dgm:alg type="composite">
+              <dgm:param type="ar" val="0.4931"/>
+            </dgm:alg>
+            <dgm:constrLst>
+              <dgm:constr type="primFontSz" for="des" forName="Child1" val="65"/>
+              <dgm:constr type="primFontSz" for="des" forName="Parent1" val="65"/>
+              <dgm:constr type="primFontSz" for="des" forName="Child1" refType="primFontSz" refFor="des" refForName="Parent1" op="lte"/>
+              <dgm:constr type="primFontSz" for="des" forName="Child2" refType="primFontSz" refFor="des" refForName="Parent1" op="lte"/>
+              <dgm:constr type="primFontSz" for="des" forName="Child3" refType="primFontSz" refFor="des" refForName="Parent1" op="lte"/>
+              <dgm:constr type="primFontSz" for="des" forName="Child4" refType="primFontSz" refFor="des" refForName="Parent1" op="lte"/>
+              <dgm:constr type="primFontSz" for="des" forName="Child5" refType="primFontSz" refFor="des" refForName="Parent1" op="lte"/>
+              <dgm:constr type="primFontSz" for="des" forName="Child6" refType="primFontSz" refFor="des" refForName="Parent1" op="lte"/>
+              <dgm:constr type="primFontSz" for="des" forName="Child1" refType="primFontSz" refFor="des" refForName="Parent2" op="lte"/>
+              <dgm:constr type="primFontSz" for="des" forName="Child2" refType="primFontSz" refFor="des" refForName="Parent2" op="lte"/>
+              <dgm:constr type="primFontSz" for="des" forName="Child3" refType="primFontSz" refFor="des" refForName="Parent2" op="lte"/>
+              <dgm:constr type="primFontSz" for="des" forName="Child4" refType="primFontSz" refFor="des" refForName="Parent2" op="lte"/>
+              <dgm:constr type="primFontSz" for="des" forName="Child5" refType="primFontSz" refFor="des" refForName="Parent2" op="lte"/>
+              <dgm:constr type="primFontSz" for="des" forName="Child6" refType="primFontSz" refFor="des" refForName="Parent2" op="lte"/>
+              <dgm:constr type="primFontSz" for="des" forName="Child1" refType="primFontSz" refFor="des" refForName="Parent3" op="lte"/>
+              <dgm:constr type="primFontSz" for="des" forName="Child2" refType="primFontSz" refFor="des" refForName="Parent3" op="lte"/>
+              <dgm:constr type="primFontSz" for="des" forName="Child3" refType="primFontSz" refFor="des" refForName="Parent3" op="lte"/>
+              <dgm:constr type="primFontSz" for="des" forName="Child4" refType="primFontSz" refFor="des" refForName="Parent3" op="lte"/>
+              <dgm:constr type="primFontSz" for="des" forName="Child5" refType="primFontSz" refFor="des" refForName="Parent3" op="lte"/>
+              <dgm:constr type="primFontSz" for="des" forName="Child6" refType="primFontSz" refFor="des" refForName="Parent3" op="lte"/>
+              <dgm:constr type="primFontSz" for="des" forName="Child1" refType="primFontSz" refFor="des" refForName="Parent4" op="lte"/>
+              <dgm:constr type="primFontSz" for="des" forName="Child2" refType="primFontSz" refFor="des" refForName="Parent4" op="lte"/>
+              <dgm:constr type="primFontSz" for="des" forName="Child3" refType="primFontSz" refFor="des" refForName="Parent4" op="lte"/>
+              <dgm:constr type="primFontSz" for="des" forName="Child4" refType="primFontSz" refFor="des" refForName="Parent4" op="lte"/>
+              <dgm:constr type="primFontSz" for="des" forName="Child5" refType="primFontSz" refFor="des" refForName="Parent4" op="lte"/>
+              <dgm:constr type="primFontSz" for="des" forName="Child6" refType="primFontSz" refFor="des" refForName="Parent4" op="lte"/>
+              <dgm:constr type="primFontSz" for="des" forName="Child1" refType="primFontSz" refFor="des" refForName="Parent5" op="lte"/>
+              <dgm:constr type="primFontSz" for="des" forName="Child2" refType="primFontSz" refFor="des" refForName="Parent5" op="lte"/>
+              <dgm:constr type="primFontSz" for="des" forName="Child3" refType="primFontSz" refFor="des" refForName="Parent5" op="lte"/>
+              <dgm:constr type="primFontSz" for="des" forName="Child4" refType="primFontSz" refFor="des" refForName="Parent5" op="lte"/>
+              <dgm:constr type="primFontSz" for="des" forName="Child5" refType="primFontSz" refFor="des" refForName="Parent5" op="lte"/>
+              <dgm:constr type="primFontSz" for="des" forName="Child6" refType="primFontSz" refFor="des" refForName="Parent5" op="lte"/>
+              <dgm:constr type="primFontSz" for="des" forName="Child1" refType="primFontSz" refFor="des" refForName="Parent6" op="lte"/>
+              <dgm:constr type="primFontSz" for="des" forName="Child2" refType="primFontSz" refFor="des" refForName="Parent6" op="lte"/>
+              <dgm:constr type="primFontSz" for="des" forName="Child3" refType="primFontSz" refFor="des" refForName="Parent6" op="lte"/>
+              <dgm:constr type="primFontSz" for="des" forName="Child4" refType="primFontSz" refFor="des" refForName="Parent6" op="lte"/>
+              <dgm:constr type="primFontSz" for="des" forName="Child5" refType="primFontSz" refFor="des" refForName="Parent6" op="lte"/>
+              <dgm:constr type="primFontSz" for="des" forName="Child6" refType="primFontSz" refFor="des" refForName="Parent6" op="lte"/>
+              <dgm:constr type="primFontSz" for="des" forName="Parent2" refType="primFontSz" refFor="des" refForName="Parent1" op="equ"/>
+              <dgm:constr type="primFontSz" for="des" forName="Parent3" refType="primFontSz" refFor="des" refForName="Parent1" op="equ"/>
+              <dgm:constr type="primFontSz" for="des" forName="Parent4" refType="primFontSz" refFor="des" refForName="Parent1" op="equ"/>
+              <dgm:constr type="primFontSz" for="des" forName="Parent5" refType="primFontSz" refFor="des" refForName="Parent1" op="equ"/>
+              <dgm:constr type="primFontSz" for="des" forName="Parent6" refType="primFontSz" refFor="des" refForName="Parent1" op="equ"/>
+              <dgm:constr type="primFontSz" for="des" forName="Child2" refType="primFontSz" refFor="des" refForName="Child1" op="equ"/>
+              <dgm:constr type="primFontSz" for="des" forName="Child3" refType="primFontSz" refFor="des" refForName="Child1" op="equ"/>
+              <dgm:constr type="primFontSz" for="des" forName="Child4" refType="primFontSz" refFor="des" refForName="Child1" op="equ"/>
+              <dgm:constr type="primFontSz" for="des" forName="Child5" refType="primFontSz" refFor="des" refForName="Child1" op="equ"/>
+              <dgm:constr type="primFontSz" for="des" forName="Child6" refType="primFontSz" refFor="des" refForName="Child1" op="equ"/>
+              <dgm:constr type="l" for="ch" forName="Accent1" refType="w" fact="0"/>
+              <dgm:constr type="t" for="ch" forName="Accent1" refType="h" fact="0"/>
+              <dgm:constr type="w" for="ch" forName="Accent1" refType="w" fact="0.5331"/>
+              <dgm:constr type="h" for="ch" forName="Accent1" refType="h" fact="0.2629"/>
+              <dgm:constr type="l" for="ch" forName="Accent2" refType="w" fact="0.1481"/>
+              <dgm:constr type="t" for="ch" forName="Accent2" refType="h" fact="0.1511"/>
+              <dgm:constr type="w" for="ch" forName="Accent2" refType="w" fact="0.5331"/>
+              <dgm:constr type="h" for="ch" forName="Accent2" refType="h" fact="0.2629"/>
+              <dgm:constr type="l" for="ch" forName="Accent3" refType="w" fact="0"/>
+              <dgm:constr type="t" for="ch" forName="Accent3" refType="h" fact="0.3027"/>
+              <dgm:constr type="w" for="ch" forName="Accent3" refType="w" fact="0.5331"/>
+              <dgm:constr type="h" for="ch" forName="Accent3" refType="h" fact="0.2629"/>
+              <dgm:constr type="l" for="ch" forName="Accent4" refType="w" fact="0.1481"/>
+              <dgm:constr type="t" for="ch" forName="Accent4" refType="h" fact="0.4541"/>
+              <dgm:constr type="w" for="ch" forName="Accent4" refType="w" fact="0.5331"/>
+              <dgm:constr type="h" for="ch" forName="Accent4" refType="h" fact="0.2629"/>
+              <dgm:constr type="l" for="ch" forName="Accent5" refType="w" fact="0"/>
+              <dgm:constr type="t" for="ch" forName="Accent5" refType="h" fact="0.6053"/>
+              <dgm:constr type="w" for="ch" forName="Accent5" refType="w" fact="0.5331"/>
+              <dgm:constr type="h" for="ch" forName="Accent5" refType="h" fact="0.2629"/>
+              <dgm:constr type="l" for="ch" forName="Accent6" refType="w" fact="0.186"/>
+              <dgm:constr type="t" for="ch" forName="Accent6" refType="h" fact="0.774"/>
+              <dgm:constr type="w" for="ch" forName="Accent6" refType="w" fact="0.458"/>
+              <dgm:constr type="h" for="ch" forName="Accent6" refType="h" fact="0.226"/>
+              <dgm:constr type="l" for="ch" forName="Parent1" refType="w" fact="0.1171"/>
+              <dgm:constr type="t" for="ch" forName="Parent1" refType="h" fact="0.0952"/>
+              <dgm:constr type="w" for="ch" forName="Parent1" refType="w" fact="0.2975"/>
+              <dgm:constr type="h" for="ch" forName="Parent1" refType="h" fact="0.0733"/>
+              <dgm:constr type="l" for="ch" forName="Parent2" refType="w" fact="0.2658"/>
+              <dgm:constr type="t" for="ch" forName="Parent2" refType="h" fact="0.2466"/>
+              <dgm:constr type="w" for="ch" forName="Parent2" refType="w" fact="0.2975"/>
+              <dgm:constr type="h" for="ch" forName="Parent2" refType="h" fact="0.0733"/>
+              <dgm:constr type="l" for="ch" forName="Parent3" refType="w" fact="0.1171"/>
+              <dgm:constr type="t" for="ch" forName="Parent3" refType="h" fact="0.3979"/>
+              <dgm:constr type="w" for="ch" forName="Parent3" refType="w" fact="0.2975"/>
+              <dgm:constr type="h" for="ch" forName="Parent3" refType="h" fact="0.0733"/>
+              <dgm:constr type="l" for="ch" forName="Parent4" refType="w" fact="0.2658"/>
+              <dgm:constr type="t" for="ch" forName="Parent4" refType="h" fact="0.5493"/>
+              <dgm:constr type="w" for="ch" forName="Parent4" refType="w" fact="0.2975"/>
+              <dgm:constr type="h" for="ch" forName="Parent4" refType="h" fact="0.0733"/>
+              <dgm:constr type="l" for="ch" forName="Parent5" refType="w" fact="0.1171"/>
+              <dgm:constr type="t" for="ch" forName="Parent5" refType="h" fact="0.7005"/>
+              <dgm:constr type="w" for="ch" forName="Parent5" refType="w" fact="0.2975"/>
+              <dgm:constr type="h" for="ch" forName="Parent5" refType="h" fact="0.0733"/>
+              <dgm:constr type="l" for="ch" forName="Parent6" refType="w" fact="0.2658"/>
+              <dgm:constr type="t" for="ch" forName="Parent6" refType="h" fact="0.8519"/>
+              <dgm:constr type="w" for="ch" forName="Parent6" refType="w" fact="0.2975"/>
+              <dgm:constr type="h" for="ch" forName="Parent6" refType="h" fact="0.0733"/>
+              <dgm:constr type="l" for="ch" forName="Child1" refType="w" fact="0.5348"/>
+              <dgm:constr type="t" for="ch" forName="Child1" refType="h" fact="0.078"/>
+              <dgm:constr type="w" for="ch" forName="Child1" refType="w" fact="0.3196"/>
+              <dgm:constr type="h" for="ch" forName="Child1" refType="h" fact="0.1046"/>
+              <dgm:constr type="l" for="ch" forName="Child2" refType="w" fact="0.6804"/>
+              <dgm:constr type="t" for="ch" forName="Child2" refType="h" fact="0.231"/>
+              <dgm:constr type="w" for="ch" forName="Child2" refType="w" fact="0.3196"/>
+              <dgm:constr type="h" for="ch" forName="Child2" refType="h" fact="0.1046"/>
+              <dgm:constr type="l" for="ch" forName="Child3" refType="w" fact="0.5348"/>
+              <dgm:constr type="t" for="ch" forName="Child3" refType="h" fact="0.3808"/>
+              <dgm:constr type="w" for="ch" forName="Child3" refType="w" fact="0.3196"/>
+              <dgm:constr type="h" for="ch" forName="Child3" refType="h" fact="0.1046"/>
+              <dgm:constr type="l" for="ch" forName="Child4" refType="w" fact="0.6804"/>
+              <dgm:constr type="t" for="ch" forName="Child4" refType="h" fact="0.5322"/>
+              <dgm:constr type="w" for="ch" forName="Child4" refType="w" fact="0.3196"/>
+              <dgm:constr type="h" for="ch" forName="Child4" refType="h" fact="0.1046"/>
+              <dgm:constr type="l" for="ch" forName="Child5" refType="w" fact="0.5348"/>
+              <dgm:constr type="t" for="ch" forName="Child5" refType="h" fact="0.6833"/>
+              <dgm:constr type="w" for="ch" forName="Child5" refType="w" fact="0.3196"/>
+              <dgm:constr type="h" for="ch" forName="Child5" refType="h" fact="0.1046"/>
+              <dgm:constr type="l" for="ch" forName="Child6" refType="w" fact="0.6804"/>
+              <dgm:constr type="t" for="ch" forName="Child6" refType="h" fact="0.8347"/>
+              <dgm:constr type="w" for="ch" forName="Child6" refType="w" fact="0.3196"/>
+              <dgm:constr type="h" for="ch" forName="Child6" refType="h" fact="0.1046"/>
+            </dgm:constrLst>
+          </dgm:if>
+          <dgm:else name="Name19">
+            <dgm:alg type="composite">
+              <dgm:param type="ar" val="0.4284"/>
+            </dgm:alg>
+            <dgm:constrLst>
+              <dgm:constr type="primFontSz" for="des" forName="Child1" val="65"/>
+              <dgm:constr type="primFontSz" for="des" forName="Parent1" val="65"/>
+              <dgm:constr type="primFontSz" for="des" forName="Child1" refType="primFontSz" refFor="des" refForName="Parent1" op="lte"/>
+              <dgm:constr type="primFontSz" for="des" forName="Child2" refType="primFontSz" refFor="des" refForName="Parent1" op="lte"/>
+              <dgm:constr type="primFontSz" for="des" forName="Child3" refType="primFontSz" refFor="des" refForName="Parent1" op="lte"/>
+              <dgm:constr type="primFontSz" for="des" forName="Child4" refType="primFontSz" refFor="des" refForName="Parent1" op="lte"/>
+              <dgm:constr type="primFontSz" for="des" forName="Child5" refType="primFontSz" refFor="des" refForName="Parent1" op="lte"/>
+              <dgm:constr type="primFontSz" for="des" forName="Child6" refType="primFontSz" refFor="des" refForName="Parent1" op="lte"/>
+              <dgm:constr type="primFontSz" for="des" forName="Child7" refType="primFontSz" refFor="des" refForName="Parent1" op="lte"/>
+              <dgm:constr type="primFontSz" for="des" forName="Child1" refType="primFontSz" refFor="des" refForName="Parent2" op="lte"/>
+              <dgm:constr type="primFontSz" for="des" forName="Child2" refType="primFontSz" refFor="des" refForName="Parent2" op="lte"/>
+              <dgm:constr type="primFontSz" for="des" forName="Child3" refType="primFontSz" refFor="des" refForName="Parent2" op="lte"/>
+              <dgm:constr type="primFontSz" for="des" forName="Child4" refType="primFontSz" refFor="des" refForName="Parent2" op="lte"/>
+              <dgm:constr type="primFontSz" for="des" forName="Child5" refType="primFontSz" refFor="des" refForName="Parent2" op="lte"/>
+              <dgm:constr type="primFontSz" for="des" forName="Child6" refType="primFontSz" refFor="des" refForName="Parent2" op="lte"/>
+              <dgm:constr type="primFontSz" for="des" forName="Child7" refType="primFontSz" refFor="des" refForName="Parent2" op="lte"/>
+              <dgm:constr type="primFontSz" for="des" forName="Child1" refType="primFontSz" refFor="des" refForName="Parent3" op="lte"/>
+              <dgm:constr type="primFontSz" for="des" forName="Child2" refType="primFontSz" refFor="des" refForName="Parent3" op="lte"/>
+              <dgm:constr type="primFontSz" for="des" forName="Child3" refType="primFontSz" refFor="des" refForName="Parent3" op="lte"/>
+              <dgm:constr type="primFontSz" for="des" forName="Child4" refType="primFontSz" refFor="des" refForName="Parent3" op="lte"/>
+              <dgm:constr type="primFontSz" for="des" forName="Child5" refType="primFontSz" refFor="des" refForName="Parent3" op="lte"/>
+              <dgm:constr type="primFontSz" for="des" forName="Child6" refType="primFontSz" refFor="des" refForName="Parent3" op="lte"/>
+              <dgm:constr type="primFontSz" for="des" forName="Child7" refType="primFontSz" refFor="des" refForName="Parent3" op="lte"/>
+              <dgm:constr type="primFontSz" for="des" forName="Child1" refType="primFontSz" refFor="des" refForName="Parent4" op="lte"/>
+              <dgm:constr type="primFontSz" for="des" forName="Child2" refType="primFontSz" refFor="des" refForName="Parent4" op="lte"/>
+              <dgm:constr type="primFontSz" for="des" forName="Child3" refType="primFontSz" refFor="des" refForName="Parent4" op="lte"/>
+              <dgm:constr type="primFontSz" for="des" forName="Child4" refType="primFontSz" refFor="des" refForName="Parent4" op="lte"/>
+              <dgm:constr type="primFontSz" for="des" forName="Child5" refType="primFontSz" refFor="des" refForName="Parent4" op="lte"/>
+              <dgm:constr type="primFontSz" for="des" forName="Child6" refType="primFontSz" refFor="des" refForName="Parent4" op="lte"/>
+              <dgm:constr type="primFontSz" for="des" forName="Child7" refType="primFontSz" refFor="des" refForName="Parent4" op="lte"/>
+              <dgm:constr type="primFontSz" for="des" forName="Child1" refType="primFontSz" refFor="des" refForName="Parent5" op="lte"/>
+              <dgm:constr type="primFontSz" for="des" forName="Child2" refType="primFontSz" refFor="des" refForName="Parent5" op="lte"/>
+              <dgm:constr type="primFontSz" for="des" forName="Child3" refType="primFontSz" refFor="des" refForName="Parent5" op="lte"/>
+              <dgm:constr type="primFontSz" for="des" forName="Child4" refType="primFontSz" refFor="des" refForName="Parent5" op="lte"/>
+              <dgm:constr type="primFontSz" for="des" forName="Child5" refType="primFontSz" refFor="des" refForName="Parent5" op="lte"/>
+              <dgm:constr type="primFontSz" for="des" forName="Child6" refType="primFontSz" refFor="des" refForName="Parent5" op="lte"/>
+              <dgm:constr type="primFontSz" for="des" forName="Child7" refType="primFontSz" refFor="des" refForName="Parent5" op="lte"/>
+              <dgm:constr type="primFontSz" for="des" forName="Child1" refType="primFontSz" refFor="des" refForName="Parent6" op="lte"/>
+              <dgm:constr type="primFontSz" for="des" forName="Child2" refType="primFontSz" refFor="des" refForName="Parent6" op="lte"/>
+              <dgm:constr type="primFontSz" for="des" forName="Child3" refType="primFontSz" refFor="des" refForName="Parent6" op="lte"/>
+              <dgm:constr type="primFontSz" for="des" forName="Child4" refType="primFontSz" refFor="des" refForName="Parent6" op="lte"/>
+              <dgm:constr type="primFontSz" for="des" forName="Child5" refType="primFontSz" refFor="des" refForName="Parent6" op="lte"/>
+              <dgm:constr type="primFontSz" for="des" forName="Child6" refType="primFontSz" refFor="des" refForName="Parent6" op="lte"/>
+              <dgm:constr type="primFontSz" for="des" forName="Child7" refType="primFontSz" refFor="des" refForName="Parent6" op="lte"/>
+              <dgm:constr type="primFontSz" for="des" forName="Child1" refType="primFontSz" refFor="des" refForName="Parent7" op="lte"/>
+              <dgm:constr type="primFontSz" for="des" forName="Child2" refType="primFontSz" refFor="des" refForName="Parent7" op="lte"/>
+              <dgm:constr type="primFontSz" for="des" forName="Child3" refType="primFontSz" refFor="des" refForName="Parent7" op="lte"/>
+              <dgm:constr type="primFontSz" for="des" forName="Child4" refType="primFontSz" refFor="des" refForName="Parent7" op="lte"/>
+              <dgm:constr type="primFontSz" for="des" forName="Child5" refType="primFontSz" refFor="des" refForName="Parent7" op="lte"/>
+              <dgm:constr type="primFontSz" for="des" forName="Child6" refType="primFontSz" refFor="des" refForName="Parent7" op="lte"/>
+              <dgm:constr type="primFontSz" for="des" forName="Child7" refType="primFontSz" refFor="des" refForName="Parent7" op="lte"/>
+              <dgm:constr type="primFontSz" for="des" forName="Parent2" refType="primFontSz" refFor="des" refForName="Parent1" op="equ"/>
+              <dgm:constr type="primFontSz" for="des" forName="Parent3" refType="primFontSz" refFor="des" refForName="Parent1" op="equ"/>
+              <dgm:constr type="primFontSz" for="des" forName="Parent4" refType="primFontSz" refFor="des" refForName="Parent1" op="equ"/>
+              <dgm:constr type="primFontSz" for="des" forName="Parent5" refType="primFontSz" refFor="des" refForName="Parent1" op="equ"/>
+              <dgm:constr type="primFontSz" for="des" forName="Parent6" refType="primFontSz" refFor="des" refForName="Parent1" op="equ"/>
+              <dgm:constr type="primFontSz" for="des" forName="Parent7" refType="primFontSz" refFor="des" refForName="Parent1" op="equ"/>
+              <dgm:constr type="primFontSz" for="des" forName="Child2" refType="primFontSz" refFor="des" refForName="Child1" op="equ"/>
+              <dgm:constr type="primFontSz" for="des" forName="Child3" refType="primFontSz" refFor="des" refForName="Child1" op="equ"/>
+              <dgm:constr type="primFontSz" for="des" forName="Child4" refType="primFontSz" refFor="des" refForName="Child1" op="equ"/>
+              <dgm:constr type="primFontSz" for="des" forName="Child5" refType="primFontSz" refFor="des" refForName="Child1" op="equ"/>
+              <dgm:constr type="primFontSz" for="des" forName="Child6" refType="primFontSz" refFor="des" refForName="Child1" op="equ"/>
+              <dgm:constr type="primFontSz" for="des" forName="Child7" refType="primFontSz" refFor="des" refForName="Child1" op="equ"/>
+              <dgm:constr type="l" for="ch" forName="Accent1" refType="w" fact="0"/>
+              <dgm:constr type="t" for="ch" forName="Accent1" refType="h" fact="0"/>
+              <dgm:constr type="w" for="ch" forName="Accent1" refType="w" fact="0.5331"/>
+              <dgm:constr type="h" for="ch" forName="Accent1" refType="h" fact="0.2284"/>
+              <dgm:constr type="l" for="ch" forName="Accent2" refType="w" fact="0.1481"/>
+              <dgm:constr type="t" for="ch" forName="Accent2" refType="h" fact="0.1312"/>
+              <dgm:constr type="w" for="ch" forName="Accent2" refType="w" fact="0.5331"/>
+              <dgm:constr type="h" for="ch" forName="Accent2" refType="h" fact="0.2284"/>
+              <dgm:constr type="l" for="ch" forName="Accent3" refType="w" fact="0"/>
+              <dgm:constr type="t" for="ch" forName="Accent3" refType="h" fact="0.263"/>
+              <dgm:constr type="w" for="ch" forName="Accent3" refType="w" fact="0.5331"/>
+              <dgm:constr type="h" for="ch" forName="Accent3" refType="h" fact="0.2284"/>
+              <dgm:constr type="l" for="ch" forName="Accent4" refType="w" fact="0.1481"/>
+              <dgm:constr type="t" for="ch" forName="Accent4" refType="h" fact="0.3945"/>
+              <dgm:constr type="w" for="ch" forName="Accent4" refType="w" fact="0.5331"/>
+              <dgm:constr type="h" for="ch" forName="Accent4" refType="h" fact="0.2284"/>
+              <dgm:constr type="l" for="ch" forName="Accent5" refType="w" fact="0"/>
+              <dgm:constr type="t" for="ch" forName="Accent5" refType="h" fact="0.5258"/>
+              <dgm:constr type="w" for="ch" forName="Accent5" refType="w" fact="0.5331"/>
+              <dgm:constr type="h" for="ch" forName="Accent5" refType="h" fact="0.2284"/>
+              <dgm:constr type="l" for="ch" forName="Accent6" refType="w" fact="0.1481"/>
+              <dgm:constr type="t" for="ch" forName="Accent6" refType="h" fact="0.6573"/>
+              <dgm:constr type="w" for="ch" forName="Accent6" refType="w" fact="0.5331"/>
+              <dgm:constr type="h" for="ch" forName="Accent6" refType="h" fact="0.2284"/>
+              <dgm:constr type="l" for="ch" forName="Accent7" refType="w" fact="0.0378"/>
+              <dgm:constr type="t" for="ch" forName="Accent7" refType="h" fact="0.8037"/>
+              <dgm:constr type="w" for="ch" forName="Accent7" refType="w" fact="0.458"/>
+              <dgm:constr type="h" for="ch" forName="Accent7" refType="h" fact="0.1963"/>
+              <dgm:constr type="l" for="ch" forName="Parent1" refType="w" fact="0.1171"/>
+              <dgm:constr type="t" for="ch" forName="Parent1" refType="h" fact="0.0827"/>
+              <dgm:constr type="w" for="ch" forName="Parent1" refType="w" fact="0.2975"/>
+              <dgm:constr type="h" for="ch" forName="Parent1" refType="h" fact="0.0637"/>
+              <dgm:constr type="l" for="ch" forName="Parent2" refType="w" fact="0.2658"/>
+              <dgm:constr type="t" for="ch" forName="Parent2" refType="h" fact="0.2142"/>
+              <dgm:constr type="w" for="ch" forName="Parent2" refType="w" fact="0.2975"/>
+              <dgm:constr type="h" for="ch" forName="Parent2" refType="h" fact="0.0637"/>
+              <dgm:constr type="l" for="ch" forName="Parent3" refType="w" fact="0.1171"/>
+              <dgm:constr type="t" for="ch" forName="Parent3" refType="h" fact="0.3457"/>
+              <dgm:constr type="w" for="ch" forName="Parent3" refType="w" fact="0.2975"/>
+              <dgm:constr type="h" for="ch" forName="Parent3" refType="h" fact="0.0637"/>
+              <dgm:constr type="l" for="ch" forName="Parent4" refType="w" fact="0.2658"/>
+              <dgm:constr type="t" for="ch" forName="Parent4" refType="h" fact="0.4772"/>
+              <dgm:constr type="w" for="ch" forName="Parent4" refType="w" fact="0.2975"/>
+              <dgm:constr type="h" for="ch" forName="Parent4" refType="h" fact="0.0637"/>
+              <dgm:constr type="l" for="ch" forName="Parent5" refType="w" fact="0.1171"/>
+              <dgm:constr type="t" for="ch" forName="Parent5" refType="h" fact="0.6085"/>
+              <dgm:constr type="w" for="ch" forName="Parent5" refType="w" fact="0.2975"/>
+              <dgm:constr type="h" for="ch" forName="Parent5" refType="h" fact="0.0637"/>
+              <dgm:constr type="l" for="ch" forName="Parent6" refType="w" fact="0.2658"/>
+              <dgm:constr type="t" for="ch" forName="Parent6" refType="h" fact="0.74"/>
+              <dgm:constr type="w" for="ch" forName="Parent6" refType="w" fact="0.2975"/>
+              <dgm:constr type="h" for="ch" forName="Parent6" refType="h" fact="0.0637"/>
+              <dgm:constr type="l" for="ch" forName="Parent7" refType="w" fact="0.1171"/>
+              <dgm:constr type="t" for="ch" forName="Parent7" refType="h" fact="0.8715"/>
+              <dgm:constr type="w" for="ch" forName="Parent7" refType="w" fact="0.2975"/>
+              <dgm:constr type="h" for="ch" forName="Parent7" refType="h" fact="0.0637"/>
+              <dgm:constr type="l" for="ch" forName="Child1" refType="w" fact="0.5348"/>
+              <dgm:constr type="t" for="ch" forName="Child1" refType="h" fact="0.0678"/>
+              <dgm:constr type="w" for="ch" forName="Child1" refType="w" fact="0.3196"/>
+              <dgm:constr type="h" for="ch" forName="Child1" refType="h" fact="0.0908"/>
+              <dgm:constr type="l" for="ch" forName="Child2" refType="w" fact="0.6804"/>
+              <dgm:constr type="t" for="ch" forName="Child2" refType="h" fact="0.2006"/>
+              <dgm:constr type="w" for="ch" forName="Child2" refType="w" fact="0.3196"/>
+              <dgm:constr type="h" for="ch" forName="Child2" refType="h" fact="0.0908"/>
+              <dgm:constr type="l" for="ch" forName="Child3" refType="w" fact="0.5348"/>
+              <dgm:constr type="t" for="ch" forName="Child3" refType="h" fact="0.3308"/>
+              <dgm:constr type="w" for="ch" forName="Child3" refType="w" fact="0.3196"/>
+              <dgm:constr type="h" for="ch" forName="Child3" refType="h" fact="0.0908"/>
+              <dgm:constr type="l" for="ch" forName="Child4" refType="w" fact="0.6804"/>
+              <dgm:constr type="t" for="ch" forName="Child4" refType="h" fact="0.4623"/>
+              <dgm:constr type="w" for="ch" forName="Child4" refType="w" fact="0.3196"/>
+              <dgm:constr type="h" for="ch" forName="Child4" refType="h" fact="0.0908"/>
+              <dgm:constr type="l" for="ch" forName="Child5" refType="w" fact="0.5348"/>
+              <dgm:constr type="t" for="ch" forName="Child5" refType="h" fact="0.5936"/>
+              <dgm:constr type="w" for="ch" forName="Child5" refType="w" fact="0.3196"/>
+              <dgm:constr type="h" for="ch" forName="Child5" refType="h" fact="0.0908"/>
+              <dgm:constr type="l" for="ch" forName="Child6" refType="w" fact="0.6804"/>
+              <dgm:constr type="t" for="ch" forName="Child6" refType="h" fact="0.7251"/>
+              <dgm:constr type="w" for="ch" forName="Child6" refType="w" fact="0.3196"/>
+              <dgm:constr type="h" for="ch" forName="Child6" refType="h" fact="0.0908"/>
+              <dgm:constr type="l" for="ch" forName="Child7" refType="w" fact="0.5348"/>
+              <dgm:constr type="t" for="ch" forName="Child7" refType="h" fact="0.8579"/>
+              <dgm:constr type="w" for="ch" forName="Child7" refType="w" fact="0.3196"/>
+              <dgm:constr type="h" for="ch" forName="Child7" refType="h" fact="0.0908"/>
+            </dgm:constrLst>
+          </dgm:else>
+        </dgm:choose>
+      </dgm:else>
+    </dgm:choose>
+    <dgm:forEach name="wrapper" axis="self" ptType="parTrans">
+      <dgm:forEach name="accentRepeat" axis="self">
+        <dgm:layoutNode name="Accent" styleLbl="node1">
+          <dgm:alg type="sp"/>
+          <dgm:choose name="Name20">
+            <dgm:if name="Name21" func="var" arg="dir" op="equ" val="norm">
+              <dgm:choose name="Name22">
+                <dgm:if name="Name23" axis="precedSib" ptType="node" func="cnt" op="equ" val="0">
+                  <dgm:choose name="Name24">
+                    <dgm:if name="Name25" axis="followSib" ptType="node" func="cnt" op="equ" val="0">
+                      <dgm:shape xmlns:r="http://schemas.openxmlformats.org/officeDocument/2006/relationships" type="circularArrow" r:blip="">
+                        <dgm:adjLst>
+                          <dgm:adj idx="1" val="0.1098"/>
+                          <dgm:adj idx="2" val="19.0387"/>
+                          <dgm:adj idx="3" val="150"/>
+                          <dgm:adj idx="4" val="180"/>
+                          <dgm:adj idx="5" val="0.125"/>
+                        </dgm:adjLst>
+                      </dgm:shape>
+                    </dgm:if>
+                    <dgm:else name="Name26">
+                      <dgm:shape xmlns:r="http://schemas.openxmlformats.org/officeDocument/2006/relationships" type="circularArrow" r:blip="">
+                        <dgm:adjLst>
+                          <dgm:adj idx="1" val="0.1098"/>
+                          <dgm:adj idx="2" val="19.0387"/>
+                          <dgm:adj idx="3" val="75"/>
+                          <dgm:adj idx="4" val="180"/>
+                          <dgm:adj idx="5" val="0.125"/>
+                        </dgm:adjLst>
+                      </dgm:shape>
+                    </dgm:else>
+                  </dgm:choose>
+                </dgm:if>
+                <dgm:else name="Name27">
+                  <dgm:choose name="Name28">
+                    <dgm:if name="Name29" axis="followSib" ptType="node" func="cnt" op="equ" val="0">
+                      <dgm:choose name="Name30">
+                        <dgm:if name="Name31" axis="precedSib" ptType="node" func="cnt" op="equ" val="1">
+                          <dgm:shape xmlns:r="http://schemas.openxmlformats.org/officeDocument/2006/relationships" type="blockArc" r:blip="">
+                            <dgm:adjLst>
+                              <dgm:adj idx="1" val="0"/>
+                              <dgm:adj idx="2" val="-45"/>
+                              <dgm:adj idx="3" val="0.1274"/>
+                            </dgm:adjLst>
+                          </dgm:shape>
+                        </dgm:if>
+                        <dgm:if name="Name32" axis="precedSib" ptType="node" func="cnt" op="equ" val="2">
+                          <dgm:shape xmlns:r="http://schemas.openxmlformats.org/officeDocument/2006/relationships" type="blockArc" r:blip="">
+                            <dgm:adjLst>
+                              <dgm:adj idx="1" val="-135"/>
+                              <dgm:adj idx="2" val="180"/>
+                              <dgm:adj idx="3" val="0.1274"/>
+                            </dgm:adjLst>
+                          </dgm:shape>
+                        </dgm:if>
+                        <dgm:if name="Name33" axis="precedSib" ptType="node" func="cnt" op="equ" val="3">
+                          <dgm:shape xmlns:r="http://schemas.openxmlformats.org/officeDocument/2006/relationships" type="blockArc" r:blip="">
+                            <dgm:adjLst>
+                              <dgm:adj idx="1" val="0"/>
+                              <dgm:adj idx="2" val="-45"/>
+                              <dgm:adj idx="3" val="0.1274"/>
+                            </dgm:adjLst>
+                          </dgm:shape>
+                        </dgm:if>
+                        <dgm:if name="Name34" axis="precedSib" ptType="node" func="cnt" op="equ" val="4">
+                          <dgm:shape xmlns:r="http://schemas.openxmlformats.org/officeDocument/2006/relationships" type="blockArc" r:blip="">
+                            <dgm:adjLst>
+                              <dgm:adj idx="1" val="-135"/>
+                              <dgm:adj idx="2" val="180"/>
+                              <dgm:adj idx="3" val="0.1274"/>
+                            </dgm:adjLst>
+                          </dgm:shape>
+                        </dgm:if>
+                        <dgm:if name="Name35" axis="precedSib" ptType="node" func="cnt" op="equ" val="5">
+                          <dgm:shape xmlns:r="http://schemas.openxmlformats.org/officeDocument/2006/relationships" type="blockArc" r:blip="">
+                            <dgm:adjLst>
+                              <dgm:adj idx="1" val="0"/>
+                              <dgm:adj idx="2" val="-45"/>
+                              <dgm:adj idx="3" val="0.1274"/>
+                            </dgm:adjLst>
+                          </dgm:shape>
+                        </dgm:if>
+                        <dgm:if name="Name36" axis="precedSib" ptType="node" func="cnt" op="equ" val="6">
+                          <dgm:shape xmlns:r="http://schemas.openxmlformats.org/officeDocument/2006/relationships" type="blockArc" r:blip="">
+                            <dgm:adjLst>
+                              <dgm:adj idx="1" val="-135"/>
+                              <dgm:adj idx="2" val="180"/>
+                              <dgm:adj idx="3" val="0.1274"/>
+                            </dgm:adjLst>
+                          </dgm:shape>
+                        </dgm:if>
+                        <dgm:else name="Name37"/>
+                      </dgm:choose>
+                    </dgm:if>
+                    <dgm:else name="Name38">
+                      <dgm:choose name="Name39">
+                        <dgm:if name="Name40" axis="precedSib" ptType="node" func="cnt" op="equ" val="0">
+                          <dgm:shape xmlns:r="http://schemas.openxmlformats.org/officeDocument/2006/relationships" type="blockArc" r:blip="">
+                            <dgm:adjLst>
+                              <dgm:adj idx="1" val="-133.1632"/>
+                              <dgm:adj idx="2" val="65"/>
+                              <dgm:adj idx="3" val="0.13"/>
+                            </dgm:adjLst>
+                          </dgm:shape>
+                        </dgm:if>
+                        <dgm:if name="Name41" axis="precedSib" ptType="node" func="cnt" op="equ" val="1">
+                          <dgm:shape xmlns:r="http://schemas.openxmlformats.org/officeDocument/2006/relationships" type="leftCircularArrow" r:blip="">
+                            <dgm:adjLst>
+                              <dgm:adj idx="1" val="0.1098"/>
+                              <dgm:adj idx="2" val="19.0387"/>
+                              <dgm:adj idx="3" val="105"/>
+                              <dgm:adj idx="4" val="-45"/>
+                              <dgm:adj idx="5" val="0.125"/>
+                            </dgm:adjLst>
+                          </dgm:shape>
+                        </dgm:if>
+                        <dgm:if name="Name42" axis="precedSib" ptType="node" func="cnt" op="equ" val="2">
+                          <dgm:shape xmlns:r="http://schemas.openxmlformats.org/officeDocument/2006/relationships" type="circularArrow" r:blip="">
+                            <dgm:adjLst>
+                              <dgm:adj idx="1" val="0.1098"/>
+                              <dgm:adj idx="2" val="19.0387"/>
+                              <dgm:adj idx="3" val="75"/>
+                              <dgm:adj idx="4" val="-135"/>
+                              <dgm:adj idx="5" val="0.125"/>
+                            </dgm:adjLst>
+                          </dgm:shape>
+                        </dgm:if>
+                        <dgm:if name="Name43" axis="precedSib" ptType="node" func="cnt" op="equ" val="3">
+                          <dgm:shape xmlns:r="http://schemas.openxmlformats.org/officeDocument/2006/relationships" type="leftCircularArrow" r:blip="">
+                            <dgm:adjLst>
+                              <dgm:adj idx="1" val="0.1098"/>
+                              <dgm:adj idx="2" val="19.0387"/>
+                              <dgm:adj idx="3" val="105"/>
+                              <dgm:adj idx="4" val="-45"/>
+                              <dgm:adj idx="5" val="0.125"/>
+                            </dgm:adjLst>
+                          </dgm:shape>
+                        </dgm:if>
+                        <dgm:if name="Name44" axis="precedSib" ptType="node" func="cnt" op="equ" val="4">
+                          <dgm:shape xmlns:r="http://schemas.openxmlformats.org/officeDocument/2006/relationships" type="circularArrow" r:blip="">
+                            <dgm:adjLst>
+                              <dgm:adj idx="1" val="0.1098"/>
+                              <dgm:adj idx="2" val="19.0387"/>
+                              <dgm:adj idx="3" val="75"/>
+                              <dgm:adj idx="4" val="-135"/>
+                              <dgm:adj idx="5" val="0.125"/>
+                            </dgm:adjLst>
+                          </dgm:shape>
+                        </dgm:if>
+                        <dgm:if name="Name45" axis="precedSib" ptType="node" func="cnt" op="equ" val="5">
+                          <dgm:shape xmlns:r="http://schemas.openxmlformats.org/officeDocument/2006/relationships" type="leftCircularArrow" r:blip="">
+                            <dgm:adjLst>
+                              <dgm:adj idx="1" val="0.1098"/>
+                              <dgm:adj idx="2" val="19.0387"/>
+                              <dgm:adj idx="3" val="105"/>
+                              <dgm:adj idx="4" val="-45"/>
+                              <dgm:adj idx="5" val="0.125"/>
+                            </dgm:adjLst>
+                          </dgm:shape>
+                        </dgm:if>
+                        <dgm:if name="Name46" axis="precedSib" ptType="node" func="cnt" op="equ" val="6">
+                          <dgm:shape xmlns:r="http://schemas.openxmlformats.org/officeDocument/2006/relationships" type="blockArc" r:blip="">
+                            <dgm:adjLst>
+                              <dgm:adj idx="1" val="-135"/>
+                              <dgm:adj idx="2" val="180"/>
+                              <dgm:adj idx="3" val="0.1274"/>
+                            </dgm:adjLst>
+                          </dgm:shape>
+                        </dgm:if>
+                        <dgm:else name="Name47"/>
+                      </dgm:choose>
+                    </dgm:else>
+                  </dgm:choose>
+                </dgm:else>
+              </dgm:choose>
+            </dgm:if>
+            <dgm:else name="Name48">
+              <dgm:choose name="Name49">
+                <dgm:if name="Name50" axis="precedSib" ptType="node" func="cnt" op="equ" val="0">
+                  <dgm:choose name="Name51">
+                    <dgm:if name="Name52" axis="followSib" ptType="node" func="cnt" op="equ" val="0">
+                      <dgm:shape xmlns:r="http://schemas.openxmlformats.org/officeDocument/2006/relationships" type="leftCircularArrow" r:blip="">
+                        <dgm:adjLst>
+                          <dgm:adj idx="1" val="0.1098"/>
+                          <dgm:adj idx="2" val="19.0387"/>
+                          <dgm:adj idx="3" val="30"/>
+                          <dgm:adj idx="4" val="0"/>
+                          <dgm:adj idx="5" val="0.125"/>
+                        </dgm:adjLst>
+                      </dgm:shape>
+                    </dgm:if>
+                    <dgm:else name="Name53">
+                      <dgm:shape xmlns:r="http://schemas.openxmlformats.org/officeDocument/2006/relationships" type="leftCircularArrow" r:blip="">
+                        <dgm:adjLst>
+                          <dgm:adj idx="1" val="0.1098"/>
+                          <dgm:adj idx="2" val="19.0387"/>
+                          <dgm:adj idx="3" val="105"/>
+                          <dgm:adj idx="4" val="0"/>
+                          <dgm:adj idx="5" val="0.125"/>
+                        </dgm:adjLst>
+                      </dgm:shape>
+                    </dgm:else>
+                  </dgm:choose>
+                </dgm:if>
+                <dgm:else name="Name54">
+                  <dgm:choose name="Name55">
+                    <dgm:if name="Name56" axis="followSib" ptType="node" func="cnt" op="equ" val="0">
+                      <dgm:choose name="Name57">
+                        <dgm:if name="Name58" axis="precedSib" ptType="node" func="cnt" op="equ" val="1">
+                          <dgm:shape xmlns:r="http://schemas.openxmlformats.org/officeDocument/2006/relationships" type="blockArc" r:blip="">
+                            <dgm:adjLst>
+                              <dgm:adj idx="1" val="-135"/>
+                              <dgm:adj idx="2" val="180"/>
+                              <dgm:adj idx="3" val="0.1274"/>
+                            </dgm:adjLst>
+                          </dgm:shape>
+                        </dgm:if>
+                        <dgm:if name="Name59" axis="precedSib" ptType="node" func="cnt" op="equ" val="2">
+                          <dgm:shape xmlns:r="http://schemas.openxmlformats.org/officeDocument/2006/relationships" type="blockArc" r:blip="">
+                            <dgm:adjLst>
+                              <dgm:adj idx="1" val="0"/>
+                              <dgm:adj idx="2" val="-45"/>
+                              <dgm:adj idx="3" val="0.1274"/>
+                            </dgm:adjLst>
+                          </dgm:shape>
+                        </dgm:if>
+                        <dgm:if name="Name60" axis="precedSib" ptType="node" func="cnt" op="equ" val="3">
+                          <dgm:shape xmlns:r="http://schemas.openxmlformats.org/officeDocument/2006/relationships" type="blockArc" r:blip="">
+                            <dgm:adjLst>
+                              <dgm:adj idx="1" val="-135"/>
+                              <dgm:adj idx="2" val="180"/>
+                              <dgm:adj idx="3" val="0.1274"/>
+                            </dgm:adjLst>
+                          </dgm:shape>
+                        </dgm:if>
+                        <dgm:if name="Name61" axis="precedSib" ptType="node" func="cnt" op="equ" val="4">
+                          <dgm:shape xmlns:r="http://schemas.openxmlformats.org/officeDocument/2006/relationships" type="blockArc" r:blip="">
+                            <dgm:adjLst>
+                              <dgm:adj idx="1" val="0"/>
+                              <dgm:adj idx="2" val="-45"/>
+                              <dgm:adj idx="3" val="0.1274"/>
+                            </dgm:adjLst>
+                          </dgm:shape>
+                        </dgm:if>
+                        <dgm:if name="Name62" axis="precedSib" ptType="node" func="cnt" op="equ" val="5">
+                          <dgm:shape xmlns:r="http://schemas.openxmlformats.org/officeDocument/2006/relationships" type="blockArc" r:blip="">
+                            <dgm:adjLst>
+                              <dgm:adj idx="1" val="-135"/>
+                              <dgm:adj idx="2" val="180"/>
+                              <dgm:adj idx="3" val="0.1274"/>
+                            </dgm:adjLst>
+                          </dgm:shape>
+                        </dgm:if>
+                        <dgm:if name="Name63" axis="precedSib" ptType="node" func="cnt" op="equ" val="6">
+                          <dgm:shape xmlns:r="http://schemas.openxmlformats.org/officeDocument/2006/relationships" type="blockArc" r:blip="">
+                            <dgm:adjLst>
+                              <dgm:adj idx="1" val="0"/>
+                              <dgm:adj idx="2" val="-45"/>
+                              <dgm:adj idx="3" val="0.1274"/>
+                            </dgm:adjLst>
+                          </dgm:shape>
+                        </dgm:if>
+                        <dgm:else name="Name64"/>
+                      </dgm:choose>
+                    </dgm:if>
+                    <dgm:else name="Name65">
+                      <dgm:choose name="Name66">
+                        <dgm:if name="Name67" axis="precedSib" ptType="node" func="cnt" op="equ" val="0">
+                          <dgm:shape xmlns:r="http://schemas.openxmlformats.org/officeDocument/2006/relationships" type="blockArc" r:blip="">
+                            <dgm:adjLst>
+                              <dgm:adj idx="1" val="-133.1632"/>
+                              <dgm:adj idx="2" val="65"/>
+                              <dgm:adj idx="3" val="0.13"/>
+                            </dgm:adjLst>
+                          </dgm:shape>
+                        </dgm:if>
+                        <dgm:if name="Name68" axis="precedSib" ptType="node" func="cnt" op="equ" val="1">
+                          <dgm:shape xmlns:r="http://schemas.openxmlformats.org/officeDocument/2006/relationships" type="circularArrow" r:blip="">
+                            <dgm:adjLst>
+                              <dgm:adj idx="1" val="0.1098"/>
+                              <dgm:adj idx="2" val="19.0387"/>
+                              <dgm:adj idx="3" val="75"/>
+                              <dgm:adj idx="4" val="-135"/>
+                              <dgm:adj idx="5" val="0.125"/>
+                            </dgm:adjLst>
+                          </dgm:shape>
+                        </dgm:if>
+                        <dgm:if name="Name69" axis="precedSib" ptType="node" func="cnt" op="equ" val="2">
+                          <dgm:shape xmlns:r="http://schemas.openxmlformats.org/officeDocument/2006/relationships" type="leftCircularArrow" r:blip="">
+                            <dgm:adjLst>
+                              <dgm:adj idx="1" val="0.1098"/>
+                              <dgm:adj idx="2" val="19.0387"/>
+                              <dgm:adj idx="3" val="105"/>
+                              <dgm:adj idx="4" val="-45"/>
+                              <dgm:adj idx="5" val="0.125"/>
+                            </dgm:adjLst>
+                          </dgm:shape>
+                        </dgm:if>
+                        <dgm:if name="Name70" axis="precedSib" ptType="node" func="cnt" op="equ" val="3">
+                          <dgm:shape xmlns:r="http://schemas.openxmlformats.org/officeDocument/2006/relationships" type="circularArrow" r:blip="">
+                            <dgm:adjLst>
+                              <dgm:adj idx="1" val="0.1098"/>
+                              <dgm:adj idx="2" val="19.0387"/>
+                              <dgm:adj idx="3" val="75"/>
+                              <dgm:adj idx="4" val="-135"/>
+                              <dgm:adj idx="5" val="0.125"/>
+                            </dgm:adjLst>
+                          </dgm:shape>
+                        </dgm:if>
+                        <dgm:if name="Name71" axis="precedSib" ptType="node" func="cnt" op="equ" val="4">
+                          <dgm:shape xmlns:r="http://schemas.openxmlformats.org/officeDocument/2006/relationships" type="leftCircularArrow" r:blip="">
+                            <dgm:adjLst>
+                              <dgm:adj idx="1" val="0.1098"/>
+                              <dgm:adj idx="2" val="19.0387"/>
+                              <dgm:adj idx="3" val="105"/>
+                              <dgm:adj idx="4" val="-45"/>
+                              <dgm:adj idx="5" val="0.125"/>
+                            </dgm:adjLst>
+                          </dgm:shape>
+                        </dgm:if>
+                        <dgm:if name="Name72" axis="precedSib" ptType="node" func="cnt" op="equ" val="5">
+                          <dgm:shape xmlns:r="http://schemas.openxmlformats.org/officeDocument/2006/relationships" type="circularArrow" r:blip="">
+                            <dgm:adjLst>
+                              <dgm:adj idx="1" val="0.1098"/>
+                              <dgm:adj idx="2" val="19.0387"/>
+                              <dgm:adj idx="3" val="75"/>
+                              <dgm:adj idx="4" val="-135"/>
+                              <dgm:adj idx="5" val="0.125"/>
+                            </dgm:adjLst>
+                          </dgm:shape>
+                        </dgm:if>
+                        <dgm:if name="Name73" axis="precedSib" ptType="node" func="cnt" op="equ" val="6">
+                          <dgm:shape xmlns:r="http://schemas.openxmlformats.org/officeDocument/2006/relationships" type="blockArc" r:blip="">
+                            <dgm:adjLst>
+                              <dgm:adj idx="1" val="0"/>
+                              <dgm:adj idx="2" val="-45"/>
+                              <dgm:adj idx="3" val="0.1274"/>
+                            </dgm:adjLst>
+                          </dgm:shape>
+                        </dgm:if>
+                        <dgm:else name="Name74"/>
+                      </dgm:choose>
+                    </dgm:else>
+                  </dgm:choose>
+                </dgm:else>
+              </dgm:choose>
+            </dgm:else>
+          </dgm:choose>
+          <dgm:presOf/>
+        </dgm:layoutNode>
+      </dgm:forEach>
+    </dgm:forEach>
+    <dgm:forEach name="Name75" axis="ch" ptType="node" cnt="1">
+      <dgm:layoutNode name="Accent1">
+        <dgm:alg type="sp"/>
+        <dgm:shape xmlns:r="http://schemas.openxmlformats.org/officeDocument/2006/relationships" r:blip="">
+          <dgm:adjLst/>
+        </dgm:shape>
+        <dgm:presOf/>
+        <dgm:constrLst/>
+        <dgm:forEach name="Name76" ref="accentRepeat"/>
+      </dgm:layoutNode>
+      <dgm:choose name="Name77">
+        <dgm:if name="Name78" axis="ch" ptType="node" func="cnt" op="gte" val="1">
+          <dgm:layoutNode name="Child1" styleLbl="revTx">
+            <dgm:varLst>
+              <dgm:chMax val="0"/>
+              <dgm:chPref val="0"/>
+              <dgm:bulletEnabled val="1"/>
+            </dgm:varLst>
+            <dgm:alg type="tx">
+              <dgm:param type="stBulletLvl" val="1"/>
+              <dgm:param type="parTxLTRAlign" val="l"/>
+              <dgm:param type="txAnchorVertCh" val="mid"/>
+            </dgm:alg>
+            <dgm:shape xmlns:r="http://schemas.openxmlformats.org/officeDocument/2006/relationships" type="rect" r:blip="">
+              <dgm:adjLst/>
+            </dgm:shape>
+            <dgm:presOf axis="des" ptType="node"/>
+            <dgm:constrLst>
+              <dgm:constr type="lMarg" refType="primFontSz" fact="0.05"/>
+              <dgm:constr type="rMarg" refType="primFontSz" fact="0.05"/>
+              <dgm:constr type="tMarg" refType="primFontSz" fact="0.05"/>
+              <dgm:constr type="bMarg" refType="primFontSz" fact="0.05"/>
+            </dgm:constrLst>
+            <dgm:ruleLst>
+              <dgm:rule type="primFontSz" val="5" fact="NaN" max="NaN"/>
+            </dgm:ruleLst>
+          </dgm:layoutNode>
+        </dgm:if>
+        <dgm:else name="Name79"/>
+      </dgm:choose>
+      <dgm:layoutNode name="Parent1" styleLbl="revTx">
+        <dgm:varLst>
+          <dgm:chMax val="1"/>
+          <dgm:chPref val="1"/>
+          <dgm:bulletEnabled val="1"/>
+        </dgm:varLst>
+        <dgm:alg type="tx">
+          <dgm:param type="shpTxLTRAlignCh" val="ctr"/>
+          <dgm:param type="txAnchorVertCh" val="mid"/>
+        </dgm:alg>
+        <dgm:shape xmlns:r="http://schemas.openxmlformats.org/officeDocument/2006/relationships" type="rect" r:blip="">
+          <dgm:adjLst/>
+        </dgm:shape>
+        <dgm:presOf axis="self" ptType="node"/>
+        <dgm:constrLst>
+          <dgm:constr type="lMarg" refType="primFontSz" fact="0.05"/>
+          <dgm:constr type="rMarg" refType="primFontSz" fact="0.05"/>
+          <dgm:constr type="tMarg" refType="primFontSz" fact="0.05"/>
+          <dgm:constr type="bMarg" refType="primFontSz" fact="0.05"/>
+        </dgm:constrLst>
+        <dgm:ruleLst>
+          <dgm:rule type="primFontSz" val="5" fact="NaN" max="NaN"/>
+        </dgm:ruleLst>
+      </dgm:layoutNode>
+    </dgm:forEach>
+    <dgm:forEach name="Name80" axis="ch" ptType="node" st="2" cnt="1">
+      <dgm:layoutNode name="Accent2">
+        <dgm:alg type="sp"/>
+        <dgm:shape xmlns:r="http://schemas.openxmlformats.org/officeDocument/2006/relationships" r:blip="">
+          <dgm:adjLst/>
+        </dgm:shape>
+        <dgm:presOf/>
+        <dgm:constrLst/>
+        <dgm:forEach name="Name81" ref="accentRepeat"/>
+      </dgm:layoutNode>
+      <dgm:choose name="Name82">
+        <dgm:if name="Name83" axis="ch" ptType="node" func="cnt" op="gte" val="1">
+          <dgm:layoutNode name="Child2" styleLbl="revTx">
+            <dgm:varLst>
+              <dgm:chMax val="0"/>
+              <dgm:chPref val="0"/>
+              <dgm:bulletEnabled val="1"/>
+            </dgm:varLst>
+            <dgm:alg type="tx">
+              <dgm:param type="stBulletLvl" val="1"/>
+              <dgm:param type="parTxLTRAlign" val="l"/>
+              <dgm:param type="txAnchorVertCh" val="mid"/>
+            </dgm:alg>
+            <dgm:shape xmlns:r="http://schemas.openxmlformats.org/officeDocument/2006/relationships" type="rect" r:blip="">
+              <dgm:adjLst/>
+            </dgm:shape>
+            <dgm:presOf axis="des" ptType="node"/>
+            <dgm:constrLst>
+              <dgm:constr type="lMarg" refType="primFontSz" fact="0.05"/>
+              <dgm:constr type="rMarg" refType="primFontSz" fact="0.05"/>
+              <dgm:constr type="tMarg" refType="primFontSz" fact="0.05"/>
+              <dgm:constr type="bMarg" refType="primFontSz" fact="0.05"/>
+            </dgm:constrLst>
+            <dgm:ruleLst>
+              <dgm:rule type="primFontSz" val="5" fact="NaN" max="NaN"/>
+            </dgm:ruleLst>
+          </dgm:layoutNode>
+        </dgm:if>
+        <dgm:else name="Name84"/>
+      </dgm:choose>
+      <dgm:layoutNode name="Parent2" styleLbl="revTx">
+        <dgm:varLst>
+          <dgm:chMax val="1"/>
+          <dgm:chPref val="1"/>
+          <dgm:bulletEnabled val="1"/>
+        </dgm:varLst>
+        <dgm:alg type="tx">
+          <dgm:param type="shpTxLTRAlignCh" val="ctr"/>
+          <dgm:param type="txAnchorVertCh" val="mid"/>
+        </dgm:alg>
+        <dgm:shape xmlns:r="http://schemas.openxmlformats.org/officeDocument/2006/relationships" type="rect" r:blip="">
+          <dgm:adjLst/>
+        </dgm:shape>
+        <dgm:presOf axis="self" ptType="node"/>
+        <dgm:constrLst>
+          <dgm:constr type="lMarg" refType="primFontSz" fact="0.05"/>
+          <dgm:constr type="rMarg" refType="primFontSz" fact="0.05"/>
+          <dgm:constr type="tMarg" refType="primFontSz" fact="0.05"/>
+          <dgm:constr type="bMarg" refType="primFontSz" fact="0.05"/>
+        </dgm:constrLst>
+        <dgm:ruleLst>
+          <dgm:rule type="primFontSz" val="5" fact="NaN" max="NaN"/>
+        </dgm:ruleLst>
+      </dgm:layoutNode>
+    </dgm:forEach>
+    <dgm:forEach name="Name85" axis="ch" ptType="node" st="3" cnt="1">
+      <dgm:layoutNode name="Accent3">
+        <dgm:alg type="sp"/>
+        <dgm:shape xmlns:r="http://schemas.openxmlformats.org/officeDocument/2006/relationships" r:blip="">
+          <dgm:adjLst/>
+        </dgm:shape>
+        <dgm:presOf/>
+        <dgm:constrLst/>
+        <dgm:forEach name="Name86" ref="accentRepeat"/>
+      </dgm:layoutNode>
+      <dgm:choose name="Name87">
+        <dgm:if name="Name88" axis="ch" ptType="node" func="cnt" op="gte" val="1">
+          <dgm:layoutNode name="Child3" styleLbl="revTx">
+            <dgm:varLst>
+              <dgm:chMax val="0"/>
+              <dgm:chPref val="0"/>
+              <dgm:bulletEnabled val="1"/>
+            </dgm:varLst>
+            <dgm:alg type="tx">
+              <dgm:param type="stBulletLvl" val="1"/>
+              <dgm:param type="parTxLTRAlign" val="l"/>
+              <dgm:param type="txAnchorVertCh" val="mid"/>
+            </dgm:alg>
+            <dgm:shape xmlns:r="http://schemas.openxmlformats.org/officeDocument/2006/relationships" type="rect" r:blip="">
+              <dgm:adjLst/>
+            </dgm:shape>
+            <dgm:presOf axis="des" ptType="node"/>
+            <dgm:constrLst>
+              <dgm:constr type="lMarg" refType="primFontSz" fact="0.05"/>
+              <dgm:constr type="rMarg" refType="primFontSz" fact="0.05"/>
+              <dgm:constr type="tMarg" refType="primFontSz" fact="0.05"/>
+              <dgm:constr type="bMarg" refType="primFontSz" fact="0.05"/>
+            </dgm:constrLst>
+            <dgm:ruleLst>
+              <dgm:rule type="primFontSz" val="5" fact="NaN" max="NaN"/>
+            </dgm:ruleLst>
+          </dgm:layoutNode>
+        </dgm:if>
+        <dgm:else name="Name89"/>
+      </dgm:choose>
+      <dgm:layoutNode name="Parent3" styleLbl="revTx">
+        <dgm:varLst>
+          <dgm:chMax val="1"/>
+          <dgm:chPref val="1"/>
+          <dgm:bulletEnabled val="1"/>
+        </dgm:varLst>
+        <dgm:alg type="tx">
+          <dgm:param type="shpTxLTRAlignCh" val="ctr"/>
+          <dgm:param type="txAnchorVertCh" val="mid"/>
+        </dgm:alg>
+        <dgm:shape xmlns:r="http://schemas.openxmlformats.org/officeDocument/2006/relationships" type="rect" r:blip="">
+          <dgm:adjLst/>
+        </dgm:shape>
+        <dgm:presOf axis="self" ptType="node"/>
+        <dgm:constrLst>
+          <dgm:constr type="lMarg" refType="primFontSz" fact="0.05"/>
+          <dgm:constr type="rMarg" refType="primFontSz" fact="0.05"/>
+          <dgm:constr type="tMarg" refType="primFontSz" fact="0.05"/>
+          <dgm:constr type="bMarg" refType="primFontSz" fact="0.05"/>
+        </dgm:constrLst>
+        <dgm:ruleLst>
+          <dgm:rule type="primFontSz" val="5" fact="NaN" max="NaN"/>
+        </dgm:ruleLst>
+      </dgm:layoutNode>
+    </dgm:forEach>
+    <dgm:forEach name="Name90" axis="ch" ptType="node" st="4" cnt="1">
+      <dgm:layoutNode name="Accent4">
+        <dgm:alg type="sp"/>
+        <dgm:shape xmlns:r="http://schemas.openxmlformats.org/officeDocument/2006/relationships" r:blip="">
+          <dgm:adjLst/>
+        </dgm:shape>
+        <dgm:presOf/>
+        <dgm:constrLst/>
+        <dgm:forEach name="Name91" ref="accentRepeat"/>
+      </dgm:layoutNode>
+      <dgm:choose name="Name92">
+        <dgm:if name="Name93" axis="ch" ptType="node" func="cnt" op="gte" val="1">
+          <dgm:layoutNode name="Child4" styleLbl="revTx">
+            <dgm:varLst>
+              <dgm:chMax val="0"/>
+              <dgm:chPref val="0"/>
+              <dgm:bulletEnabled val="1"/>
+            </dgm:varLst>
+            <dgm:alg type="tx">
+              <dgm:param type="stBulletLvl" val="1"/>
+              <dgm:param type="parTxLTRAlign" val="l"/>
+              <dgm:param type="txAnchorVertCh" val="mid"/>
+            </dgm:alg>
+            <dgm:shape xmlns:r="http://schemas.openxmlformats.org/officeDocument/2006/relationships" type="rect" r:blip="">
+              <dgm:adjLst/>
+            </dgm:shape>
+            <dgm:presOf axis="des" ptType="node"/>
+            <dgm:constrLst>
+              <dgm:constr type="lMarg" refType="primFontSz" fact="0.05"/>
+              <dgm:constr type="rMarg" refType="primFontSz" fact="0.05"/>
+              <dgm:constr type="tMarg" refType="primFontSz" fact="0.05"/>
+              <dgm:constr type="bMarg" refType="primFontSz" fact="0.05"/>
+            </dgm:constrLst>
+            <dgm:ruleLst>
+              <dgm:rule type="primFontSz" val="5" fact="NaN" max="NaN"/>
+            </dgm:ruleLst>
+          </dgm:layoutNode>
+        </dgm:if>
+        <dgm:else name="Name94"/>
+      </dgm:choose>
+      <dgm:layoutNode name="Parent4" styleLbl="revTx">
+        <dgm:varLst>
+          <dgm:chMax val="1"/>
+          <dgm:chPref val="1"/>
+          <dgm:bulletEnabled val="1"/>
+        </dgm:varLst>
+        <dgm:alg type="tx">
+          <dgm:param type="shpTxLTRAlignCh" val="ctr"/>
+          <dgm:param type="txAnchorVertCh" val="mid"/>
+        </dgm:alg>
+        <dgm:shape xmlns:r="http://schemas.openxmlformats.org/officeDocument/2006/relationships" type="rect" r:blip="">
+          <dgm:adjLst/>
+        </dgm:shape>
+        <dgm:presOf axis="self" ptType="node"/>
+        <dgm:constrLst>
+          <dgm:constr type="lMarg" refType="primFontSz" fact="0.05"/>
+          <dgm:constr type="rMarg" refType="primFontSz" fact="0.05"/>
+          <dgm:constr type="tMarg" refType="primFontSz" fact="0.05"/>
+          <dgm:constr type="bMarg" refType="primFontSz" fact="0.05"/>
+        </dgm:constrLst>
+        <dgm:ruleLst>
+          <dgm:rule type="primFontSz" val="5" fact="NaN" max="NaN"/>
+        </dgm:ruleLst>
+      </dgm:layoutNode>
+    </dgm:forEach>
+    <dgm:forEach name="Name95" axis="ch" ptType="node" st="5" cnt="1">
+      <dgm:layoutNode name="Accent5">
+        <dgm:alg type="sp"/>
+        <dgm:shape xmlns:r="http://schemas.openxmlformats.org/officeDocument/2006/relationships" r:blip="">
+          <dgm:adjLst/>
+        </dgm:shape>
+        <dgm:presOf/>
+        <dgm:constrLst/>
+        <dgm:forEach name="Name96" ref="accentRepeat"/>
+      </dgm:layoutNode>
+      <dgm:choose name="Name97">
+        <dgm:if name="Name98" axis="ch" ptType="node" func="cnt" op="gte" val="1">
+          <dgm:layoutNode name="Child5" styleLbl="revTx">
+            <dgm:varLst>
+              <dgm:chMax val="0"/>
+              <dgm:chPref val="0"/>
+              <dgm:bulletEnabled val="1"/>
+            </dgm:varLst>
+            <dgm:alg type="tx">
+              <dgm:param type="stBulletLvl" val="1"/>
+              <dgm:param type="parTxLTRAlign" val="l"/>
+              <dgm:param type="txAnchorVertCh" val="mid"/>
+            </dgm:alg>
+            <dgm:shape xmlns:r="http://schemas.openxmlformats.org/officeDocument/2006/relationships" type="rect" r:blip="">
+              <dgm:adjLst/>
+            </dgm:shape>
+            <dgm:presOf axis="des" ptType="node"/>
+            <dgm:constrLst>
+              <dgm:constr type="lMarg" refType="primFontSz" fact="0.05"/>
+              <dgm:constr type="rMarg" refType="primFontSz" fact="0.05"/>
+              <dgm:constr type="tMarg" refType="primFontSz" fact="0.05"/>
+              <dgm:constr type="bMarg" refType="primFontSz" fact="0.05"/>
+            </dgm:constrLst>
+            <dgm:ruleLst>
+              <dgm:rule type="primFontSz" val="5" fact="NaN" max="NaN"/>
+            </dgm:ruleLst>
+          </dgm:layoutNode>
+        </dgm:if>
+        <dgm:else name="Name99"/>
+      </dgm:choose>
+      <dgm:layoutNode name="Parent5" styleLbl="revTx">
+        <dgm:varLst>
+          <dgm:chMax val="1"/>
+          <dgm:chPref val="1"/>
+          <dgm:bulletEnabled val="1"/>
+        </dgm:varLst>
+        <dgm:alg type="tx">
+          <dgm:param type="shpTxLTRAlignCh" val="ctr"/>
+          <dgm:param type="txAnchorVertCh" val="mid"/>
+        </dgm:alg>
+        <dgm:shape xmlns:r="http://schemas.openxmlformats.org/officeDocument/2006/relationships" type="rect" r:blip="">
+          <dgm:adjLst/>
+        </dgm:shape>
+        <dgm:presOf axis="self" ptType="node"/>
+        <dgm:constrLst>
+          <dgm:constr type="lMarg" refType="primFontSz" fact="0.05"/>
+          <dgm:constr type="rMarg" refType="primFontSz" fact="0.05"/>
+          <dgm:constr type="tMarg" refType="primFontSz" fact="0.05"/>
+          <dgm:constr type="bMarg" refType="primFontSz" fact="0.05"/>
+        </dgm:constrLst>
+        <dgm:ruleLst>
+          <dgm:rule type="primFontSz" val="5" fact="NaN" max="NaN"/>
+        </dgm:ruleLst>
+      </dgm:layoutNode>
+    </dgm:forEach>
+    <dgm:forEach name="Name100" axis="ch" ptType="node" st="6" cnt="1">
+      <dgm:layoutNode name="Accent6">
+        <dgm:alg type="sp"/>
+        <dgm:shape xmlns:r="http://schemas.openxmlformats.org/officeDocument/2006/relationships" r:blip="">
+          <dgm:adjLst/>
+        </dgm:shape>
+        <dgm:presOf/>
+        <dgm:constrLst/>
+        <dgm:forEach name="Name101" ref="accentRepeat"/>
+      </dgm:layoutNode>
+      <dgm:choose name="Name102">
+        <dgm:if name="Name103" axis="ch" ptType="node" func="cnt" op="gte" val="1">
+          <dgm:layoutNode name="Child6" styleLbl="revTx">
+            <dgm:varLst>
+              <dgm:chMax val="0"/>
+              <dgm:chPref val="0"/>
+              <dgm:bulletEnabled val="1"/>
+            </dgm:varLst>
+            <dgm:alg type="tx">
+              <dgm:param type="stBulletLvl" val="1"/>
+              <dgm:param type="parTxLTRAlign" val="l"/>
+              <dgm:param type="txAnchorVertCh" val="mid"/>
+            </dgm:alg>
+            <dgm:shape xmlns:r="http://schemas.openxmlformats.org/officeDocument/2006/relationships" type="rect" r:blip="">
+              <dgm:adjLst/>
+            </dgm:shape>
+            <dgm:presOf axis="des" ptType="node"/>
+            <dgm:constrLst>
+              <dgm:constr type="lMarg" refType="primFontSz" fact="0.05"/>
+              <dgm:constr type="rMarg" refType="primFontSz" fact="0.05"/>
+              <dgm:constr type="tMarg" refType="primFontSz" fact="0.05"/>
+              <dgm:constr type="bMarg" refType="primFontSz" fact="0.05"/>
+            </dgm:constrLst>
+            <dgm:ruleLst>
+              <dgm:rule type="primFontSz" val="5" fact="NaN" max="NaN"/>
+            </dgm:ruleLst>
+          </dgm:layoutNode>
+        </dgm:if>
+        <dgm:else name="Name104"/>
+      </dgm:choose>
+      <dgm:layoutNode name="Parent6" styleLbl="revTx">
+        <dgm:varLst>
+          <dgm:chMax val="1"/>
+          <dgm:chPref val="1"/>
+          <dgm:bulletEnabled val="1"/>
+        </dgm:varLst>
+        <dgm:alg type="tx">
+          <dgm:param type="shpTxLTRAlignCh" val="ctr"/>
+          <dgm:param type="txAnchorVertCh" val="mid"/>
+        </dgm:alg>
+        <dgm:shape xmlns:r="http://schemas.openxmlformats.org/officeDocument/2006/relationships" type="rect" r:blip="">
+          <dgm:adjLst/>
+        </dgm:shape>
+        <dgm:presOf axis="self" ptType="node"/>
+        <dgm:constrLst>
+          <dgm:constr type="lMarg" refType="primFontSz" fact="0.05"/>
+          <dgm:constr type="rMarg" refType="primFontSz" fact="0.05"/>
+          <dgm:constr type="tMarg" refType="primFontSz" fact="0.05"/>
+          <dgm:constr type="bMarg" refType="primFontSz" fact="0.05"/>
+        </dgm:constrLst>
+        <dgm:ruleLst>
+          <dgm:rule type="primFontSz" val="5" fact="NaN" max="NaN"/>
+        </dgm:ruleLst>
+      </dgm:layoutNode>
+    </dgm:forEach>
+    <dgm:forEach name="Name105" axis="ch" ptType="node" st="7" cnt="1">
+      <dgm:layoutNode name="Accent7">
+        <dgm:alg type="sp"/>
+        <dgm:shape xmlns:r="http://schemas.openxmlformats.org/officeDocument/2006/relationships" r:blip="">
+          <dgm:adjLst/>
+        </dgm:shape>
+        <dgm:presOf/>
+        <dgm:constrLst/>
+        <dgm:forEach name="Name106" ref="accentRepeat"/>
+      </dgm:layoutNode>
+      <dgm:choose name="Name107">
+        <dgm:if name="Name108" axis="ch" ptType="node" func="cnt" op="gte" val="1">
+          <dgm:layoutNode name="Child7" styleLbl="revTx">
+            <dgm:varLst>
+              <dgm:chMax val="0"/>
+              <dgm:chPref val="0"/>
+              <dgm:bulletEnabled val="1"/>
+            </dgm:varLst>
+            <dgm:alg type="tx">
+              <dgm:param type="stBulletLvl" val="1"/>
+              <dgm:param type="parTxLTRAlign" val="l"/>
+              <dgm:param type="txAnchorVertCh" val="mid"/>
+            </dgm:alg>
+            <dgm:shape xmlns:r="http://schemas.openxmlformats.org/officeDocument/2006/relationships" type="rect" r:blip="">
+              <dgm:adjLst/>
+            </dgm:shape>
+            <dgm:presOf axis="des" ptType="node"/>
+            <dgm:constrLst>
+              <dgm:constr type="lMarg" refType="primFontSz" fact="0.05"/>
+              <dgm:constr type="rMarg" refType="primFontSz" fact="0.05"/>
+              <dgm:constr type="tMarg" refType="primFontSz" fact="0.05"/>
+              <dgm:constr type="bMarg" refType="primFontSz" fact="0.05"/>
+            </dgm:constrLst>
+            <dgm:ruleLst>
+              <dgm:rule type="primFontSz" val="5" fact="NaN" max="NaN"/>
+            </dgm:ruleLst>
+          </dgm:layoutNode>
+        </dgm:if>
+        <dgm:else name="Name109"/>
+      </dgm:choose>
+      <dgm:layoutNode name="Parent7" styleLbl="revTx">
+        <dgm:varLst>
+          <dgm:chMax val="1"/>
+          <dgm:chPref val="1"/>
+          <dgm:bulletEnabled val="1"/>
+        </dgm:varLst>
+        <dgm:alg type="tx">
+          <dgm:param type="shpTxLTRAlignCh" val="ctr"/>
+          <dgm:param type="txAnchorVertCh" val="mid"/>
+        </dgm:alg>
+        <dgm:shape xmlns:r="http://schemas.openxmlformats.org/officeDocument/2006/relationships" type="rect" r:blip="">
+          <dgm:adjLst/>
+        </dgm:shape>
+        <dgm:presOf axis="self" ptType="node"/>
+        <dgm:constrLst>
+          <dgm:constr type="lMarg" refType="primFontSz" fact="0.05"/>
+          <dgm:constr type="rMarg" refType="primFontSz" fact="0.05"/>
+          <dgm:constr type="tMarg" refType="primFontSz" fact="0.05"/>
+          <dgm:constr type="bMarg" refType="primFontSz" fact="0.05"/>
+        </dgm:constrLst>
+        <dgm:ruleLst>
+          <dgm:rule type="primFontSz" val="5" fact="NaN" max="NaN"/>
+        </dgm:ruleLst>
+      </dgm:layoutNode>
+    </dgm:forEach>
+  </dgm:layoutNode>
+</dgm:layoutDef>
+</file>
+
+<file path=ppt/diagrams/quickStyle1.xml><?xml version="1.0" encoding="utf-8"?>
+<dgm:styleDef xmlns:dgm="http://schemas.openxmlformats.org/drawingml/2006/diagram" xmlns:a="http://schemas.openxmlformats.org/drawingml/2006/main" uniqueId="urn:microsoft.com/office/officeart/2005/8/quickstyle/simple1">
+  <dgm:title val=""/>
+  <dgm:desc val=""/>
+  <dgm:catLst>
+    <dgm:cat type="simple" pri="10100"/>
+  </dgm:catLst>
+  <dgm:scene3d>
+    <a:camera prst="orthographicFront"/>
+    <a:lightRig rig="threePt" dir="t"/>
+  </dgm:scene3d>
+  <dgm:styleLbl name="node0">
+    <dgm:scene3d>
+      <a:camera prst="orthographicFront"/>
+      <a:lightRig rig="threePt" dir="t"/>
+    </dgm:scene3d>
+    <dgm:sp3d/>
+    <dgm:txPr/>
+    <dgm:style>
+      <a:lnRef idx="2">
+        <a:scrgbClr r="0" g="0" b="0"/>
+      </a:lnRef>
+      <a:fillRef idx="1">
+        <a:scrgbClr r="0" g="0" b="0"/>
+      </a:fillRef>
+      <a:effectRef idx="0">
+        <a:scrgbClr r="0" g="0" b="0"/>
+      </a:effectRef>
+      <a:fontRef idx="minor">
+        <a:schemeClr val="lt1"/>
+      </a:fontRef>
+    </dgm:style>
+  </dgm:styleLbl>
+  <dgm:styleLbl name="lnNode1">
+    <dgm:scene3d>
+      <a:camera prst="orthographicFront"/>
+      <a:lightRig rig="threePt" dir="t"/>
+    </dgm:scene3d>
+    <dgm:sp3d/>
+    <dgm:txPr/>
+    <dgm:style>
+      <a:lnRef idx="2">
+        <a:scrgbClr r="0" g="0" b="0"/>
+      </a:lnRef>
+      <a:fillRef idx="1">
+        <a:scrgbClr r="0" g="0" b="0"/>
+      </a:fillRef>
+      <a:effectRef idx="0">
+        <a:scrgbClr r="0" g="0" b="0"/>
+      </a:effectRef>
+      <a:fontRef idx="minor">
+        <a:schemeClr val="lt1"/>
+      </a:fontRef>
+    </dgm:style>
+  </dgm:styleLbl>
+  <dgm:styleLbl name="vennNode1">
+    <dgm:scene3d>
+      <a:camera prst="orthographicFront"/>
+      <a:lightRig rig="threePt" dir="t"/>
+    </dgm:scene3d>
+    <dgm:sp3d/>
+    <dgm:txPr/>
+    <dgm:style>
+      <a:lnRef idx="2">
+        <a:scrgbClr r="0" g="0" b="0"/>
+      </a:lnRef>
+      <a:fillRef idx="1">
+        <a:scrgbClr r="0" g="0" b="0"/>
+      </a:fillRef>
+      <a:effectRef idx="0">
+        <a:scrgbClr r="0" g="0" b="0"/>
+      </a:effectRef>
+      <a:fontRef idx="minor">
+        <a:schemeClr val="tx1"/>
+      </a:fontRef>
+    </dgm:style>
+  </dgm:styleLbl>
+  <dgm:styleLbl name="alignNode1">
+    <dgm:scene3d>
+      <a:camera prst="orthographicFront"/>
+      <a:lightRig rig="threePt" dir="t"/>
+    </dgm:scene3d>
+    <dgm:sp3d/>
+    <dgm:txPr/>
+    <dgm:style>
+      <a:lnRef idx="2">
+        <a:scrgbClr r="0" g="0" b="0"/>
+      </a:lnRef>
+      <a:fillRef idx="1">
+        <a:scrgbClr r="0" g="0" b="0"/>
+      </a:fillRef>
+      <a:effectRef idx="0">
+        <a:scrgbClr r="0" g="0" b="0"/>
+      </a:effectRef>
+      <a:fontRef idx="minor">
+        <a:schemeClr val="lt1"/>
+      </a:fontRef>
+    </dgm:style>
+  </dgm:styleLbl>
+  <dgm:styleLbl name="node1">
+    <dgm:scene3d>
+      <a:camera prst="orthographicFront"/>
+      <a:lightRig rig="threePt" dir="t"/>
+    </dgm:scene3d>
+    <dgm:sp3d/>
+    <dgm:txPr/>
+    <dgm:style>
+      <a:lnRef idx="2">
+        <a:scrgbClr r="0" g="0" b="0"/>
+      </a:lnRef>
+      <a:fillRef idx="1">
+        <a:scrgbClr r="0" g="0" b="0"/>
+      </a:fillRef>
+      <a:effectRef idx="0">
+        <a:scrgbClr r="0" g="0" b="0"/>
+      </a:effectRef>
+      <a:fontRef idx="minor">
+        <a:schemeClr val="lt1"/>
+      </a:fontRef>
+    </dgm:style>
+  </dgm:styleLbl>
+  <dgm:styleLbl name="node2">
+    <dgm:scene3d>
+      <a:camera prst="orthographicFront"/>
+      <a:lightRig rig="threePt" dir="t"/>
+    </dgm:scene3d>
+    <dgm:sp3d/>
+    <dgm:txPr/>
+    <dgm:style>
+      <a:lnRef idx="2">
+        <a:scrgbClr r="0" g="0" b="0"/>
+      </a:lnRef>
+      <a:fillRef idx="1">
+        <a:scrgbClr r="0" g="0" b="0"/>
+      </a:fillRef>
+      <a:effectRef idx="0">
+        <a:scrgbClr r="0" g="0" b="0"/>
+      </a:effectRef>
+      <a:fontRef idx="minor">
+        <a:schemeClr val="lt1"/>
+      </a:fontRef>
+    </dgm:style>
+  </dgm:styleLbl>
+  <dgm:styleLbl name="node3">
+    <dgm:scene3d>
+      <a:camera prst="orthographicFront"/>
+      <a:lightRig rig="threePt" dir="t"/>
+    </dgm:scene3d>
+    <dgm:sp3d/>
+    <dgm:txPr/>
+    <dgm:style>
+      <a:lnRef idx="2">
+        <a:scrgbClr r="0" g="0" b="0"/>
+      </a:lnRef>
+      <a:fillRef idx="1">
+        <a:scrgbClr r="0" g="0" b="0"/>
+      </a:fillRef>
+      <a:effectRef idx="0">
+        <a:scrgbClr r="0" g="0" b="0"/>
+      </a:effectRef>
+      <a:fontRef idx="minor">
+        <a:schemeClr val="lt1"/>
+      </a:fontRef>
+    </dgm:style>
+  </dgm:styleLbl>
+  <dgm:styleLbl name="node4">
+    <dgm:scene3d>
+      <a:camera prst="orthographicFront"/>
+      <a:lightRig rig="threePt" dir="t"/>
+    </dgm:scene3d>
+    <dgm:sp3d/>
+    <dgm:txPr/>
+    <dgm:style>
+      <a:lnRef idx="2">
+        <a:scrgbClr r="0" g="0" b="0"/>
+      </a:lnRef>
+      <a:fillRef idx="1">
+        <a:scrgbClr r="0" g="0" b="0"/>
+      </a:fillRef>
+      <a:effectRef idx="0">
+        <a:scrgbClr r="0" g="0" b="0"/>
+      </a:effectRef>
+      <a:fontRef idx="minor">
+        <a:schemeClr val="lt1"/>
+      </a:fontRef>
+    </dgm:style>
+  </dgm:styleLbl>
+  <dgm:styleLbl name="fgImgPlace1">
+    <dgm:scene3d>
+      <a:camera prst="orthographicFront"/>
+      <a:lightRig rig="threePt" dir="t"/>
+    </dgm:scene3d>
+    <dgm:sp3d/>
+    <dgm:txPr/>
+    <dgm:style>
+      <a:lnRef idx="2">
+        <a:scrgbClr r="0" g="0" b="0"/>
+      </a:lnRef>
+      <a:fillRef idx="1">
+        <a:scrgbClr r="0" g="0" b="0"/>
+      </a:fillRef>
+      <a:effectRef idx="0">
+        <a:scrgbClr r="0" g="0" b="0"/>
+      </a:effectRef>
+      <a:fontRef idx="minor"/>
+    </dgm:style>
+  </dgm:styleLbl>
+  <dgm:styleLbl name="alignImgPlace1">
+    <dgm:scene3d>
+      <a:camera prst="orthographicFront"/>
+      <a:lightRig rig="threePt" dir="t"/>
+    </dgm:scene3d>
+    <dgm:sp3d/>
+    <dgm:txPr/>
+    <dgm:style>
+      <a:lnRef idx="2">
+        <a:scrgbClr r="0" g="0" b="0"/>
+      </a:lnRef>
+      <a:fillRef idx="1">
+        <a:scrgbClr r="0" g="0" b="0"/>
+      </a:fillRef>
+      <a:effectRef idx="0">
+        <a:scrgbClr r="0" g="0" b="0"/>
+      </a:effectRef>
+      <a:fontRef idx="minor"/>
+    </dgm:style>
+  </dgm:styleLbl>
+  <dgm:styleLbl name="bgImgPlace1">
+    <dgm:scene3d>
+      <a:camera prst="orthographicFront"/>
+      <a:lightRig rig="threePt" dir="t"/>
+    </dgm:scene3d>
+    <dgm:sp3d/>
+    <dgm:txPr/>
+    <dgm:style>
+      <a:lnRef idx="2">
+        <a:scrgbClr r="0" g="0" b="0"/>
+      </a:lnRef>
+      <a:fillRef idx="1">
+        <a:scrgbClr r="0" g="0" b="0"/>
+      </a:fillRef>
+      <a:effectRef idx="0">
+        <a:scrgbClr r="0" g="0" b="0"/>
+      </a:effectRef>
+      <a:fontRef idx="minor"/>
+    </dgm:style>
+  </dgm:styleLbl>
+  <dgm:styleLbl name="sibTrans2D1">
+    <dgm:scene3d>
+      <a:camera prst="orthographicFront"/>
+      <a:lightRig rig="threePt" dir="t"/>
+    </dgm:scene3d>
+    <dgm:sp3d/>
+    <dgm:txPr/>
+    <dgm:style>
+      <a:lnRef idx="0">
+        <a:scrgbClr r="0" g="0" b="0"/>
+      </a:lnRef>
+      <a:fillRef idx="1">
+        <a:scrgbClr r="0" g="0" b="0"/>
+      </a:fillRef>
+      <a:effectRef idx="0">
+        <a:scrgbClr r="0" g="0" b="0"/>
+      </a:effectRef>
+      <a:fontRef idx="minor">
+        <a:schemeClr val="lt1"/>
+      </a:fontRef>
+    </dgm:style>
+  </dgm:styleLbl>
+  <dgm:styleLbl name="fgSibTrans2D1">
+    <dgm:scene3d>
+      <a:camera prst="orthographicFront"/>
+      <a:lightRig rig="threePt" dir="t"/>
+    </dgm:scene3d>
+    <dgm:sp3d/>
+    <dgm:txPr/>
+    <dgm:style>
+      <a:lnRef idx="0">
+        <a:scrgbClr r="0" g="0" b="0"/>
+      </a:lnRef>
+      <a:fillRef idx="1">
+        <a:scrgbClr r="0" g="0" b="0"/>
+      </a:fillRef>
+      <a:effectRef idx="0">
+        <a:scrgbClr r="0" g="0" b="0"/>
+      </a:effectRef>
+      <a:fontRef idx="minor">
+        <a:schemeClr val="lt1"/>
+      </a:fontRef>
+    </dgm:style>
+  </dgm:styleLbl>
+  <dgm:styleLbl name="bgSibTrans2D1">
+    <dgm:scene3d>
+      <a:camera prst="orthographicFront"/>
+      <a:lightRig rig="threePt" dir="t"/>
+    </dgm:scene3d>
+    <dgm:sp3d/>
+    <dgm:txPr/>
+    <dgm:style>
+      <a:lnRef idx="0">
+        <a:scrgbClr r="0" g="0" b="0"/>
+      </a:lnRef>
+      <a:fillRef idx="1">
+        <a:scrgbClr r="0" g="0" b="0"/>
+      </a:fillRef>
+      <a:effectRef idx="0">
+        <a:scrgbClr r="0" g="0" b="0"/>
+      </a:effectRef>
+      <a:fontRef idx="minor">
+        <a:schemeClr val="lt1"/>
+      </a:fontRef>
+    </dgm:style>
+  </dgm:styleLbl>
+  <dgm:styleLbl name="sibTrans1D1">
+    <dgm:scene3d>
+      <a:camera prst="orthographicFront"/>
+      <a:lightRig rig="threePt" dir="t"/>
+    </dgm:scene3d>
+    <dgm:sp3d/>
+    <dgm:txPr/>
+    <dgm:style>
+      <a:lnRef idx="1">
+        <a:scrgbClr r="0" g="0" b="0"/>
+      </a:lnRef>
+      <a:fillRef idx="0">
+        <a:scrgbClr r="0" g="0" b="0"/>
+      </a:fillRef>
+      <a:effectRef idx="0">
+        <a:scrgbClr r="0" g="0" b="0"/>
+      </a:effectRef>
+      <a:fontRef idx="minor"/>
+    </dgm:style>
+  </dgm:styleLbl>
+  <dgm:styleLbl name="callout">
+    <dgm:scene3d>
+      <a:camera prst="orthographicFront"/>
+      <a:lightRig rig="threePt" dir="t"/>
+    </dgm:scene3d>
+    <dgm:sp3d/>
+    <dgm:txPr/>
+    <dgm:style>
+      <a:lnRef idx="2">
+        <a:scrgbClr r="0" g="0" b="0"/>
+      </a:lnRef>
+      <a:fillRef idx="1">
+        <a:scrgbClr r="0" g="0" b="0"/>
+      </a:fillRef>
+      <a:effectRef idx="0">
+        <a:scrgbClr r="0" g="0" b="0"/>
+      </a:effectRef>
+      <a:fontRef idx="minor"/>
+    </dgm:style>
+  </dgm:styleLbl>
+  <dgm:styleLbl name="asst0">
+    <dgm:scene3d>
+      <a:camera prst="orthographicFront"/>
+      <a:lightRig rig="threePt" dir="t"/>
+    </dgm:scene3d>
+    <dgm:sp3d/>
+    <dgm:txPr/>
+    <dgm:style>
+      <a:lnRef idx="2">
+        <a:scrgbClr r="0" g="0" b="0"/>
+      </a:lnRef>
+      <a:fillRef idx="1">
+        <a:scrgbClr r="0" g="0" b="0"/>
+      </a:fillRef>
+      <a:effectRef idx="0">
+        <a:scrgbClr r="0" g="0" b="0"/>
+      </a:effectRef>
+      <a:fontRef idx="minor">
+        <a:schemeClr val="lt1"/>
+      </a:fontRef>
+    </dgm:style>
+  </dgm:styleLbl>
+  <dgm:styleLbl name="asst1">
+    <dgm:scene3d>
+      <a:camera prst="orthographicFront"/>
+      <a:lightRig rig="threePt" dir="t"/>
+    </dgm:scene3d>
+    <dgm:sp3d/>
+    <dgm:txPr/>
+    <dgm:style>
+      <a:lnRef idx="2">
+        <a:scrgbClr r="0" g="0" b="0"/>
+      </a:lnRef>
+      <a:fillRef idx="1">
+        <a:scrgbClr r="0" g="0" b="0"/>
+      </a:fillRef>
+      <a:effectRef idx="0">
+        <a:scrgbClr r="0" g="0" b="0"/>
+      </a:effectRef>
+      <a:fontRef idx="minor">
+        <a:schemeClr val="lt1"/>
+      </a:fontRef>
+    </dgm:style>
+  </dgm:styleLbl>
+  <dgm:styleLbl name="asst2">
+    <dgm:scene3d>
+      <a:camera prst="orthographicFront"/>
+      <a:lightRig rig="threePt" dir="t"/>
+    </dgm:scene3d>
+    <dgm:sp3d/>
+    <dgm:txPr/>
+    <dgm:style>
+      <a:lnRef idx="2">
+        <a:scrgbClr r="0" g="0" b="0"/>
+      </a:lnRef>
+      <a:fillRef idx="1">
+        <a:scrgbClr r="0" g="0" b="0"/>
+      </a:fillRef>
+      <a:effectRef idx="0">
+        <a:scrgbClr r="0" g="0" b="0"/>
+      </a:effectRef>
+      <a:fontRef idx="minor">
+        <a:schemeClr val="lt1"/>
+      </a:fontRef>
+    </dgm:style>
+  </dgm:styleLbl>
+  <dgm:styleLbl name="asst3">
+    <dgm:scene3d>
+      <a:camera prst="orthographicFront"/>
+      <a:lightRig rig="threePt" dir="t"/>
+    </dgm:scene3d>
+    <dgm:sp3d/>
+    <dgm:txPr/>
+    <dgm:style>
+      <a:lnRef idx="2">
+        <a:scrgbClr r="0" g="0" b="0"/>
+      </a:lnRef>
+      <a:fillRef idx="1">
+        <a:scrgbClr r="0" g="0" b="0"/>
+      </a:fillRef>
+      <a:effectRef idx="0">
+        <a:scrgbClr r="0" g="0" b="0"/>
+      </a:effectRef>
+      <a:fontRef idx="minor">
+        <a:schemeClr val="lt1"/>
+      </a:fontRef>
+    </dgm:style>
+  </dgm:styleLbl>
+  <dgm:styleLbl name="asst4">
+    <dgm:scene3d>
+      <a:camera prst="orthographicFront"/>
+      <a:lightRig rig="threePt" dir="t"/>
+    </dgm:scene3d>
+    <dgm:sp3d/>
+    <dgm:txPr/>
+    <dgm:style>
+      <a:lnRef idx="2">
+        <a:scrgbClr r="0" g="0" b="0"/>
+      </a:lnRef>
+      <a:fillRef idx="1">
+        <a:scrgbClr r="0" g="0" b="0"/>
+      </a:fillRef>
+      <a:effectRef idx="0">
+        <a:scrgbClr r="0" g="0" b="0"/>
+      </a:effectRef>
+      <a:fontRef idx="minor">
+        <a:schemeClr val="lt1"/>
+      </a:fontRef>
+    </dgm:style>
+  </dgm:styleLbl>
+  <dgm:styleLbl name="parChTrans2D1">
+    <dgm:scene3d>
+      <a:camera prst="orthographicFront"/>
+      <a:lightRig rig="threePt" dir="t"/>
+    </dgm:scene3d>
+    <dgm:sp3d/>
+    <dgm:txPr/>
+    <dgm:style>
+      <a:lnRef idx="2">
+        <a:scrgbClr r="0" g="0" b="0"/>
+      </a:lnRef>
+      <a:fillRef idx="1">
+        <a:scrgbClr r="0" g="0" b="0"/>
+      </a:fillRef>
+      <a:effectRef idx="0">
+        <a:scrgbClr r="0" g="0" b="0"/>
+      </a:effectRef>
+      <a:fontRef idx="minor">
+        <a:schemeClr val="lt1"/>
+      </a:fontRef>
+    </dgm:style>
+  </dgm:styleLbl>
+  <dgm:styleLbl name="parChTrans2D2">
+    <dgm:scene3d>
+      <a:camera prst="orthographicFront"/>
+      <a:lightRig rig="threePt" dir="t"/>
+    </dgm:scene3d>
+    <dgm:sp3d/>
+    <dgm:txPr/>
+    <dgm:style>
+      <a:lnRef idx="2">
+        <a:scrgbClr r="0" g="0" b="0"/>
+      </a:lnRef>
+      <a:fillRef idx="1">
+        <a:scrgbClr r="0" g="0" b="0"/>
+      </a:fillRef>
+      <a:effectRef idx="0">
+        <a:scrgbClr r="0" g="0" b="0"/>
+      </a:effectRef>
+      <a:fontRef idx="minor">
+        <a:schemeClr val="lt1"/>
+      </a:fontRef>
+    </dgm:style>
+  </dgm:styleLbl>
+  <dgm:styleLbl name="parChTrans2D3">
+    <dgm:scene3d>
+      <a:camera prst="orthographicFront"/>
+      <a:lightRig rig="threePt" dir="t"/>
+    </dgm:scene3d>
+    <dgm:sp3d/>
+    <dgm:txPr/>
+    <dgm:style>
+      <a:lnRef idx="2">
+        <a:scrgbClr r="0" g="0" b="0"/>
+      </a:lnRef>
+      <a:fillRef idx="1">
+        <a:scrgbClr r="0" g="0" b="0"/>
+      </a:fillRef>
+      <a:effectRef idx="0">
+        <a:scrgbClr r="0" g="0" b="0"/>
+      </a:effectRef>
+      <a:fontRef idx="minor">
+        <a:schemeClr val="lt1"/>
+      </a:fontRef>
+    </dgm:style>
+  </dgm:styleLbl>
+  <dgm:styleLbl name="parChTrans2D4">
+    <dgm:scene3d>
+      <a:camera prst="orthographicFront"/>
+      <a:lightRig rig="threePt" dir="t"/>
+    </dgm:scene3d>
+    <dgm:sp3d/>
+    <dgm:txPr/>
+    <dgm:style>
+      <a:lnRef idx="2">
+        <a:scrgbClr r="0" g="0" b="0"/>
+      </a:lnRef>
+      <a:fillRef idx="1">
+        <a:scrgbClr r="0" g="0" b="0"/>
+      </a:fillRef>
+      <a:effectRef idx="0">
+        <a:scrgbClr r="0" g="0" b="0"/>
+      </a:effectRef>
+      <a:fontRef idx="minor">
+        <a:schemeClr val="lt1"/>
+      </a:fontRef>
+    </dgm:style>
+  </dgm:styleLbl>
+  <dgm:styleLbl name="parChTrans1D1">
+    <dgm:scene3d>
+      <a:camera prst="orthographicFront"/>
+      <a:lightRig rig="threePt" dir="t"/>
+    </dgm:scene3d>
+    <dgm:sp3d/>
+    <dgm:txPr/>
+    <dgm:style>
+      <a:lnRef idx="2">
+        <a:scrgbClr r="0" g="0" b="0"/>
+      </a:lnRef>
+      <a:fillRef idx="0">
+        <a:scrgbClr r="0" g="0" b="0"/>
+      </a:fillRef>
+      <a:effectRef idx="0">
+        <a:scrgbClr r="0" g="0" b="0"/>
+      </a:effectRef>
+      <a:fontRef idx="minor"/>
+    </dgm:style>
+  </dgm:styleLbl>
+  <dgm:styleLbl name="parChTrans1D2">
+    <dgm:scene3d>
+      <a:camera prst="orthographicFront"/>
+      <a:lightRig rig="threePt" dir="t"/>
+    </dgm:scene3d>
+    <dgm:sp3d/>
+    <dgm:txPr/>
+    <dgm:style>
+      <a:lnRef idx="2">
+        <a:scrgbClr r="0" g="0" b="0"/>
+      </a:lnRef>
+      <a:fillRef idx="0">
+        <a:scrgbClr r="0" g="0" b="0"/>
+      </a:fillRef>
+      <a:effectRef idx="0">
+        <a:scrgbClr r="0" g="0" b="0"/>
+      </a:effectRef>
+      <a:fontRef idx="minor"/>
+    </dgm:style>
+  </dgm:styleLbl>
+  <dgm:styleLbl name="parChTrans1D3">
+    <dgm:scene3d>
+      <a:camera prst="orthographicFront"/>
+      <a:lightRig rig="threePt" dir="t"/>
+    </dgm:scene3d>
+    <dgm:sp3d/>
+    <dgm:txPr/>
+    <dgm:style>
+      <a:lnRef idx="2">
+        <a:scrgbClr r="0" g="0" b="0"/>
+      </a:lnRef>
+      <a:fillRef idx="0">
+        <a:scrgbClr r="0" g="0" b="0"/>
+      </a:fillRef>
+      <a:effectRef idx="0">
+        <a:scrgbClr r="0" g="0" b="0"/>
+      </a:effectRef>
+      <a:fontRef idx="minor"/>
+    </dgm:style>
+  </dgm:styleLbl>
+  <dgm:styleLbl name="parChTrans1D4">
+    <dgm:scene3d>
+      <a:camera prst="orthographicFront"/>
+      <a:lightRig rig="threePt" dir="t"/>
+    </dgm:scene3d>
+    <dgm:sp3d/>
+    <dgm:txPr/>
+    <dgm:style>
+      <a:lnRef idx="2">
+        <a:scrgbClr r="0" g="0" b="0"/>
+      </a:lnRef>
+      <a:fillRef idx="0">
+        <a:scrgbClr r="0" g="0" b="0"/>
+      </a:fillRef>
+      <a:effectRef idx="0">
+        <a:scrgbClr r="0" g="0" b="0"/>
+      </a:effectRef>
+      <a:fontRef idx="minor"/>
+    </dgm:style>
+  </dgm:styleLbl>
+  <dgm:styleLbl name="fgAcc1">
+    <dgm:scene3d>
+      <a:camera prst="orthographicFront"/>
+      <a:lightRig rig="threePt" dir="t"/>
+    </dgm:scene3d>
+    <dgm:sp3d/>
+    <dgm:txPr/>
+    <dgm:style>
+      <a:lnRef idx="2">
+        <a:scrgbClr r="0" g="0" b="0"/>
+      </a:lnRef>
+      <a:fillRef idx="1">
+        <a:scrgbClr r="0" g="0" b="0"/>
+      </a:fillRef>
+      <a:effectRef idx="0">
+        <a:scrgbClr r="0" g="0" b="0"/>
+      </a:effectRef>
+      <a:fontRef idx="minor"/>
+    </dgm:style>
+  </dgm:styleLbl>
+  <dgm:styleLbl name="conFgAcc1">
+    <dgm:scene3d>
+      <a:camera prst="orthographicFront"/>
+      <a:lightRig rig="threePt" dir="t"/>
+    </dgm:scene3d>
+    <dgm:sp3d/>
+    <dgm:txPr/>
+    <dgm:style>
+      <a:lnRef idx="2">
+        <a:scrgbClr r="0" g="0" b="0"/>
+      </a:lnRef>
+      <a:fillRef idx="1">
+        <a:scrgbClr r="0" g="0" b="0"/>
+      </a:fillRef>
+      <a:effectRef idx="0">
+        <a:scrgbClr r="0" g="0" b="0"/>
+      </a:effectRef>
+      <a:fontRef idx="minor"/>
+    </dgm:style>
+  </dgm:styleLbl>
+  <dgm:styleLbl name="alignAcc1">
+    <dgm:scene3d>
+      <a:camera prst="orthographicFront"/>
+      <a:lightRig rig="threePt" dir="t"/>
+    </dgm:scene3d>
+    <dgm:sp3d/>
+    <dgm:txPr/>
+    <dgm:style>
+      <a:lnRef idx="2">
+        <a:scrgbClr r="0" g="0" b="0"/>
+      </a:lnRef>
+      <a:fillRef idx="1">
+        <a:scrgbClr r="0" g="0" b="0"/>
+      </a:fillRef>
+      <a:effectRef idx="0">
+        <a:scrgbClr r="0" g="0" b="0"/>
+      </a:effectRef>
+      <a:fontRef idx="minor"/>
+    </dgm:style>
+  </dgm:styleLbl>
+  <dgm:styleLbl name="trAlignAcc1">
+    <dgm:scene3d>
+      <a:camera prst="orthographicFront"/>
+      <a:lightRig rig="threePt" dir="t"/>
+    </dgm:scene3d>
+    <dgm:sp3d/>
+    <dgm:txPr/>
+    <dgm:style>
+      <a:lnRef idx="1">
+        <a:scrgbClr r="0" g="0" b="0"/>
+      </a:lnRef>
+      <a:fillRef idx="1">
+        <a:scrgbClr r="0" g="0" b="0"/>
+      </a:fillRef>
+      <a:effectRef idx="0">
+        <a:scrgbClr r="0" g="0" b="0"/>
+      </a:effectRef>
+      <a:fontRef idx="minor"/>
+    </dgm:style>
+  </dgm:styleLbl>
+  <dgm:styleLbl name="bgAcc1">
+    <dgm:scene3d>
+      <a:camera prst="orthographicFront"/>
+      <a:lightRig rig="threePt" dir="t"/>
+    </dgm:scene3d>
+    <dgm:sp3d/>
+    <dgm:txPr/>
+    <dgm:style>
+      <a:lnRef idx="2">
+        <a:scrgbClr r="0" g="0" b="0"/>
+      </a:lnRef>
+      <a:fillRef idx="1">
+        <a:scrgbClr r="0" g="0" b="0"/>
+      </a:fillRef>
+      <a:effectRef idx="0">
+        <a:scrgbClr r="0" g="0" b="0"/>
+      </a:effectRef>
+      <a:fontRef idx="minor"/>
+    </dgm:style>
+  </dgm:styleLbl>
+  <dgm:styleLbl name="solidFgAcc1">
+    <dgm:scene3d>
+      <a:camera prst="orthographicFront"/>
+      <a:lightRig rig="threePt" dir="t"/>
+    </dgm:scene3d>
+    <dgm:sp3d/>
+    <dgm:txPr/>
+    <dgm:style>
+      <a:lnRef idx="2">
+        <a:scrgbClr r="0" g="0" b="0"/>
+      </a:lnRef>
+      <a:fillRef idx="1">
+        <a:scrgbClr r="0" g="0" b="0"/>
+      </a:fillRef>
+      <a:effectRef idx="0">
+        <a:scrgbClr r="0" g="0" b="0"/>
+      </a:effectRef>
+      <a:fontRef idx="minor"/>
+    </dgm:style>
+  </dgm:styleLbl>
+  <dgm:styleLbl name="solidAlignAcc1">
+    <dgm:scene3d>
+      <a:camera prst="orthographicFront"/>
+      <a:lightRig rig="threePt" dir="t"/>
+    </dgm:scene3d>
+    <dgm:sp3d/>
+    <dgm:txPr/>
+    <dgm:style>
+      <a:lnRef idx="2">
+        <a:scrgbClr r="0" g="0" b="0"/>
+      </a:lnRef>
+      <a:fillRef idx="1">
+        <a:scrgbClr r="0" g="0" b="0"/>
+      </a:fillRef>
+      <a:effectRef idx="0">
+        <a:scrgbClr r="0" g="0" b="0"/>
+      </a:effectRef>
+      <a:fontRef idx="minor"/>
+    </dgm:style>
+  </dgm:styleLbl>
+  <dgm:styleLbl name="solidBgAcc1">
+    <dgm:scene3d>
+      <a:camera prst="orthographicFront"/>
+      <a:lightRig rig="threePt" dir="t"/>
+    </dgm:scene3d>
+    <dgm:sp3d/>
+    <dgm:txPr/>
+    <dgm:style>
+      <a:lnRef idx="2">
+        <a:scrgbClr r="0" g="0" b="0"/>
+      </a:lnRef>
+      <a:fillRef idx="1">
+        <a:scrgbClr r="0" g="0" b="0"/>
+      </a:fillRef>
+      <a:effectRef idx="0">
+        <a:scrgbClr r="0" g="0" b="0"/>
+      </a:effectRef>
+      <a:fontRef idx="minor"/>
+    </dgm:style>
+  </dgm:styleLbl>
+  <dgm:styleLbl name="fgAccFollowNode1">
+    <dgm:scene3d>
+      <a:camera prst="orthographicFront"/>
+      <a:lightRig rig="threePt" dir="t"/>
+    </dgm:scene3d>
+    <dgm:sp3d/>
+    <dgm:txPr/>
+    <dgm:style>
+      <a:lnRef idx="2">
+        <a:scrgbClr r="0" g="0" b="0"/>
+      </a:lnRef>
+      <a:fillRef idx="1">
+        <a:scrgbClr r="0" g="0" b="0"/>
+      </a:fillRef>
+      <a:effectRef idx="0">
+        <a:scrgbClr r="0" g="0" b="0"/>
+      </a:effectRef>
+      <a:fontRef idx="minor"/>
+    </dgm:style>
+  </dgm:styleLbl>
+  <dgm:styleLbl name="alignAccFollowNode1">
+    <dgm:scene3d>
+      <a:camera prst="orthographicFront"/>
+      <a:lightRig rig="threePt" dir="t"/>
+    </dgm:scene3d>
+    <dgm:sp3d/>
+    <dgm:txPr/>
+    <dgm:style>
+      <a:lnRef idx="2">
+        <a:scrgbClr r="0" g="0" b="0"/>
+      </a:lnRef>
+      <a:fillRef idx="1">
+        <a:scrgbClr r="0" g="0" b="0"/>
+      </a:fillRef>
+      <a:effectRef idx="0">
+        <a:scrgbClr r="0" g="0" b="0"/>
+      </a:effectRef>
+      <a:fontRef idx="minor"/>
+    </dgm:style>
+  </dgm:styleLbl>
+  <dgm:styleLbl name="bgAccFollowNode1">
+    <dgm:scene3d>
+      <a:camera prst="orthographicFront"/>
+      <a:lightRig rig="threePt" dir="t"/>
+    </dgm:scene3d>
+    <dgm:sp3d/>
+    <dgm:txPr/>
+    <dgm:style>
+      <a:lnRef idx="2">
+        <a:scrgbClr r="0" g="0" b="0"/>
+      </a:lnRef>
+      <a:fillRef idx="1">
+        <a:scrgbClr r="0" g="0" b="0"/>
+      </a:fillRef>
+      <a:effectRef idx="0">
+        <a:scrgbClr r="0" g="0" b="0"/>
+      </a:effectRef>
+      <a:fontRef idx="minor"/>
+    </dgm:style>
+  </dgm:styleLbl>
+  <dgm:styleLbl name="fgAcc0">
+    <dgm:scene3d>
+      <a:camera prst="orthographicFront"/>
+      <a:lightRig rig="threePt" dir="t"/>
+    </dgm:scene3d>
+    <dgm:sp3d/>
+    <dgm:txPr/>
+    <dgm:style>
+      <a:lnRef idx="2">
+        <a:scrgbClr r="0" g="0" b="0"/>
+      </a:lnRef>
+      <a:fillRef idx="1">
+        <a:scrgbClr r="0" g="0" b="0"/>
+      </a:fillRef>
+      <a:effectRef idx="0">
+        <a:scrgbClr r="0" g="0" b="0"/>
+      </a:effectRef>
+      <a:fontRef idx="minor"/>
+    </dgm:style>
+  </dgm:styleLbl>
+  <dgm:styleLbl name="fgAcc2">
+    <dgm:scene3d>
+      <a:camera prst="orthographicFront"/>
+      <a:lightRig rig="threePt" dir="t"/>
+    </dgm:scene3d>
+    <dgm:sp3d/>
+    <dgm:txPr/>
+    <dgm:style>
+      <a:lnRef idx="2">
+        <a:scrgbClr r="0" g="0" b="0"/>
+      </a:lnRef>
+      <a:fillRef idx="1">
+        <a:scrgbClr r="0" g="0" b="0"/>
+      </a:fillRef>
+      <a:effectRef idx="0">
+        <a:scrgbClr r="0" g="0" b="0"/>
+      </a:effectRef>
+      <a:fontRef idx="minor"/>
+    </dgm:style>
+  </dgm:styleLbl>
+  <dgm:styleLbl name="fgAcc3">
+    <dgm:scene3d>
+      <a:camera prst="orthographicFront"/>
+      <a:lightRig rig="threePt" dir="t"/>
+    </dgm:scene3d>
+    <dgm:sp3d/>
+    <dgm:txPr/>
+    <dgm:style>
+      <a:lnRef idx="2">
+        <a:scrgbClr r="0" g="0" b="0"/>
+      </a:lnRef>
+      <a:fillRef idx="1">
+        <a:scrgbClr r="0" g="0" b="0"/>
+      </a:fillRef>
+      <a:effectRef idx="0">
+        <a:scrgbClr r="0" g="0" b="0"/>
+      </a:effectRef>
+      <a:fontRef idx="minor"/>
+    </dgm:style>
+  </dgm:styleLbl>
+  <dgm:styleLbl name="fgAcc4">
+    <dgm:scene3d>
+      <a:camera prst="orthographicFront"/>
+      <a:lightRig rig="threePt" dir="t"/>
+    </dgm:scene3d>
+    <dgm:sp3d/>
+    <dgm:txPr/>
+    <dgm:style>
+      <a:lnRef idx="2">
+        <a:scrgbClr r="0" g="0" b="0"/>
+      </a:lnRef>
+      <a:fillRef idx="1">
+        <a:scrgbClr r="0" g="0" b="0"/>
+      </a:fillRef>
+      <a:effectRef idx="0">
+        <a:scrgbClr r="0" g="0" b="0"/>
+      </a:effectRef>
+      <a:fontRef idx="minor"/>
+    </dgm:style>
+  </dgm:styleLbl>
+  <dgm:styleLbl name="bgShp">
+    <dgm:scene3d>
+      <a:camera prst="orthographicFront"/>
+      <a:lightRig rig="threePt" dir="t"/>
+    </dgm:scene3d>
+    <dgm:sp3d/>
+    <dgm:txPr/>
+    <dgm:style>
+      <a:lnRef idx="0">
+        <a:scrgbClr r="0" g="0" b="0"/>
+      </a:lnRef>
+      <a:fillRef idx="1">
+        <a:scrgbClr r="0" g="0" b="0"/>
+      </a:fillRef>
+      <a:effectRef idx="0">
+        <a:scrgbClr r="0" g="0" b="0"/>
+      </a:effectRef>
+      <a:fontRef idx="minor"/>
+    </dgm:style>
+  </dgm:styleLbl>
+  <dgm:styleLbl name="dkBgShp">
+    <dgm:scene3d>
+      <a:camera prst="orthographicFront"/>
+      <a:lightRig rig="threePt" dir="t"/>
+    </dgm:scene3d>
+    <dgm:sp3d/>
+    <dgm:txPr/>
+    <dgm:style>
+      <a:lnRef idx="0">
+        <a:scrgbClr r="0" g="0" b="0"/>
+      </a:lnRef>
+      <a:fillRef idx="1">
+        <a:scrgbClr r="0" g="0" b="0"/>
+      </a:fillRef>
+      <a:effectRef idx="0">
+        <a:scrgbClr r="0" g="0" b="0"/>
+      </a:effectRef>
+      <a:fontRef idx="minor"/>
+    </dgm:style>
+  </dgm:styleLbl>
+  <dgm:styleLbl name="trBgShp">
+    <dgm:scene3d>
+      <a:camera prst="orthographicFront"/>
+      <a:lightRig rig="threePt" dir="t"/>
+    </dgm:scene3d>
+    <dgm:sp3d/>
+    <dgm:txPr/>
+    <dgm:style>
+      <a:lnRef idx="0">
+        <a:scrgbClr r="0" g="0" b="0"/>
+      </a:lnRef>
+      <a:fillRef idx="1">
+        <a:scrgbClr r="0" g="0" b="0"/>
+      </a:fillRef>
+      <a:effectRef idx="0">
+        <a:scrgbClr r="0" g="0" b="0"/>
+      </a:effectRef>
+      <a:fontRef idx="minor"/>
+    </dgm:style>
+  </dgm:styleLbl>
+  <dgm:styleLbl name="fgShp">
+    <dgm:scene3d>
+      <a:camera prst="orthographicFront"/>
+      <a:lightRig rig="threePt" dir="t"/>
+    </dgm:scene3d>
+    <dgm:sp3d/>
+    <dgm:txPr/>
+    <dgm:style>
+      <a:lnRef idx="2">
+        <a:scrgbClr r="0" g="0" b="0"/>
+      </a:lnRef>
+      <a:fillRef idx="1">
+        <a:scrgbClr r="0" g="0" b="0"/>
+      </a:fillRef>
+      <a:effectRef idx="0">
+        <a:scrgbClr r="0" g="0" b="0"/>
+      </a:effectRef>
+      <a:fontRef idx="minor"/>
+    </dgm:style>
+  </dgm:styleLbl>
+  <dgm:styleLbl name="revTx">
+    <dgm:scene3d>
+      <a:camera prst="orthographicFront"/>
+      <a:lightRig rig="threePt" dir="t"/>
+    </dgm:scene3d>
+    <dgm:sp3d/>
+    <dgm:txPr/>
+    <dgm:style>
+      <a:lnRef idx="0">
+        <a:scrgbClr r="0" g="0" b="0"/>
+      </a:lnRef>
+      <a:fillRef idx="0">
+        <a:scrgbClr r="0" g="0" b="0"/>
+      </a:fillRef>
+      <a:effectRef idx="0">
+        <a:scrgbClr r="0" g="0" b="0"/>
+      </a:effectRef>
+      <a:fontRef idx="minor"/>
+    </dgm:style>
+  </dgm:styleLbl>
+</dgm:styleDef>
+</file>
+
 <file path=ppt/slideLayouts/slideLayout1.xml><?xml version="1.0" encoding="utf-8"?>
 <p:sldLayout xmlns:a="http://schemas.openxmlformats.org/drawingml/2006/main" xmlns:r="http://schemas.openxmlformats.org/officeDocument/2006/relationships" xmlns:p="http://schemas.openxmlformats.org/presentationml/2006/main" type="title" preserve="1">
   <p:cSld name="Title Slide">
@@ -292,7 +4937,7 @@
           <a:p>
             <a:fld id="{48A87A34-81AB-432B-8DAE-1953F412C126}" type="datetimeFigureOut">
               <a:rPr lang="en-US" dirty="0"/>
-              <a:t>2/9/20</a:t>
+              <a:t>2/9/2020</a:t>
             </a:fld>
             <a:endParaRPr lang="en-US" dirty="0"/>
           </a:p>
@@ -599,7 +5244,7 @@
           <a:p>
             <a:fld id="{48A87A34-81AB-432B-8DAE-1953F412C126}" type="datetimeFigureOut">
               <a:rPr lang="en-US" dirty="0"/>
-              <a:t>2/9/20</a:t>
+              <a:t>2/9/2020</a:t>
             </a:fld>
             <a:endParaRPr lang="en-US" dirty="0"/>
           </a:p>
@@ -816,7 +5461,7 @@
           <a:p>
             <a:fld id="{48A87A34-81AB-432B-8DAE-1953F412C126}" type="datetimeFigureOut">
               <a:rPr lang="en-US" dirty="0"/>
-              <a:t>2/9/20</a:t>
+              <a:t>2/9/2020</a:t>
             </a:fld>
             <a:endParaRPr lang="en-US" dirty="0"/>
           </a:p>
@@ -1102,7 +5747,7 @@
           <a:p>
             <a:fld id="{48A87A34-81AB-432B-8DAE-1953F412C126}" type="datetimeFigureOut">
               <a:rPr lang="en-US" dirty="0"/>
-              <a:t>2/9/20</a:t>
+              <a:t>2/9/2020</a:t>
             </a:fld>
             <a:endParaRPr lang="en-US" dirty="0"/>
           </a:p>
@@ -1551,7 +6196,7 @@
           <a:p>
             <a:fld id="{48A87A34-81AB-432B-8DAE-1953F412C126}" type="datetimeFigureOut">
               <a:rPr lang="en-US" dirty="0"/>
-              <a:t>2/9/20</a:t>
+              <a:t>2/9/2020</a:t>
             </a:fld>
             <a:endParaRPr lang="en-US" dirty="0"/>
           </a:p>
@@ -2122,7 +6767,7 @@
           <a:p>
             <a:fld id="{48A87A34-81AB-432B-8DAE-1953F412C126}" type="datetimeFigureOut">
               <a:rPr lang="en-US" dirty="0"/>
-              <a:t>2/9/20</a:t>
+              <a:t>2/9/2020</a:t>
             </a:fld>
             <a:endParaRPr lang="en-US" dirty="0"/>
           </a:p>
@@ -2969,7 +7614,7 @@
           <a:p>
             <a:fld id="{48A87A34-81AB-432B-8DAE-1953F412C126}" type="datetimeFigureOut">
               <a:rPr lang="en-US" dirty="0"/>
-              <a:t>2/9/20</a:t>
+              <a:t>2/9/2020</a:t>
             </a:fld>
             <a:endParaRPr lang="en-US" dirty="0"/>
           </a:p>
@@ -3169,7 +7814,7 @@
           <a:p>
             <a:fld id="{48A87A34-81AB-432B-8DAE-1953F412C126}" type="datetimeFigureOut">
               <a:rPr lang="en-US" dirty="0"/>
-              <a:t>2/9/20</a:t>
+              <a:t>2/9/2020</a:t>
             </a:fld>
             <a:endParaRPr lang="en-US" dirty="0"/>
           </a:p>
@@ -3378,7 +8023,7 @@
           <a:p>
             <a:fld id="{48A87A34-81AB-432B-8DAE-1953F412C126}" type="datetimeFigureOut">
               <a:rPr lang="en-US" dirty="0"/>
-              <a:t>2/9/20</a:t>
+              <a:t>2/9/2020</a:t>
             </a:fld>
             <a:endParaRPr lang="en-US" dirty="0"/>
           </a:p>
@@ -3578,7 +8223,7 @@
           <a:p>
             <a:fld id="{48A87A34-81AB-432B-8DAE-1953F412C126}" type="datetimeFigureOut">
               <a:rPr lang="en-US" dirty="0"/>
-              <a:t>2/9/20</a:t>
+              <a:t>2/9/2020</a:t>
             </a:fld>
             <a:endParaRPr lang="en-US" dirty="0"/>
           </a:p>
@@ -3853,7 +8498,7 @@
           <a:p>
             <a:fld id="{48A87A34-81AB-432B-8DAE-1953F412C126}" type="datetimeFigureOut">
               <a:rPr lang="en-US" dirty="0"/>
-              <a:t>2/9/20</a:t>
+              <a:t>2/9/2020</a:t>
             </a:fld>
             <a:endParaRPr lang="en-US" dirty="0"/>
           </a:p>
@@ -4115,7 +8760,7 @@
           <a:p>
             <a:fld id="{48A87A34-81AB-432B-8DAE-1953F412C126}" type="datetimeFigureOut">
               <a:rPr lang="en-US" dirty="0"/>
-              <a:t>2/9/20</a:t>
+              <a:t>2/9/2020</a:t>
             </a:fld>
             <a:endParaRPr lang="en-US" dirty="0"/>
           </a:p>
@@ -4525,7 +9170,7 @@
           <a:p>
             <a:fld id="{48A87A34-81AB-432B-8DAE-1953F412C126}" type="datetimeFigureOut">
               <a:rPr lang="en-US" dirty="0"/>
-              <a:t>2/9/20</a:t>
+              <a:t>2/9/2020</a:t>
             </a:fld>
             <a:endParaRPr lang="en-US" dirty="0"/>
           </a:p>
@@ -4668,7 +9313,7 @@
           <a:p>
             <a:fld id="{48A87A34-81AB-432B-8DAE-1953F412C126}" type="datetimeFigureOut">
               <a:rPr lang="en-US" dirty="0"/>
-              <a:t>2/9/20</a:t>
+              <a:t>2/9/2020</a:t>
             </a:fld>
             <a:endParaRPr lang="en-US" dirty="0"/>
           </a:p>
@@ -4788,7 +9433,7 @@
           <a:p>
             <a:fld id="{48A87A34-81AB-432B-8DAE-1953F412C126}" type="datetimeFigureOut">
               <a:rPr lang="en-US" dirty="0"/>
-              <a:t>2/9/20</a:t>
+              <a:t>2/9/2020</a:t>
             </a:fld>
             <a:endParaRPr lang="en-US" dirty="0"/>
           </a:p>
@@ -5062,7 +9707,7 @@
           <a:p>
             <a:fld id="{48A87A34-81AB-432B-8DAE-1953F412C126}" type="datetimeFigureOut">
               <a:rPr lang="en-US" dirty="0"/>
-              <a:t>2/9/20</a:t>
+              <a:t>2/9/2020</a:t>
             </a:fld>
             <a:endParaRPr lang="en-US" dirty="0"/>
           </a:p>
@@ -5369,7 +10014,7 @@
           <a:p>
             <a:fld id="{48A87A34-81AB-432B-8DAE-1953F412C126}" type="datetimeFigureOut">
               <a:rPr lang="en-US" dirty="0"/>
-              <a:t>2/9/20</a:t>
+              <a:t>2/9/2020</a:t>
             </a:fld>
             <a:endParaRPr lang="en-US" dirty="0"/>
           </a:p>
@@ -5618,7 +10263,7 @@
             <a:fld id="{48A87A34-81AB-432B-8DAE-1953F412C126}" type="datetimeFigureOut">
               <a:rPr lang="en-US" dirty="0"/>
               <a:pPr/>
-              <a:t>2/9/20</a:t>
+              <a:t>2/9/2020</a:t>
             </a:fld>
             <a:endParaRPr lang="en-US" dirty="0"/>
           </a:p>
@@ -6323,6 +10968,1806 @@
     <p:extLst>
       <p:ext uri="{BB962C8B-B14F-4D97-AF65-F5344CB8AC3E}">
         <p14:creationId xmlns:p14="http://schemas.microsoft.com/office/powerpoint/2010/main" val="3294145054"/>
+      </p:ext>
+    </p:extLst>
+  </p:cSld>
+  <p:clrMapOvr>
+    <a:masterClrMapping/>
+  </p:clrMapOvr>
+</p:sld>
+</file>
+
+<file path=ppt/slides/slide11.xml><?xml version="1.0" encoding="utf-8"?>
+<p:sld xmlns:a="http://schemas.openxmlformats.org/drawingml/2006/main" xmlns:r="http://schemas.openxmlformats.org/officeDocument/2006/relationships" xmlns:p="http://schemas.openxmlformats.org/presentationml/2006/main">
+  <p:cSld>
+    <p:spTree>
+      <p:nvGrpSpPr>
+        <p:cNvPr id="1" name=""/>
+        <p:cNvGrpSpPr/>
+        <p:nvPr/>
+      </p:nvGrpSpPr>
+      <p:grpSpPr>
+        <a:xfrm>
+          <a:off x="0" y="0"/>
+          <a:ext cx="0" cy="0"/>
+          <a:chOff x="0" y="0"/>
+          <a:chExt cx="0" cy="0"/>
+        </a:xfrm>
+      </p:grpSpPr>
+      <p:sp>
+        <p:nvSpPr>
+          <p:cNvPr id="2" name="Title 1">
+            <a:extLst>
+              <a:ext uri="{FF2B5EF4-FFF2-40B4-BE49-F238E27FC236}">
+                <a16:creationId xmlns:a16="http://schemas.microsoft.com/office/drawing/2014/main" id="{69A29757-E8A7-4DE6-8700-53158FBF1188}"/>
+              </a:ext>
+            </a:extLst>
+          </p:cNvPr>
+          <p:cNvSpPr>
+            <a:spLocks noGrp="1"/>
+          </p:cNvSpPr>
+          <p:nvPr>
+            <p:ph type="title"/>
+          </p:nvPr>
+        </p:nvSpPr>
+        <p:spPr/>
+        <p:txBody>
+          <a:bodyPr/>
+          <a:lstStyle/>
+          <a:p>
+            <a:endParaRPr lang="en-US"/>
+          </a:p>
+        </p:txBody>
+      </p:sp>
+      <p:sp>
+        <p:nvSpPr>
+          <p:cNvPr id="3" name="Content Placeholder 2">
+            <a:extLst>
+              <a:ext uri="{FF2B5EF4-FFF2-40B4-BE49-F238E27FC236}">
+                <a16:creationId xmlns:a16="http://schemas.microsoft.com/office/drawing/2014/main" id="{CEC14A13-06E6-4F86-ABDD-1FA4828B6AE2}"/>
+              </a:ext>
+            </a:extLst>
+          </p:cNvPr>
+          <p:cNvSpPr>
+            <a:spLocks noGrp="1"/>
+          </p:cNvSpPr>
+          <p:nvPr>
+            <p:ph sz="quarter" idx="13"/>
+          </p:nvPr>
+        </p:nvSpPr>
+        <p:spPr/>
+        <p:txBody>
+          <a:bodyPr/>
+          <a:lstStyle/>
+          <a:p>
+            <a:endParaRPr lang="en-US"/>
+          </a:p>
+        </p:txBody>
+      </p:sp>
+    </p:spTree>
+    <p:extLst>
+      <p:ext uri="{BB962C8B-B14F-4D97-AF65-F5344CB8AC3E}">
+        <p14:creationId xmlns:p14="http://schemas.microsoft.com/office/powerpoint/2010/main" val="1028523851"/>
+      </p:ext>
+    </p:extLst>
+  </p:cSld>
+  <p:clrMapOvr>
+    <a:masterClrMapping/>
+  </p:clrMapOvr>
+</p:sld>
+</file>
+
+<file path=ppt/slides/slide12.xml><?xml version="1.0" encoding="utf-8"?>
+<p:sld xmlns:a="http://schemas.openxmlformats.org/drawingml/2006/main" xmlns:r="http://schemas.openxmlformats.org/officeDocument/2006/relationships" xmlns:p="http://schemas.openxmlformats.org/presentationml/2006/main">
+  <p:cSld>
+    <p:spTree>
+      <p:nvGrpSpPr>
+        <p:cNvPr id="1" name=""/>
+        <p:cNvGrpSpPr/>
+        <p:nvPr/>
+      </p:nvGrpSpPr>
+      <p:grpSpPr>
+        <a:xfrm>
+          <a:off x="0" y="0"/>
+          <a:ext cx="0" cy="0"/>
+          <a:chOff x="0" y="0"/>
+          <a:chExt cx="0" cy="0"/>
+        </a:xfrm>
+      </p:grpSpPr>
+      <p:sp>
+        <p:nvSpPr>
+          <p:cNvPr id="2" name="Title 1">
+            <a:extLst>
+              <a:ext uri="{FF2B5EF4-FFF2-40B4-BE49-F238E27FC236}">
+                <a16:creationId xmlns:a16="http://schemas.microsoft.com/office/drawing/2014/main" id="{72419263-BDA4-430E-A12F-9AF0D5675AFE}"/>
+              </a:ext>
+            </a:extLst>
+          </p:cNvPr>
+          <p:cNvSpPr>
+            <a:spLocks noGrp="1"/>
+          </p:cNvSpPr>
+          <p:nvPr>
+            <p:ph type="title"/>
+          </p:nvPr>
+        </p:nvSpPr>
+        <p:spPr/>
+        <p:txBody>
+          <a:bodyPr/>
+          <a:lstStyle/>
+          <a:p>
+            <a:endParaRPr lang="en-US"/>
+          </a:p>
+        </p:txBody>
+      </p:sp>
+      <p:sp>
+        <p:nvSpPr>
+          <p:cNvPr id="3" name="Content Placeholder 2">
+            <a:extLst>
+              <a:ext uri="{FF2B5EF4-FFF2-40B4-BE49-F238E27FC236}">
+                <a16:creationId xmlns:a16="http://schemas.microsoft.com/office/drawing/2014/main" id="{0D510EEE-9A42-464A-900E-27BEDBB77AF6}"/>
+              </a:ext>
+            </a:extLst>
+          </p:cNvPr>
+          <p:cNvSpPr>
+            <a:spLocks noGrp="1"/>
+          </p:cNvSpPr>
+          <p:nvPr>
+            <p:ph sz="quarter" idx="13"/>
+          </p:nvPr>
+        </p:nvSpPr>
+        <p:spPr/>
+        <p:txBody>
+          <a:bodyPr/>
+          <a:lstStyle/>
+          <a:p>
+            <a:endParaRPr lang="en-US"/>
+          </a:p>
+        </p:txBody>
+      </p:sp>
+    </p:spTree>
+    <p:extLst>
+      <p:ext uri="{BB962C8B-B14F-4D97-AF65-F5344CB8AC3E}">
+        <p14:creationId xmlns:p14="http://schemas.microsoft.com/office/powerpoint/2010/main" val="2659891149"/>
+      </p:ext>
+    </p:extLst>
+  </p:cSld>
+  <p:clrMapOvr>
+    <a:masterClrMapping/>
+  </p:clrMapOvr>
+</p:sld>
+</file>
+
+<file path=ppt/slides/slide13.xml><?xml version="1.0" encoding="utf-8"?>
+<p:sld xmlns:a="http://schemas.openxmlformats.org/drawingml/2006/main" xmlns:r="http://schemas.openxmlformats.org/officeDocument/2006/relationships" xmlns:p="http://schemas.openxmlformats.org/presentationml/2006/main">
+  <p:cSld>
+    <p:spTree>
+      <p:nvGrpSpPr>
+        <p:cNvPr id="1" name=""/>
+        <p:cNvGrpSpPr/>
+        <p:nvPr/>
+      </p:nvGrpSpPr>
+      <p:grpSpPr>
+        <a:xfrm>
+          <a:off x="0" y="0"/>
+          <a:ext cx="0" cy="0"/>
+          <a:chOff x="0" y="0"/>
+          <a:chExt cx="0" cy="0"/>
+        </a:xfrm>
+      </p:grpSpPr>
+      <p:sp>
+        <p:nvSpPr>
+          <p:cNvPr id="2" name="Title 1">
+            <a:extLst>
+              <a:ext uri="{FF2B5EF4-FFF2-40B4-BE49-F238E27FC236}">
+                <a16:creationId xmlns:a16="http://schemas.microsoft.com/office/drawing/2014/main" id="{80F54776-D44F-463A-AE0F-70DC05465BC4}"/>
+              </a:ext>
+            </a:extLst>
+          </p:cNvPr>
+          <p:cNvSpPr>
+            <a:spLocks noGrp="1"/>
+          </p:cNvSpPr>
+          <p:nvPr>
+            <p:ph type="title"/>
+          </p:nvPr>
+        </p:nvSpPr>
+        <p:spPr/>
+        <p:txBody>
+          <a:bodyPr/>
+          <a:lstStyle/>
+          <a:p>
+            <a:r>
+              <a:rPr lang="en-US" dirty="0"/>
+              <a:t>agenda</a:t>
+            </a:r>
+          </a:p>
+        </p:txBody>
+      </p:sp>
+      <p:sp>
+        <p:nvSpPr>
+          <p:cNvPr id="3" name="Content Placeholder 2">
+            <a:extLst>
+              <a:ext uri="{FF2B5EF4-FFF2-40B4-BE49-F238E27FC236}">
+                <a16:creationId xmlns:a16="http://schemas.microsoft.com/office/drawing/2014/main" id="{C5D6FE5E-88D3-458B-B2FF-C113D01F8A9D}"/>
+              </a:ext>
+            </a:extLst>
+          </p:cNvPr>
+          <p:cNvSpPr>
+            <a:spLocks noGrp="1"/>
+          </p:cNvSpPr>
+          <p:nvPr>
+            <p:ph sz="quarter" idx="13"/>
+          </p:nvPr>
+        </p:nvSpPr>
+        <p:spPr>
+          <a:xfrm>
+            <a:off x="4524375" y="1983371"/>
+            <a:ext cx="3553451" cy="4045954"/>
+          </a:xfrm>
+        </p:spPr>
+        <p:txBody>
+          <a:bodyPr>
+            <a:normAutofit fontScale="92500" lnSpcReduction="20000"/>
+          </a:bodyPr>
+          <a:lstStyle/>
+          <a:p>
+            <a:pPr marL="457200" indent="-457200">
+              <a:buFont typeface="+mj-lt"/>
+              <a:buAutoNum type="arabicPeriod"/>
+            </a:pPr>
+            <a:r>
+              <a:rPr lang="en-US" sz="1800" dirty="0"/>
+              <a:t>introduction</a:t>
+            </a:r>
+          </a:p>
+          <a:p>
+            <a:pPr marL="914400" lvl="1" indent="-457200">
+              <a:buFont typeface="+mj-lt"/>
+              <a:buAutoNum type="alphaUcPeriod"/>
+            </a:pPr>
+            <a:r>
+              <a:rPr lang="en-US" sz="1600" dirty="0"/>
+              <a:t>Hypothesis discussion</a:t>
+            </a:r>
+          </a:p>
+          <a:p>
+            <a:pPr marL="914400" lvl="1" indent="-457200">
+              <a:buFont typeface="+mj-lt"/>
+              <a:buAutoNum type="alphaUcPeriod"/>
+            </a:pPr>
+            <a:r>
+              <a:rPr lang="en-US" sz="1600" dirty="0"/>
+              <a:t>General process</a:t>
+            </a:r>
+          </a:p>
+          <a:p>
+            <a:pPr marL="457200" indent="-457200">
+              <a:buFont typeface="+mj-lt"/>
+              <a:buAutoNum type="arabicPeriod"/>
+            </a:pPr>
+            <a:r>
+              <a:rPr lang="en-US" sz="1800" dirty="0"/>
+              <a:t>Data</a:t>
+            </a:r>
+          </a:p>
+          <a:p>
+            <a:pPr marL="914400" lvl="1" indent="-457200">
+              <a:buFont typeface="+mj-lt"/>
+              <a:buAutoNum type="alphaUcPeriod"/>
+            </a:pPr>
+            <a:r>
+              <a:rPr lang="en-US" sz="1600" dirty="0"/>
+              <a:t>Sources</a:t>
+            </a:r>
+          </a:p>
+          <a:p>
+            <a:pPr marL="914400" lvl="1" indent="-457200">
+              <a:buFont typeface="+mj-lt"/>
+              <a:buAutoNum type="alphaUcPeriod"/>
+            </a:pPr>
+            <a:r>
+              <a:rPr lang="en-US" sz="1600" dirty="0"/>
+              <a:t>Clean-up</a:t>
+            </a:r>
+          </a:p>
+          <a:p>
+            <a:pPr marL="457200" indent="-457200">
+              <a:buFont typeface="+mj-lt"/>
+              <a:buAutoNum type="arabicPeriod"/>
+            </a:pPr>
+            <a:r>
+              <a:rPr lang="en-US" sz="1800" dirty="0"/>
+              <a:t>Analysis</a:t>
+            </a:r>
+          </a:p>
+          <a:p>
+            <a:pPr marL="457200" indent="-457200">
+              <a:buFont typeface="+mj-lt"/>
+              <a:buAutoNum type="arabicPeriod"/>
+            </a:pPr>
+            <a:r>
+              <a:rPr lang="en-US" sz="1800" dirty="0"/>
+              <a:t>results</a:t>
+            </a:r>
+          </a:p>
+          <a:p>
+            <a:pPr marL="457200" indent="-457200">
+              <a:buFont typeface="+mj-lt"/>
+              <a:buAutoNum type="arabicPeriod"/>
+            </a:pPr>
+            <a:r>
+              <a:rPr lang="en-US" sz="1800" dirty="0"/>
+              <a:t>Conclusion</a:t>
+            </a:r>
+          </a:p>
+          <a:p>
+            <a:pPr marL="457200" indent="-457200">
+              <a:buFont typeface="+mj-lt"/>
+              <a:buAutoNum type="arabicPeriod"/>
+            </a:pPr>
+            <a:r>
+              <a:rPr lang="en-US" sz="1800" dirty="0"/>
+              <a:t>Recommendations</a:t>
+            </a:r>
+          </a:p>
+          <a:p>
+            <a:pPr marL="457200" indent="-457200">
+              <a:buFont typeface="+mj-lt"/>
+              <a:buAutoNum type="arabicPeriod"/>
+            </a:pPr>
+            <a:r>
+              <a:rPr lang="en-US" sz="1800" dirty="0"/>
+              <a:t>appendix</a:t>
+            </a:r>
+          </a:p>
+        </p:txBody>
+      </p:sp>
+    </p:spTree>
+    <p:extLst>
+      <p:ext uri="{BB962C8B-B14F-4D97-AF65-F5344CB8AC3E}">
+        <p14:creationId xmlns:p14="http://schemas.microsoft.com/office/powerpoint/2010/main" val="3789339050"/>
+      </p:ext>
+    </p:extLst>
+  </p:cSld>
+  <p:clrMapOvr>
+    <a:masterClrMapping/>
+  </p:clrMapOvr>
+</p:sld>
+</file>
+
+<file path=ppt/slides/slide14.xml><?xml version="1.0" encoding="utf-8"?>
+<p:sld xmlns:a="http://schemas.openxmlformats.org/drawingml/2006/main" xmlns:r="http://schemas.openxmlformats.org/officeDocument/2006/relationships" xmlns:p="http://schemas.openxmlformats.org/presentationml/2006/main">
+  <p:cSld>
+    <p:spTree>
+      <p:nvGrpSpPr>
+        <p:cNvPr id="1" name=""/>
+        <p:cNvGrpSpPr/>
+        <p:nvPr/>
+      </p:nvGrpSpPr>
+      <p:grpSpPr>
+        <a:xfrm>
+          <a:off x="0" y="0"/>
+          <a:ext cx="0" cy="0"/>
+          <a:chOff x="0" y="0"/>
+          <a:chExt cx="0" cy="0"/>
+        </a:xfrm>
+      </p:grpSpPr>
+      <p:sp>
+        <p:nvSpPr>
+          <p:cNvPr id="2" name="Title 1">
+            <a:extLst>
+              <a:ext uri="{FF2B5EF4-FFF2-40B4-BE49-F238E27FC236}">
+                <a16:creationId xmlns:a16="http://schemas.microsoft.com/office/drawing/2014/main" id="{80F54776-D44F-463A-AE0F-70DC05465BC4}"/>
+              </a:ext>
+            </a:extLst>
+          </p:cNvPr>
+          <p:cNvSpPr>
+            <a:spLocks noGrp="1"/>
+          </p:cNvSpPr>
+          <p:nvPr>
+            <p:ph type="title"/>
+          </p:nvPr>
+        </p:nvSpPr>
+        <p:spPr/>
+        <p:txBody>
+          <a:bodyPr/>
+          <a:lstStyle/>
+          <a:p>
+            <a:r>
+              <a:rPr lang="en-US" u="sng" dirty="0"/>
+              <a:t>introduction</a:t>
+            </a:r>
+            <a:br>
+              <a:rPr lang="en-US" dirty="0"/>
+            </a:br>
+            <a:r>
+              <a:rPr lang="en-US" dirty="0"/>
+              <a:t>HYPOTHESIS</a:t>
+            </a:r>
+          </a:p>
+        </p:txBody>
+      </p:sp>
+      <p:sp>
+        <p:nvSpPr>
+          <p:cNvPr id="3" name="Content Placeholder 2">
+            <a:extLst>
+              <a:ext uri="{FF2B5EF4-FFF2-40B4-BE49-F238E27FC236}">
+                <a16:creationId xmlns:a16="http://schemas.microsoft.com/office/drawing/2014/main" id="{C5D6FE5E-88D3-458B-B2FF-C113D01F8A9D}"/>
+              </a:ext>
+            </a:extLst>
+          </p:cNvPr>
+          <p:cNvSpPr>
+            <a:spLocks noGrp="1"/>
+          </p:cNvSpPr>
+          <p:nvPr>
+            <p:ph sz="quarter" idx="13"/>
+          </p:nvPr>
+        </p:nvSpPr>
+        <p:spPr/>
+        <p:txBody>
+          <a:bodyPr>
+            <a:normAutofit/>
+          </a:bodyPr>
+          <a:lstStyle/>
+          <a:p>
+            <a:r>
+              <a:rPr lang="en-US" dirty="0"/>
+              <a:t>We believe that global epidemics have a cyclical effect on the stock market. Further, we believe that this cycle can be predicted through epidemiological statistics, news reports, and volatility in the market.</a:t>
+            </a:r>
+          </a:p>
+        </p:txBody>
+      </p:sp>
+    </p:spTree>
+    <p:extLst>
+      <p:ext uri="{BB962C8B-B14F-4D97-AF65-F5344CB8AC3E}">
+        <p14:creationId xmlns:p14="http://schemas.microsoft.com/office/powerpoint/2010/main" val="2600102346"/>
+      </p:ext>
+    </p:extLst>
+  </p:cSld>
+  <p:clrMapOvr>
+    <a:masterClrMapping/>
+  </p:clrMapOvr>
+</p:sld>
+</file>
+
+<file path=ppt/slides/slide15.xml><?xml version="1.0" encoding="utf-8"?>
+<p:sld xmlns:a="http://schemas.openxmlformats.org/drawingml/2006/main" xmlns:r="http://schemas.openxmlformats.org/officeDocument/2006/relationships" xmlns:p="http://schemas.openxmlformats.org/presentationml/2006/main">
+  <p:cSld>
+    <p:spTree>
+      <p:nvGrpSpPr>
+        <p:cNvPr id="1" name=""/>
+        <p:cNvGrpSpPr/>
+        <p:nvPr/>
+      </p:nvGrpSpPr>
+      <p:grpSpPr>
+        <a:xfrm>
+          <a:off x="0" y="0"/>
+          <a:ext cx="0" cy="0"/>
+          <a:chOff x="0" y="0"/>
+          <a:chExt cx="0" cy="0"/>
+        </a:xfrm>
+      </p:grpSpPr>
+      <p:sp>
+        <p:nvSpPr>
+          <p:cNvPr id="2" name="Title 1">
+            <a:extLst>
+              <a:ext uri="{FF2B5EF4-FFF2-40B4-BE49-F238E27FC236}">
+                <a16:creationId xmlns:a16="http://schemas.microsoft.com/office/drawing/2014/main" id="{80F54776-D44F-463A-AE0F-70DC05465BC4}"/>
+              </a:ext>
+            </a:extLst>
+          </p:cNvPr>
+          <p:cNvSpPr>
+            <a:spLocks noGrp="1"/>
+          </p:cNvSpPr>
+          <p:nvPr>
+            <p:ph type="title"/>
+          </p:nvPr>
+        </p:nvSpPr>
+        <p:spPr/>
+        <p:txBody>
+          <a:bodyPr/>
+          <a:lstStyle/>
+          <a:p>
+            <a:r>
+              <a:rPr lang="en-US" u="sng" dirty="0"/>
+              <a:t>introduction</a:t>
+            </a:r>
+            <a:br>
+              <a:rPr lang="en-US" dirty="0"/>
+            </a:br>
+            <a:r>
+              <a:rPr lang="en-US" dirty="0"/>
+              <a:t>General process</a:t>
+            </a:r>
+          </a:p>
+        </p:txBody>
+      </p:sp>
+      <p:sp>
+        <p:nvSpPr>
+          <p:cNvPr id="3" name="Content Placeholder 2">
+            <a:extLst>
+              <a:ext uri="{FF2B5EF4-FFF2-40B4-BE49-F238E27FC236}">
+                <a16:creationId xmlns:a16="http://schemas.microsoft.com/office/drawing/2014/main" id="{C5D6FE5E-88D3-458B-B2FF-C113D01F8A9D}"/>
+              </a:ext>
+            </a:extLst>
+          </p:cNvPr>
+          <p:cNvSpPr>
+            <a:spLocks noGrp="1"/>
+          </p:cNvSpPr>
+          <p:nvPr>
+            <p:ph sz="quarter" idx="13"/>
+          </p:nvPr>
+        </p:nvSpPr>
+        <p:spPr/>
+        <p:txBody>
+          <a:bodyPr>
+            <a:normAutofit fontScale="70000" lnSpcReduction="20000"/>
+          </a:bodyPr>
+          <a:lstStyle/>
+          <a:p>
+            <a:pPr marL="457200" indent="-457200">
+              <a:buFont typeface="+mj-lt"/>
+              <a:buAutoNum type="arabicPeriod"/>
+            </a:pPr>
+            <a:r>
+              <a:rPr lang="en-US" dirty="0"/>
+              <a:t>Establish a broad timeline for diseases (start stop)</a:t>
+            </a:r>
+          </a:p>
+          <a:p>
+            <a:pPr marL="457200" indent="-457200">
+              <a:buFont typeface="+mj-lt"/>
+              <a:buAutoNum type="arabicPeriod"/>
+            </a:pPr>
+            <a:r>
+              <a:rPr lang="en-US" dirty="0"/>
+              <a:t>Pull </a:t>
+            </a:r>
+            <a:r>
+              <a:rPr lang="en-US" dirty="0" err="1"/>
+              <a:t>s&amp;P</a:t>
+            </a:r>
+            <a:r>
+              <a:rPr lang="en-US" dirty="0"/>
+              <a:t> 500 (SPY) performance data across those time periods. Quick visual check on repeated patterns</a:t>
+            </a:r>
+          </a:p>
+          <a:p>
+            <a:pPr marL="457200" indent="-457200">
+              <a:buFont typeface="+mj-lt"/>
+              <a:buAutoNum type="arabicPeriod"/>
+            </a:pPr>
+            <a:r>
+              <a:rPr lang="en-US" dirty="0"/>
+              <a:t>Search for signal</a:t>
+            </a:r>
+          </a:p>
+          <a:p>
+            <a:pPr marL="800100" lvl="1" indent="-342900">
+              <a:buFont typeface="+mj-lt"/>
+              <a:buAutoNum type="arabicPeriod"/>
+            </a:pPr>
+            <a:r>
+              <a:rPr lang="en-US" dirty="0"/>
+              <a:t>check news dates for key events, plot those dates across the </a:t>
+            </a:r>
+            <a:r>
+              <a:rPr lang="en-US" dirty="0" err="1"/>
+              <a:t>s&amp;p</a:t>
+            </a:r>
+            <a:r>
+              <a:rPr lang="en-US" dirty="0"/>
+              <a:t> 500 data</a:t>
+            </a:r>
+          </a:p>
+          <a:p>
+            <a:pPr marL="800100" lvl="1" indent="-342900">
+              <a:buFont typeface="+mj-lt"/>
+              <a:buAutoNum type="arabicPeriod"/>
+            </a:pPr>
+            <a:r>
+              <a:rPr lang="en-US" dirty="0"/>
+              <a:t>Calculate volatility of the spy, SPY SECTORS, GOLD ETF, TREASURIES ETF, in those date ranges</a:t>
+            </a:r>
+          </a:p>
+          <a:p>
+            <a:pPr marL="800100" lvl="1" indent="-342900">
+              <a:buFont typeface="+mj-lt"/>
+              <a:buAutoNum type="arabicPeriod"/>
+            </a:pPr>
+            <a:r>
+              <a:rPr lang="en-US" dirty="0"/>
+              <a:t>Calculate rates of infection and deaths (summary statistics)</a:t>
+            </a:r>
+          </a:p>
+          <a:p>
+            <a:pPr marL="800100" lvl="1" indent="-342900">
+              <a:buFont typeface="+mj-lt"/>
+              <a:buAutoNum type="arabicPeriod"/>
+            </a:pPr>
+            <a:r>
+              <a:rPr lang="en-US" dirty="0"/>
+              <a:t>Calculate correlation between:</a:t>
+            </a:r>
+          </a:p>
+          <a:p>
+            <a:pPr marL="1257300" lvl="2" indent="-342900">
+              <a:buFont typeface="+mj-lt"/>
+              <a:buAutoNum type="arabicPeriod"/>
+            </a:pPr>
+            <a:r>
+              <a:rPr lang="en-US" dirty="0"/>
+              <a:t>News and market fluctuations</a:t>
+            </a:r>
+          </a:p>
+          <a:p>
+            <a:pPr marL="1257300" lvl="2" indent="-342900">
+              <a:buFont typeface="+mj-lt"/>
+              <a:buAutoNum type="arabicPeriod"/>
+            </a:pPr>
+            <a:r>
+              <a:rPr lang="en-US" dirty="0"/>
+              <a:t>Volatility and market fluctuations</a:t>
+            </a:r>
+          </a:p>
+          <a:p>
+            <a:pPr marL="1257300" lvl="2" indent="-342900">
+              <a:buFont typeface="+mj-lt"/>
+              <a:buAutoNum type="arabicPeriod"/>
+            </a:pPr>
+            <a:r>
+              <a:rPr lang="en-US" dirty="0"/>
+              <a:t>Summary statistics and market fluctuations</a:t>
+            </a:r>
+          </a:p>
+          <a:p>
+            <a:pPr marL="342900" indent="-342900">
+              <a:buFont typeface="+mj-lt"/>
+              <a:buAutoNum type="arabicPeriod"/>
+            </a:pPr>
+            <a:r>
+              <a:rPr lang="en-US" dirty="0"/>
+              <a:t>Analyze results</a:t>
+            </a:r>
+          </a:p>
+          <a:p>
+            <a:pPr marL="342900" indent="-342900">
+              <a:buFont typeface="+mj-lt"/>
+              <a:buAutoNum type="arabicPeriod"/>
+            </a:pPr>
+            <a:r>
+              <a:rPr lang="en-US" dirty="0"/>
+              <a:t>Draw conclusions</a:t>
+            </a:r>
+          </a:p>
+          <a:p>
+            <a:pPr marL="457200" indent="-457200">
+              <a:buFont typeface="+mj-lt"/>
+              <a:buAutoNum type="arabicPeriod"/>
+            </a:pPr>
+            <a:endParaRPr lang="en-US" dirty="0"/>
+          </a:p>
+        </p:txBody>
+      </p:sp>
+    </p:spTree>
+    <p:extLst>
+      <p:ext uri="{BB962C8B-B14F-4D97-AF65-F5344CB8AC3E}">
+        <p14:creationId xmlns:p14="http://schemas.microsoft.com/office/powerpoint/2010/main" val="2688606606"/>
+      </p:ext>
+    </p:extLst>
+  </p:cSld>
+  <p:clrMapOvr>
+    <a:masterClrMapping/>
+  </p:clrMapOvr>
+</p:sld>
+</file>
+
+<file path=ppt/slides/slide16.xml><?xml version="1.0" encoding="utf-8"?>
+<p:sld xmlns:a="http://schemas.openxmlformats.org/drawingml/2006/main" xmlns:r="http://schemas.openxmlformats.org/officeDocument/2006/relationships" xmlns:p="http://schemas.openxmlformats.org/presentationml/2006/main">
+  <p:cSld>
+    <p:spTree>
+      <p:nvGrpSpPr>
+        <p:cNvPr id="1" name=""/>
+        <p:cNvGrpSpPr/>
+        <p:nvPr/>
+      </p:nvGrpSpPr>
+      <p:grpSpPr>
+        <a:xfrm>
+          <a:off x="0" y="0"/>
+          <a:ext cx="0" cy="0"/>
+          <a:chOff x="0" y="0"/>
+          <a:chExt cx="0" cy="0"/>
+        </a:xfrm>
+      </p:grpSpPr>
+      <p:sp>
+        <p:nvSpPr>
+          <p:cNvPr id="2" name="Title 1">
+            <a:extLst>
+              <a:ext uri="{FF2B5EF4-FFF2-40B4-BE49-F238E27FC236}">
+                <a16:creationId xmlns:a16="http://schemas.microsoft.com/office/drawing/2014/main" id="{80F54776-D44F-463A-AE0F-70DC05465BC4}"/>
+              </a:ext>
+            </a:extLst>
+          </p:cNvPr>
+          <p:cNvSpPr>
+            <a:spLocks noGrp="1"/>
+          </p:cNvSpPr>
+          <p:nvPr>
+            <p:ph type="title"/>
+          </p:nvPr>
+        </p:nvSpPr>
+        <p:spPr/>
+        <p:txBody>
+          <a:bodyPr/>
+          <a:lstStyle/>
+          <a:p>
+            <a:r>
+              <a:rPr lang="en-US" u="sng" dirty="0"/>
+              <a:t>DATA</a:t>
+            </a:r>
+            <a:br>
+              <a:rPr lang="en-US" dirty="0"/>
+            </a:br>
+            <a:r>
+              <a:rPr lang="en-US" dirty="0"/>
+              <a:t>sources</a:t>
+            </a:r>
+          </a:p>
+        </p:txBody>
+      </p:sp>
+      <p:sp>
+        <p:nvSpPr>
+          <p:cNvPr id="3" name="Content Placeholder 2">
+            <a:extLst>
+              <a:ext uri="{FF2B5EF4-FFF2-40B4-BE49-F238E27FC236}">
+                <a16:creationId xmlns:a16="http://schemas.microsoft.com/office/drawing/2014/main" id="{C5D6FE5E-88D3-458B-B2FF-C113D01F8A9D}"/>
+              </a:ext>
+            </a:extLst>
+          </p:cNvPr>
+          <p:cNvSpPr>
+            <a:spLocks noGrp="1"/>
+          </p:cNvSpPr>
+          <p:nvPr>
+            <p:ph sz="quarter" idx="13"/>
+          </p:nvPr>
+        </p:nvSpPr>
+        <p:spPr/>
+        <p:txBody>
+          <a:bodyPr>
+            <a:normAutofit fontScale="70000" lnSpcReduction="20000"/>
+          </a:bodyPr>
+          <a:lstStyle/>
+          <a:p>
+            <a:r>
+              <a:rPr lang="en-US" dirty="0" err="1"/>
+              <a:t>Sars</a:t>
+            </a:r>
+            <a:r>
+              <a:rPr lang="en-US" dirty="0"/>
+              <a:t>, </a:t>
+            </a:r>
+            <a:r>
+              <a:rPr lang="en-US" dirty="0" err="1"/>
+              <a:t>ebola</a:t>
+            </a:r>
+            <a:r>
+              <a:rPr lang="en-US" dirty="0"/>
+              <a:t>, zika, h1n1</a:t>
+            </a:r>
+          </a:p>
+          <a:p>
+            <a:r>
+              <a:rPr lang="en-US" dirty="0" err="1"/>
+              <a:t>Cdc</a:t>
+            </a:r>
+            <a:r>
+              <a:rPr lang="en-US" dirty="0"/>
+              <a:t> and who data</a:t>
+            </a:r>
+          </a:p>
+          <a:p>
+            <a:pPr lvl="1"/>
+            <a:r>
+              <a:rPr lang="en-US" dirty="0"/>
+              <a:t>Pulled statistics from open source website, Kaggle. We were able to obtain datasets for zika, </a:t>
+            </a:r>
+            <a:r>
+              <a:rPr lang="en-US" dirty="0" err="1"/>
+              <a:t>sars</a:t>
+            </a:r>
+            <a:r>
+              <a:rPr lang="en-US" dirty="0"/>
+              <a:t>, and </a:t>
+            </a:r>
+            <a:r>
+              <a:rPr lang="en-US" dirty="0" err="1"/>
+              <a:t>ebola</a:t>
+            </a:r>
+            <a:endParaRPr lang="en-US" dirty="0"/>
+          </a:p>
+          <a:p>
+            <a:pPr lvl="1"/>
+            <a:r>
+              <a:rPr lang="en-US" dirty="0"/>
+              <a:t>Datasets contained summary numbers of reported illnesses and deaths</a:t>
+            </a:r>
+          </a:p>
+          <a:p>
+            <a:pPr lvl="1"/>
+            <a:r>
+              <a:rPr lang="en-US" dirty="0"/>
+              <a:t>H1n1 data was not found</a:t>
+            </a:r>
+          </a:p>
+          <a:p>
+            <a:pPr lvl="1"/>
+            <a:r>
+              <a:rPr lang="en-US" dirty="0"/>
+              <a:t>Only reported zika illness data for united-states, due to the organization of the found dataset</a:t>
+            </a:r>
+          </a:p>
+          <a:p>
+            <a:r>
+              <a:rPr lang="en-US" dirty="0"/>
+              <a:t>World news data</a:t>
+            </a:r>
+          </a:p>
+          <a:p>
+            <a:pPr lvl="1"/>
+            <a:r>
+              <a:rPr lang="en-US" dirty="0"/>
+              <a:t>Used times </a:t>
+            </a:r>
+            <a:r>
+              <a:rPr lang="en-US" dirty="0" err="1"/>
+              <a:t>api</a:t>
+            </a:r>
+            <a:endParaRPr lang="en-US" dirty="0"/>
+          </a:p>
+          <a:p>
+            <a:pPr lvl="1"/>
+            <a:r>
+              <a:rPr lang="en-US" dirty="0"/>
+              <a:t>Travis to fill out</a:t>
+            </a:r>
+          </a:p>
+          <a:p>
+            <a:r>
+              <a:rPr lang="en-US" dirty="0"/>
+              <a:t>Stock data</a:t>
+            </a:r>
+          </a:p>
+          <a:p>
+            <a:pPr lvl="1"/>
+            <a:r>
+              <a:rPr lang="en-US" dirty="0"/>
+              <a:t>Pulled data from GOOGLE SHEETS/FINANCE CODE</a:t>
+            </a:r>
+          </a:p>
+          <a:p>
+            <a:pPr lvl="1"/>
+            <a:r>
+              <a:rPr lang="en-US" dirty="0"/>
+              <a:t>SPY, SPY SECTORS, GOLD ETF, TREASURY ETF</a:t>
+            </a:r>
+          </a:p>
+        </p:txBody>
+      </p:sp>
+    </p:spTree>
+    <p:extLst>
+      <p:ext uri="{BB962C8B-B14F-4D97-AF65-F5344CB8AC3E}">
+        <p14:creationId xmlns:p14="http://schemas.microsoft.com/office/powerpoint/2010/main" val="1405777058"/>
+      </p:ext>
+    </p:extLst>
+  </p:cSld>
+  <p:clrMapOvr>
+    <a:masterClrMapping/>
+  </p:clrMapOvr>
+</p:sld>
+</file>
+
+<file path=ppt/slides/slide17.xml><?xml version="1.0" encoding="utf-8"?>
+<p:sld xmlns:a="http://schemas.openxmlformats.org/drawingml/2006/main" xmlns:r="http://schemas.openxmlformats.org/officeDocument/2006/relationships" xmlns:p="http://schemas.openxmlformats.org/presentationml/2006/main">
+  <p:cSld>
+    <p:spTree>
+      <p:nvGrpSpPr>
+        <p:cNvPr id="1" name=""/>
+        <p:cNvGrpSpPr/>
+        <p:nvPr/>
+      </p:nvGrpSpPr>
+      <p:grpSpPr>
+        <a:xfrm>
+          <a:off x="0" y="0"/>
+          <a:ext cx="0" cy="0"/>
+          <a:chOff x="0" y="0"/>
+          <a:chExt cx="0" cy="0"/>
+        </a:xfrm>
+      </p:grpSpPr>
+      <p:graphicFrame>
+        <p:nvGraphicFramePr>
+          <p:cNvPr id="13" name="Diagram 12">
+            <a:extLst>
+              <a:ext uri="{FF2B5EF4-FFF2-40B4-BE49-F238E27FC236}">
+                <a16:creationId xmlns:a16="http://schemas.microsoft.com/office/drawing/2014/main" id="{54189F12-7979-4A0E-ADEA-421A65217756}"/>
+              </a:ext>
+            </a:extLst>
+          </p:cNvPr>
+          <p:cNvGraphicFramePr/>
+          <p:nvPr>
+            <p:extLst>
+              <p:ext uri="{D42A27DB-BD31-4B8C-83A1-F6EECF244321}">
+                <p14:modId xmlns:p14="http://schemas.microsoft.com/office/powerpoint/2010/main" val="2111701949"/>
+              </p:ext>
+            </p:extLst>
+          </p:nvPr>
+        </p:nvGraphicFramePr>
+        <p:xfrm>
+          <a:off x="8024357" y="295275"/>
+          <a:ext cx="4360355" cy="6267450"/>
+        </p:xfrm>
+        <a:graphic>
+          <a:graphicData uri="http://schemas.openxmlformats.org/drawingml/2006/diagram">
+            <dgm:relIds xmlns:dgm="http://schemas.openxmlformats.org/drawingml/2006/diagram" xmlns:r="http://schemas.openxmlformats.org/officeDocument/2006/relationships" r:dm="rId2" r:lo="rId3" r:qs="rId4" r:cs="rId5"/>
+          </a:graphicData>
+        </a:graphic>
+      </p:graphicFrame>
+      <p:pic>
+        <p:nvPicPr>
+          <p:cNvPr id="4" name="Picture 3">
+            <a:extLst>
+              <a:ext uri="{FF2B5EF4-FFF2-40B4-BE49-F238E27FC236}">
+                <a16:creationId xmlns:a16="http://schemas.microsoft.com/office/drawing/2014/main" id="{CDAA15F3-AE98-4D92-8B37-F598AF33AB6C}"/>
+              </a:ext>
+            </a:extLst>
+          </p:cNvPr>
+          <p:cNvPicPr>
+            <a:picLocks noChangeAspect="1"/>
+          </p:cNvPicPr>
+          <p:nvPr/>
+        </p:nvPicPr>
+        <p:blipFill>
+          <a:blip r:embed="rId7"/>
+          <a:stretch>
+            <a:fillRect/>
+          </a:stretch>
+        </p:blipFill>
+        <p:spPr>
+          <a:xfrm>
+            <a:off x="9713542" y="958946"/>
+            <a:ext cx="1669813" cy="829588"/>
+          </a:xfrm>
+          <a:prstGeom prst="ellipse">
+            <a:avLst/>
+          </a:prstGeom>
+          <a:ln>
+            <a:noFill/>
+          </a:ln>
+          <a:effectLst>
+            <a:softEdge rad="112500"/>
+          </a:effectLst>
+        </p:spPr>
+      </p:pic>
+      <p:sp>
+        <p:nvSpPr>
+          <p:cNvPr id="2" name="Title 1">
+            <a:extLst>
+              <a:ext uri="{FF2B5EF4-FFF2-40B4-BE49-F238E27FC236}">
+                <a16:creationId xmlns:a16="http://schemas.microsoft.com/office/drawing/2014/main" id="{80F54776-D44F-463A-AE0F-70DC05465BC4}"/>
+              </a:ext>
+            </a:extLst>
+          </p:cNvPr>
+          <p:cNvSpPr>
+            <a:spLocks noGrp="1"/>
+          </p:cNvSpPr>
+          <p:nvPr>
+            <p:ph type="title"/>
+          </p:nvPr>
+        </p:nvSpPr>
+        <p:spPr/>
+        <p:txBody>
+          <a:bodyPr/>
+          <a:lstStyle/>
+          <a:p>
+            <a:r>
+              <a:rPr lang="en-US" u="sng" dirty="0"/>
+              <a:t>DATA</a:t>
+            </a:r>
+            <a:br>
+              <a:rPr lang="en-US" dirty="0"/>
+            </a:br>
+            <a:r>
+              <a:rPr lang="en-US" dirty="0"/>
+              <a:t>EXPLORATION AND CLEAN-UP</a:t>
+            </a:r>
+          </a:p>
+        </p:txBody>
+      </p:sp>
+      <p:sp>
+        <p:nvSpPr>
+          <p:cNvPr id="3" name="Content Placeholder 2">
+            <a:extLst>
+              <a:ext uri="{FF2B5EF4-FFF2-40B4-BE49-F238E27FC236}">
+                <a16:creationId xmlns:a16="http://schemas.microsoft.com/office/drawing/2014/main" id="{C5D6FE5E-88D3-458B-B2FF-C113D01F8A9D}"/>
+              </a:ext>
+            </a:extLst>
+          </p:cNvPr>
+          <p:cNvSpPr>
+            <a:spLocks noGrp="1"/>
+          </p:cNvSpPr>
+          <p:nvPr>
+            <p:ph sz="quarter" idx="13"/>
+          </p:nvPr>
+        </p:nvSpPr>
+        <p:spPr/>
+        <p:txBody>
+          <a:bodyPr>
+            <a:normAutofit fontScale="85000" lnSpcReduction="10000"/>
+          </a:bodyPr>
+          <a:lstStyle/>
+          <a:p>
+            <a:r>
+              <a:rPr lang="en-US" dirty="0"/>
+              <a:t>CDC AND WHO DATA</a:t>
+            </a:r>
+          </a:p>
+          <a:p>
+            <a:pPr lvl="1"/>
+            <a:r>
+              <a:rPr lang="en-US" dirty="0"/>
+              <a:t>VIA KAGGLE OPEN SOURCE WEBSITE</a:t>
+            </a:r>
+          </a:p>
+          <a:p>
+            <a:pPr lvl="1"/>
+            <a:r>
+              <a:rPr lang="en-US" dirty="0"/>
+              <a:t>ONLY FOUND ZIKA, SARS, EBOLA</a:t>
+            </a:r>
+          </a:p>
+          <a:p>
+            <a:r>
+              <a:rPr lang="en-US" dirty="0"/>
+              <a:t>PULLED CSV DATASETS INTO SQL VIA POSTGRES</a:t>
+            </a:r>
+          </a:p>
+          <a:p>
+            <a:pPr lvl="1"/>
+            <a:r>
+              <a:rPr lang="en-US" dirty="0"/>
+              <a:t>PERFORMED SOME CLEAN-UP IN SQL/</a:t>
+            </a:r>
+            <a:r>
+              <a:rPr lang="en-US" dirty="0" err="1"/>
+              <a:t>postgres</a:t>
+            </a:r>
+            <a:endParaRPr lang="en-US" dirty="0"/>
+          </a:p>
+          <a:p>
+            <a:pPr lvl="1"/>
+            <a:r>
+              <a:rPr lang="en-US" dirty="0"/>
+              <a:t>OTHER CLEAN-UP IN PYTHON/</a:t>
+            </a:r>
+            <a:r>
+              <a:rPr lang="en-US" dirty="0" err="1"/>
+              <a:t>jupyterlab</a:t>
+            </a:r>
+            <a:endParaRPr lang="en-US" dirty="0"/>
+          </a:p>
+          <a:p>
+            <a:r>
+              <a:rPr lang="en-US" dirty="0"/>
+              <a:t>FOR DEATH AND ILLNESS REPORTS:</a:t>
+            </a:r>
+          </a:p>
+          <a:p>
+            <a:pPr lvl="1"/>
+            <a:r>
+              <a:rPr lang="en-US" dirty="0"/>
+              <a:t>value each reported time period (positional)</a:t>
+            </a:r>
+          </a:p>
+          <a:p>
+            <a:pPr lvl="1"/>
+            <a:r>
+              <a:rPr lang="en-US" dirty="0"/>
+              <a:t>Change between each point (velocity)</a:t>
+            </a:r>
+          </a:p>
+          <a:p>
+            <a:pPr lvl="1"/>
+            <a:r>
+              <a:rPr lang="en-US" dirty="0"/>
+              <a:t>Rate of change between each point (acceleration)</a:t>
+            </a:r>
+          </a:p>
+          <a:p>
+            <a:pPr lvl="1"/>
+            <a:endParaRPr lang="en-US" dirty="0"/>
+          </a:p>
+          <a:p>
+            <a:pPr lvl="1"/>
+            <a:endParaRPr lang="en-US" dirty="0"/>
+          </a:p>
+        </p:txBody>
+      </p:sp>
+      <p:pic>
+        <p:nvPicPr>
+          <p:cNvPr id="5" name="Picture 4">
+            <a:extLst>
+              <a:ext uri="{FF2B5EF4-FFF2-40B4-BE49-F238E27FC236}">
+                <a16:creationId xmlns:a16="http://schemas.microsoft.com/office/drawing/2014/main" id="{BAB30451-DA81-4E0A-AFE1-F7FD376E939C}"/>
+              </a:ext>
+            </a:extLst>
+          </p:cNvPr>
+          <p:cNvPicPr>
+            <a:picLocks noChangeAspect="1"/>
+          </p:cNvPicPr>
+          <p:nvPr/>
+        </p:nvPicPr>
+        <p:blipFill>
+          <a:blip r:embed="rId8"/>
+          <a:stretch>
+            <a:fillRect/>
+          </a:stretch>
+        </p:blipFill>
+        <p:spPr>
+          <a:xfrm>
+            <a:off x="9542788" y="3795534"/>
+            <a:ext cx="2011322" cy="657791"/>
+          </a:xfrm>
+          <a:prstGeom prst="ellipse">
+            <a:avLst/>
+          </a:prstGeom>
+          <a:ln>
+            <a:noFill/>
+          </a:ln>
+          <a:effectLst>
+            <a:softEdge rad="112500"/>
+          </a:effectLst>
+        </p:spPr>
+      </p:pic>
+      <p:pic>
+        <p:nvPicPr>
+          <p:cNvPr id="6" name="Picture 5">
+            <a:extLst>
+              <a:ext uri="{FF2B5EF4-FFF2-40B4-BE49-F238E27FC236}">
+                <a16:creationId xmlns:a16="http://schemas.microsoft.com/office/drawing/2014/main" id="{AC243441-2E8D-481D-B510-A35F0B020415}"/>
+              </a:ext>
+            </a:extLst>
+          </p:cNvPr>
+          <p:cNvPicPr>
+            <a:picLocks noChangeAspect="1"/>
+          </p:cNvPicPr>
+          <p:nvPr/>
+        </p:nvPicPr>
+        <p:blipFill>
+          <a:blip r:embed="rId9"/>
+          <a:stretch>
+            <a:fillRect/>
+          </a:stretch>
+        </p:blipFill>
+        <p:spPr>
+          <a:xfrm>
+            <a:off x="9173691" y="2229748"/>
+            <a:ext cx="1196587" cy="1131319"/>
+          </a:xfrm>
+          <a:prstGeom prst="ellipse">
+            <a:avLst/>
+          </a:prstGeom>
+          <a:ln>
+            <a:noFill/>
+          </a:ln>
+          <a:effectLst>
+            <a:softEdge rad="112500"/>
+          </a:effectLst>
+        </p:spPr>
+      </p:pic>
+      <p:pic>
+        <p:nvPicPr>
+          <p:cNvPr id="7" name="Picture 6">
+            <a:extLst>
+              <a:ext uri="{FF2B5EF4-FFF2-40B4-BE49-F238E27FC236}">
+                <a16:creationId xmlns:a16="http://schemas.microsoft.com/office/drawing/2014/main" id="{B9E5DD8E-632B-4F42-8A66-44A14BAA0851}"/>
+              </a:ext>
+            </a:extLst>
+          </p:cNvPr>
+          <p:cNvPicPr>
+            <a:picLocks noChangeAspect="1"/>
+          </p:cNvPicPr>
+          <p:nvPr/>
+        </p:nvPicPr>
+        <p:blipFill rotWithShape="1">
+          <a:blip r:embed="rId10"/>
+          <a:srcRect l="20491" r="14508"/>
+          <a:stretch/>
+        </p:blipFill>
+        <p:spPr>
+          <a:xfrm>
+            <a:off x="9024482" y="4887792"/>
+            <a:ext cx="1829426" cy="1324131"/>
+          </a:xfrm>
+          <a:prstGeom prst="ellipse">
+            <a:avLst/>
+          </a:prstGeom>
+          <a:ln>
+            <a:noFill/>
+          </a:ln>
+          <a:effectLst>
+            <a:softEdge rad="112500"/>
+          </a:effectLst>
+        </p:spPr>
+      </p:pic>
+    </p:spTree>
+    <p:extLst>
+      <p:ext uri="{BB962C8B-B14F-4D97-AF65-F5344CB8AC3E}">
+        <p14:creationId xmlns:p14="http://schemas.microsoft.com/office/powerpoint/2010/main" val="348966901"/>
+      </p:ext>
+    </p:extLst>
+  </p:cSld>
+  <p:clrMapOvr>
+    <a:masterClrMapping/>
+  </p:clrMapOvr>
+</p:sld>
+</file>
+
+<file path=ppt/slides/slide18.xml><?xml version="1.0" encoding="utf-8"?>
+<p:sld xmlns:a="http://schemas.openxmlformats.org/drawingml/2006/main" xmlns:r="http://schemas.openxmlformats.org/officeDocument/2006/relationships" xmlns:p="http://schemas.openxmlformats.org/presentationml/2006/main">
+  <p:cSld>
+    <p:spTree>
+      <p:nvGrpSpPr>
+        <p:cNvPr id="1" name=""/>
+        <p:cNvGrpSpPr/>
+        <p:nvPr/>
+      </p:nvGrpSpPr>
+      <p:grpSpPr>
+        <a:xfrm>
+          <a:off x="0" y="0"/>
+          <a:ext cx="0" cy="0"/>
+          <a:chOff x="0" y="0"/>
+          <a:chExt cx="0" cy="0"/>
+        </a:xfrm>
+      </p:grpSpPr>
+      <p:sp>
+        <p:nvSpPr>
+          <p:cNvPr id="2" name="Title 1">
+            <a:extLst>
+              <a:ext uri="{FF2B5EF4-FFF2-40B4-BE49-F238E27FC236}">
+                <a16:creationId xmlns:a16="http://schemas.microsoft.com/office/drawing/2014/main" id="{80F54776-D44F-463A-AE0F-70DC05465BC4}"/>
+              </a:ext>
+            </a:extLst>
+          </p:cNvPr>
+          <p:cNvSpPr>
+            <a:spLocks noGrp="1"/>
+          </p:cNvSpPr>
+          <p:nvPr>
+            <p:ph type="title"/>
+          </p:nvPr>
+        </p:nvSpPr>
+        <p:spPr/>
+        <p:txBody>
+          <a:bodyPr/>
+          <a:lstStyle/>
+          <a:p>
+            <a:r>
+              <a:rPr lang="en-US" u="sng" dirty="0"/>
+              <a:t>DATA</a:t>
+            </a:r>
+            <a:br>
+              <a:rPr lang="en-US" dirty="0"/>
+            </a:br>
+            <a:r>
+              <a:rPr lang="en-US" dirty="0"/>
+              <a:t>EXPLORATION AND CLEAN-UP</a:t>
+            </a:r>
+          </a:p>
+        </p:txBody>
+      </p:sp>
+      <p:sp>
+        <p:nvSpPr>
+          <p:cNvPr id="3" name="Content Placeholder 2">
+            <a:extLst>
+              <a:ext uri="{FF2B5EF4-FFF2-40B4-BE49-F238E27FC236}">
+                <a16:creationId xmlns:a16="http://schemas.microsoft.com/office/drawing/2014/main" id="{C5D6FE5E-88D3-458B-B2FF-C113D01F8A9D}"/>
+              </a:ext>
+            </a:extLst>
+          </p:cNvPr>
+          <p:cNvSpPr>
+            <a:spLocks noGrp="1"/>
+          </p:cNvSpPr>
+          <p:nvPr>
+            <p:ph sz="quarter" idx="13"/>
+          </p:nvPr>
+        </p:nvSpPr>
+        <p:spPr/>
+        <p:txBody>
+          <a:bodyPr>
+            <a:normAutofit/>
+          </a:bodyPr>
+          <a:lstStyle/>
+          <a:p>
+            <a:pPr marL="0" indent="0">
+              <a:buNone/>
+            </a:pPr>
+            <a:endParaRPr lang="en-US" dirty="0"/>
+          </a:p>
+          <a:p>
+            <a:pPr lvl="1"/>
+            <a:endParaRPr lang="en-US" dirty="0"/>
+          </a:p>
+          <a:p>
+            <a:pPr lvl="1"/>
+            <a:endParaRPr lang="en-US" dirty="0"/>
+          </a:p>
+        </p:txBody>
+      </p:sp>
+      <p:pic>
+        <p:nvPicPr>
+          <p:cNvPr id="4" name="Picture 3">
+            <a:extLst>
+              <a:ext uri="{FF2B5EF4-FFF2-40B4-BE49-F238E27FC236}">
+                <a16:creationId xmlns:a16="http://schemas.microsoft.com/office/drawing/2014/main" id="{AA3AAF87-1DC0-4FB8-863B-88A64C5A7936}"/>
+              </a:ext>
+            </a:extLst>
+          </p:cNvPr>
+          <p:cNvPicPr>
+            <a:picLocks noChangeAspect="1"/>
+          </p:cNvPicPr>
+          <p:nvPr/>
+        </p:nvPicPr>
+        <p:blipFill>
+          <a:blip r:embed="rId2"/>
+          <a:stretch>
+            <a:fillRect/>
+          </a:stretch>
+        </p:blipFill>
+        <p:spPr>
+          <a:xfrm>
+            <a:off x="304174" y="2214694"/>
+            <a:ext cx="6628995" cy="3175905"/>
+          </a:xfrm>
+          <a:prstGeom prst="rect">
+            <a:avLst/>
+          </a:prstGeom>
+        </p:spPr>
+      </p:pic>
+      <p:pic>
+        <p:nvPicPr>
+          <p:cNvPr id="6" name="Picture 5">
+            <a:extLst>
+              <a:ext uri="{FF2B5EF4-FFF2-40B4-BE49-F238E27FC236}">
+                <a16:creationId xmlns:a16="http://schemas.microsoft.com/office/drawing/2014/main" id="{E55E002E-5447-4B55-A24C-C9F7D5400FAA}"/>
+              </a:ext>
+            </a:extLst>
+          </p:cNvPr>
+          <p:cNvPicPr>
+            <a:picLocks noChangeAspect="1"/>
+          </p:cNvPicPr>
+          <p:nvPr/>
+        </p:nvPicPr>
+        <p:blipFill>
+          <a:blip r:embed="rId3"/>
+          <a:stretch>
+            <a:fillRect/>
+          </a:stretch>
+        </p:blipFill>
+        <p:spPr>
+          <a:xfrm>
+            <a:off x="4442228" y="3084601"/>
+            <a:ext cx="6969348" cy="3479362"/>
+          </a:xfrm>
+          <a:prstGeom prst="rect">
+            <a:avLst/>
+          </a:prstGeom>
+        </p:spPr>
+      </p:pic>
+      <p:sp>
+        <p:nvSpPr>
+          <p:cNvPr id="7" name="Rectangle 6">
+            <a:extLst>
+              <a:ext uri="{FF2B5EF4-FFF2-40B4-BE49-F238E27FC236}">
+                <a16:creationId xmlns:a16="http://schemas.microsoft.com/office/drawing/2014/main" id="{63B32FC9-4BDA-48D3-9CA4-341DA4919186}"/>
+              </a:ext>
+            </a:extLst>
+          </p:cNvPr>
+          <p:cNvSpPr/>
+          <p:nvPr/>
+        </p:nvSpPr>
+        <p:spPr>
+          <a:xfrm>
+            <a:off x="8543299" y="2162436"/>
+            <a:ext cx="3343901" cy="1447800"/>
+          </a:xfrm>
+          <a:prstGeom prst="rect">
+            <a:avLst/>
+          </a:prstGeom>
+          <a:solidFill>
+            <a:schemeClr val="accent1">
+              <a:alpha val="48000"/>
+            </a:schemeClr>
+          </a:solidFill>
+        </p:spPr>
+        <p:style>
+          <a:lnRef idx="2">
+            <a:schemeClr val="accent1">
+              <a:shade val="50000"/>
+            </a:schemeClr>
+          </a:lnRef>
+          <a:fillRef idx="1">
+            <a:schemeClr val="accent1"/>
+          </a:fillRef>
+          <a:effectRef idx="0">
+            <a:schemeClr val="accent1"/>
+          </a:effectRef>
+          <a:fontRef idx="minor">
+            <a:schemeClr val="lt1"/>
+          </a:fontRef>
+        </p:style>
+        <p:txBody>
+          <a:bodyPr rtlCol="0" anchor="ctr"/>
+          <a:lstStyle/>
+          <a:p>
+            <a:pPr marL="285750" indent="-285750">
+              <a:buFont typeface="Arial" panose="020B0604020202020204" pitchFamily="34" charset="0"/>
+              <a:buChar char="•"/>
+            </a:pPr>
+            <a:r>
+              <a:rPr lang="en-US" dirty="0">
+                <a:solidFill>
+                  <a:schemeClr val="tx1"/>
+                </a:solidFill>
+              </a:rPr>
+              <a:t>EBOLA CLEAN UP IN SQL</a:t>
+            </a:r>
+          </a:p>
+          <a:p>
+            <a:pPr marL="285750" indent="-285750">
+              <a:buFont typeface="Arial" panose="020B0604020202020204" pitchFamily="34" charset="0"/>
+              <a:buChar char="•"/>
+            </a:pPr>
+            <a:r>
+              <a:rPr lang="en-US" dirty="0">
+                <a:solidFill>
+                  <a:schemeClr val="tx1"/>
+                </a:solidFill>
+              </a:rPr>
+              <a:t>SARS REQUIRED PARSING OF DATES</a:t>
+            </a:r>
+          </a:p>
+          <a:p>
+            <a:pPr marL="285750" indent="-285750">
+              <a:buFont typeface="Arial" panose="020B0604020202020204" pitchFamily="34" charset="0"/>
+              <a:buChar char="•"/>
+            </a:pPr>
+            <a:r>
+              <a:rPr lang="en-US" dirty="0">
+                <a:solidFill>
+                  <a:schemeClr val="tx1"/>
+                </a:solidFill>
+              </a:rPr>
+              <a:t>ZIKA CLEAN UP IN JUPYTER LAB</a:t>
+            </a:r>
+          </a:p>
+        </p:txBody>
+      </p:sp>
+    </p:spTree>
+    <p:extLst>
+      <p:ext uri="{BB962C8B-B14F-4D97-AF65-F5344CB8AC3E}">
+        <p14:creationId xmlns:p14="http://schemas.microsoft.com/office/powerpoint/2010/main" val="2963366663"/>
+      </p:ext>
+    </p:extLst>
+  </p:cSld>
+  <p:clrMapOvr>
+    <a:masterClrMapping/>
+  </p:clrMapOvr>
+</p:sld>
+</file>
+
+<file path=ppt/slides/slide19.xml><?xml version="1.0" encoding="utf-8"?>
+<p:sld xmlns:a="http://schemas.openxmlformats.org/drawingml/2006/main" xmlns:r="http://schemas.openxmlformats.org/officeDocument/2006/relationships" xmlns:p="http://schemas.openxmlformats.org/presentationml/2006/main">
+  <p:cSld>
+    <p:spTree>
+      <p:nvGrpSpPr>
+        <p:cNvPr id="1" name=""/>
+        <p:cNvGrpSpPr/>
+        <p:nvPr/>
+      </p:nvGrpSpPr>
+      <p:grpSpPr>
+        <a:xfrm>
+          <a:off x="0" y="0"/>
+          <a:ext cx="0" cy="0"/>
+          <a:chOff x="0" y="0"/>
+          <a:chExt cx="0" cy="0"/>
+        </a:xfrm>
+      </p:grpSpPr>
+      <p:sp>
+        <p:nvSpPr>
+          <p:cNvPr id="2" name="Title 1">
+            <a:extLst>
+              <a:ext uri="{FF2B5EF4-FFF2-40B4-BE49-F238E27FC236}">
+                <a16:creationId xmlns:a16="http://schemas.microsoft.com/office/drawing/2014/main" id="{80F54776-D44F-463A-AE0F-70DC05465BC4}"/>
+              </a:ext>
+            </a:extLst>
+          </p:cNvPr>
+          <p:cNvSpPr>
+            <a:spLocks noGrp="1"/>
+          </p:cNvSpPr>
+          <p:nvPr>
+            <p:ph type="title"/>
+          </p:nvPr>
+        </p:nvSpPr>
+        <p:spPr/>
+        <p:txBody>
+          <a:bodyPr/>
+          <a:lstStyle/>
+          <a:p>
+            <a:r>
+              <a:rPr lang="en-US" u="sng" dirty="0"/>
+              <a:t>DATA</a:t>
+            </a:r>
+            <a:br>
+              <a:rPr lang="en-US" dirty="0"/>
+            </a:br>
+            <a:r>
+              <a:rPr lang="en-US" dirty="0"/>
+              <a:t>EXPLORATION AND CLEAN-UP</a:t>
+            </a:r>
+          </a:p>
+        </p:txBody>
+      </p:sp>
+      <p:pic>
+        <p:nvPicPr>
+          <p:cNvPr id="5" name="Picture 4">
+            <a:extLst>
+              <a:ext uri="{FF2B5EF4-FFF2-40B4-BE49-F238E27FC236}">
+                <a16:creationId xmlns:a16="http://schemas.microsoft.com/office/drawing/2014/main" id="{95FCB4DA-0EC1-4F3A-96C5-20A5E6595EA1}"/>
+              </a:ext>
+            </a:extLst>
+          </p:cNvPr>
+          <p:cNvPicPr>
+            <a:picLocks noChangeAspect="1"/>
+          </p:cNvPicPr>
+          <p:nvPr/>
+        </p:nvPicPr>
+        <p:blipFill>
+          <a:blip r:embed="rId2"/>
+          <a:stretch>
+            <a:fillRect/>
+          </a:stretch>
+        </p:blipFill>
+        <p:spPr>
+          <a:xfrm>
+            <a:off x="780997" y="2926944"/>
+            <a:ext cx="2425825" cy="3549832"/>
+          </a:xfrm>
+          <a:prstGeom prst="rect">
+            <a:avLst/>
+          </a:prstGeom>
+          <a:ln w="38100">
+            <a:solidFill>
+              <a:schemeClr val="tx1"/>
+            </a:solidFill>
+          </a:ln>
+        </p:spPr>
+      </p:pic>
+      <p:pic>
+        <p:nvPicPr>
+          <p:cNvPr id="7" name="Picture 6">
+            <a:extLst>
+              <a:ext uri="{FF2B5EF4-FFF2-40B4-BE49-F238E27FC236}">
+                <a16:creationId xmlns:a16="http://schemas.microsoft.com/office/drawing/2014/main" id="{72ABCBA6-48F2-43B6-9166-5288BE50FC9B}"/>
+              </a:ext>
+            </a:extLst>
+          </p:cNvPr>
+          <p:cNvPicPr>
+            <a:picLocks noChangeAspect="1"/>
+          </p:cNvPicPr>
+          <p:nvPr/>
+        </p:nvPicPr>
+        <p:blipFill rotWithShape="1">
+          <a:blip r:embed="rId3"/>
+          <a:srcRect b="30003"/>
+          <a:stretch/>
+        </p:blipFill>
+        <p:spPr>
+          <a:xfrm>
+            <a:off x="5154264" y="2926944"/>
+            <a:ext cx="1883472" cy="3549832"/>
+          </a:xfrm>
+          <a:prstGeom prst="rect">
+            <a:avLst/>
+          </a:prstGeom>
+          <a:ln w="38100">
+            <a:solidFill>
+              <a:schemeClr val="tx1"/>
+            </a:solidFill>
+          </a:ln>
+        </p:spPr>
+      </p:pic>
+      <p:pic>
+        <p:nvPicPr>
+          <p:cNvPr id="8" name="Picture 7">
+            <a:extLst>
+              <a:ext uri="{FF2B5EF4-FFF2-40B4-BE49-F238E27FC236}">
+                <a16:creationId xmlns:a16="http://schemas.microsoft.com/office/drawing/2014/main" id="{317B046A-8E47-4F7C-A1C1-3958B02D746B}"/>
+              </a:ext>
+            </a:extLst>
+          </p:cNvPr>
+          <p:cNvPicPr>
+            <a:picLocks noChangeAspect="1"/>
+          </p:cNvPicPr>
+          <p:nvPr/>
+        </p:nvPicPr>
+        <p:blipFill>
+          <a:blip r:embed="rId4"/>
+          <a:stretch>
+            <a:fillRect/>
+          </a:stretch>
+        </p:blipFill>
+        <p:spPr>
+          <a:xfrm>
+            <a:off x="9220720" y="2993622"/>
+            <a:ext cx="2057506" cy="3416476"/>
+          </a:xfrm>
+          <a:prstGeom prst="rect">
+            <a:avLst/>
+          </a:prstGeom>
+          <a:ln w="38100">
+            <a:solidFill>
+              <a:schemeClr val="tx1"/>
+            </a:solidFill>
+          </a:ln>
+        </p:spPr>
+      </p:pic>
+      <p:sp>
+        <p:nvSpPr>
+          <p:cNvPr id="9" name="Rectangle 8">
+            <a:extLst>
+              <a:ext uri="{FF2B5EF4-FFF2-40B4-BE49-F238E27FC236}">
+                <a16:creationId xmlns:a16="http://schemas.microsoft.com/office/drawing/2014/main" id="{58417B20-F6D7-45DB-A1DD-D809EDBD7D2A}"/>
+              </a:ext>
+            </a:extLst>
+          </p:cNvPr>
+          <p:cNvSpPr/>
+          <p:nvPr/>
+        </p:nvSpPr>
+        <p:spPr>
+          <a:xfrm>
+            <a:off x="780997" y="2367092"/>
+            <a:ext cx="2425825" cy="407454"/>
+          </a:xfrm>
+          <a:prstGeom prst="rect">
+            <a:avLst/>
+          </a:prstGeom>
+        </p:spPr>
+        <p:style>
+          <a:lnRef idx="2">
+            <a:schemeClr val="accent1">
+              <a:shade val="50000"/>
+            </a:schemeClr>
+          </a:lnRef>
+          <a:fillRef idx="1">
+            <a:schemeClr val="accent1"/>
+          </a:fillRef>
+          <a:effectRef idx="0">
+            <a:schemeClr val="accent1"/>
+          </a:effectRef>
+          <a:fontRef idx="minor">
+            <a:schemeClr val="lt1"/>
+          </a:fontRef>
+        </p:style>
+        <p:txBody>
+          <a:bodyPr rtlCol="0" anchor="ctr"/>
+          <a:lstStyle/>
+          <a:p>
+            <a:pPr algn="ctr"/>
+            <a:r>
+              <a:rPr lang="en-US" dirty="0"/>
+              <a:t>EBOLA</a:t>
+            </a:r>
+          </a:p>
+        </p:txBody>
+      </p:sp>
+      <p:sp>
+        <p:nvSpPr>
+          <p:cNvPr id="12" name="Rectangle 11">
+            <a:extLst>
+              <a:ext uri="{FF2B5EF4-FFF2-40B4-BE49-F238E27FC236}">
+                <a16:creationId xmlns:a16="http://schemas.microsoft.com/office/drawing/2014/main" id="{A38CF8C3-361A-49E8-809C-8A6BB7C15DD5}"/>
+              </a:ext>
+            </a:extLst>
+          </p:cNvPr>
+          <p:cNvSpPr/>
+          <p:nvPr/>
+        </p:nvSpPr>
+        <p:spPr>
+          <a:xfrm>
+            <a:off x="4883087" y="2367092"/>
+            <a:ext cx="2425825" cy="407454"/>
+          </a:xfrm>
+          <a:prstGeom prst="rect">
+            <a:avLst/>
+          </a:prstGeom>
+        </p:spPr>
+        <p:style>
+          <a:lnRef idx="2">
+            <a:schemeClr val="accent1">
+              <a:shade val="50000"/>
+            </a:schemeClr>
+          </a:lnRef>
+          <a:fillRef idx="1">
+            <a:schemeClr val="accent1"/>
+          </a:fillRef>
+          <a:effectRef idx="0">
+            <a:schemeClr val="accent1"/>
+          </a:effectRef>
+          <a:fontRef idx="minor">
+            <a:schemeClr val="lt1"/>
+          </a:fontRef>
+        </p:style>
+        <p:txBody>
+          <a:bodyPr rtlCol="0" anchor="ctr"/>
+          <a:lstStyle/>
+          <a:p>
+            <a:pPr algn="ctr"/>
+            <a:r>
+              <a:rPr lang="en-US" dirty="0"/>
+              <a:t>ZIKA</a:t>
+            </a:r>
+          </a:p>
+        </p:txBody>
+      </p:sp>
+      <p:sp>
+        <p:nvSpPr>
+          <p:cNvPr id="13" name="Rectangle 12">
+            <a:extLst>
+              <a:ext uri="{FF2B5EF4-FFF2-40B4-BE49-F238E27FC236}">
+                <a16:creationId xmlns:a16="http://schemas.microsoft.com/office/drawing/2014/main" id="{FBDABD38-E161-46B9-B378-735AD568E3C4}"/>
+              </a:ext>
+            </a:extLst>
+          </p:cNvPr>
+          <p:cNvSpPr/>
+          <p:nvPr/>
+        </p:nvSpPr>
+        <p:spPr>
+          <a:xfrm>
+            <a:off x="9041089" y="2367092"/>
+            <a:ext cx="2425825" cy="407454"/>
+          </a:xfrm>
+          <a:prstGeom prst="rect">
+            <a:avLst/>
+          </a:prstGeom>
+        </p:spPr>
+        <p:style>
+          <a:lnRef idx="2">
+            <a:schemeClr val="accent1">
+              <a:shade val="50000"/>
+            </a:schemeClr>
+          </a:lnRef>
+          <a:fillRef idx="1">
+            <a:schemeClr val="accent1"/>
+          </a:fillRef>
+          <a:effectRef idx="0">
+            <a:schemeClr val="accent1"/>
+          </a:effectRef>
+          <a:fontRef idx="minor">
+            <a:schemeClr val="lt1"/>
+          </a:fontRef>
+        </p:style>
+        <p:txBody>
+          <a:bodyPr rtlCol="0" anchor="ctr"/>
+          <a:lstStyle/>
+          <a:p>
+            <a:pPr algn="ctr"/>
+            <a:r>
+              <a:rPr lang="en-US" dirty="0"/>
+              <a:t>SARS</a:t>
+            </a:r>
+          </a:p>
+        </p:txBody>
+      </p:sp>
+    </p:spTree>
+    <p:extLst>
+      <p:ext uri="{BB962C8B-B14F-4D97-AF65-F5344CB8AC3E}">
+        <p14:creationId xmlns:p14="http://schemas.microsoft.com/office/powerpoint/2010/main" val="334259196"/>
       </p:ext>
     </p:extLst>
   </p:cSld>

--- a/Code/Andres_Mejia/Visualizations_AM.pptx
+++ b/Code/Andres_Mejia/Visualizations_AM.pptx
@@ -24,6 +24,14 @@
     <p:sldId id="274" r:id="rId18"/>
     <p:sldId id="275" r:id="rId19"/>
     <p:sldId id="276" r:id="rId20"/>
+    <p:sldId id="277" r:id="rId21"/>
+    <p:sldId id="278" r:id="rId22"/>
+    <p:sldId id="279" r:id="rId23"/>
+    <p:sldId id="280" r:id="rId24"/>
+    <p:sldId id="284" r:id="rId25"/>
+    <p:sldId id="283" r:id="rId26"/>
+    <p:sldId id="281" r:id="rId27"/>
+    <p:sldId id="282" r:id="rId28"/>
   </p:sldIdLst>
   <p:sldSz cx="12192000" cy="6858000"/>
   <p:notesSz cx="6858000" cy="9144000"/>
@@ -11750,7 +11758,7 @@
             </a:r>
             <a:r>
               <a:rPr lang="en-US" dirty="0"/>
-              <a:t>, zika, h1n1</a:t>
+              <a:t>, zika, h1n1 DISEASE DATES</a:t>
             </a:r>
           </a:p>
           <a:p>
@@ -12979,6 +12987,2200 @@
     <p:extLst>
       <p:ext uri="{BB962C8B-B14F-4D97-AF65-F5344CB8AC3E}">
         <p14:creationId xmlns:p14="http://schemas.microsoft.com/office/powerpoint/2010/main" val="1055472342"/>
+      </p:ext>
+    </p:extLst>
+  </p:cSld>
+  <p:clrMapOvr>
+    <a:masterClrMapping/>
+  </p:clrMapOvr>
+</p:sld>
+</file>
+
+<file path=ppt/slides/slide20.xml><?xml version="1.0" encoding="utf-8"?>
+<p:sld xmlns:a="http://schemas.openxmlformats.org/drawingml/2006/main" xmlns:r="http://schemas.openxmlformats.org/officeDocument/2006/relationships" xmlns:p="http://schemas.openxmlformats.org/presentationml/2006/main">
+  <p:cSld>
+    <p:spTree>
+      <p:nvGrpSpPr>
+        <p:cNvPr id="1" name=""/>
+        <p:cNvGrpSpPr/>
+        <p:nvPr/>
+      </p:nvGrpSpPr>
+      <p:grpSpPr>
+        <a:xfrm>
+          <a:off x="0" y="0"/>
+          <a:ext cx="0" cy="0"/>
+          <a:chOff x="0" y="0"/>
+          <a:chExt cx="0" cy="0"/>
+        </a:xfrm>
+      </p:grpSpPr>
+      <p:sp>
+        <p:nvSpPr>
+          <p:cNvPr id="2" name="Title 1">
+            <a:extLst>
+              <a:ext uri="{FF2B5EF4-FFF2-40B4-BE49-F238E27FC236}">
+                <a16:creationId xmlns:a16="http://schemas.microsoft.com/office/drawing/2014/main" id="{3B46789B-5826-41B0-A8F6-FDB7E7E2F61C}"/>
+              </a:ext>
+            </a:extLst>
+          </p:cNvPr>
+          <p:cNvSpPr>
+            <a:spLocks noGrp="1"/>
+          </p:cNvSpPr>
+          <p:nvPr>
+            <p:ph type="title"/>
+          </p:nvPr>
+        </p:nvSpPr>
+        <p:spPr/>
+        <p:txBody>
+          <a:bodyPr/>
+          <a:lstStyle/>
+          <a:p>
+            <a:r>
+              <a:rPr lang="en-US" u="sng" dirty="0"/>
+              <a:t>Analysis</a:t>
+            </a:r>
+            <a:br>
+              <a:rPr lang="en-US" dirty="0"/>
+            </a:br>
+            <a:r>
+              <a:rPr lang="en-US" dirty="0"/>
+              <a:t>characterization of summary statistics</a:t>
+            </a:r>
+          </a:p>
+        </p:txBody>
+      </p:sp>
+      <p:sp>
+        <p:nvSpPr>
+          <p:cNvPr id="3" name="Content Placeholder 2">
+            <a:extLst>
+              <a:ext uri="{FF2B5EF4-FFF2-40B4-BE49-F238E27FC236}">
+                <a16:creationId xmlns:a16="http://schemas.microsoft.com/office/drawing/2014/main" id="{9CA44606-39E5-4FDB-8AE1-1F47CD2F6E3A}"/>
+              </a:ext>
+            </a:extLst>
+          </p:cNvPr>
+          <p:cNvSpPr>
+            <a:spLocks noGrp="1"/>
+          </p:cNvSpPr>
+          <p:nvPr>
+            <p:ph sz="quarter" idx="13"/>
+          </p:nvPr>
+        </p:nvSpPr>
+        <p:spPr/>
+        <p:txBody>
+          <a:bodyPr>
+            <a:normAutofit lnSpcReduction="10000"/>
+          </a:bodyPr>
+          <a:lstStyle/>
+          <a:p>
+            <a:r>
+              <a:rPr lang="en-US" dirty="0"/>
+              <a:t>Ebola and </a:t>
+            </a:r>
+            <a:r>
+              <a:rPr lang="en-US" dirty="0" err="1"/>
+              <a:t>sars</a:t>
+            </a:r>
+            <a:r>
+              <a:rPr lang="en-US" dirty="0"/>
+              <a:t> data came back as a cumulative report</a:t>
+            </a:r>
+          </a:p>
+          <a:p>
+            <a:r>
+              <a:rPr lang="en-US" dirty="0"/>
+              <a:t>Zika came back as a discrete instance</a:t>
+            </a:r>
+          </a:p>
+          <a:p>
+            <a:r>
+              <a:rPr lang="en-US" dirty="0"/>
+              <a:t>Searching for 4 factors:</a:t>
+            </a:r>
+          </a:p>
+          <a:p>
+            <a:pPr lvl="1"/>
+            <a:r>
+              <a:rPr lang="en-US" dirty="0"/>
+              <a:t>Cumulative results (summation)</a:t>
+            </a:r>
+          </a:p>
+          <a:p>
+            <a:pPr lvl="1"/>
+            <a:r>
+              <a:rPr lang="en-US" dirty="0"/>
+              <a:t>Discrete instances (positional information)</a:t>
+            </a:r>
+          </a:p>
+          <a:p>
+            <a:pPr lvl="1"/>
+            <a:r>
+              <a:rPr lang="en-US" dirty="0"/>
+              <a:t>Changes in discrete instances over each report period (velocity information)</a:t>
+            </a:r>
+          </a:p>
+          <a:p>
+            <a:pPr lvl="1"/>
+            <a:r>
+              <a:rPr lang="en-US" dirty="0"/>
+              <a:t>Rate-of-change (acceleration information)</a:t>
+            </a:r>
+          </a:p>
+          <a:p>
+            <a:r>
+              <a:rPr lang="en-US" dirty="0"/>
+              <a:t>Show code and charts</a:t>
+            </a:r>
+          </a:p>
+          <a:p>
+            <a:pPr lvl="1"/>
+            <a:endParaRPr lang="en-US" dirty="0"/>
+          </a:p>
+        </p:txBody>
+      </p:sp>
+    </p:spTree>
+    <p:extLst>
+      <p:ext uri="{BB962C8B-B14F-4D97-AF65-F5344CB8AC3E}">
+        <p14:creationId xmlns:p14="http://schemas.microsoft.com/office/powerpoint/2010/main" val="2897594117"/>
+      </p:ext>
+    </p:extLst>
+  </p:cSld>
+  <p:clrMapOvr>
+    <a:masterClrMapping/>
+  </p:clrMapOvr>
+</p:sld>
+</file>
+
+<file path=ppt/slides/slide21.xml><?xml version="1.0" encoding="utf-8"?>
+<p:sld xmlns:a="http://schemas.openxmlformats.org/drawingml/2006/main" xmlns:r="http://schemas.openxmlformats.org/officeDocument/2006/relationships" xmlns:p="http://schemas.openxmlformats.org/presentationml/2006/main">
+  <p:cSld>
+    <p:spTree>
+      <p:nvGrpSpPr>
+        <p:cNvPr id="1" name=""/>
+        <p:cNvGrpSpPr/>
+        <p:nvPr/>
+      </p:nvGrpSpPr>
+      <p:grpSpPr>
+        <a:xfrm>
+          <a:off x="0" y="0"/>
+          <a:ext cx="0" cy="0"/>
+          <a:chOff x="0" y="0"/>
+          <a:chExt cx="0" cy="0"/>
+        </a:xfrm>
+      </p:grpSpPr>
+      <p:sp>
+        <p:nvSpPr>
+          <p:cNvPr id="2" name="Title 1">
+            <a:extLst>
+              <a:ext uri="{FF2B5EF4-FFF2-40B4-BE49-F238E27FC236}">
+                <a16:creationId xmlns:a16="http://schemas.microsoft.com/office/drawing/2014/main" id="{3B46789B-5826-41B0-A8F6-FDB7E7E2F61C}"/>
+              </a:ext>
+            </a:extLst>
+          </p:cNvPr>
+          <p:cNvSpPr>
+            <a:spLocks noGrp="1"/>
+          </p:cNvSpPr>
+          <p:nvPr>
+            <p:ph type="title"/>
+          </p:nvPr>
+        </p:nvSpPr>
+        <p:spPr/>
+        <p:txBody>
+          <a:bodyPr/>
+          <a:lstStyle/>
+          <a:p>
+            <a:r>
+              <a:rPr lang="en-US" u="sng" dirty="0"/>
+              <a:t>Analysis</a:t>
+            </a:r>
+            <a:br>
+              <a:rPr lang="en-US" dirty="0"/>
+            </a:br>
+            <a:r>
+              <a:rPr lang="en-US" dirty="0"/>
+              <a:t>news data</a:t>
+            </a:r>
+          </a:p>
+        </p:txBody>
+      </p:sp>
+      <p:sp>
+        <p:nvSpPr>
+          <p:cNvPr id="3" name="Content Placeholder 2">
+            <a:extLst>
+              <a:ext uri="{FF2B5EF4-FFF2-40B4-BE49-F238E27FC236}">
+                <a16:creationId xmlns:a16="http://schemas.microsoft.com/office/drawing/2014/main" id="{9CA44606-39E5-4FDB-8AE1-1F47CD2F6E3A}"/>
+              </a:ext>
+            </a:extLst>
+          </p:cNvPr>
+          <p:cNvSpPr>
+            <a:spLocks noGrp="1"/>
+          </p:cNvSpPr>
+          <p:nvPr>
+            <p:ph sz="quarter" idx="13"/>
+          </p:nvPr>
+        </p:nvSpPr>
+        <p:spPr/>
+        <p:txBody>
+          <a:bodyPr/>
+          <a:lstStyle/>
+          <a:p>
+            <a:pPr lvl="1"/>
+            <a:r>
+              <a:rPr lang="en-US" dirty="0" err="1"/>
+              <a:t>travis</a:t>
+            </a:r>
+            <a:endParaRPr lang="en-US" dirty="0"/>
+          </a:p>
+        </p:txBody>
+      </p:sp>
+    </p:spTree>
+    <p:extLst>
+      <p:ext uri="{BB962C8B-B14F-4D97-AF65-F5344CB8AC3E}">
+        <p14:creationId xmlns:p14="http://schemas.microsoft.com/office/powerpoint/2010/main" val="3012506187"/>
+      </p:ext>
+    </p:extLst>
+  </p:cSld>
+  <p:clrMapOvr>
+    <a:masterClrMapping/>
+  </p:clrMapOvr>
+</p:sld>
+</file>
+
+<file path=ppt/slides/slide22.xml><?xml version="1.0" encoding="utf-8"?>
+<p:sld xmlns:a="http://schemas.openxmlformats.org/drawingml/2006/main" xmlns:r="http://schemas.openxmlformats.org/officeDocument/2006/relationships" xmlns:p="http://schemas.openxmlformats.org/presentationml/2006/main">
+  <p:cSld>
+    <p:spTree>
+      <p:nvGrpSpPr>
+        <p:cNvPr id="1" name=""/>
+        <p:cNvGrpSpPr/>
+        <p:nvPr/>
+      </p:nvGrpSpPr>
+      <p:grpSpPr>
+        <a:xfrm>
+          <a:off x="0" y="0"/>
+          <a:ext cx="0" cy="0"/>
+          <a:chOff x="0" y="0"/>
+          <a:chExt cx="0" cy="0"/>
+        </a:xfrm>
+      </p:grpSpPr>
+      <p:sp>
+        <p:nvSpPr>
+          <p:cNvPr id="2" name="Title 1">
+            <a:extLst>
+              <a:ext uri="{FF2B5EF4-FFF2-40B4-BE49-F238E27FC236}">
+                <a16:creationId xmlns:a16="http://schemas.microsoft.com/office/drawing/2014/main" id="{3B46789B-5826-41B0-A8F6-FDB7E7E2F61C}"/>
+              </a:ext>
+            </a:extLst>
+          </p:cNvPr>
+          <p:cNvSpPr>
+            <a:spLocks noGrp="1"/>
+          </p:cNvSpPr>
+          <p:nvPr>
+            <p:ph type="title"/>
+          </p:nvPr>
+        </p:nvSpPr>
+        <p:spPr/>
+        <p:txBody>
+          <a:bodyPr/>
+          <a:lstStyle/>
+          <a:p>
+            <a:r>
+              <a:rPr lang="en-US" u="sng" dirty="0"/>
+              <a:t>Analysis</a:t>
+            </a:r>
+            <a:br>
+              <a:rPr lang="en-US" dirty="0"/>
+            </a:br>
+            <a:r>
+              <a:rPr lang="en-US" dirty="0"/>
+              <a:t>spy, spy sectors, gold </a:t>
+            </a:r>
+            <a:r>
+              <a:rPr lang="en-US" dirty="0" err="1"/>
+              <a:t>etf</a:t>
+            </a:r>
+            <a:r>
+              <a:rPr lang="en-US" dirty="0"/>
+              <a:t>, treasury </a:t>
+            </a:r>
+            <a:r>
+              <a:rPr lang="en-US" dirty="0" err="1"/>
+              <a:t>etf</a:t>
+            </a:r>
+            <a:endParaRPr lang="en-US" dirty="0"/>
+          </a:p>
+        </p:txBody>
+      </p:sp>
+      <p:sp>
+        <p:nvSpPr>
+          <p:cNvPr id="3" name="Content Placeholder 2">
+            <a:extLst>
+              <a:ext uri="{FF2B5EF4-FFF2-40B4-BE49-F238E27FC236}">
+                <a16:creationId xmlns:a16="http://schemas.microsoft.com/office/drawing/2014/main" id="{9CA44606-39E5-4FDB-8AE1-1F47CD2F6E3A}"/>
+              </a:ext>
+            </a:extLst>
+          </p:cNvPr>
+          <p:cNvSpPr>
+            <a:spLocks noGrp="1"/>
+          </p:cNvSpPr>
+          <p:nvPr>
+            <p:ph sz="quarter" idx="13"/>
+          </p:nvPr>
+        </p:nvSpPr>
+        <p:spPr/>
+        <p:txBody>
+          <a:bodyPr/>
+          <a:lstStyle/>
+          <a:p>
+            <a:pPr lvl="1"/>
+            <a:r>
+              <a:rPr lang="en-US" dirty="0" err="1"/>
+              <a:t>andres</a:t>
+            </a:r>
+            <a:endParaRPr lang="en-US" dirty="0"/>
+          </a:p>
+        </p:txBody>
+      </p:sp>
+    </p:spTree>
+    <p:extLst>
+      <p:ext uri="{BB962C8B-B14F-4D97-AF65-F5344CB8AC3E}">
+        <p14:creationId xmlns:p14="http://schemas.microsoft.com/office/powerpoint/2010/main" val="2243718347"/>
+      </p:ext>
+    </p:extLst>
+  </p:cSld>
+  <p:clrMapOvr>
+    <a:masterClrMapping/>
+  </p:clrMapOvr>
+</p:sld>
+</file>
+
+<file path=ppt/slides/slide23.xml><?xml version="1.0" encoding="utf-8"?>
+<p:sld xmlns:a="http://schemas.openxmlformats.org/drawingml/2006/main" xmlns:r="http://schemas.openxmlformats.org/officeDocument/2006/relationships" xmlns:p="http://schemas.openxmlformats.org/presentationml/2006/main">
+  <p:cSld>
+    <p:spTree>
+      <p:nvGrpSpPr>
+        <p:cNvPr id="1" name=""/>
+        <p:cNvGrpSpPr/>
+        <p:nvPr/>
+      </p:nvGrpSpPr>
+      <p:grpSpPr>
+        <a:xfrm>
+          <a:off x="0" y="0"/>
+          <a:ext cx="0" cy="0"/>
+          <a:chOff x="0" y="0"/>
+          <a:chExt cx="0" cy="0"/>
+        </a:xfrm>
+      </p:grpSpPr>
+      <p:sp>
+        <p:nvSpPr>
+          <p:cNvPr id="2" name="Title 1">
+            <a:extLst>
+              <a:ext uri="{FF2B5EF4-FFF2-40B4-BE49-F238E27FC236}">
+                <a16:creationId xmlns:a16="http://schemas.microsoft.com/office/drawing/2014/main" id="{3B46789B-5826-41B0-A8F6-FDB7E7E2F61C}"/>
+              </a:ext>
+            </a:extLst>
+          </p:cNvPr>
+          <p:cNvSpPr>
+            <a:spLocks noGrp="1"/>
+          </p:cNvSpPr>
+          <p:nvPr>
+            <p:ph type="title"/>
+          </p:nvPr>
+        </p:nvSpPr>
+        <p:spPr/>
+        <p:txBody>
+          <a:bodyPr/>
+          <a:lstStyle/>
+          <a:p>
+            <a:r>
+              <a:rPr lang="en-US" u="sng" dirty="0"/>
+              <a:t>Analysis</a:t>
+            </a:r>
+            <a:br>
+              <a:rPr lang="en-US" dirty="0"/>
+            </a:br>
+            <a:r>
+              <a:rPr lang="en-US" dirty="0"/>
+              <a:t>volatility</a:t>
+            </a:r>
+          </a:p>
+        </p:txBody>
+      </p:sp>
+      <p:sp>
+        <p:nvSpPr>
+          <p:cNvPr id="3" name="Content Placeholder 2">
+            <a:extLst>
+              <a:ext uri="{FF2B5EF4-FFF2-40B4-BE49-F238E27FC236}">
+                <a16:creationId xmlns:a16="http://schemas.microsoft.com/office/drawing/2014/main" id="{9CA44606-39E5-4FDB-8AE1-1F47CD2F6E3A}"/>
+              </a:ext>
+            </a:extLst>
+          </p:cNvPr>
+          <p:cNvSpPr>
+            <a:spLocks noGrp="1"/>
+          </p:cNvSpPr>
+          <p:nvPr>
+            <p:ph sz="quarter" idx="13"/>
+          </p:nvPr>
+        </p:nvSpPr>
+        <p:spPr/>
+        <p:txBody>
+          <a:bodyPr/>
+          <a:lstStyle/>
+          <a:p>
+            <a:pPr lvl="1"/>
+            <a:r>
+              <a:rPr lang="en-US" dirty="0" err="1"/>
+              <a:t>andres</a:t>
+            </a:r>
+            <a:endParaRPr lang="en-US" dirty="0"/>
+          </a:p>
+        </p:txBody>
+      </p:sp>
+    </p:spTree>
+    <p:extLst>
+      <p:ext uri="{BB962C8B-B14F-4D97-AF65-F5344CB8AC3E}">
+        <p14:creationId xmlns:p14="http://schemas.microsoft.com/office/powerpoint/2010/main" val="1839458375"/>
+      </p:ext>
+    </p:extLst>
+  </p:cSld>
+  <p:clrMapOvr>
+    <a:masterClrMapping/>
+  </p:clrMapOvr>
+</p:sld>
+</file>
+
+<file path=ppt/slides/slide24.xml><?xml version="1.0" encoding="utf-8"?>
+<p:sld xmlns:a="http://schemas.openxmlformats.org/drawingml/2006/main" xmlns:r="http://schemas.openxmlformats.org/officeDocument/2006/relationships" xmlns:p="http://schemas.openxmlformats.org/presentationml/2006/main">
+  <p:cSld>
+    <p:spTree>
+      <p:nvGrpSpPr>
+        <p:cNvPr id="1" name=""/>
+        <p:cNvGrpSpPr/>
+        <p:nvPr/>
+      </p:nvGrpSpPr>
+      <p:grpSpPr>
+        <a:xfrm>
+          <a:off x="0" y="0"/>
+          <a:ext cx="0" cy="0"/>
+          <a:chOff x="0" y="0"/>
+          <a:chExt cx="0" cy="0"/>
+        </a:xfrm>
+      </p:grpSpPr>
+      <p:sp>
+        <p:nvSpPr>
+          <p:cNvPr id="2" name="Title 1">
+            <a:extLst>
+              <a:ext uri="{FF2B5EF4-FFF2-40B4-BE49-F238E27FC236}">
+                <a16:creationId xmlns:a16="http://schemas.microsoft.com/office/drawing/2014/main" id="{3B46789B-5826-41B0-A8F6-FDB7E7E2F61C}"/>
+              </a:ext>
+            </a:extLst>
+          </p:cNvPr>
+          <p:cNvSpPr>
+            <a:spLocks noGrp="1"/>
+          </p:cNvSpPr>
+          <p:nvPr>
+            <p:ph type="title"/>
+          </p:nvPr>
+        </p:nvSpPr>
+        <p:spPr/>
+        <p:txBody>
+          <a:bodyPr/>
+          <a:lstStyle/>
+          <a:p>
+            <a:r>
+              <a:rPr lang="en-US" u="sng" dirty="0"/>
+              <a:t>Analysis</a:t>
+            </a:r>
+            <a:br>
+              <a:rPr lang="en-US" dirty="0"/>
+            </a:br>
+            <a:r>
+              <a:rPr lang="en-US" dirty="0"/>
+              <a:t>correlation</a:t>
+            </a:r>
+          </a:p>
+        </p:txBody>
+      </p:sp>
+      <p:graphicFrame>
+        <p:nvGraphicFramePr>
+          <p:cNvPr id="6" name="Table 6">
+            <a:extLst>
+              <a:ext uri="{FF2B5EF4-FFF2-40B4-BE49-F238E27FC236}">
+                <a16:creationId xmlns:a16="http://schemas.microsoft.com/office/drawing/2014/main" id="{BDD28DC3-EE7D-44D0-A9A9-BB40D30D99E0}"/>
+              </a:ext>
+            </a:extLst>
+          </p:cNvPr>
+          <p:cNvGraphicFramePr>
+            <a:graphicFrameLocks noGrp="1"/>
+          </p:cNvGraphicFramePr>
+          <p:nvPr>
+            <p:ph sz="quarter" idx="13"/>
+            <p:extLst>
+              <p:ext uri="{D42A27DB-BD31-4B8C-83A1-F6EECF244321}">
+                <p14:modId xmlns:p14="http://schemas.microsoft.com/office/powerpoint/2010/main" val="2775404496"/>
+              </p:ext>
+            </p:extLst>
+          </p:nvPr>
+        </p:nvGraphicFramePr>
+        <p:xfrm>
+          <a:off x="5114924" y="2657473"/>
+          <a:ext cx="6276975" cy="2862265"/>
+        </p:xfrm>
+        <a:graphic>
+          <a:graphicData uri="http://schemas.openxmlformats.org/drawingml/2006/table">
+            <a:tbl>
+              <a:tblPr firstRow="1" bandRow="1">
+                <a:tableStyleId>{5C22544A-7EE6-4342-B048-85BDC9FD1C3A}</a:tableStyleId>
+              </a:tblPr>
+              <a:tblGrid>
+                <a:gridCol w="1255395">
+                  <a:extLst>
+                    <a:ext uri="{9D8B030D-6E8A-4147-A177-3AD203B41FA5}">
+                      <a16:colId xmlns:a16="http://schemas.microsoft.com/office/drawing/2014/main" val="2026184470"/>
+                    </a:ext>
+                  </a:extLst>
+                </a:gridCol>
+                <a:gridCol w="1255395">
+                  <a:extLst>
+                    <a:ext uri="{9D8B030D-6E8A-4147-A177-3AD203B41FA5}">
+                      <a16:colId xmlns:a16="http://schemas.microsoft.com/office/drawing/2014/main" val="3482981590"/>
+                    </a:ext>
+                  </a:extLst>
+                </a:gridCol>
+                <a:gridCol w="1255395">
+                  <a:extLst>
+                    <a:ext uri="{9D8B030D-6E8A-4147-A177-3AD203B41FA5}">
+                      <a16:colId xmlns:a16="http://schemas.microsoft.com/office/drawing/2014/main" val="4161810227"/>
+                    </a:ext>
+                  </a:extLst>
+                </a:gridCol>
+                <a:gridCol w="1255395">
+                  <a:extLst>
+                    <a:ext uri="{9D8B030D-6E8A-4147-A177-3AD203B41FA5}">
+                      <a16:colId xmlns:a16="http://schemas.microsoft.com/office/drawing/2014/main" val="1270834913"/>
+                    </a:ext>
+                  </a:extLst>
+                </a:gridCol>
+                <a:gridCol w="1255395">
+                  <a:extLst>
+                    <a:ext uri="{9D8B030D-6E8A-4147-A177-3AD203B41FA5}">
+                      <a16:colId xmlns:a16="http://schemas.microsoft.com/office/drawing/2014/main" val="2503563377"/>
+                    </a:ext>
+                  </a:extLst>
+                </a:gridCol>
+              </a:tblGrid>
+              <a:tr h="572453">
+                <a:tc>
+                  <a:txBody>
+                    <a:bodyPr/>
+                    <a:lstStyle/>
+                    <a:p>
+                      <a:endParaRPr lang="en-US"/>
+                    </a:p>
+                  </a:txBody>
+                  <a:tcPr>
+                    <a:lnL w="12700" cap="flat" cmpd="sng" algn="ctr">
+                      <a:solidFill>
+                        <a:schemeClr val="tx1"/>
+                      </a:solidFill>
+                      <a:prstDash val="solid"/>
+                      <a:round/>
+                      <a:headEnd type="none" w="med" len="med"/>
+                      <a:tailEnd type="none" w="med" len="med"/>
+                    </a:lnL>
+                    <a:lnR w="12700" cap="flat" cmpd="sng" algn="ctr">
+                      <a:solidFill>
+                        <a:schemeClr val="tx1"/>
+                      </a:solidFill>
+                      <a:prstDash val="solid"/>
+                      <a:round/>
+                      <a:headEnd type="none" w="med" len="med"/>
+                      <a:tailEnd type="none" w="med" len="med"/>
+                    </a:lnR>
+                    <a:lnT w="12700" cap="flat" cmpd="sng" algn="ctr">
+                      <a:solidFill>
+                        <a:schemeClr val="tx1"/>
+                      </a:solidFill>
+                      <a:prstDash val="solid"/>
+                      <a:round/>
+                      <a:headEnd type="none" w="med" len="med"/>
+                      <a:tailEnd type="none" w="med" len="med"/>
+                    </a:lnT>
+                    <a:lnB w="12700" cap="flat" cmpd="sng" algn="ctr">
+                      <a:solidFill>
+                        <a:schemeClr val="tx1"/>
+                      </a:solidFill>
+                      <a:prstDash val="solid"/>
+                      <a:round/>
+                      <a:headEnd type="none" w="med" len="med"/>
+                      <a:tailEnd type="none" w="med" len="med"/>
+                    </a:lnB>
+                    <a:noFill/>
+                  </a:tcPr>
+                </a:tc>
+                <a:tc>
+                  <a:txBody>
+                    <a:bodyPr/>
+                    <a:lstStyle/>
+                    <a:p>
+                      <a:endParaRPr lang="en-US"/>
+                    </a:p>
+                  </a:txBody>
+                  <a:tcPr>
+                    <a:lnL w="12700" cap="flat" cmpd="sng" algn="ctr">
+                      <a:solidFill>
+                        <a:schemeClr val="tx1"/>
+                      </a:solidFill>
+                      <a:prstDash val="solid"/>
+                      <a:round/>
+                      <a:headEnd type="none" w="med" len="med"/>
+                      <a:tailEnd type="none" w="med" len="med"/>
+                    </a:lnL>
+                    <a:lnR w="12700" cap="flat" cmpd="sng" algn="ctr">
+                      <a:solidFill>
+                        <a:schemeClr val="tx1"/>
+                      </a:solidFill>
+                      <a:prstDash val="solid"/>
+                      <a:round/>
+                      <a:headEnd type="none" w="med" len="med"/>
+                      <a:tailEnd type="none" w="med" len="med"/>
+                    </a:lnR>
+                    <a:lnT w="12700" cap="flat" cmpd="sng" algn="ctr">
+                      <a:solidFill>
+                        <a:schemeClr val="tx1"/>
+                      </a:solidFill>
+                      <a:prstDash val="solid"/>
+                      <a:round/>
+                      <a:headEnd type="none" w="med" len="med"/>
+                      <a:tailEnd type="none" w="med" len="med"/>
+                    </a:lnT>
+                    <a:lnB w="12700" cap="flat" cmpd="sng" algn="ctr">
+                      <a:solidFill>
+                        <a:schemeClr val="tx1"/>
+                      </a:solidFill>
+                      <a:prstDash val="solid"/>
+                      <a:round/>
+                      <a:headEnd type="none" w="med" len="med"/>
+                      <a:tailEnd type="none" w="med" len="med"/>
+                    </a:lnB>
+                    <a:noFill/>
+                  </a:tcPr>
+                </a:tc>
+                <a:tc>
+                  <a:txBody>
+                    <a:bodyPr/>
+                    <a:lstStyle/>
+                    <a:p>
+                      <a:endParaRPr lang="en-US"/>
+                    </a:p>
+                  </a:txBody>
+                  <a:tcPr>
+                    <a:lnL w="12700" cap="flat" cmpd="sng" algn="ctr">
+                      <a:solidFill>
+                        <a:schemeClr val="tx1"/>
+                      </a:solidFill>
+                      <a:prstDash val="solid"/>
+                      <a:round/>
+                      <a:headEnd type="none" w="med" len="med"/>
+                      <a:tailEnd type="none" w="med" len="med"/>
+                    </a:lnL>
+                    <a:lnR w="12700" cap="flat" cmpd="sng" algn="ctr">
+                      <a:solidFill>
+                        <a:schemeClr val="tx1"/>
+                      </a:solidFill>
+                      <a:prstDash val="solid"/>
+                      <a:round/>
+                      <a:headEnd type="none" w="med" len="med"/>
+                      <a:tailEnd type="none" w="med" len="med"/>
+                    </a:lnR>
+                    <a:lnT w="12700" cap="flat" cmpd="sng" algn="ctr">
+                      <a:solidFill>
+                        <a:schemeClr val="tx1"/>
+                      </a:solidFill>
+                      <a:prstDash val="solid"/>
+                      <a:round/>
+                      <a:headEnd type="none" w="med" len="med"/>
+                      <a:tailEnd type="none" w="med" len="med"/>
+                    </a:lnT>
+                    <a:lnB w="12700" cap="flat" cmpd="sng" algn="ctr">
+                      <a:solidFill>
+                        <a:schemeClr val="tx1"/>
+                      </a:solidFill>
+                      <a:prstDash val="solid"/>
+                      <a:round/>
+                      <a:headEnd type="none" w="med" len="med"/>
+                      <a:tailEnd type="none" w="med" len="med"/>
+                    </a:lnB>
+                    <a:noFill/>
+                  </a:tcPr>
+                </a:tc>
+                <a:tc>
+                  <a:txBody>
+                    <a:bodyPr/>
+                    <a:lstStyle/>
+                    <a:p>
+                      <a:endParaRPr lang="en-US"/>
+                    </a:p>
+                  </a:txBody>
+                  <a:tcPr>
+                    <a:lnL w="12700" cap="flat" cmpd="sng" algn="ctr">
+                      <a:solidFill>
+                        <a:schemeClr val="tx1"/>
+                      </a:solidFill>
+                      <a:prstDash val="solid"/>
+                      <a:round/>
+                      <a:headEnd type="none" w="med" len="med"/>
+                      <a:tailEnd type="none" w="med" len="med"/>
+                    </a:lnL>
+                    <a:lnR w="12700" cap="flat" cmpd="sng" algn="ctr">
+                      <a:solidFill>
+                        <a:schemeClr val="tx1"/>
+                      </a:solidFill>
+                      <a:prstDash val="solid"/>
+                      <a:round/>
+                      <a:headEnd type="none" w="med" len="med"/>
+                      <a:tailEnd type="none" w="med" len="med"/>
+                    </a:lnR>
+                    <a:lnT w="12700" cap="flat" cmpd="sng" algn="ctr">
+                      <a:solidFill>
+                        <a:schemeClr val="tx1"/>
+                      </a:solidFill>
+                      <a:prstDash val="solid"/>
+                      <a:round/>
+                      <a:headEnd type="none" w="med" len="med"/>
+                      <a:tailEnd type="none" w="med" len="med"/>
+                    </a:lnT>
+                    <a:lnB w="12700" cap="flat" cmpd="sng" algn="ctr">
+                      <a:solidFill>
+                        <a:schemeClr val="tx1"/>
+                      </a:solidFill>
+                      <a:prstDash val="solid"/>
+                      <a:round/>
+                      <a:headEnd type="none" w="med" len="med"/>
+                      <a:tailEnd type="none" w="med" len="med"/>
+                    </a:lnB>
+                    <a:noFill/>
+                  </a:tcPr>
+                </a:tc>
+                <a:tc>
+                  <a:txBody>
+                    <a:bodyPr/>
+                    <a:lstStyle/>
+                    <a:p>
+                      <a:endParaRPr lang="en-US"/>
+                    </a:p>
+                  </a:txBody>
+                  <a:tcPr>
+                    <a:lnL w="12700" cap="flat" cmpd="sng" algn="ctr">
+                      <a:solidFill>
+                        <a:schemeClr val="tx1"/>
+                      </a:solidFill>
+                      <a:prstDash val="solid"/>
+                      <a:round/>
+                      <a:headEnd type="none" w="med" len="med"/>
+                      <a:tailEnd type="none" w="med" len="med"/>
+                    </a:lnL>
+                    <a:lnR w="12700" cap="flat" cmpd="sng" algn="ctr">
+                      <a:solidFill>
+                        <a:schemeClr val="tx1"/>
+                      </a:solidFill>
+                      <a:prstDash val="solid"/>
+                      <a:round/>
+                      <a:headEnd type="none" w="med" len="med"/>
+                      <a:tailEnd type="none" w="med" len="med"/>
+                    </a:lnR>
+                    <a:lnT w="12700" cap="flat" cmpd="sng" algn="ctr">
+                      <a:solidFill>
+                        <a:schemeClr val="tx1"/>
+                      </a:solidFill>
+                      <a:prstDash val="solid"/>
+                      <a:round/>
+                      <a:headEnd type="none" w="med" len="med"/>
+                      <a:tailEnd type="none" w="med" len="med"/>
+                    </a:lnT>
+                    <a:lnB w="12700" cap="flat" cmpd="sng" algn="ctr">
+                      <a:solidFill>
+                        <a:schemeClr val="tx1"/>
+                      </a:solidFill>
+                      <a:prstDash val="solid"/>
+                      <a:round/>
+                      <a:headEnd type="none" w="med" len="med"/>
+                      <a:tailEnd type="none" w="med" len="med"/>
+                    </a:lnB>
+                    <a:noFill/>
+                  </a:tcPr>
+                </a:tc>
+                <a:extLst>
+                  <a:ext uri="{0D108BD9-81ED-4DB2-BD59-A6C34878D82A}">
+                    <a16:rowId xmlns:a16="http://schemas.microsoft.com/office/drawing/2014/main" val="3688280945"/>
+                  </a:ext>
+                </a:extLst>
+              </a:tr>
+              <a:tr h="572453">
+                <a:tc>
+                  <a:txBody>
+                    <a:bodyPr/>
+                    <a:lstStyle/>
+                    <a:p>
+                      <a:endParaRPr lang="en-US"/>
+                    </a:p>
+                  </a:txBody>
+                  <a:tcPr>
+                    <a:lnL w="12700" cap="flat" cmpd="sng" algn="ctr">
+                      <a:solidFill>
+                        <a:schemeClr val="tx1"/>
+                      </a:solidFill>
+                      <a:prstDash val="solid"/>
+                      <a:round/>
+                      <a:headEnd type="none" w="med" len="med"/>
+                      <a:tailEnd type="none" w="med" len="med"/>
+                    </a:lnL>
+                    <a:lnR w="12700" cap="flat" cmpd="sng" algn="ctr">
+                      <a:solidFill>
+                        <a:schemeClr val="tx1"/>
+                      </a:solidFill>
+                      <a:prstDash val="solid"/>
+                      <a:round/>
+                      <a:headEnd type="none" w="med" len="med"/>
+                      <a:tailEnd type="none" w="med" len="med"/>
+                    </a:lnR>
+                    <a:lnT w="12700" cap="flat" cmpd="sng" algn="ctr">
+                      <a:solidFill>
+                        <a:schemeClr val="tx1"/>
+                      </a:solidFill>
+                      <a:prstDash val="solid"/>
+                      <a:round/>
+                      <a:headEnd type="none" w="med" len="med"/>
+                      <a:tailEnd type="none" w="med" len="med"/>
+                    </a:lnT>
+                    <a:lnB w="12700" cap="flat" cmpd="sng" algn="ctr">
+                      <a:solidFill>
+                        <a:schemeClr val="tx1"/>
+                      </a:solidFill>
+                      <a:prstDash val="solid"/>
+                      <a:round/>
+                      <a:headEnd type="none" w="med" len="med"/>
+                      <a:tailEnd type="none" w="med" len="med"/>
+                    </a:lnB>
+                    <a:noFill/>
+                  </a:tcPr>
+                </a:tc>
+                <a:tc>
+                  <a:txBody>
+                    <a:bodyPr/>
+                    <a:lstStyle/>
+                    <a:p>
+                      <a:endParaRPr lang="en-US" dirty="0"/>
+                    </a:p>
+                  </a:txBody>
+                  <a:tcPr>
+                    <a:lnL w="12700" cap="flat" cmpd="sng" algn="ctr">
+                      <a:solidFill>
+                        <a:schemeClr val="tx1"/>
+                      </a:solidFill>
+                      <a:prstDash val="solid"/>
+                      <a:round/>
+                      <a:headEnd type="none" w="med" len="med"/>
+                      <a:tailEnd type="none" w="med" len="med"/>
+                    </a:lnL>
+                    <a:lnR w="12700" cap="flat" cmpd="sng" algn="ctr">
+                      <a:solidFill>
+                        <a:schemeClr val="tx1"/>
+                      </a:solidFill>
+                      <a:prstDash val="solid"/>
+                      <a:round/>
+                      <a:headEnd type="none" w="med" len="med"/>
+                      <a:tailEnd type="none" w="med" len="med"/>
+                    </a:lnR>
+                    <a:lnT w="12700" cap="flat" cmpd="sng" algn="ctr">
+                      <a:solidFill>
+                        <a:schemeClr val="tx1"/>
+                      </a:solidFill>
+                      <a:prstDash val="solid"/>
+                      <a:round/>
+                      <a:headEnd type="none" w="med" len="med"/>
+                      <a:tailEnd type="none" w="med" len="med"/>
+                    </a:lnT>
+                    <a:lnB w="12700" cap="flat" cmpd="sng" algn="ctr">
+                      <a:solidFill>
+                        <a:schemeClr val="tx1"/>
+                      </a:solidFill>
+                      <a:prstDash val="solid"/>
+                      <a:round/>
+                      <a:headEnd type="none" w="med" len="med"/>
+                      <a:tailEnd type="none" w="med" len="med"/>
+                    </a:lnB>
+                    <a:noFill/>
+                  </a:tcPr>
+                </a:tc>
+                <a:tc>
+                  <a:txBody>
+                    <a:bodyPr/>
+                    <a:lstStyle/>
+                    <a:p>
+                      <a:endParaRPr lang="en-US"/>
+                    </a:p>
+                  </a:txBody>
+                  <a:tcPr>
+                    <a:lnL w="12700" cap="flat" cmpd="sng" algn="ctr">
+                      <a:solidFill>
+                        <a:schemeClr val="tx1"/>
+                      </a:solidFill>
+                      <a:prstDash val="solid"/>
+                      <a:round/>
+                      <a:headEnd type="none" w="med" len="med"/>
+                      <a:tailEnd type="none" w="med" len="med"/>
+                    </a:lnL>
+                    <a:lnR w="12700" cap="flat" cmpd="sng" algn="ctr">
+                      <a:solidFill>
+                        <a:schemeClr val="tx1"/>
+                      </a:solidFill>
+                      <a:prstDash val="solid"/>
+                      <a:round/>
+                      <a:headEnd type="none" w="med" len="med"/>
+                      <a:tailEnd type="none" w="med" len="med"/>
+                    </a:lnR>
+                    <a:lnT w="12700" cap="flat" cmpd="sng" algn="ctr">
+                      <a:solidFill>
+                        <a:schemeClr val="tx1"/>
+                      </a:solidFill>
+                      <a:prstDash val="solid"/>
+                      <a:round/>
+                      <a:headEnd type="none" w="med" len="med"/>
+                      <a:tailEnd type="none" w="med" len="med"/>
+                    </a:lnT>
+                    <a:lnB w="12700" cap="flat" cmpd="sng" algn="ctr">
+                      <a:solidFill>
+                        <a:schemeClr val="tx1"/>
+                      </a:solidFill>
+                      <a:prstDash val="solid"/>
+                      <a:round/>
+                      <a:headEnd type="none" w="med" len="med"/>
+                      <a:tailEnd type="none" w="med" len="med"/>
+                    </a:lnB>
+                    <a:noFill/>
+                  </a:tcPr>
+                </a:tc>
+                <a:tc>
+                  <a:txBody>
+                    <a:bodyPr/>
+                    <a:lstStyle/>
+                    <a:p>
+                      <a:endParaRPr lang="en-US"/>
+                    </a:p>
+                  </a:txBody>
+                  <a:tcPr>
+                    <a:lnL w="12700" cap="flat" cmpd="sng" algn="ctr">
+                      <a:solidFill>
+                        <a:schemeClr val="tx1"/>
+                      </a:solidFill>
+                      <a:prstDash val="solid"/>
+                      <a:round/>
+                      <a:headEnd type="none" w="med" len="med"/>
+                      <a:tailEnd type="none" w="med" len="med"/>
+                    </a:lnL>
+                    <a:lnR w="12700" cap="flat" cmpd="sng" algn="ctr">
+                      <a:solidFill>
+                        <a:schemeClr val="tx1"/>
+                      </a:solidFill>
+                      <a:prstDash val="solid"/>
+                      <a:round/>
+                      <a:headEnd type="none" w="med" len="med"/>
+                      <a:tailEnd type="none" w="med" len="med"/>
+                    </a:lnR>
+                    <a:lnT w="12700" cap="flat" cmpd="sng" algn="ctr">
+                      <a:solidFill>
+                        <a:schemeClr val="tx1"/>
+                      </a:solidFill>
+                      <a:prstDash val="solid"/>
+                      <a:round/>
+                      <a:headEnd type="none" w="med" len="med"/>
+                      <a:tailEnd type="none" w="med" len="med"/>
+                    </a:lnT>
+                    <a:lnB w="12700" cap="flat" cmpd="sng" algn="ctr">
+                      <a:solidFill>
+                        <a:schemeClr val="tx1"/>
+                      </a:solidFill>
+                      <a:prstDash val="solid"/>
+                      <a:round/>
+                      <a:headEnd type="none" w="med" len="med"/>
+                      <a:tailEnd type="none" w="med" len="med"/>
+                    </a:lnB>
+                    <a:noFill/>
+                  </a:tcPr>
+                </a:tc>
+                <a:tc>
+                  <a:txBody>
+                    <a:bodyPr/>
+                    <a:lstStyle/>
+                    <a:p>
+                      <a:endParaRPr lang="en-US"/>
+                    </a:p>
+                  </a:txBody>
+                  <a:tcPr>
+                    <a:lnL w="12700" cap="flat" cmpd="sng" algn="ctr">
+                      <a:solidFill>
+                        <a:schemeClr val="tx1"/>
+                      </a:solidFill>
+                      <a:prstDash val="solid"/>
+                      <a:round/>
+                      <a:headEnd type="none" w="med" len="med"/>
+                      <a:tailEnd type="none" w="med" len="med"/>
+                    </a:lnL>
+                    <a:lnR w="12700" cap="flat" cmpd="sng" algn="ctr">
+                      <a:solidFill>
+                        <a:schemeClr val="tx1"/>
+                      </a:solidFill>
+                      <a:prstDash val="solid"/>
+                      <a:round/>
+                      <a:headEnd type="none" w="med" len="med"/>
+                      <a:tailEnd type="none" w="med" len="med"/>
+                    </a:lnR>
+                    <a:lnT w="12700" cap="flat" cmpd="sng" algn="ctr">
+                      <a:solidFill>
+                        <a:schemeClr val="tx1"/>
+                      </a:solidFill>
+                      <a:prstDash val="solid"/>
+                      <a:round/>
+                      <a:headEnd type="none" w="med" len="med"/>
+                      <a:tailEnd type="none" w="med" len="med"/>
+                    </a:lnT>
+                    <a:lnB w="12700" cap="flat" cmpd="sng" algn="ctr">
+                      <a:solidFill>
+                        <a:schemeClr val="tx1"/>
+                      </a:solidFill>
+                      <a:prstDash val="solid"/>
+                      <a:round/>
+                      <a:headEnd type="none" w="med" len="med"/>
+                      <a:tailEnd type="none" w="med" len="med"/>
+                    </a:lnB>
+                    <a:noFill/>
+                  </a:tcPr>
+                </a:tc>
+                <a:extLst>
+                  <a:ext uri="{0D108BD9-81ED-4DB2-BD59-A6C34878D82A}">
+                    <a16:rowId xmlns:a16="http://schemas.microsoft.com/office/drawing/2014/main" val="2308976921"/>
+                  </a:ext>
+                </a:extLst>
+              </a:tr>
+              <a:tr h="572453">
+                <a:tc>
+                  <a:txBody>
+                    <a:bodyPr/>
+                    <a:lstStyle/>
+                    <a:p>
+                      <a:endParaRPr lang="en-US"/>
+                    </a:p>
+                  </a:txBody>
+                  <a:tcPr>
+                    <a:lnL w="12700" cap="flat" cmpd="sng" algn="ctr">
+                      <a:solidFill>
+                        <a:schemeClr val="tx1"/>
+                      </a:solidFill>
+                      <a:prstDash val="solid"/>
+                      <a:round/>
+                      <a:headEnd type="none" w="med" len="med"/>
+                      <a:tailEnd type="none" w="med" len="med"/>
+                    </a:lnL>
+                    <a:lnR w="12700" cap="flat" cmpd="sng" algn="ctr">
+                      <a:solidFill>
+                        <a:schemeClr val="tx1"/>
+                      </a:solidFill>
+                      <a:prstDash val="solid"/>
+                      <a:round/>
+                      <a:headEnd type="none" w="med" len="med"/>
+                      <a:tailEnd type="none" w="med" len="med"/>
+                    </a:lnR>
+                    <a:lnT w="12700" cap="flat" cmpd="sng" algn="ctr">
+                      <a:solidFill>
+                        <a:schemeClr val="tx1"/>
+                      </a:solidFill>
+                      <a:prstDash val="solid"/>
+                      <a:round/>
+                      <a:headEnd type="none" w="med" len="med"/>
+                      <a:tailEnd type="none" w="med" len="med"/>
+                    </a:lnT>
+                    <a:lnB w="12700" cap="flat" cmpd="sng" algn="ctr">
+                      <a:solidFill>
+                        <a:schemeClr val="tx1"/>
+                      </a:solidFill>
+                      <a:prstDash val="solid"/>
+                      <a:round/>
+                      <a:headEnd type="none" w="med" len="med"/>
+                      <a:tailEnd type="none" w="med" len="med"/>
+                    </a:lnB>
+                    <a:noFill/>
+                  </a:tcPr>
+                </a:tc>
+                <a:tc>
+                  <a:txBody>
+                    <a:bodyPr/>
+                    <a:lstStyle/>
+                    <a:p>
+                      <a:endParaRPr lang="en-US"/>
+                    </a:p>
+                  </a:txBody>
+                  <a:tcPr>
+                    <a:lnL w="12700" cap="flat" cmpd="sng" algn="ctr">
+                      <a:solidFill>
+                        <a:schemeClr val="tx1"/>
+                      </a:solidFill>
+                      <a:prstDash val="solid"/>
+                      <a:round/>
+                      <a:headEnd type="none" w="med" len="med"/>
+                      <a:tailEnd type="none" w="med" len="med"/>
+                    </a:lnL>
+                    <a:lnR w="12700" cap="flat" cmpd="sng" algn="ctr">
+                      <a:solidFill>
+                        <a:schemeClr val="tx1"/>
+                      </a:solidFill>
+                      <a:prstDash val="solid"/>
+                      <a:round/>
+                      <a:headEnd type="none" w="med" len="med"/>
+                      <a:tailEnd type="none" w="med" len="med"/>
+                    </a:lnR>
+                    <a:lnT w="12700" cap="flat" cmpd="sng" algn="ctr">
+                      <a:solidFill>
+                        <a:schemeClr val="tx1"/>
+                      </a:solidFill>
+                      <a:prstDash val="solid"/>
+                      <a:round/>
+                      <a:headEnd type="none" w="med" len="med"/>
+                      <a:tailEnd type="none" w="med" len="med"/>
+                    </a:lnT>
+                    <a:lnB w="12700" cap="flat" cmpd="sng" algn="ctr">
+                      <a:solidFill>
+                        <a:schemeClr val="tx1"/>
+                      </a:solidFill>
+                      <a:prstDash val="solid"/>
+                      <a:round/>
+                      <a:headEnd type="none" w="med" len="med"/>
+                      <a:tailEnd type="none" w="med" len="med"/>
+                    </a:lnB>
+                    <a:noFill/>
+                  </a:tcPr>
+                </a:tc>
+                <a:tc>
+                  <a:txBody>
+                    <a:bodyPr/>
+                    <a:lstStyle/>
+                    <a:p>
+                      <a:endParaRPr lang="en-US"/>
+                    </a:p>
+                  </a:txBody>
+                  <a:tcPr>
+                    <a:lnL w="12700" cap="flat" cmpd="sng" algn="ctr">
+                      <a:solidFill>
+                        <a:schemeClr val="tx1"/>
+                      </a:solidFill>
+                      <a:prstDash val="solid"/>
+                      <a:round/>
+                      <a:headEnd type="none" w="med" len="med"/>
+                      <a:tailEnd type="none" w="med" len="med"/>
+                    </a:lnL>
+                    <a:lnR w="12700" cap="flat" cmpd="sng" algn="ctr">
+                      <a:solidFill>
+                        <a:schemeClr val="tx1"/>
+                      </a:solidFill>
+                      <a:prstDash val="solid"/>
+                      <a:round/>
+                      <a:headEnd type="none" w="med" len="med"/>
+                      <a:tailEnd type="none" w="med" len="med"/>
+                    </a:lnR>
+                    <a:lnT w="12700" cap="flat" cmpd="sng" algn="ctr">
+                      <a:solidFill>
+                        <a:schemeClr val="tx1"/>
+                      </a:solidFill>
+                      <a:prstDash val="solid"/>
+                      <a:round/>
+                      <a:headEnd type="none" w="med" len="med"/>
+                      <a:tailEnd type="none" w="med" len="med"/>
+                    </a:lnT>
+                    <a:lnB w="12700" cap="flat" cmpd="sng" algn="ctr">
+                      <a:solidFill>
+                        <a:schemeClr val="tx1"/>
+                      </a:solidFill>
+                      <a:prstDash val="solid"/>
+                      <a:round/>
+                      <a:headEnd type="none" w="med" len="med"/>
+                      <a:tailEnd type="none" w="med" len="med"/>
+                    </a:lnB>
+                    <a:noFill/>
+                  </a:tcPr>
+                </a:tc>
+                <a:tc>
+                  <a:txBody>
+                    <a:bodyPr/>
+                    <a:lstStyle/>
+                    <a:p>
+                      <a:endParaRPr lang="en-US"/>
+                    </a:p>
+                  </a:txBody>
+                  <a:tcPr>
+                    <a:lnL w="12700" cap="flat" cmpd="sng" algn="ctr">
+                      <a:solidFill>
+                        <a:schemeClr val="tx1"/>
+                      </a:solidFill>
+                      <a:prstDash val="solid"/>
+                      <a:round/>
+                      <a:headEnd type="none" w="med" len="med"/>
+                      <a:tailEnd type="none" w="med" len="med"/>
+                    </a:lnL>
+                    <a:lnR w="12700" cap="flat" cmpd="sng" algn="ctr">
+                      <a:solidFill>
+                        <a:schemeClr val="tx1"/>
+                      </a:solidFill>
+                      <a:prstDash val="solid"/>
+                      <a:round/>
+                      <a:headEnd type="none" w="med" len="med"/>
+                      <a:tailEnd type="none" w="med" len="med"/>
+                    </a:lnR>
+                    <a:lnT w="12700" cap="flat" cmpd="sng" algn="ctr">
+                      <a:solidFill>
+                        <a:schemeClr val="tx1"/>
+                      </a:solidFill>
+                      <a:prstDash val="solid"/>
+                      <a:round/>
+                      <a:headEnd type="none" w="med" len="med"/>
+                      <a:tailEnd type="none" w="med" len="med"/>
+                    </a:lnT>
+                    <a:lnB w="12700" cap="flat" cmpd="sng" algn="ctr">
+                      <a:solidFill>
+                        <a:schemeClr val="tx1"/>
+                      </a:solidFill>
+                      <a:prstDash val="solid"/>
+                      <a:round/>
+                      <a:headEnd type="none" w="med" len="med"/>
+                      <a:tailEnd type="none" w="med" len="med"/>
+                    </a:lnB>
+                    <a:noFill/>
+                  </a:tcPr>
+                </a:tc>
+                <a:tc>
+                  <a:txBody>
+                    <a:bodyPr/>
+                    <a:lstStyle/>
+                    <a:p>
+                      <a:endParaRPr lang="en-US"/>
+                    </a:p>
+                  </a:txBody>
+                  <a:tcPr>
+                    <a:lnL w="12700" cap="flat" cmpd="sng" algn="ctr">
+                      <a:solidFill>
+                        <a:schemeClr val="tx1"/>
+                      </a:solidFill>
+                      <a:prstDash val="solid"/>
+                      <a:round/>
+                      <a:headEnd type="none" w="med" len="med"/>
+                      <a:tailEnd type="none" w="med" len="med"/>
+                    </a:lnL>
+                    <a:lnR w="12700" cap="flat" cmpd="sng" algn="ctr">
+                      <a:solidFill>
+                        <a:schemeClr val="tx1"/>
+                      </a:solidFill>
+                      <a:prstDash val="solid"/>
+                      <a:round/>
+                      <a:headEnd type="none" w="med" len="med"/>
+                      <a:tailEnd type="none" w="med" len="med"/>
+                    </a:lnR>
+                    <a:lnT w="12700" cap="flat" cmpd="sng" algn="ctr">
+                      <a:solidFill>
+                        <a:schemeClr val="tx1"/>
+                      </a:solidFill>
+                      <a:prstDash val="solid"/>
+                      <a:round/>
+                      <a:headEnd type="none" w="med" len="med"/>
+                      <a:tailEnd type="none" w="med" len="med"/>
+                    </a:lnT>
+                    <a:lnB w="12700" cap="flat" cmpd="sng" algn="ctr">
+                      <a:solidFill>
+                        <a:schemeClr val="tx1"/>
+                      </a:solidFill>
+                      <a:prstDash val="solid"/>
+                      <a:round/>
+                      <a:headEnd type="none" w="med" len="med"/>
+                      <a:tailEnd type="none" w="med" len="med"/>
+                    </a:lnB>
+                    <a:noFill/>
+                  </a:tcPr>
+                </a:tc>
+                <a:extLst>
+                  <a:ext uri="{0D108BD9-81ED-4DB2-BD59-A6C34878D82A}">
+                    <a16:rowId xmlns:a16="http://schemas.microsoft.com/office/drawing/2014/main" val="3464197431"/>
+                  </a:ext>
+                </a:extLst>
+              </a:tr>
+              <a:tr h="572453">
+                <a:tc>
+                  <a:txBody>
+                    <a:bodyPr/>
+                    <a:lstStyle/>
+                    <a:p>
+                      <a:endParaRPr lang="en-US"/>
+                    </a:p>
+                  </a:txBody>
+                  <a:tcPr>
+                    <a:lnL w="12700" cap="flat" cmpd="sng" algn="ctr">
+                      <a:solidFill>
+                        <a:schemeClr val="tx1"/>
+                      </a:solidFill>
+                      <a:prstDash val="solid"/>
+                      <a:round/>
+                      <a:headEnd type="none" w="med" len="med"/>
+                      <a:tailEnd type="none" w="med" len="med"/>
+                    </a:lnL>
+                    <a:lnR w="12700" cap="flat" cmpd="sng" algn="ctr">
+                      <a:solidFill>
+                        <a:schemeClr val="tx1"/>
+                      </a:solidFill>
+                      <a:prstDash val="solid"/>
+                      <a:round/>
+                      <a:headEnd type="none" w="med" len="med"/>
+                      <a:tailEnd type="none" w="med" len="med"/>
+                    </a:lnR>
+                    <a:lnT w="12700" cap="flat" cmpd="sng" algn="ctr">
+                      <a:solidFill>
+                        <a:schemeClr val="tx1"/>
+                      </a:solidFill>
+                      <a:prstDash val="solid"/>
+                      <a:round/>
+                      <a:headEnd type="none" w="med" len="med"/>
+                      <a:tailEnd type="none" w="med" len="med"/>
+                    </a:lnT>
+                    <a:lnB w="12700" cap="flat" cmpd="sng" algn="ctr">
+                      <a:solidFill>
+                        <a:schemeClr val="tx1"/>
+                      </a:solidFill>
+                      <a:prstDash val="solid"/>
+                      <a:round/>
+                      <a:headEnd type="none" w="med" len="med"/>
+                      <a:tailEnd type="none" w="med" len="med"/>
+                    </a:lnB>
+                    <a:noFill/>
+                  </a:tcPr>
+                </a:tc>
+                <a:tc>
+                  <a:txBody>
+                    <a:bodyPr/>
+                    <a:lstStyle/>
+                    <a:p>
+                      <a:endParaRPr lang="en-US"/>
+                    </a:p>
+                  </a:txBody>
+                  <a:tcPr>
+                    <a:lnL w="12700" cap="flat" cmpd="sng" algn="ctr">
+                      <a:solidFill>
+                        <a:schemeClr val="tx1"/>
+                      </a:solidFill>
+                      <a:prstDash val="solid"/>
+                      <a:round/>
+                      <a:headEnd type="none" w="med" len="med"/>
+                      <a:tailEnd type="none" w="med" len="med"/>
+                    </a:lnL>
+                    <a:lnR w="12700" cap="flat" cmpd="sng" algn="ctr">
+                      <a:solidFill>
+                        <a:schemeClr val="tx1"/>
+                      </a:solidFill>
+                      <a:prstDash val="solid"/>
+                      <a:round/>
+                      <a:headEnd type="none" w="med" len="med"/>
+                      <a:tailEnd type="none" w="med" len="med"/>
+                    </a:lnR>
+                    <a:lnT w="12700" cap="flat" cmpd="sng" algn="ctr">
+                      <a:solidFill>
+                        <a:schemeClr val="tx1"/>
+                      </a:solidFill>
+                      <a:prstDash val="solid"/>
+                      <a:round/>
+                      <a:headEnd type="none" w="med" len="med"/>
+                      <a:tailEnd type="none" w="med" len="med"/>
+                    </a:lnT>
+                    <a:lnB w="12700" cap="flat" cmpd="sng" algn="ctr">
+                      <a:solidFill>
+                        <a:schemeClr val="tx1"/>
+                      </a:solidFill>
+                      <a:prstDash val="solid"/>
+                      <a:round/>
+                      <a:headEnd type="none" w="med" len="med"/>
+                      <a:tailEnd type="none" w="med" len="med"/>
+                    </a:lnB>
+                    <a:noFill/>
+                  </a:tcPr>
+                </a:tc>
+                <a:tc>
+                  <a:txBody>
+                    <a:bodyPr/>
+                    <a:lstStyle/>
+                    <a:p>
+                      <a:endParaRPr lang="en-US"/>
+                    </a:p>
+                  </a:txBody>
+                  <a:tcPr>
+                    <a:lnL w="12700" cap="flat" cmpd="sng" algn="ctr">
+                      <a:solidFill>
+                        <a:schemeClr val="tx1"/>
+                      </a:solidFill>
+                      <a:prstDash val="solid"/>
+                      <a:round/>
+                      <a:headEnd type="none" w="med" len="med"/>
+                      <a:tailEnd type="none" w="med" len="med"/>
+                    </a:lnL>
+                    <a:lnR w="12700" cap="flat" cmpd="sng" algn="ctr">
+                      <a:solidFill>
+                        <a:schemeClr val="tx1"/>
+                      </a:solidFill>
+                      <a:prstDash val="solid"/>
+                      <a:round/>
+                      <a:headEnd type="none" w="med" len="med"/>
+                      <a:tailEnd type="none" w="med" len="med"/>
+                    </a:lnR>
+                    <a:lnT w="12700" cap="flat" cmpd="sng" algn="ctr">
+                      <a:solidFill>
+                        <a:schemeClr val="tx1"/>
+                      </a:solidFill>
+                      <a:prstDash val="solid"/>
+                      <a:round/>
+                      <a:headEnd type="none" w="med" len="med"/>
+                      <a:tailEnd type="none" w="med" len="med"/>
+                    </a:lnT>
+                    <a:lnB w="12700" cap="flat" cmpd="sng" algn="ctr">
+                      <a:solidFill>
+                        <a:schemeClr val="tx1"/>
+                      </a:solidFill>
+                      <a:prstDash val="solid"/>
+                      <a:round/>
+                      <a:headEnd type="none" w="med" len="med"/>
+                      <a:tailEnd type="none" w="med" len="med"/>
+                    </a:lnB>
+                    <a:noFill/>
+                  </a:tcPr>
+                </a:tc>
+                <a:tc>
+                  <a:txBody>
+                    <a:bodyPr/>
+                    <a:lstStyle/>
+                    <a:p>
+                      <a:endParaRPr lang="en-US"/>
+                    </a:p>
+                  </a:txBody>
+                  <a:tcPr>
+                    <a:lnL w="12700" cap="flat" cmpd="sng" algn="ctr">
+                      <a:solidFill>
+                        <a:schemeClr val="tx1"/>
+                      </a:solidFill>
+                      <a:prstDash val="solid"/>
+                      <a:round/>
+                      <a:headEnd type="none" w="med" len="med"/>
+                      <a:tailEnd type="none" w="med" len="med"/>
+                    </a:lnL>
+                    <a:lnR w="12700" cap="flat" cmpd="sng" algn="ctr">
+                      <a:solidFill>
+                        <a:schemeClr val="tx1"/>
+                      </a:solidFill>
+                      <a:prstDash val="solid"/>
+                      <a:round/>
+                      <a:headEnd type="none" w="med" len="med"/>
+                      <a:tailEnd type="none" w="med" len="med"/>
+                    </a:lnR>
+                    <a:lnT w="12700" cap="flat" cmpd="sng" algn="ctr">
+                      <a:solidFill>
+                        <a:schemeClr val="tx1"/>
+                      </a:solidFill>
+                      <a:prstDash val="solid"/>
+                      <a:round/>
+                      <a:headEnd type="none" w="med" len="med"/>
+                      <a:tailEnd type="none" w="med" len="med"/>
+                    </a:lnT>
+                    <a:lnB w="12700" cap="flat" cmpd="sng" algn="ctr">
+                      <a:solidFill>
+                        <a:schemeClr val="tx1"/>
+                      </a:solidFill>
+                      <a:prstDash val="solid"/>
+                      <a:round/>
+                      <a:headEnd type="none" w="med" len="med"/>
+                      <a:tailEnd type="none" w="med" len="med"/>
+                    </a:lnB>
+                    <a:noFill/>
+                  </a:tcPr>
+                </a:tc>
+                <a:tc>
+                  <a:txBody>
+                    <a:bodyPr/>
+                    <a:lstStyle/>
+                    <a:p>
+                      <a:endParaRPr lang="en-US"/>
+                    </a:p>
+                  </a:txBody>
+                  <a:tcPr>
+                    <a:lnL w="12700" cap="flat" cmpd="sng" algn="ctr">
+                      <a:solidFill>
+                        <a:schemeClr val="tx1"/>
+                      </a:solidFill>
+                      <a:prstDash val="solid"/>
+                      <a:round/>
+                      <a:headEnd type="none" w="med" len="med"/>
+                      <a:tailEnd type="none" w="med" len="med"/>
+                    </a:lnL>
+                    <a:lnR w="12700" cap="flat" cmpd="sng" algn="ctr">
+                      <a:solidFill>
+                        <a:schemeClr val="tx1"/>
+                      </a:solidFill>
+                      <a:prstDash val="solid"/>
+                      <a:round/>
+                      <a:headEnd type="none" w="med" len="med"/>
+                      <a:tailEnd type="none" w="med" len="med"/>
+                    </a:lnR>
+                    <a:lnT w="12700" cap="flat" cmpd="sng" algn="ctr">
+                      <a:solidFill>
+                        <a:schemeClr val="tx1"/>
+                      </a:solidFill>
+                      <a:prstDash val="solid"/>
+                      <a:round/>
+                      <a:headEnd type="none" w="med" len="med"/>
+                      <a:tailEnd type="none" w="med" len="med"/>
+                    </a:lnT>
+                    <a:lnB w="12700" cap="flat" cmpd="sng" algn="ctr">
+                      <a:solidFill>
+                        <a:schemeClr val="tx1"/>
+                      </a:solidFill>
+                      <a:prstDash val="solid"/>
+                      <a:round/>
+                      <a:headEnd type="none" w="med" len="med"/>
+                      <a:tailEnd type="none" w="med" len="med"/>
+                    </a:lnB>
+                    <a:noFill/>
+                  </a:tcPr>
+                </a:tc>
+                <a:extLst>
+                  <a:ext uri="{0D108BD9-81ED-4DB2-BD59-A6C34878D82A}">
+                    <a16:rowId xmlns:a16="http://schemas.microsoft.com/office/drawing/2014/main" val="2106733177"/>
+                  </a:ext>
+                </a:extLst>
+              </a:tr>
+              <a:tr h="572453">
+                <a:tc>
+                  <a:txBody>
+                    <a:bodyPr/>
+                    <a:lstStyle/>
+                    <a:p>
+                      <a:endParaRPr lang="en-US"/>
+                    </a:p>
+                  </a:txBody>
+                  <a:tcPr>
+                    <a:lnL w="12700" cap="flat" cmpd="sng" algn="ctr">
+                      <a:solidFill>
+                        <a:schemeClr val="tx1"/>
+                      </a:solidFill>
+                      <a:prstDash val="solid"/>
+                      <a:round/>
+                      <a:headEnd type="none" w="med" len="med"/>
+                      <a:tailEnd type="none" w="med" len="med"/>
+                    </a:lnL>
+                    <a:lnR w="12700" cap="flat" cmpd="sng" algn="ctr">
+                      <a:solidFill>
+                        <a:schemeClr val="tx1"/>
+                      </a:solidFill>
+                      <a:prstDash val="solid"/>
+                      <a:round/>
+                      <a:headEnd type="none" w="med" len="med"/>
+                      <a:tailEnd type="none" w="med" len="med"/>
+                    </a:lnR>
+                    <a:lnT w="12700" cap="flat" cmpd="sng" algn="ctr">
+                      <a:solidFill>
+                        <a:schemeClr val="tx1"/>
+                      </a:solidFill>
+                      <a:prstDash val="solid"/>
+                      <a:round/>
+                      <a:headEnd type="none" w="med" len="med"/>
+                      <a:tailEnd type="none" w="med" len="med"/>
+                    </a:lnT>
+                    <a:lnB w="12700" cap="flat" cmpd="sng" algn="ctr">
+                      <a:solidFill>
+                        <a:schemeClr val="tx1"/>
+                      </a:solidFill>
+                      <a:prstDash val="solid"/>
+                      <a:round/>
+                      <a:headEnd type="none" w="med" len="med"/>
+                      <a:tailEnd type="none" w="med" len="med"/>
+                    </a:lnB>
+                    <a:noFill/>
+                  </a:tcPr>
+                </a:tc>
+                <a:tc>
+                  <a:txBody>
+                    <a:bodyPr/>
+                    <a:lstStyle/>
+                    <a:p>
+                      <a:endParaRPr lang="en-US"/>
+                    </a:p>
+                  </a:txBody>
+                  <a:tcPr>
+                    <a:lnL w="12700" cap="flat" cmpd="sng" algn="ctr">
+                      <a:solidFill>
+                        <a:schemeClr val="tx1"/>
+                      </a:solidFill>
+                      <a:prstDash val="solid"/>
+                      <a:round/>
+                      <a:headEnd type="none" w="med" len="med"/>
+                      <a:tailEnd type="none" w="med" len="med"/>
+                    </a:lnL>
+                    <a:lnR w="12700" cap="flat" cmpd="sng" algn="ctr">
+                      <a:solidFill>
+                        <a:schemeClr val="tx1"/>
+                      </a:solidFill>
+                      <a:prstDash val="solid"/>
+                      <a:round/>
+                      <a:headEnd type="none" w="med" len="med"/>
+                      <a:tailEnd type="none" w="med" len="med"/>
+                    </a:lnR>
+                    <a:lnT w="12700" cap="flat" cmpd="sng" algn="ctr">
+                      <a:solidFill>
+                        <a:schemeClr val="tx1"/>
+                      </a:solidFill>
+                      <a:prstDash val="solid"/>
+                      <a:round/>
+                      <a:headEnd type="none" w="med" len="med"/>
+                      <a:tailEnd type="none" w="med" len="med"/>
+                    </a:lnT>
+                    <a:lnB w="12700" cap="flat" cmpd="sng" algn="ctr">
+                      <a:solidFill>
+                        <a:schemeClr val="tx1"/>
+                      </a:solidFill>
+                      <a:prstDash val="solid"/>
+                      <a:round/>
+                      <a:headEnd type="none" w="med" len="med"/>
+                      <a:tailEnd type="none" w="med" len="med"/>
+                    </a:lnB>
+                    <a:noFill/>
+                  </a:tcPr>
+                </a:tc>
+                <a:tc>
+                  <a:txBody>
+                    <a:bodyPr/>
+                    <a:lstStyle/>
+                    <a:p>
+                      <a:endParaRPr lang="en-US"/>
+                    </a:p>
+                  </a:txBody>
+                  <a:tcPr>
+                    <a:lnL w="12700" cap="flat" cmpd="sng" algn="ctr">
+                      <a:solidFill>
+                        <a:schemeClr val="tx1"/>
+                      </a:solidFill>
+                      <a:prstDash val="solid"/>
+                      <a:round/>
+                      <a:headEnd type="none" w="med" len="med"/>
+                      <a:tailEnd type="none" w="med" len="med"/>
+                    </a:lnL>
+                    <a:lnR w="12700" cap="flat" cmpd="sng" algn="ctr">
+                      <a:solidFill>
+                        <a:schemeClr val="tx1"/>
+                      </a:solidFill>
+                      <a:prstDash val="solid"/>
+                      <a:round/>
+                      <a:headEnd type="none" w="med" len="med"/>
+                      <a:tailEnd type="none" w="med" len="med"/>
+                    </a:lnR>
+                    <a:lnT w="12700" cap="flat" cmpd="sng" algn="ctr">
+                      <a:solidFill>
+                        <a:schemeClr val="tx1"/>
+                      </a:solidFill>
+                      <a:prstDash val="solid"/>
+                      <a:round/>
+                      <a:headEnd type="none" w="med" len="med"/>
+                      <a:tailEnd type="none" w="med" len="med"/>
+                    </a:lnT>
+                    <a:lnB w="12700" cap="flat" cmpd="sng" algn="ctr">
+                      <a:solidFill>
+                        <a:schemeClr val="tx1"/>
+                      </a:solidFill>
+                      <a:prstDash val="solid"/>
+                      <a:round/>
+                      <a:headEnd type="none" w="med" len="med"/>
+                      <a:tailEnd type="none" w="med" len="med"/>
+                    </a:lnB>
+                    <a:noFill/>
+                  </a:tcPr>
+                </a:tc>
+                <a:tc>
+                  <a:txBody>
+                    <a:bodyPr/>
+                    <a:lstStyle/>
+                    <a:p>
+                      <a:endParaRPr lang="en-US"/>
+                    </a:p>
+                  </a:txBody>
+                  <a:tcPr>
+                    <a:lnL w="12700" cap="flat" cmpd="sng" algn="ctr">
+                      <a:solidFill>
+                        <a:schemeClr val="tx1"/>
+                      </a:solidFill>
+                      <a:prstDash val="solid"/>
+                      <a:round/>
+                      <a:headEnd type="none" w="med" len="med"/>
+                      <a:tailEnd type="none" w="med" len="med"/>
+                    </a:lnL>
+                    <a:lnR w="12700" cap="flat" cmpd="sng" algn="ctr">
+                      <a:solidFill>
+                        <a:schemeClr val="tx1"/>
+                      </a:solidFill>
+                      <a:prstDash val="solid"/>
+                      <a:round/>
+                      <a:headEnd type="none" w="med" len="med"/>
+                      <a:tailEnd type="none" w="med" len="med"/>
+                    </a:lnR>
+                    <a:lnT w="12700" cap="flat" cmpd="sng" algn="ctr">
+                      <a:solidFill>
+                        <a:schemeClr val="tx1"/>
+                      </a:solidFill>
+                      <a:prstDash val="solid"/>
+                      <a:round/>
+                      <a:headEnd type="none" w="med" len="med"/>
+                      <a:tailEnd type="none" w="med" len="med"/>
+                    </a:lnT>
+                    <a:lnB w="12700" cap="flat" cmpd="sng" algn="ctr">
+                      <a:solidFill>
+                        <a:schemeClr val="tx1"/>
+                      </a:solidFill>
+                      <a:prstDash val="solid"/>
+                      <a:round/>
+                      <a:headEnd type="none" w="med" len="med"/>
+                      <a:tailEnd type="none" w="med" len="med"/>
+                    </a:lnB>
+                    <a:noFill/>
+                  </a:tcPr>
+                </a:tc>
+                <a:tc>
+                  <a:txBody>
+                    <a:bodyPr/>
+                    <a:lstStyle/>
+                    <a:p>
+                      <a:endParaRPr lang="en-US" dirty="0"/>
+                    </a:p>
+                  </a:txBody>
+                  <a:tcPr>
+                    <a:lnL w="12700" cap="flat" cmpd="sng" algn="ctr">
+                      <a:solidFill>
+                        <a:schemeClr val="tx1"/>
+                      </a:solidFill>
+                      <a:prstDash val="solid"/>
+                      <a:round/>
+                      <a:headEnd type="none" w="med" len="med"/>
+                      <a:tailEnd type="none" w="med" len="med"/>
+                    </a:lnL>
+                    <a:lnR w="12700" cap="flat" cmpd="sng" algn="ctr">
+                      <a:solidFill>
+                        <a:schemeClr val="tx1"/>
+                      </a:solidFill>
+                      <a:prstDash val="solid"/>
+                      <a:round/>
+                      <a:headEnd type="none" w="med" len="med"/>
+                      <a:tailEnd type="none" w="med" len="med"/>
+                    </a:lnR>
+                    <a:lnT w="12700" cap="flat" cmpd="sng" algn="ctr">
+                      <a:solidFill>
+                        <a:schemeClr val="tx1"/>
+                      </a:solidFill>
+                      <a:prstDash val="solid"/>
+                      <a:round/>
+                      <a:headEnd type="none" w="med" len="med"/>
+                      <a:tailEnd type="none" w="med" len="med"/>
+                    </a:lnT>
+                    <a:lnB w="12700" cap="flat" cmpd="sng" algn="ctr">
+                      <a:solidFill>
+                        <a:schemeClr val="tx1"/>
+                      </a:solidFill>
+                      <a:prstDash val="solid"/>
+                      <a:round/>
+                      <a:headEnd type="none" w="med" len="med"/>
+                      <a:tailEnd type="none" w="med" len="med"/>
+                    </a:lnB>
+                    <a:noFill/>
+                  </a:tcPr>
+                </a:tc>
+                <a:extLst>
+                  <a:ext uri="{0D108BD9-81ED-4DB2-BD59-A6C34878D82A}">
+                    <a16:rowId xmlns:a16="http://schemas.microsoft.com/office/drawing/2014/main" val="4088474535"/>
+                  </a:ext>
+                </a:extLst>
+              </a:tr>
+            </a:tbl>
+          </a:graphicData>
+        </a:graphic>
+      </p:graphicFrame>
+      <p:sp>
+        <p:nvSpPr>
+          <p:cNvPr id="8" name="Rectangle 7">
+            <a:extLst>
+              <a:ext uri="{FF2B5EF4-FFF2-40B4-BE49-F238E27FC236}">
+                <a16:creationId xmlns:a16="http://schemas.microsoft.com/office/drawing/2014/main" id="{1E63AADB-3313-4680-B095-E05CF15A86ED}"/>
+              </a:ext>
+            </a:extLst>
+          </p:cNvPr>
+          <p:cNvSpPr/>
+          <p:nvPr/>
+        </p:nvSpPr>
+        <p:spPr>
+          <a:xfrm>
+            <a:off x="238125" y="1847850"/>
+            <a:ext cx="2190750" cy="4143375"/>
+          </a:xfrm>
+          <a:prstGeom prst="rect">
+            <a:avLst/>
+          </a:prstGeom>
+        </p:spPr>
+        <p:style>
+          <a:lnRef idx="2">
+            <a:schemeClr val="accent1">
+              <a:shade val="50000"/>
+            </a:schemeClr>
+          </a:lnRef>
+          <a:fillRef idx="1">
+            <a:schemeClr val="accent1"/>
+          </a:fillRef>
+          <a:effectRef idx="0">
+            <a:schemeClr val="accent1"/>
+          </a:effectRef>
+          <a:fontRef idx="minor">
+            <a:schemeClr val="lt1"/>
+          </a:fontRef>
+        </p:style>
+        <p:txBody>
+          <a:bodyPr rtlCol="0" anchor="ctr"/>
+          <a:lstStyle/>
+          <a:p>
+            <a:pPr algn="ctr"/>
+            <a:r>
+              <a:rPr lang="en-US" dirty="0"/>
+              <a:t>ZIKA CUMULATIVE</a:t>
+            </a:r>
+          </a:p>
+          <a:p>
+            <a:pPr algn="ctr"/>
+            <a:r>
+              <a:rPr lang="en-US" dirty="0"/>
+              <a:t>ZIKA VELOCITY</a:t>
+            </a:r>
+          </a:p>
+          <a:p>
+            <a:pPr algn="ctr"/>
+            <a:r>
+              <a:rPr lang="en-US" dirty="0"/>
+              <a:t>SARS CUMULATIVE</a:t>
+            </a:r>
+          </a:p>
+          <a:p>
+            <a:pPr algn="ctr"/>
+            <a:r>
+              <a:rPr lang="en-US" dirty="0"/>
+              <a:t>SARS VELOCITY</a:t>
+            </a:r>
+          </a:p>
+          <a:p>
+            <a:pPr algn="ctr"/>
+            <a:r>
+              <a:rPr lang="en-US" dirty="0"/>
+              <a:t>EBOLA CUMULATIVE</a:t>
+            </a:r>
+          </a:p>
+          <a:p>
+            <a:pPr algn="ctr"/>
+            <a:r>
+              <a:rPr lang="en-US" dirty="0"/>
+              <a:t>EBOLA VELOCITY</a:t>
+            </a:r>
+          </a:p>
+          <a:p>
+            <a:pPr algn="ctr"/>
+            <a:r>
+              <a:rPr lang="en-US"/>
+              <a:t>NEWS</a:t>
+            </a:r>
+          </a:p>
+        </p:txBody>
+      </p:sp>
+    </p:spTree>
+    <p:extLst>
+      <p:ext uri="{BB962C8B-B14F-4D97-AF65-F5344CB8AC3E}">
+        <p14:creationId xmlns:p14="http://schemas.microsoft.com/office/powerpoint/2010/main" val="2125696276"/>
+      </p:ext>
+    </p:extLst>
+  </p:cSld>
+  <p:clrMapOvr>
+    <a:masterClrMapping/>
+  </p:clrMapOvr>
+</p:sld>
+</file>
+
+<file path=ppt/slides/slide25.xml><?xml version="1.0" encoding="utf-8"?>
+<p:sld xmlns:a="http://schemas.openxmlformats.org/drawingml/2006/main" xmlns:r="http://schemas.openxmlformats.org/officeDocument/2006/relationships" xmlns:p="http://schemas.openxmlformats.org/presentationml/2006/main">
+  <p:cSld>
+    <p:spTree>
+      <p:nvGrpSpPr>
+        <p:cNvPr id="1" name=""/>
+        <p:cNvGrpSpPr/>
+        <p:nvPr/>
+      </p:nvGrpSpPr>
+      <p:grpSpPr>
+        <a:xfrm>
+          <a:off x="0" y="0"/>
+          <a:ext cx="0" cy="0"/>
+          <a:chOff x="0" y="0"/>
+          <a:chExt cx="0" cy="0"/>
+        </a:xfrm>
+      </p:grpSpPr>
+      <p:sp>
+        <p:nvSpPr>
+          <p:cNvPr id="2" name="Title 1">
+            <a:extLst>
+              <a:ext uri="{FF2B5EF4-FFF2-40B4-BE49-F238E27FC236}">
+                <a16:creationId xmlns:a16="http://schemas.microsoft.com/office/drawing/2014/main" id="{3B46789B-5826-41B0-A8F6-FDB7E7E2F61C}"/>
+              </a:ext>
+            </a:extLst>
+          </p:cNvPr>
+          <p:cNvSpPr>
+            <a:spLocks noGrp="1"/>
+          </p:cNvSpPr>
+          <p:nvPr>
+            <p:ph type="title"/>
+          </p:nvPr>
+        </p:nvSpPr>
+        <p:spPr/>
+        <p:txBody>
+          <a:bodyPr/>
+          <a:lstStyle/>
+          <a:p>
+            <a:r>
+              <a:rPr lang="en-US" u="sng" dirty="0"/>
+              <a:t>results</a:t>
+            </a:r>
+            <a:endParaRPr lang="en-US" dirty="0"/>
+          </a:p>
+        </p:txBody>
+      </p:sp>
+      <p:sp>
+        <p:nvSpPr>
+          <p:cNvPr id="3" name="Content Placeholder 2">
+            <a:extLst>
+              <a:ext uri="{FF2B5EF4-FFF2-40B4-BE49-F238E27FC236}">
+                <a16:creationId xmlns:a16="http://schemas.microsoft.com/office/drawing/2014/main" id="{9CA44606-39E5-4FDB-8AE1-1F47CD2F6E3A}"/>
+              </a:ext>
+            </a:extLst>
+          </p:cNvPr>
+          <p:cNvSpPr>
+            <a:spLocks noGrp="1"/>
+          </p:cNvSpPr>
+          <p:nvPr>
+            <p:ph sz="quarter" idx="13"/>
+          </p:nvPr>
+        </p:nvSpPr>
+        <p:spPr/>
+        <p:txBody>
+          <a:bodyPr/>
+          <a:lstStyle/>
+          <a:p>
+            <a:pPr lvl="1"/>
+            <a:endParaRPr lang="en-US" dirty="0"/>
+          </a:p>
+        </p:txBody>
+      </p:sp>
+    </p:spTree>
+    <p:extLst>
+      <p:ext uri="{BB962C8B-B14F-4D97-AF65-F5344CB8AC3E}">
+        <p14:creationId xmlns:p14="http://schemas.microsoft.com/office/powerpoint/2010/main" val="616471357"/>
+      </p:ext>
+    </p:extLst>
+  </p:cSld>
+  <p:clrMapOvr>
+    <a:masterClrMapping/>
+  </p:clrMapOvr>
+</p:sld>
+</file>
+
+<file path=ppt/slides/slide26.xml><?xml version="1.0" encoding="utf-8"?>
+<p:sld xmlns:a="http://schemas.openxmlformats.org/drawingml/2006/main" xmlns:r="http://schemas.openxmlformats.org/officeDocument/2006/relationships" xmlns:p="http://schemas.openxmlformats.org/presentationml/2006/main">
+  <p:cSld>
+    <p:spTree>
+      <p:nvGrpSpPr>
+        <p:cNvPr id="1" name=""/>
+        <p:cNvGrpSpPr/>
+        <p:nvPr/>
+      </p:nvGrpSpPr>
+      <p:grpSpPr>
+        <a:xfrm>
+          <a:off x="0" y="0"/>
+          <a:ext cx="0" cy="0"/>
+          <a:chOff x="0" y="0"/>
+          <a:chExt cx="0" cy="0"/>
+        </a:xfrm>
+      </p:grpSpPr>
+      <p:sp>
+        <p:nvSpPr>
+          <p:cNvPr id="2" name="Title 1">
+            <a:extLst>
+              <a:ext uri="{FF2B5EF4-FFF2-40B4-BE49-F238E27FC236}">
+                <a16:creationId xmlns:a16="http://schemas.microsoft.com/office/drawing/2014/main" id="{3B46789B-5826-41B0-A8F6-FDB7E7E2F61C}"/>
+              </a:ext>
+            </a:extLst>
+          </p:cNvPr>
+          <p:cNvSpPr>
+            <a:spLocks noGrp="1"/>
+          </p:cNvSpPr>
+          <p:nvPr>
+            <p:ph type="title"/>
+          </p:nvPr>
+        </p:nvSpPr>
+        <p:spPr/>
+        <p:txBody>
+          <a:bodyPr/>
+          <a:lstStyle/>
+          <a:p>
+            <a:r>
+              <a:rPr lang="en-US" u="sng" dirty="0"/>
+              <a:t>results</a:t>
+            </a:r>
+            <a:br>
+              <a:rPr lang="en-US" dirty="0"/>
+            </a:br>
+            <a:r>
+              <a:rPr lang="en-US" dirty="0"/>
+              <a:t>summary statistics</a:t>
+            </a:r>
+          </a:p>
+        </p:txBody>
+      </p:sp>
+      <p:sp>
+        <p:nvSpPr>
+          <p:cNvPr id="3" name="Content Placeholder 2">
+            <a:extLst>
+              <a:ext uri="{FF2B5EF4-FFF2-40B4-BE49-F238E27FC236}">
+                <a16:creationId xmlns:a16="http://schemas.microsoft.com/office/drawing/2014/main" id="{9CA44606-39E5-4FDB-8AE1-1F47CD2F6E3A}"/>
+              </a:ext>
+            </a:extLst>
+          </p:cNvPr>
+          <p:cNvSpPr>
+            <a:spLocks noGrp="1"/>
+          </p:cNvSpPr>
+          <p:nvPr>
+            <p:ph sz="quarter" idx="13"/>
+          </p:nvPr>
+        </p:nvSpPr>
+        <p:spPr/>
+        <p:txBody>
+          <a:bodyPr/>
+          <a:lstStyle/>
+          <a:p>
+            <a:pPr lvl="1"/>
+            <a:r>
+              <a:rPr lang="en-US" dirty="0"/>
+              <a:t>Trends of each disease</a:t>
+            </a:r>
+          </a:p>
+          <a:p>
+            <a:pPr lvl="1"/>
+            <a:r>
+              <a:rPr lang="en-US" dirty="0"/>
+              <a:t>Correlation To the market</a:t>
+            </a:r>
+          </a:p>
+        </p:txBody>
+      </p:sp>
+    </p:spTree>
+    <p:extLst>
+      <p:ext uri="{BB962C8B-B14F-4D97-AF65-F5344CB8AC3E}">
+        <p14:creationId xmlns:p14="http://schemas.microsoft.com/office/powerpoint/2010/main" val="2020118652"/>
+      </p:ext>
+    </p:extLst>
+  </p:cSld>
+  <p:clrMapOvr>
+    <a:masterClrMapping/>
+  </p:clrMapOvr>
+</p:sld>
+</file>
+
+<file path=ppt/slides/slide27.xml><?xml version="1.0" encoding="utf-8"?>
+<p:sld xmlns:a="http://schemas.openxmlformats.org/drawingml/2006/main" xmlns:r="http://schemas.openxmlformats.org/officeDocument/2006/relationships" xmlns:p="http://schemas.openxmlformats.org/presentationml/2006/main">
+  <p:cSld>
+    <p:spTree>
+      <p:nvGrpSpPr>
+        <p:cNvPr id="1" name=""/>
+        <p:cNvGrpSpPr/>
+        <p:nvPr/>
+      </p:nvGrpSpPr>
+      <p:grpSpPr>
+        <a:xfrm>
+          <a:off x="0" y="0"/>
+          <a:ext cx="0" cy="0"/>
+          <a:chOff x="0" y="0"/>
+          <a:chExt cx="0" cy="0"/>
+        </a:xfrm>
+      </p:grpSpPr>
+      <p:sp>
+        <p:nvSpPr>
+          <p:cNvPr id="2" name="Title 1">
+            <a:extLst>
+              <a:ext uri="{FF2B5EF4-FFF2-40B4-BE49-F238E27FC236}">
+                <a16:creationId xmlns:a16="http://schemas.microsoft.com/office/drawing/2014/main" id="{3B46789B-5826-41B0-A8F6-FDB7E7E2F61C}"/>
+              </a:ext>
+            </a:extLst>
+          </p:cNvPr>
+          <p:cNvSpPr>
+            <a:spLocks noGrp="1"/>
+          </p:cNvSpPr>
+          <p:nvPr>
+            <p:ph type="title"/>
+          </p:nvPr>
+        </p:nvSpPr>
+        <p:spPr/>
+        <p:txBody>
+          <a:bodyPr/>
+          <a:lstStyle/>
+          <a:p>
+            <a:r>
+              <a:rPr lang="en-US" u="sng" dirty="0"/>
+              <a:t>results</a:t>
+            </a:r>
+            <a:br>
+              <a:rPr lang="en-US" dirty="0"/>
+            </a:br>
+            <a:r>
+              <a:rPr lang="en-US" dirty="0"/>
+              <a:t>volatility</a:t>
+            </a:r>
+          </a:p>
+        </p:txBody>
+      </p:sp>
+      <p:sp>
+        <p:nvSpPr>
+          <p:cNvPr id="3" name="Content Placeholder 2">
+            <a:extLst>
+              <a:ext uri="{FF2B5EF4-FFF2-40B4-BE49-F238E27FC236}">
+                <a16:creationId xmlns:a16="http://schemas.microsoft.com/office/drawing/2014/main" id="{9CA44606-39E5-4FDB-8AE1-1F47CD2F6E3A}"/>
+              </a:ext>
+            </a:extLst>
+          </p:cNvPr>
+          <p:cNvSpPr>
+            <a:spLocks noGrp="1"/>
+          </p:cNvSpPr>
+          <p:nvPr>
+            <p:ph sz="quarter" idx="13"/>
+          </p:nvPr>
+        </p:nvSpPr>
+        <p:spPr/>
+        <p:txBody>
+          <a:bodyPr/>
+          <a:lstStyle/>
+          <a:p>
+            <a:pPr lvl="1"/>
+            <a:r>
+              <a:rPr lang="en-US" dirty="0"/>
+              <a:t>Correlation To the market</a:t>
+            </a:r>
+          </a:p>
+        </p:txBody>
+      </p:sp>
+    </p:spTree>
+    <p:extLst>
+      <p:ext uri="{BB962C8B-B14F-4D97-AF65-F5344CB8AC3E}">
+        <p14:creationId xmlns:p14="http://schemas.microsoft.com/office/powerpoint/2010/main" val="2292915938"/>
       </p:ext>
     </p:extLst>
   </p:cSld>
